--- a/01_DeepLearning.pptx
+++ b/01_DeepLearning.pptx
@@ -5,22 +5,23 @@
     <p:sldMasterId id="2147483648" r:id="rId1"/>
   </p:sldMasterIdLst>
   <p:notesMasterIdLst>
-    <p:notesMasterId r:id="rId15"/>
+    <p:notesMasterId r:id="rId16"/>
   </p:notesMasterIdLst>
   <p:sldIdLst>
     <p:sldId id="256" r:id="rId2"/>
     <p:sldId id="270" r:id="rId3"/>
-    <p:sldId id="271" r:id="rId4"/>
-    <p:sldId id="272" r:id="rId5"/>
-    <p:sldId id="273" r:id="rId6"/>
-    <p:sldId id="278" r:id="rId7"/>
-    <p:sldId id="279" r:id="rId8"/>
-    <p:sldId id="277" r:id="rId9"/>
-    <p:sldId id="274" r:id="rId10"/>
-    <p:sldId id="275" r:id="rId11"/>
-    <p:sldId id="276" r:id="rId12"/>
-    <p:sldId id="280" r:id="rId13"/>
-    <p:sldId id="259" r:id="rId14"/>
+    <p:sldId id="281" r:id="rId4"/>
+    <p:sldId id="271" r:id="rId5"/>
+    <p:sldId id="272" r:id="rId6"/>
+    <p:sldId id="273" r:id="rId7"/>
+    <p:sldId id="278" r:id="rId8"/>
+    <p:sldId id="279" r:id="rId9"/>
+    <p:sldId id="277" r:id="rId10"/>
+    <p:sldId id="274" r:id="rId11"/>
+    <p:sldId id="275" r:id="rId12"/>
+    <p:sldId id="276" r:id="rId13"/>
+    <p:sldId id="280" r:id="rId14"/>
+    <p:sldId id="259" r:id="rId15"/>
   </p:sldIdLst>
   <p:sldSz cx="9144000" cy="6858000" type="screen4x3"/>
   <p:notesSz cx="6858000" cy="9144000"/>
@@ -3637,6 +3638,172 @@
         </p:nvSpPr>
         <p:spPr>
           <a:xfrm>
+            <a:off x="0" y="2175162"/>
+            <a:ext cx="9144000" cy="1470025"/>
+          </a:xfrm>
+          <a:solidFill>
+            <a:srgbClr val="00B0F0"/>
+          </a:solidFill>
+        </p:spPr>
+        <p:txBody>
+          <a:bodyPr>
+            <a:normAutofit/>
+          </a:bodyPr>
+          <a:lstStyle/>
+          <a:p>
+            <a:r>
+              <a:rPr lang="en-US" altLang="zh-TW" sz="4800" b="1" dirty="0">
+                <a:solidFill>
+                  <a:srgbClr val="FFFF00"/>
+                </a:solidFill>
+              </a:rPr>
+              <a:t>1 Quiz</a:t>
+            </a:r>
+            <a:endParaRPr lang="zh-TW" altLang="en-US" sz="4800" b="1" dirty="0">
+              <a:solidFill>
+                <a:srgbClr val="FFFF00"/>
+              </a:solidFill>
+            </a:endParaRPr>
+          </a:p>
+        </p:txBody>
+      </p:sp>
+      <p:sp>
+        <p:nvSpPr>
+          <p:cNvPr id="5" name="日期版面配置區 4"/>
+          <p:cNvSpPr>
+            <a:spLocks noGrp="1"/>
+          </p:cNvSpPr>
+          <p:nvPr>
+            <p:ph type="dt" sz="half" idx="10"/>
+          </p:nvPr>
+        </p:nvSpPr>
+        <p:spPr/>
+        <p:txBody>
+          <a:bodyPr/>
+          <a:lstStyle/>
+          <a:p>
+            <a:fld id="{C389EDC9-19E3-47AC-9C57-C6A24DEA81AD}" type="datetime1">
+              <a:rPr lang="zh-TW" altLang="en-US" smtClean="0"/>
+              <a:pPr/>
+              <a:t>2020/6/6</a:t>
+            </a:fld>
+            <a:endParaRPr lang="zh-TW" altLang="en-US"/>
+          </a:p>
+        </p:txBody>
+      </p:sp>
+      <p:sp>
+        <p:nvSpPr>
+          <p:cNvPr id="6" name="投影片編號版面配置區 5"/>
+          <p:cNvSpPr>
+            <a:spLocks noGrp="1"/>
+          </p:cNvSpPr>
+          <p:nvPr>
+            <p:ph type="sldNum" sz="quarter" idx="12"/>
+          </p:nvPr>
+        </p:nvSpPr>
+        <p:spPr/>
+        <p:txBody>
+          <a:bodyPr/>
+          <a:lstStyle/>
+          <a:p>
+            <a:fld id="{E4D7E63D-91F2-4366-A2C4-1B00C9E2590E}" type="slidenum">
+              <a:rPr lang="zh-TW" altLang="en-US" smtClean="0"/>
+              <a:pPr/>
+              <a:t>10</a:t>
+            </a:fld>
+            <a:endParaRPr lang="zh-TW" altLang="en-US"/>
+          </a:p>
+        </p:txBody>
+      </p:sp>
+      <p:pic>
+        <p:nvPicPr>
+          <p:cNvPr id="1026" name="Picture 2" descr="Want to know how Deep Learning works? Here's a quick guide for ...">
+            <a:extLst>
+              <a:ext uri="{FF2B5EF4-FFF2-40B4-BE49-F238E27FC236}">
+                <a16:creationId xmlns:a16="http://schemas.microsoft.com/office/drawing/2014/main" id="{49911F56-A4AF-4A30-B9B3-5F5DDAF7D768}"/>
+              </a:ext>
+            </a:extLst>
+          </p:cNvPr>
+          <p:cNvPicPr>
+            <a:picLocks noChangeAspect="1" noChangeArrowheads="1"/>
+          </p:cNvPicPr>
+          <p:nvPr/>
+        </p:nvPicPr>
+        <p:blipFill>
+          <a:blip r:embed="rId2">
+            <a:extLst>
+              <a:ext uri="{28A0092B-C50C-407E-A947-70E740481C1C}">
+                <a14:useLocalDpi xmlns:a14="http://schemas.microsoft.com/office/drawing/2010/main" val="0"/>
+              </a:ext>
+            </a:extLst>
+          </a:blip>
+          <a:srcRect/>
+          <a:stretch>
+            <a:fillRect/>
+          </a:stretch>
+        </p:blipFill>
+        <p:spPr bwMode="auto">
+          <a:xfrm>
+            <a:off x="3859161" y="3779644"/>
+            <a:ext cx="1201741" cy="799704"/>
+          </a:xfrm>
+          <a:prstGeom prst="rect">
+            <a:avLst/>
+          </a:prstGeom>
+          <a:noFill/>
+          <a:extLst>
+            <a:ext uri="{909E8E84-426E-40DD-AFC4-6F175D3DCCD1}">
+              <a14:hiddenFill xmlns:a14="http://schemas.microsoft.com/office/drawing/2010/main">
+                <a:solidFill>
+                  <a:srgbClr val="FFFFFF"/>
+                </a:solidFill>
+              </a14:hiddenFill>
+            </a:ext>
+          </a:extLst>
+        </p:spPr>
+      </p:pic>
+    </p:spTree>
+    <p:extLst>
+      <p:ext uri="{BB962C8B-B14F-4D97-AF65-F5344CB8AC3E}">
+        <p14:creationId xmlns:p14="http://schemas.microsoft.com/office/powerpoint/2010/main" val="2815159533"/>
+      </p:ext>
+    </p:extLst>
+  </p:cSld>
+  <p:clrMapOvr>
+    <a:masterClrMapping/>
+  </p:clrMapOvr>
+</p:sld>
+</file>
+
+<file path=ppt/slides/slide11.xml><?xml version="1.0" encoding="utf-8"?>
+<p:sld xmlns:a="http://schemas.openxmlformats.org/drawingml/2006/main" xmlns:r="http://schemas.openxmlformats.org/officeDocument/2006/relationships" xmlns:p="http://schemas.openxmlformats.org/presentationml/2006/main">
+  <p:cSld>
+    <p:spTree>
+      <p:nvGrpSpPr>
+        <p:cNvPr id="1" name=""/>
+        <p:cNvGrpSpPr/>
+        <p:nvPr/>
+      </p:nvGrpSpPr>
+      <p:grpSpPr>
+        <a:xfrm>
+          <a:off x="0" y="0"/>
+          <a:ext cx="0" cy="0"/>
+          <a:chOff x="0" y="0"/>
+          <a:chExt cx="0" cy="0"/>
+        </a:xfrm>
+      </p:grpSpPr>
+      <p:sp>
+        <p:nvSpPr>
+          <p:cNvPr id="2" name="標題 1"/>
+          <p:cNvSpPr>
+            <a:spLocks noGrp="1"/>
+          </p:cNvSpPr>
+          <p:nvPr>
+            <p:ph type="ctrTitle"/>
+          </p:nvPr>
+        </p:nvSpPr>
+        <p:spPr>
+          <a:xfrm>
             <a:off x="0" y="1"/>
             <a:ext cx="9144000" cy="764704"/>
           </a:xfrm>
@@ -3809,7 +3976,7 @@
             <a:fld id="{E4D7E63D-91F2-4366-A2C4-1B00C9E2590E}" type="slidenum">
               <a:rPr lang="zh-TW" altLang="en-US" smtClean="0"/>
               <a:pPr/>
-              <a:t>10</a:t>
+              <a:t>11</a:t>
             </a:fld>
             <a:endParaRPr lang="zh-TW" altLang="en-US"/>
           </a:p>
@@ -4070,7 +4237,7 @@
 </p:sld>
 </file>
 
-<file path=ppt/slides/slide11.xml><?xml version="1.0" encoding="utf-8"?>
+<file path=ppt/slides/slide12.xml><?xml version="1.0" encoding="utf-8"?>
 <p:sld xmlns:a="http://schemas.openxmlformats.org/drawingml/2006/main" xmlns:r="http://schemas.openxmlformats.org/officeDocument/2006/relationships" xmlns:p="http://schemas.openxmlformats.org/presentationml/2006/main">
   <p:cSld>
     <p:spTree>
@@ -4271,7 +4438,7 @@
             <a:fld id="{E4D7E63D-91F2-4366-A2C4-1B00C9E2590E}" type="slidenum">
               <a:rPr lang="zh-TW" altLang="en-US" smtClean="0"/>
               <a:pPr/>
-              <a:t>11</a:t>
+              <a:t>12</a:t>
             </a:fld>
             <a:endParaRPr lang="zh-TW" altLang="en-US"/>
           </a:p>
@@ -4532,7 +4699,7 @@
 </p:sld>
 </file>
 
-<file path=ppt/slides/slide12.xml><?xml version="1.0" encoding="utf-8"?>
+<file path=ppt/slides/slide13.xml><?xml version="1.0" encoding="utf-8"?>
 <p:sld xmlns:a="http://schemas.openxmlformats.org/drawingml/2006/main" xmlns:r="http://schemas.openxmlformats.org/officeDocument/2006/relationships" xmlns:p="http://schemas.openxmlformats.org/presentationml/2006/main">
   <p:cSld>
     <p:spTree>
@@ -4733,7 +4900,7 @@
             <a:fld id="{E4D7E63D-91F2-4366-A2C4-1B00C9E2590E}" type="slidenum">
               <a:rPr lang="zh-TW" altLang="en-US" smtClean="0"/>
               <a:pPr/>
-              <a:t>12</a:t>
+              <a:t>13</a:t>
             </a:fld>
             <a:endParaRPr lang="zh-TW" altLang="en-US"/>
           </a:p>
@@ -5734,7 +5901,7 @@
 </p:sld>
 </file>
 
-<file path=ppt/slides/slide13.xml><?xml version="1.0" encoding="utf-8"?>
+<file path=ppt/slides/slide14.xml><?xml version="1.0" encoding="utf-8"?>
 <p:sld xmlns:a="http://schemas.openxmlformats.org/drawingml/2006/main" xmlns:r="http://schemas.openxmlformats.org/officeDocument/2006/relationships" xmlns:p="http://schemas.openxmlformats.org/presentationml/2006/main">
   <p:cSld>
     <p:spTree>
@@ -5857,7 +6024,7 @@
             <a:fld id="{E4D7E63D-91F2-4366-A2C4-1B00C9E2590E}" type="slidenum">
               <a:rPr lang="zh-TW" altLang="en-US" smtClean="0"/>
               <a:pPr/>
-              <a:t>13</a:t>
+              <a:t>14</a:t>
             </a:fld>
             <a:endParaRPr lang="zh-TW" altLang="en-US"/>
           </a:p>
@@ -5965,8 +6132,8 @@
         </p:nvSpPr>
         <p:spPr>
           <a:xfrm>
-            <a:off x="467544" y="1268759"/>
-            <a:ext cx="8352928" cy="3744417"/>
+            <a:off x="467544" y="1268760"/>
+            <a:ext cx="8352928" cy="1152130"/>
           </a:xfrm>
           <a:ln>
             <a:solidFill>
@@ -5994,21 +6161,8 @@
                   <a:schemeClr val="tx1"/>
                 </a:solidFill>
               </a:rPr>
-              <a:t>Install </a:t>
-            </a:r>
-            <a:r>
-              <a:rPr lang="en-US" sz="1800" b="1" dirty="0" err="1">
-                <a:solidFill>
-                  <a:schemeClr val="tx1"/>
-                </a:solidFill>
-              </a:rPr>
-              <a:t>Tensorflow</a:t>
-            </a:r>
-            <a:endParaRPr lang="en-US" sz="1800" b="1" dirty="0">
-              <a:solidFill>
-                <a:schemeClr val="tx1"/>
-              </a:solidFill>
-            </a:endParaRPr>
+              <a:t>Relation of Deep Learning:</a:t>
+            </a:r>
           </a:p>
           <a:p>
             <a:pPr marL="342900" indent="-342900" algn="l">
@@ -6020,444 +6174,12 @@
               <a:buChar char="u"/>
             </a:pPr>
             <a:r>
-              <a:rPr lang="en-US" sz="1800" dirty="0">
-                <a:solidFill>
-                  <a:srgbClr val="0000FF"/>
-                </a:solidFill>
-                <a:hlinkClick r:id="rId2">
-                  <a:extLst>
-                    <a:ext uri="{A12FA001-AC4F-418D-AE19-62706E023703}">
-                      <ahyp:hlinkClr xmlns:ahyp="http://schemas.microsoft.com/office/drawing/2018/hyperlinkcolor" val="tx"/>
-                    </a:ext>
-                  </a:extLst>
-                </a:hlinkClick>
-              </a:rPr>
-              <a:t>https://www.tutorialspoint.com/tensorflow/tensorflow_installation.htm</a:t>
-            </a:r>
-            <a:endParaRPr lang="en-US" sz="1800" b="1" dirty="0">
-              <a:solidFill>
-                <a:schemeClr val="tx1"/>
-              </a:solidFill>
-            </a:endParaRPr>
-          </a:p>
-          <a:p>
-            <a:pPr marL="342900" indent="-342900" algn="l">
-              <a:buClr>
-                <a:srgbClr val="0070C0"/>
-              </a:buClr>
-              <a:buSzPct val="80000"/>
-              <a:buFont typeface="Wingdings" pitchFamily="2" charset="2"/>
-              <a:buChar char="u"/>
-            </a:pPr>
-            <a:r>
-              <a:rPr lang="en-US" sz="1800" dirty="0">
+              <a:rPr lang="en-US" sz="1800" b="1" dirty="0">
                 <a:solidFill>
                   <a:schemeClr val="tx1"/>
                 </a:solidFill>
               </a:rPr>
-              <a:t>We need to create a totally clean </a:t>
-            </a:r>
-            <a:r>
-              <a:rPr lang="en-US" sz="1800" dirty="0" err="1">
-                <a:solidFill>
-                  <a:schemeClr val="tx1"/>
-                </a:solidFill>
-              </a:rPr>
-              <a:t>enviornemnt</a:t>
-            </a:r>
-            <a:r>
-              <a:rPr lang="en-US" sz="1800" dirty="0">
-                <a:solidFill>
-                  <a:schemeClr val="tx1"/>
-                </a:solidFill>
-              </a:rPr>
-              <a:t> for </a:t>
-            </a:r>
-            <a:r>
-              <a:rPr lang="en-US" sz="1800" dirty="0" err="1">
-                <a:solidFill>
-                  <a:schemeClr val="tx1"/>
-                </a:solidFill>
-              </a:rPr>
-              <a:t>tensorflow</a:t>
-            </a:r>
-            <a:r>
-              <a:rPr lang="en-US" sz="1800" dirty="0">
-                <a:solidFill>
-                  <a:schemeClr val="tx1"/>
-                </a:solidFill>
-              </a:rPr>
-              <a:t> and GPU.</a:t>
-            </a:r>
-          </a:p>
-          <a:p>
-            <a:pPr marL="342900" indent="-342900" algn="l">
-              <a:buClr>
-                <a:srgbClr val="0070C0"/>
-              </a:buClr>
-              <a:buSzPct val="80000"/>
-              <a:buFont typeface="Wingdings" pitchFamily="2" charset="2"/>
-              <a:buChar char="u"/>
-            </a:pPr>
-            <a:r>
-              <a:rPr lang="en-US" sz="1800" dirty="0">
-                <a:solidFill>
-                  <a:schemeClr val="tx1"/>
-                </a:solidFill>
-              </a:rPr>
-              <a:t>&gt; </a:t>
-            </a:r>
-            <a:r>
-              <a:rPr lang="en-US" sz="1800" dirty="0" err="1">
-                <a:solidFill>
-                  <a:schemeClr val="tx1"/>
-                </a:solidFill>
-              </a:rPr>
-              <a:t>conda</a:t>
-            </a:r>
-            <a:r>
-              <a:rPr lang="en-US" sz="1800" dirty="0">
-                <a:solidFill>
-                  <a:schemeClr val="tx1"/>
-                </a:solidFill>
-              </a:rPr>
-              <a:t> create --name </a:t>
-            </a:r>
-            <a:r>
-              <a:rPr lang="en-US" sz="1800" dirty="0" err="1">
-                <a:solidFill>
-                  <a:schemeClr val="tx1"/>
-                </a:solidFill>
-              </a:rPr>
-              <a:t>tf</a:t>
-            </a:r>
-            <a:r>
-              <a:rPr lang="en-US" sz="1800" dirty="0">
-                <a:solidFill>
-                  <a:schemeClr val="tx1"/>
-                </a:solidFill>
-              </a:rPr>
-              <a:t> python=3.7</a:t>
-            </a:r>
-          </a:p>
-          <a:p>
-            <a:pPr marL="342900" indent="-342900" algn="l">
-              <a:buClr>
-                <a:srgbClr val="0070C0"/>
-              </a:buClr>
-              <a:buSzPct val="80000"/>
-              <a:buFont typeface="Wingdings" pitchFamily="2" charset="2"/>
-              <a:buChar char="u"/>
-            </a:pPr>
-            <a:r>
-              <a:rPr lang="en-US" sz="1800" dirty="0">
-                <a:solidFill>
-                  <a:srgbClr val="C00000"/>
-                </a:solidFill>
-              </a:rPr>
-              <a:t>&gt; </a:t>
-            </a:r>
-            <a:r>
-              <a:rPr lang="en-US" sz="1800" dirty="0" err="1">
-                <a:solidFill>
-                  <a:srgbClr val="C00000"/>
-                </a:solidFill>
-              </a:rPr>
-              <a:t>cond</a:t>
-            </a:r>
-            <a:r>
-              <a:rPr lang="en-US" sz="1800" dirty="0">
-                <a:solidFill>
-                  <a:srgbClr val="C00000"/>
-                </a:solidFill>
-              </a:rPr>
-              <a:t> activate </a:t>
-            </a:r>
-            <a:r>
-              <a:rPr lang="en-US" sz="1800" dirty="0" err="1">
-                <a:solidFill>
-                  <a:srgbClr val="C00000"/>
-                </a:solidFill>
-              </a:rPr>
-              <a:t>tf</a:t>
-            </a:r>
-            <a:endParaRPr lang="en-US" sz="1800" dirty="0">
-              <a:solidFill>
-                <a:srgbClr val="C00000"/>
-              </a:solidFill>
-            </a:endParaRPr>
-          </a:p>
-          <a:p>
-            <a:pPr marL="342900" indent="-342900" algn="l">
-              <a:buClr>
-                <a:srgbClr val="0070C0"/>
-              </a:buClr>
-              <a:buSzPct val="80000"/>
-              <a:buFont typeface="Wingdings" pitchFamily="2" charset="2"/>
-              <a:buChar char="u"/>
-            </a:pPr>
-            <a:r>
-              <a:rPr lang="en-US" sz="1800" dirty="0">
-                <a:solidFill>
-                  <a:srgbClr val="C00000"/>
-                </a:solidFill>
-              </a:rPr>
-              <a:t>(</a:t>
-            </a:r>
-            <a:r>
-              <a:rPr lang="en-US" sz="1800" dirty="0" err="1">
-                <a:solidFill>
-                  <a:srgbClr val="C00000"/>
-                </a:solidFill>
-              </a:rPr>
-              <a:t>tf</a:t>
-            </a:r>
-            <a:r>
-              <a:rPr lang="en-US" sz="1800" dirty="0">
-                <a:solidFill>
-                  <a:srgbClr val="C00000"/>
-                </a:solidFill>
-              </a:rPr>
-              <a:t>) </a:t>
-            </a:r>
-            <a:r>
-              <a:rPr lang="en-US" sz="1800" dirty="0">
-                <a:solidFill>
-                  <a:schemeClr val="tx1"/>
-                </a:solidFill>
-              </a:rPr>
-              <a:t>&gt; </a:t>
-            </a:r>
-            <a:r>
-              <a:rPr lang="en-US" sz="1800" dirty="0">
-                <a:solidFill>
-                  <a:srgbClr val="C00000"/>
-                </a:solidFill>
-              </a:rPr>
-              <a:t>pip install </a:t>
-            </a:r>
-            <a:r>
-              <a:rPr lang="en-US" sz="1800" dirty="0" err="1">
-                <a:solidFill>
-                  <a:srgbClr val="C00000"/>
-                </a:solidFill>
-              </a:rPr>
-              <a:t>tensorflow</a:t>
-            </a:r>
-            <a:endParaRPr lang="en-US" sz="1800" dirty="0">
-              <a:solidFill>
-                <a:srgbClr val="C00000"/>
-              </a:solidFill>
-            </a:endParaRPr>
-          </a:p>
-          <a:p>
-            <a:pPr marL="342900" indent="-342900" algn="l">
-              <a:buClr>
-                <a:srgbClr val="0070C0"/>
-              </a:buClr>
-              <a:buSzPct val="80000"/>
-              <a:buFont typeface="Wingdings" pitchFamily="2" charset="2"/>
-              <a:buChar char="u"/>
-            </a:pPr>
-            <a:r>
-              <a:rPr lang="en-US" sz="1800" dirty="0">
-                <a:solidFill>
-                  <a:srgbClr val="C00000"/>
-                </a:solidFill>
-              </a:rPr>
-              <a:t>(</a:t>
-            </a:r>
-            <a:r>
-              <a:rPr lang="en-US" sz="1800" dirty="0" err="1">
-                <a:solidFill>
-                  <a:srgbClr val="C00000"/>
-                </a:solidFill>
-              </a:rPr>
-              <a:t>tf</a:t>
-            </a:r>
-            <a:r>
-              <a:rPr lang="en-US" sz="1800" dirty="0">
-                <a:solidFill>
-                  <a:srgbClr val="C00000"/>
-                </a:solidFill>
-              </a:rPr>
-              <a:t>) &gt; pip install scikit-learn   # for </a:t>
-            </a:r>
-            <a:r>
-              <a:rPr lang="en-US" sz="1800" dirty="0" err="1">
-                <a:solidFill>
-                  <a:srgbClr val="C00000"/>
-                </a:solidFill>
-              </a:rPr>
-              <a:t>sklearn</a:t>
-            </a:r>
-            <a:r>
-              <a:rPr lang="en-US" sz="1800" dirty="0">
-                <a:solidFill>
-                  <a:srgbClr val="C00000"/>
-                </a:solidFill>
-              </a:rPr>
-              <a:t> </a:t>
-            </a:r>
-          </a:p>
-          <a:p>
-            <a:pPr marL="342900" indent="-342900" algn="l">
-              <a:buClr>
-                <a:srgbClr val="0070C0"/>
-              </a:buClr>
-              <a:buSzPct val="80000"/>
-              <a:buFont typeface="Wingdings" pitchFamily="2" charset="2"/>
-              <a:buChar char="u"/>
-            </a:pPr>
-            <a:r>
-              <a:rPr lang="en-US" sz="1800" dirty="0">
-                <a:solidFill>
-                  <a:schemeClr val="tx1"/>
-                </a:solidFill>
-              </a:rPr>
-              <a:t>&gt; </a:t>
-            </a:r>
-            <a:r>
-              <a:rPr lang="en-US" sz="1800" dirty="0" err="1">
-                <a:solidFill>
-                  <a:schemeClr val="tx1"/>
-                </a:solidFill>
-              </a:rPr>
-              <a:t>conda</a:t>
-            </a:r>
-            <a:r>
-              <a:rPr lang="en-US" sz="1800" dirty="0">
-                <a:solidFill>
-                  <a:schemeClr val="tx1"/>
-                </a:solidFill>
-              </a:rPr>
-              <a:t> deactivate</a:t>
-            </a:r>
-          </a:p>
-          <a:p>
-            <a:pPr marL="342900" indent="-342900" algn="l">
-              <a:buClr>
-                <a:srgbClr val="0070C0"/>
-              </a:buClr>
-              <a:buSzPct val="80000"/>
-              <a:buFont typeface="Wingdings" pitchFamily="2" charset="2"/>
-              <a:buChar char="u"/>
-            </a:pPr>
-            <a:r>
-              <a:rPr lang="en-US" sz="1800" dirty="0">
-                <a:solidFill>
-                  <a:schemeClr val="tx1"/>
-                </a:solidFill>
-              </a:rPr>
-              <a:t>We will use the environment in this discussion.</a:t>
-            </a:r>
-          </a:p>
-          <a:p>
-            <a:pPr marL="342900" indent="-342900" algn="l">
-              <a:buClr>
-                <a:srgbClr val="0070C0"/>
-              </a:buClr>
-              <a:buSzPct val="80000"/>
-              <a:buFont typeface="Wingdings" pitchFamily="2" charset="2"/>
-              <a:buChar char="u"/>
-            </a:pPr>
-            <a:r>
-              <a:rPr lang="en-US" sz="1800" dirty="0">
-                <a:solidFill>
-                  <a:schemeClr val="tx1"/>
-                </a:solidFill>
-              </a:rPr>
-              <a:t>How to remove the </a:t>
-            </a:r>
-            <a:r>
-              <a:rPr lang="en-US" sz="1800" dirty="0" err="1">
-                <a:solidFill>
-                  <a:schemeClr val="tx1"/>
-                </a:solidFill>
-              </a:rPr>
-              <a:t>conda</a:t>
-            </a:r>
-            <a:r>
-              <a:rPr lang="en-US" sz="1800" dirty="0">
-                <a:solidFill>
-                  <a:schemeClr val="tx1"/>
-                </a:solidFill>
-              </a:rPr>
-              <a:t> </a:t>
-            </a:r>
-            <a:r>
-              <a:rPr lang="en-US" sz="1800" dirty="0" err="1">
-                <a:solidFill>
-                  <a:schemeClr val="tx1"/>
-                </a:solidFill>
-              </a:rPr>
-              <a:t>envoriment</a:t>
-            </a:r>
-            <a:r>
-              <a:rPr lang="en-US" sz="1800" dirty="0">
-                <a:solidFill>
-                  <a:schemeClr val="tx1"/>
-                </a:solidFill>
-              </a:rPr>
-              <a:t>? </a:t>
-            </a:r>
-          </a:p>
-          <a:p>
-            <a:pPr marL="342900" indent="-342900" algn="l">
-              <a:buClr>
-                <a:srgbClr val="0070C0"/>
-              </a:buClr>
-              <a:buSzPct val="80000"/>
-              <a:buFont typeface="Wingdings" pitchFamily="2" charset="2"/>
-              <a:buChar char="u"/>
-            </a:pPr>
-            <a:r>
-              <a:rPr lang="en-US" sz="1800" dirty="0">
-                <a:solidFill>
-                  <a:schemeClr val="tx1"/>
-                </a:solidFill>
-              </a:rPr>
-              <a:t>&gt; </a:t>
-            </a:r>
-            <a:r>
-              <a:rPr lang="en-US" sz="1800" dirty="0" err="1">
-                <a:solidFill>
-                  <a:schemeClr val="tx1"/>
-                </a:solidFill>
-              </a:rPr>
-              <a:t>conda</a:t>
-            </a:r>
-            <a:r>
-              <a:rPr lang="en-US" sz="1800" dirty="0">
-                <a:solidFill>
-                  <a:schemeClr val="tx1"/>
-                </a:solidFill>
-              </a:rPr>
-              <a:t> remove </a:t>
-            </a:r>
-            <a:r>
-              <a:rPr lang="en-US" sz="1800" dirty="0" err="1">
-                <a:solidFill>
-                  <a:schemeClr val="tx1"/>
-                </a:solidFill>
-              </a:rPr>
-              <a:t>tf</a:t>
-            </a:r>
-            <a:r>
-              <a:rPr lang="en-US" sz="1800" dirty="0">
-                <a:solidFill>
-                  <a:schemeClr val="tx1"/>
-                </a:solidFill>
-              </a:rPr>
-              <a:t>   # remove </a:t>
-            </a:r>
-            <a:r>
-              <a:rPr lang="en-US" sz="1800" dirty="0" err="1">
-                <a:solidFill>
-                  <a:schemeClr val="tx1"/>
-                </a:solidFill>
-              </a:rPr>
-              <a:t>environemt</a:t>
+              <a:t>Relationship of Artificial Intelligence, Machine Learning, Deep Learning, Data Science, and Big Data.</a:t>
             </a:r>
             <a:endParaRPr lang="en-US" sz="1800" dirty="0">
               <a:solidFill>
@@ -6523,7 +6245,7 @@
             </a:pPr>
             <a:r>
               <a:rPr lang="en-US" sz="1600" dirty="0">
-                <a:hlinkClick r:id="rId3"/>
+                <a:hlinkClick r:id="rId2"/>
               </a:rPr>
               <a:t>https://www.youtube.com/watch?v=GCFmqet--Lc&amp;list=PLZbbT5o_s2xrwRnXk_yCPtnqqo4_u2YGL&amp;index=2</a:t>
             </a:r>
@@ -6592,6 +6314,76 @@
           </a:p>
         </p:txBody>
       </p:sp>
+      <p:pic>
+        <p:nvPicPr>
+          <p:cNvPr id="7" name="Picture 6">
+            <a:extLst>
+              <a:ext uri="{FF2B5EF4-FFF2-40B4-BE49-F238E27FC236}">
+                <a16:creationId xmlns:a16="http://schemas.microsoft.com/office/drawing/2014/main" id="{E9D3F324-5445-454B-A942-163AEEBAF211}"/>
+              </a:ext>
+            </a:extLst>
+          </p:cNvPr>
+          <p:cNvPicPr>
+            <a:picLocks noChangeAspect="1"/>
+          </p:cNvPicPr>
+          <p:nvPr/>
+        </p:nvPicPr>
+        <p:blipFill>
+          <a:blip r:embed="rId3"/>
+          <a:stretch>
+            <a:fillRect/>
+          </a:stretch>
+        </p:blipFill>
+        <p:spPr>
+          <a:xfrm>
+            <a:off x="2195736" y="2743634"/>
+            <a:ext cx="3743325" cy="3152775"/>
+          </a:xfrm>
+          <a:prstGeom prst="rect">
+            <a:avLst/>
+          </a:prstGeom>
+          <a:ln>
+            <a:solidFill>
+              <a:srgbClr val="C00000"/>
+            </a:solidFill>
+          </a:ln>
+        </p:spPr>
+      </p:pic>
+      <p:pic>
+        <p:nvPicPr>
+          <p:cNvPr id="10" name="Picture 9">
+            <a:extLst>
+              <a:ext uri="{FF2B5EF4-FFF2-40B4-BE49-F238E27FC236}">
+                <a16:creationId xmlns:a16="http://schemas.microsoft.com/office/drawing/2014/main" id="{18AB228B-3B43-4A98-90DB-4E6140B230A8}"/>
+              </a:ext>
+            </a:extLst>
+          </p:cNvPr>
+          <p:cNvPicPr>
+            <a:picLocks noChangeAspect="1"/>
+          </p:cNvPicPr>
+          <p:nvPr/>
+        </p:nvPicPr>
+        <p:blipFill>
+          <a:blip r:embed="rId3"/>
+          <a:stretch>
+            <a:fillRect/>
+          </a:stretch>
+        </p:blipFill>
+        <p:spPr>
+          <a:xfrm>
+            <a:off x="3203848" y="2564906"/>
+            <a:ext cx="3743325" cy="3152775"/>
+          </a:xfrm>
+          <a:prstGeom prst="rect">
+            <a:avLst/>
+          </a:prstGeom>
+          <a:ln>
+            <a:solidFill>
+              <a:srgbClr val="C00000"/>
+            </a:solidFill>
+          </a:ln>
+        </p:spPr>
+      </p:pic>
     </p:spTree>
     <p:extLst>
       <p:ext uri="{BB962C8B-B14F-4D97-AF65-F5344CB8AC3E}">
@@ -6677,15 +6469,7 @@
                   <a:srgbClr val="FFFF00"/>
                 </a:solidFill>
               </a:rPr>
-              <a:t>2 Get Started with </a:t>
-            </a:r>
-            <a:r>
-              <a:rPr lang="en-US" altLang="zh-TW" b="1" dirty="0" err="1">
-                <a:solidFill>
-                  <a:srgbClr val="FFFF00"/>
-                </a:solidFill>
-              </a:rPr>
-              <a:t>Tensorflow</a:t>
+              <a:t>1 Deep Learning</a:t>
             </a:r>
             <a:endParaRPr lang="zh-TW" altLang="en-US" b="1" dirty="0">
               <a:solidFill>
@@ -6708,7 +6492,7 @@
         <p:spPr>
           <a:xfrm>
             <a:off x="467544" y="1268759"/>
-            <a:ext cx="8352928" cy="1025415"/>
+            <a:ext cx="8352928" cy="3744417"/>
           </a:xfrm>
           <a:ln>
             <a:solidFill>
@@ -6746,8 +6530,10 @@
               </a:rPr>
               <a:t>Tensorflow</a:t>
             </a:r>
-            <a:endParaRPr lang="en-US" sz="1800" dirty="0">
-              <a:hlinkClick r:id="rId2"/>
+            <a:endParaRPr lang="en-US" sz="1800" b="1" dirty="0">
+              <a:solidFill>
+                <a:schemeClr val="tx1"/>
+              </a:solidFill>
             </a:endParaRPr>
           </a:p>
           <a:p>
@@ -6761,7 +6547,16 @@
             </a:pPr>
             <a:r>
               <a:rPr lang="en-US" sz="1800" dirty="0">
-                <a:hlinkClick r:id="rId2"/>
+                <a:solidFill>
+                  <a:srgbClr val="0000FF"/>
+                </a:solidFill>
+                <a:hlinkClick r:id="rId2">
+                  <a:extLst>
+                    <a:ext uri="{A12FA001-AC4F-418D-AE19-62706E023703}">
+                      <ahyp:hlinkClr xmlns:ahyp="http://schemas.microsoft.com/office/drawing/2018/hyperlinkcolor" val="tx"/>
+                    </a:ext>
+                  </a:extLst>
+                </a:hlinkClick>
               </a:rPr>
               <a:t>https://www.tutorialspoint.com/tensorflow/tensorflow_installation.htm</a:t>
             </a:r>
@@ -6786,6 +6581,56 @@
                   <a:schemeClr val="tx1"/>
                 </a:solidFill>
               </a:rPr>
+              <a:t>We need to create a totally clean </a:t>
+            </a:r>
+            <a:r>
+              <a:rPr lang="en-US" sz="1800" dirty="0" err="1">
+                <a:solidFill>
+                  <a:schemeClr val="tx1"/>
+                </a:solidFill>
+              </a:rPr>
+              <a:t>enviornemnt</a:t>
+            </a:r>
+            <a:r>
+              <a:rPr lang="en-US" sz="1800" dirty="0">
+                <a:solidFill>
+                  <a:schemeClr val="tx1"/>
+                </a:solidFill>
+              </a:rPr>
+              <a:t> for </a:t>
+            </a:r>
+            <a:r>
+              <a:rPr lang="en-US" sz="1800" dirty="0" err="1">
+                <a:solidFill>
+                  <a:schemeClr val="tx1"/>
+                </a:solidFill>
+              </a:rPr>
+              <a:t>tensorflow</a:t>
+            </a:r>
+            <a:r>
+              <a:rPr lang="en-US" sz="1800" dirty="0">
+                <a:solidFill>
+                  <a:schemeClr val="tx1"/>
+                </a:solidFill>
+              </a:rPr>
+              <a:t> and GPU.</a:t>
+            </a:r>
+          </a:p>
+          <a:p>
+            <a:pPr marL="342900" indent="-342900" algn="l">
+              <a:buClr>
+                <a:srgbClr val="0070C0"/>
+              </a:buClr>
+              <a:buSzPct val="80000"/>
+              <a:buFont typeface="Wingdings" pitchFamily="2" charset="2"/>
+              <a:buChar char="u"/>
+            </a:pPr>
+            <a:r>
+              <a:rPr lang="en-US" sz="1800" dirty="0">
+                <a:solidFill>
+                  <a:schemeClr val="tx1"/>
+                </a:solidFill>
+              </a:rPr>
               <a:t>&gt; </a:t>
             </a:r>
             <a:r>
@@ -6794,7 +6639,7 @@
                   <a:schemeClr val="tx1"/>
                 </a:solidFill>
               </a:rPr>
-              <a:t>pyhton</a:t>
+              <a:t>conda</a:t>
             </a:r>
             <a:r>
               <a:rPr lang="en-US" sz="1800" dirty="0">
@@ -6802,8 +6647,349 @@
                   <a:schemeClr val="tx1"/>
                 </a:solidFill>
               </a:rPr>
-              <a:t> 05_simple_sequential_model.py</a:t>
-            </a:r>
+              <a:t> create --name </a:t>
+            </a:r>
+            <a:r>
+              <a:rPr lang="en-US" sz="1800" dirty="0" err="1">
+                <a:solidFill>
+                  <a:schemeClr val="tx1"/>
+                </a:solidFill>
+              </a:rPr>
+              <a:t>tf</a:t>
+            </a:r>
+            <a:r>
+              <a:rPr lang="en-US" sz="1800" dirty="0">
+                <a:solidFill>
+                  <a:schemeClr val="tx1"/>
+                </a:solidFill>
+              </a:rPr>
+              <a:t> python=3.7</a:t>
+            </a:r>
+          </a:p>
+          <a:p>
+            <a:pPr marL="342900" indent="-342900" algn="l">
+              <a:buClr>
+                <a:srgbClr val="0070C0"/>
+              </a:buClr>
+              <a:buSzPct val="80000"/>
+              <a:buFont typeface="Wingdings" pitchFamily="2" charset="2"/>
+              <a:buChar char="u"/>
+            </a:pPr>
+            <a:r>
+              <a:rPr lang="en-US" sz="1800" dirty="0">
+                <a:solidFill>
+                  <a:srgbClr val="C00000"/>
+                </a:solidFill>
+              </a:rPr>
+              <a:t>&gt; </a:t>
+            </a:r>
+            <a:r>
+              <a:rPr lang="en-US" sz="1800" dirty="0" err="1">
+                <a:solidFill>
+                  <a:srgbClr val="C00000"/>
+                </a:solidFill>
+              </a:rPr>
+              <a:t>cond</a:t>
+            </a:r>
+            <a:r>
+              <a:rPr lang="en-US" sz="1800" dirty="0">
+                <a:solidFill>
+                  <a:srgbClr val="C00000"/>
+                </a:solidFill>
+              </a:rPr>
+              <a:t> activate </a:t>
+            </a:r>
+            <a:r>
+              <a:rPr lang="en-US" sz="1800" dirty="0" err="1">
+                <a:solidFill>
+                  <a:srgbClr val="C00000"/>
+                </a:solidFill>
+              </a:rPr>
+              <a:t>tf</a:t>
+            </a:r>
+            <a:endParaRPr lang="en-US" sz="1800" dirty="0">
+              <a:solidFill>
+                <a:srgbClr val="C00000"/>
+              </a:solidFill>
+            </a:endParaRPr>
+          </a:p>
+          <a:p>
+            <a:pPr marL="342900" indent="-342900" algn="l">
+              <a:buClr>
+                <a:srgbClr val="0070C0"/>
+              </a:buClr>
+              <a:buSzPct val="80000"/>
+              <a:buFont typeface="Wingdings" pitchFamily="2" charset="2"/>
+              <a:buChar char="u"/>
+            </a:pPr>
+            <a:r>
+              <a:rPr lang="en-US" sz="1800" dirty="0">
+                <a:solidFill>
+                  <a:srgbClr val="C00000"/>
+                </a:solidFill>
+              </a:rPr>
+              <a:t>(</a:t>
+            </a:r>
+            <a:r>
+              <a:rPr lang="en-US" sz="1800" dirty="0" err="1">
+                <a:solidFill>
+                  <a:srgbClr val="C00000"/>
+                </a:solidFill>
+              </a:rPr>
+              <a:t>tf</a:t>
+            </a:r>
+            <a:r>
+              <a:rPr lang="en-US" sz="1800" dirty="0">
+                <a:solidFill>
+                  <a:srgbClr val="C00000"/>
+                </a:solidFill>
+              </a:rPr>
+              <a:t>) </a:t>
+            </a:r>
+            <a:r>
+              <a:rPr lang="en-US" sz="1800" dirty="0">
+                <a:solidFill>
+                  <a:schemeClr val="tx1"/>
+                </a:solidFill>
+              </a:rPr>
+              <a:t>&gt; </a:t>
+            </a:r>
+            <a:r>
+              <a:rPr lang="en-US" sz="1800" dirty="0">
+                <a:solidFill>
+                  <a:srgbClr val="C00000"/>
+                </a:solidFill>
+              </a:rPr>
+              <a:t>pip install </a:t>
+            </a:r>
+            <a:r>
+              <a:rPr lang="en-US" sz="1800" dirty="0" err="1">
+                <a:solidFill>
+                  <a:srgbClr val="C00000"/>
+                </a:solidFill>
+              </a:rPr>
+              <a:t>tensorflow</a:t>
+            </a:r>
+            <a:endParaRPr lang="en-US" sz="1800" dirty="0">
+              <a:solidFill>
+                <a:srgbClr val="C00000"/>
+              </a:solidFill>
+            </a:endParaRPr>
+          </a:p>
+          <a:p>
+            <a:pPr marL="342900" indent="-342900" algn="l">
+              <a:buClr>
+                <a:srgbClr val="0070C0"/>
+              </a:buClr>
+              <a:buSzPct val="80000"/>
+              <a:buFont typeface="Wingdings" pitchFamily="2" charset="2"/>
+              <a:buChar char="u"/>
+            </a:pPr>
+            <a:r>
+              <a:rPr lang="en-US" sz="1800" dirty="0">
+                <a:solidFill>
+                  <a:srgbClr val="C00000"/>
+                </a:solidFill>
+              </a:rPr>
+              <a:t>(</a:t>
+            </a:r>
+            <a:r>
+              <a:rPr lang="en-US" sz="1800" dirty="0" err="1">
+                <a:solidFill>
+                  <a:srgbClr val="C00000"/>
+                </a:solidFill>
+              </a:rPr>
+              <a:t>tf</a:t>
+            </a:r>
+            <a:r>
+              <a:rPr lang="en-US" sz="1800" dirty="0">
+                <a:solidFill>
+                  <a:srgbClr val="C00000"/>
+                </a:solidFill>
+              </a:rPr>
+              <a:t>) &gt; pip install scikit-learn   # for </a:t>
+            </a:r>
+            <a:r>
+              <a:rPr lang="en-US" sz="1800" dirty="0" err="1">
+                <a:solidFill>
+                  <a:srgbClr val="C00000"/>
+                </a:solidFill>
+              </a:rPr>
+              <a:t>sklearn</a:t>
+            </a:r>
+            <a:r>
+              <a:rPr lang="en-US" sz="1800" dirty="0">
+                <a:solidFill>
+                  <a:srgbClr val="C00000"/>
+                </a:solidFill>
+              </a:rPr>
+              <a:t> </a:t>
+            </a:r>
+          </a:p>
+          <a:p>
+            <a:pPr marL="342900" indent="-342900" algn="l">
+              <a:buClr>
+                <a:srgbClr val="0070C0"/>
+              </a:buClr>
+              <a:buSzPct val="80000"/>
+              <a:buFont typeface="Wingdings" pitchFamily="2" charset="2"/>
+              <a:buChar char="u"/>
+            </a:pPr>
+            <a:r>
+              <a:rPr lang="en-US" sz="1800" dirty="0">
+                <a:solidFill>
+                  <a:schemeClr val="tx1"/>
+                </a:solidFill>
+              </a:rPr>
+              <a:t>&gt; </a:t>
+            </a:r>
+            <a:r>
+              <a:rPr lang="en-US" sz="1800" dirty="0" err="1">
+                <a:solidFill>
+                  <a:schemeClr val="tx1"/>
+                </a:solidFill>
+              </a:rPr>
+              <a:t>conda</a:t>
+            </a:r>
+            <a:r>
+              <a:rPr lang="en-US" sz="1800" dirty="0">
+                <a:solidFill>
+                  <a:schemeClr val="tx1"/>
+                </a:solidFill>
+              </a:rPr>
+              <a:t> deactivate</a:t>
+            </a:r>
+          </a:p>
+          <a:p>
+            <a:pPr marL="342900" indent="-342900" algn="l">
+              <a:buClr>
+                <a:srgbClr val="0070C0"/>
+              </a:buClr>
+              <a:buSzPct val="80000"/>
+              <a:buFont typeface="Wingdings" pitchFamily="2" charset="2"/>
+              <a:buChar char="u"/>
+            </a:pPr>
+            <a:r>
+              <a:rPr lang="en-US" sz="1800" dirty="0">
+                <a:solidFill>
+                  <a:schemeClr val="tx1"/>
+                </a:solidFill>
+              </a:rPr>
+              <a:t>We will use the environment in this discussion.</a:t>
+            </a:r>
+          </a:p>
+          <a:p>
+            <a:pPr marL="342900" indent="-342900" algn="l">
+              <a:buClr>
+                <a:srgbClr val="0070C0"/>
+              </a:buClr>
+              <a:buSzPct val="80000"/>
+              <a:buFont typeface="Wingdings" pitchFamily="2" charset="2"/>
+              <a:buChar char="u"/>
+            </a:pPr>
+            <a:r>
+              <a:rPr lang="en-US" sz="1800" dirty="0">
+                <a:solidFill>
+                  <a:schemeClr val="tx1"/>
+                </a:solidFill>
+              </a:rPr>
+              <a:t>How to remove the </a:t>
+            </a:r>
+            <a:r>
+              <a:rPr lang="en-US" sz="1800" dirty="0" err="1">
+                <a:solidFill>
+                  <a:schemeClr val="tx1"/>
+                </a:solidFill>
+              </a:rPr>
+              <a:t>conda</a:t>
+            </a:r>
+            <a:r>
+              <a:rPr lang="en-US" sz="1800" dirty="0">
+                <a:solidFill>
+                  <a:schemeClr val="tx1"/>
+                </a:solidFill>
+              </a:rPr>
+              <a:t> </a:t>
+            </a:r>
+            <a:r>
+              <a:rPr lang="en-US" sz="1800" dirty="0" err="1">
+                <a:solidFill>
+                  <a:schemeClr val="tx1"/>
+                </a:solidFill>
+              </a:rPr>
+              <a:t>envoriment</a:t>
+            </a:r>
+            <a:r>
+              <a:rPr lang="en-US" sz="1800" dirty="0">
+                <a:solidFill>
+                  <a:schemeClr val="tx1"/>
+                </a:solidFill>
+              </a:rPr>
+              <a:t>? </a:t>
+            </a:r>
+          </a:p>
+          <a:p>
+            <a:pPr marL="342900" indent="-342900" algn="l">
+              <a:buClr>
+                <a:srgbClr val="0070C0"/>
+              </a:buClr>
+              <a:buSzPct val="80000"/>
+              <a:buFont typeface="Wingdings" pitchFamily="2" charset="2"/>
+              <a:buChar char="u"/>
+            </a:pPr>
+            <a:r>
+              <a:rPr lang="en-US" sz="1800" dirty="0">
+                <a:solidFill>
+                  <a:schemeClr val="tx1"/>
+                </a:solidFill>
+              </a:rPr>
+              <a:t>&gt; </a:t>
+            </a:r>
+            <a:r>
+              <a:rPr lang="en-US" sz="1800" dirty="0" err="1">
+                <a:solidFill>
+                  <a:schemeClr val="tx1"/>
+                </a:solidFill>
+              </a:rPr>
+              <a:t>conda</a:t>
+            </a:r>
+            <a:r>
+              <a:rPr lang="en-US" sz="1800" dirty="0">
+                <a:solidFill>
+                  <a:schemeClr val="tx1"/>
+                </a:solidFill>
+              </a:rPr>
+              <a:t> remove </a:t>
+            </a:r>
+            <a:r>
+              <a:rPr lang="en-US" sz="1800" dirty="0" err="1">
+                <a:solidFill>
+                  <a:schemeClr val="tx1"/>
+                </a:solidFill>
+              </a:rPr>
+              <a:t>tf</a:t>
+            </a:r>
+            <a:r>
+              <a:rPr lang="en-US" sz="1800" dirty="0">
+                <a:solidFill>
+                  <a:schemeClr val="tx1"/>
+                </a:solidFill>
+              </a:rPr>
+              <a:t>   # remove </a:t>
+            </a:r>
+            <a:r>
+              <a:rPr lang="en-US" sz="1800" dirty="0" err="1">
+                <a:solidFill>
+                  <a:schemeClr val="tx1"/>
+                </a:solidFill>
+              </a:rPr>
+              <a:t>environemt</a:t>
+            </a:r>
+            <a:endParaRPr lang="en-US" sz="1800" dirty="0">
+              <a:solidFill>
+                <a:schemeClr val="tx1"/>
+              </a:solidFill>
+            </a:endParaRPr>
           </a:p>
         </p:txBody>
       </p:sp>
@@ -6927,6 +7113,346 @@
               <a:rPr lang="zh-TW" altLang="en-US" smtClean="0"/>
               <a:pPr/>
               <a:t>3</a:t>
+            </a:fld>
+            <a:endParaRPr lang="zh-TW" altLang="en-US"/>
+          </a:p>
+        </p:txBody>
+      </p:sp>
+    </p:spTree>
+    <p:extLst>
+      <p:ext uri="{BB962C8B-B14F-4D97-AF65-F5344CB8AC3E}">
+        <p14:creationId xmlns:p14="http://schemas.microsoft.com/office/powerpoint/2010/main" val="2172485369"/>
+      </p:ext>
+    </p:extLst>
+  </p:cSld>
+  <p:clrMapOvr>
+    <a:masterClrMapping/>
+  </p:clrMapOvr>
+</p:sld>
+</file>
+
+<file path=ppt/slides/slide4.xml><?xml version="1.0" encoding="utf-8"?>
+<p:sld xmlns:a="http://schemas.openxmlformats.org/drawingml/2006/main" xmlns:r="http://schemas.openxmlformats.org/officeDocument/2006/relationships" xmlns:p="http://schemas.openxmlformats.org/presentationml/2006/main">
+  <p:cSld>
+    <p:spTree>
+      <p:nvGrpSpPr>
+        <p:cNvPr id="1" name=""/>
+        <p:cNvGrpSpPr/>
+        <p:nvPr/>
+      </p:nvGrpSpPr>
+      <p:grpSpPr>
+        <a:xfrm>
+          <a:off x="0" y="0"/>
+          <a:ext cx="0" cy="0"/>
+          <a:chOff x="0" y="0"/>
+          <a:chExt cx="0" cy="0"/>
+        </a:xfrm>
+      </p:grpSpPr>
+      <p:sp>
+        <p:nvSpPr>
+          <p:cNvPr id="2" name="標題 1"/>
+          <p:cNvSpPr>
+            <a:spLocks noGrp="1"/>
+          </p:cNvSpPr>
+          <p:nvPr>
+            <p:ph type="ctrTitle"/>
+          </p:nvPr>
+        </p:nvSpPr>
+        <p:spPr>
+          <a:xfrm>
+            <a:off x="0" y="1"/>
+            <a:ext cx="9144000" cy="764704"/>
+          </a:xfrm>
+          <a:gradFill flip="none" rotWithShape="1">
+            <a:gsLst>
+              <a:gs pos="0">
+                <a:srgbClr val="C00000">
+                  <a:shade val="30000"/>
+                  <a:satMod val="115000"/>
+                </a:srgbClr>
+              </a:gs>
+              <a:gs pos="50000">
+                <a:srgbClr val="C00000">
+                  <a:shade val="67500"/>
+                  <a:satMod val="115000"/>
+                </a:srgbClr>
+              </a:gs>
+              <a:gs pos="100000">
+                <a:srgbClr val="C00000">
+                  <a:shade val="100000"/>
+                  <a:satMod val="115000"/>
+                </a:srgbClr>
+              </a:gs>
+            </a:gsLst>
+            <a:path path="circle">
+              <a:fillToRect t="100000" r="100000"/>
+            </a:path>
+            <a:tileRect l="-100000" b="-100000"/>
+          </a:gradFill>
+        </p:spPr>
+        <p:txBody>
+          <a:bodyPr>
+            <a:normAutofit/>
+          </a:bodyPr>
+          <a:lstStyle/>
+          <a:p>
+            <a:pPr algn="l"/>
+            <a:r>
+              <a:rPr lang="en-US" altLang="zh-TW" b="1" dirty="0">
+                <a:solidFill>
+                  <a:srgbClr val="FFFF00"/>
+                </a:solidFill>
+              </a:rPr>
+              <a:t>2 Get Started with </a:t>
+            </a:r>
+            <a:r>
+              <a:rPr lang="en-US" altLang="zh-TW" b="1" dirty="0" err="1">
+                <a:solidFill>
+                  <a:srgbClr val="FFFF00"/>
+                </a:solidFill>
+              </a:rPr>
+              <a:t>Tensorflow</a:t>
+            </a:r>
+            <a:endParaRPr lang="zh-TW" altLang="en-US" b="1" dirty="0">
+              <a:solidFill>
+                <a:srgbClr val="FFFF00"/>
+              </a:solidFill>
+            </a:endParaRPr>
+          </a:p>
+        </p:txBody>
+      </p:sp>
+      <p:sp>
+        <p:nvSpPr>
+          <p:cNvPr id="3" name="副標題 2"/>
+          <p:cNvSpPr>
+            <a:spLocks noGrp="1"/>
+          </p:cNvSpPr>
+          <p:nvPr>
+            <p:ph type="subTitle" idx="1"/>
+          </p:nvPr>
+        </p:nvSpPr>
+        <p:spPr>
+          <a:xfrm>
+            <a:off x="467544" y="1268759"/>
+            <a:ext cx="8352928" cy="1025415"/>
+          </a:xfrm>
+          <a:ln>
+            <a:solidFill>
+              <a:srgbClr val="C00000"/>
+            </a:solidFill>
+          </a:ln>
+        </p:spPr>
+        <p:txBody>
+          <a:bodyPr>
+            <a:noAutofit/>
+          </a:bodyPr>
+          <a:lstStyle/>
+          <a:p>
+            <a:pPr marL="342900" indent="-342900" algn="l">
+              <a:buClr>
+                <a:srgbClr val="0070C0"/>
+              </a:buClr>
+              <a:buSzPct val="80000"/>
+              <a:buFont typeface="Wingdings" pitchFamily="2" charset="2"/>
+              <a:buChar char="u"/>
+            </a:pPr>
+            <a:r>
+              <a:rPr lang="en-US" sz="1800" b="1" dirty="0">
+                <a:solidFill>
+                  <a:schemeClr val="tx1"/>
+                </a:solidFill>
+              </a:rPr>
+              <a:t>Install </a:t>
+            </a:r>
+            <a:r>
+              <a:rPr lang="en-US" sz="1800" b="1" dirty="0" err="1">
+                <a:solidFill>
+                  <a:schemeClr val="tx1"/>
+                </a:solidFill>
+              </a:rPr>
+              <a:t>Tensorflow</a:t>
+            </a:r>
+            <a:endParaRPr lang="en-US" sz="1800" dirty="0">
+              <a:hlinkClick r:id="rId2"/>
+            </a:endParaRPr>
+          </a:p>
+          <a:p>
+            <a:pPr marL="342900" indent="-342900" algn="l">
+              <a:buClr>
+                <a:srgbClr val="0070C0"/>
+              </a:buClr>
+              <a:buSzPct val="80000"/>
+              <a:buFont typeface="Wingdings" pitchFamily="2" charset="2"/>
+              <a:buChar char="u"/>
+            </a:pPr>
+            <a:r>
+              <a:rPr lang="en-US" sz="1800" dirty="0">
+                <a:hlinkClick r:id="rId2"/>
+              </a:rPr>
+              <a:t>https://www.tutorialspoint.com/tensorflow/tensorflow_installation.htm</a:t>
+            </a:r>
+            <a:endParaRPr lang="en-US" sz="1800" b="1" dirty="0">
+              <a:solidFill>
+                <a:schemeClr val="tx1"/>
+              </a:solidFill>
+            </a:endParaRPr>
+          </a:p>
+          <a:p>
+            <a:pPr marL="342900" indent="-342900" algn="l">
+              <a:buClr>
+                <a:srgbClr val="0070C0"/>
+              </a:buClr>
+              <a:buSzPct val="80000"/>
+              <a:buFont typeface="Wingdings" pitchFamily="2" charset="2"/>
+              <a:buChar char="u"/>
+            </a:pPr>
+            <a:r>
+              <a:rPr lang="en-US" sz="1800" dirty="0">
+                <a:solidFill>
+                  <a:schemeClr val="tx1"/>
+                </a:solidFill>
+              </a:rPr>
+              <a:t>&gt; </a:t>
+            </a:r>
+            <a:r>
+              <a:rPr lang="en-US" sz="1800" dirty="0" err="1">
+                <a:solidFill>
+                  <a:schemeClr val="tx1"/>
+                </a:solidFill>
+              </a:rPr>
+              <a:t>pyhton</a:t>
+            </a:r>
+            <a:r>
+              <a:rPr lang="en-US" sz="1800" dirty="0">
+                <a:solidFill>
+                  <a:schemeClr val="tx1"/>
+                </a:solidFill>
+              </a:rPr>
+              <a:t> 05_simple_sequential_model.py</a:t>
+            </a:r>
+          </a:p>
+        </p:txBody>
+      </p:sp>
+      <p:sp>
+        <p:nvSpPr>
+          <p:cNvPr id="4" name="標題 1"/>
+          <p:cNvSpPr txBox="1">
+            <a:spLocks/>
+          </p:cNvSpPr>
+          <p:nvPr/>
+        </p:nvSpPr>
+        <p:spPr>
+          <a:xfrm>
+            <a:off x="0" y="764704"/>
+            <a:ext cx="9144000" cy="360040"/>
+          </a:xfrm>
+          <a:prstGeom prst="rect">
+            <a:avLst/>
+          </a:prstGeom>
+          <a:gradFill flip="none" rotWithShape="1">
+            <a:gsLst>
+              <a:gs pos="0">
+                <a:srgbClr val="00B0F0">
+                  <a:shade val="30000"/>
+                  <a:satMod val="115000"/>
+                </a:srgbClr>
+              </a:gs>
+              <a:gs pos="50000">
+                <a:srgbClr val="00B0F0">
+                  <a:shade val="67500"/>
+                  <a:satMod val="115000"/>
+                </a:srgbClr>
+              </a:gs>
+              <a:gs pos="100000">
+                <a:srgbClr val="00B0F0">
+                  <a:shade val="100000"/>
+                  <a:satMod val="115000"/>
+                </a:srgbClr>
+              </a:gs>
+            </a:gsLst>
+            <a:path path="circle">
+              <a:fillToRect t="100000" r="100000"/>
+            </a:path>
+            <a:tileRect l="-100000" b="-100000"/>
+          </a:gradFill>
+        </p:spPr>
+        <p:txBody>
+          <a:bodyPr vert="horz" lIns="91440" tIns="45720" rIns="91440" bIns="45720" rtlCol="0" anchor="ctr">
+            <a:normAutofit/>
+          </a:bodyPr>
+          <a:lstStyle/>
+          <a:p>
+            <a:pPr lvl="0">
+              <a:spcBef>
+                <a:spcPct val="0"/>
+              </a:spcBef>
+            </a:pPr>
+            <a:r>
+              <a:rPr lang="en-US" sz="1600" dirty="0">
+                <a:hlinkClick r:id="rId3"/>
+              </a:rPr>
+              <a:t>https://www.youtube.com/watch?v=GCFmqet--Lc&amp;list=PLZbbT5o_s2xrwRnXk_yCPtnqqo4_u2YGL&amp;index=2</a:t>
+            </a:r>
+            <a:endParaRPr kumimoji="0" lang="zh-TW" altLang="en-US" sz="1600" b="0" i="0" u="none" strike="noStrike" kern="1200" cap="none" spc="0" normalizeH="0" baseline="0" noProof="0" dirty="0">
+              <a:ln>
+                <a:noFill/>
+              </a:ln>
+              <a:solidFill>
+                <a:schemeClr val="tx1"/>
+              </a:solidFill>
+              <a:effectLst/>
+              <a:uLnTx/>
+              <a:uFillTx/>
+              <a:latin typeface="+mj-lt"/>
+              <a:ea typeface="+mj-ea"/>
+              <a:cs typeface="+mj-cs"/>
+            </a:endParaRPr>
+          </a:p>
+        </p:txBody>
+      </p:sp>
+      <p:sp>
+        <p:nvSpPr>
+          <p:cNvPr id="5" name="日期版面配置區 4"/>
+          <p:cNvSpPr>
+            <a:spLocks noGrp="1"/>
+          </p:cNvSpPr>
+          <p:nvPr>
+            <p:ph type="dt" sz="half" idx="10"/>
+          </p:nvPr>
+        </p:nvSpPr>
+        <p:spPr/>
+        <p:txBody>
+          <a:bodyPr/>
+          <a:lstStyle/>
+          <a:p>
+            <a:fld id="{A4F910E6-8D00-4BAF-8C48-9688E0B449D3}" type="datetime1">
+              <a:rPr lang="zh-TW" altLang="en-US" smtClean="0"/>
+              <a:pPr/>
+              <a:t>2020/6/6</a:t>
+            </a:fld>
+            <a:endParaRPr lang="zh-TW" altLang="en-US"/>
+          </a:p>
+        </p:txBody>
+      </p:sp>
+      <p:sp>
+        <p:nvSpPr>
+          <p:cNvPr id="6" name="投影片編號版面配置區 5"/>
+          <p:cNvSpPr>
+            <a:spLocks noGrp="1"/>
+          </p:cNvSpPr>
+          <p:nvPr>
+            <p:ph type="sldNum" sz="quarter" idx="12"/>
+          </p:nvPr>
+        </p:nvSpPr>
+        <p:spPr/>
+        <p:txBody>
+          <a:bodyPr/>
+          <a:lstStyle/>
+          <a:p>
+            <a:fld id="{E4D7E63D-91F2-4366-A2C4-1B00C9E2590E}" type="slidenum">
+              <a:rPr lang="zh-TW" altLang="en-US" smtClean="0"/>
+              <a:pPr/>
+              <a:t>4</a:t>
             </a:fld>
             <a:endParaRPr lang="zh-TW" altLang="en-US"/>
           </a:p>
@@ -7129,7 +7655,7 @@
 </p:sld>
 </file>
 
-<file path=ppt/slides/slide4.xml><?xml version="1.0" encoding="utf-8"?>
+<file path=ppt/slides/slide5.xml><?xml version="1.0" encoding="utf-8"?>
 <p:sld xmlns:a="http://schemas.openxmlformats.org/drawingml/2006/main" xmlns:r="http://schemas.openxmlformats.org/officeDocument/2006/relationships" xmlns:p="http://schemas.openxmlformats.org/presentationml/2006/main">
   <p:cSld>
     <p:spTree>
@@ -7457,7 +7983,7 @@
             <a:fld id="{E4D7E63D-91F2-4366-A2C4-1B00C9E2590E}" type="slidenum">
               <a:rPr lang="zh-TW" altLang="en-US" smtClean="0"/>
               <a:pPr/>
-              <a:t>4</a:t>
+              <a:t>5</a:t>
             </a:fld>
             <a:endParaRPr lang="zh-TW" altLang="en-US"/>
           </a:p>
@@ -7528,7 +8054,7 @@
 </p:sld>
 </file>
 
-<file path=ppt/slides/slide5.xml><?xml version="1.0" encoding="utf-8"?>
+<file path=ppt/slides/slide6.xml><?xml version="1.0" encoding="utf-8"?>
 <p:sld xmlns:a="http://schemas.openxmlformats.org/drawingml/2006/main" xmlns:r="http://schemas.openxmlformats.org/officeDocument/2006/relationships" xmlns:p="http://schemas.openxmlformats.org/presentationml/2006/main">
   <p:cSld>
     <p:spTree>
@@ -8009,7 +8535,7 @@
             <a:fld id="{E4D7E63D-91F2-4366-A2C4-1B00C9E2590E}" type="slidenum">
               <a:rPr lang="zh-TW" altLang="en-US" smtClean="0"/>
               <a:pPr/>
-              <a:t>5</a:t>
+              <a:t>6</a:t>
             </a:fld>
             <a:endParaRPr lang="zh-TW" altLang="en-US"/>
           </a:p>
@@ -8808,7 +9334,7 @@
 </p:sld>
 </file>
 
-<file path=ppt/slides/slide6.xml><?xml version="1.0" encoding="utf-8"?>
+<file path=ppt/slides/slide7.xml><?xml version="1.0" encoding="utf-8"?>
 <p:sld xmlns:a="http://schemas.openxmlformats.org/drawingml/2006/main" xmlns:r="http://schemas.openxmlformats.org/officeDocument/2006/relationships" xmlns:p="http://schemas.openxmlformats.org/presentationml/2006/main">
   <p:cSld>
     <p:spTree>
@@ -9009,7 +9535,7 @@
             <a:fld id="{E4D7E63D-91F2-4366-A2C4-1B00C9E2590E}" type="slidenum">
               <a:rPr lang="zh-TW" altLang="en-US" smtClean="0"/>
               <a:pPr/>
-              <a:t>6</a:t>
+              <a:t>7</a:t>
             </a:fld>
             <a:endParaRPr lang="zh-TW" altLang="en-US"/>
           </a:p>
@@ -9287,7 +9813,7 @@
 </p:sld>
 </file>
 
-<file path=ppt/slides/slide7.xml><?xml version="1.0" encoding="utf-8"?>
+<file path=ppt/slides/slide8.xml><?xml version="1.0" encoding="utf-8"?>
 <p:sld xmlns:a="http://schemas.openxmlformats.org/drawingml/2006/main" xmlns:r="http://schemas.openxmlformats.org/officeDocument/2006/relationships" xmlns:p="http://schemas.openxmlformats.org/presentationml/2006/main">
   <p:cSld>
     <p:spTree>
@@ -9488,7 +10014,7 @@
             <a:fld id="{E4D7E63D-91F2-4366-A2C4-1B00C9E2590E}" type="slidenum">
               <a:rPr lang="zh-TW" altLang="en-US" smtClean="0"/>
               <a:pPr/>
-              <a:t>7</a:t>
+              <a:t>8</a:t>
             </a:fld>
             <a:endParaRPr lang="zh-TW" altLang="en-US"/>
           </a:p>
@@ -9852,7 +10378,7 @@
 </p:sld>
 </file>
 
-<file path=ppt/slides/slide8.xml><?xml version="1.0" encoding="utf-8"?>
+<file path=ppt/slides/slide9.xml><?xml version="1.0" encoding="utf-8"?>
 <p:sld xmlns:a="http://schemas.openxmlformats.org/drawingml/2006/main" xmlns:r="http://schemas.openxmlformats.org/officeDocument/2006/relationships" xmlns:p="http://schemas.openxmlformats.org/presentationml/2006/main">
   <p:cSld>
     <p:spTree>
@@ -10053,7 +10579,7 @@
             <a:fld id="{E4D7E63D-91F2-4366-A2C4-1B00C9E2590E}" type="slidenum">
               <a:rPr lang="zh-TW" altLang="en-US" smtClean="0"/>
               <a:pPr/>
-              <a:t>8</a:t>
+              <a:t>9</a:t>
             </a:fld>
             <a:endParaRPr lang="zh-TW" altLang="en-US"/>
           </a:p>
@@ -10393,172 +10919,6 @@
     <p:extLst>
       <p:ext uri="{BB962C8B-B14F-4D97-AF65-F5344CB8AC3E}">
         <p14:creationId xmlns:p14="http://schemas.microsoft.com/office/powerpoint/2010/main" val="3770322375"/>
-      </p:ext>
-    </p:extLst>
-  </p:cSld>
-  <p:clrMapOvr>
-    <a:masterClrMapping/>
-  </p:clrMapOvr>
-</p:sld>
-</file>
-
-<file path=ppt/slides/slide9.xml><?xml version="1.0" encoding="utf-8"?>
-<p:sld xmlns:a="http://schemas.openxmlformats.org/drawingml/2006/main" xmlns:r="http://schemas.openxmlformats.org/officeDocument/2006/relationships" xmlns:p="http://schemas.openxmlformats.org/presentationml/2006/main">
-  <p:cSld>
-    <p:spTree>
-      <p:nvGrpSpPr>
-        <p:cNvPr id="1" name=""/>
-        <p:cNvGrpSpPr/>
-        <p:nvPr/>
-      </p:nvGrpSpPr>
-      <p:grpSpPr>
-        <a:xfrm>
-          <a:off x="0" y="0"/>
-          <a:ext cx="0" cy="0"/>
-          <a:chOff x="0" y="0"/>
-          <a:chExt cx="0" cy="0"/>
-        </a:xfrm>
-      </p:grpSpPr>
-      <p:sp>
-        <p:nvSpPr>
-          <p:cNvPr id="2" name="標題 1"/>
-          <p:cNvSpPr>
-            <a:spLocks noGrp="1"/>
-          </p:cNvSpPr>
-          <p:nvPr>
-            <p:ph type="ctrTitle"/>
-          </p:nvPr>
-        </p:nvSpPr>
-        <p:spPr>
-          <a:xfrm>
-            <a:off x="0" y="2175162"/>
-            <a:ext cx="9144000" cy="1470025"/>
-          </a:xfrm>
-          <a:solidFill>
-            <a:srgbClr val="00B0F0"/>
-          </a:solidFill>
-        </p:spPr>
-        <p:txBody>
-          <a:bodyPr>
-            <a:normAutofit/>
-          </a:bodyPr>
-          <a:lstStyle/>
-          <a:p>
-            <a:r>
-              <a:rPr lang="en-US" altLang="zh-TW" sz="4800" b="1" dirty="0">
-                <a:solidFill>
-                  <a:srgbClr val="FFFF00"/>
-                </a:solidFill>
-              </a:rPr>
-              <a:t>1 Quiz</a:t>
-            </a:r>
-            <a:endParaRPr lang="zh-TW" altLang="en-US" sz="4800" b="1" dirty="0">
-              <a:solidFill>
-                <a:srgbClr val="FFFF00"/>
-              </a:solidFill>
-            </a:endParaRPr>
-          </a:p>
-        </p:txBody>
-      </p:sp>
-      <p:sp>
-        <p:nvSpPr>
-          <p:cNvPr id="5" name="日期版面配置區 4"/>
-          <p:cNvSpPr>
-            <a:spLocks noGrp="1"/>
-          </p:cNvSpPr>
-          <p:nvPr>
-            <p:ph type="dt" sz="half" idx="10"/>
-          </p:nvPr>
-        </p:nvSpPr>
-        <p:spPr/>
-        <p:txBody>
-          <a:bodyPr/>
-          <a:lstStyle/>
-          <a:p>
-            <a:fld id="{C389EDC9-19E3-47AC-9C57-C6A24DEA81AD}" type="datetime1">
-              <a:rPr lang="zh-TW" altLang="en-US" smtClean="0"/>
-              <a:pPr/>
-              <a:t>2020/6/6</a:t>
-            </a:fld>
-            <a:endParaRPr lang="zh-TW" altLang="en-US"/>
-          </a:p>
-        </p:txBody>
-      </p:sp>
-      <p:sp>
-        <p:nvSpPr>
-          <p:cNvPr id="6" name="投影片編號版面配置區 5"/>
-          <p:cNvSpPr>
-            <a:spLocks noGrp="1"/>
-          </p:cNvSpPr>
-          <p:nvPr>
-            <p:ph type="sldNum" sz="quarter" idx="12"/>
-          </p:nvPr>
-        </p:nvSpPr>
-        <p:spPr/>
-        <p:txBody>
-          <a:bodyPr/>
-          <a:lstStyle/>
-          <a:p>
-            <a:fld id="{E4D7E63D-91F2-4366-A2C4-1B00C9E2590E}" type="slidenum">
-              <a:rPr lang="zh-TW" altLang="en-US" smtClean="0"/>
-              <a:pPr/>
-              <a:t>9</a:t>
-            </a:fld>
-            <a:endParaRPr lang="zh-TW" altLang="en-US"/>
-          </a:p>
-        </p:txBody>
-      </p:sp>
-      <p:pic>
-        <p:nvPicPr>
-          <p:cNvPr id="1026" name="Picture 2" descr="Want to know how Deep Learning works? Here's a quick guide for ...">
-            <a:extLst>
-              <a:ext uri="{FF2B5EF4-FFF2-40B4-BE49-F238E27FC236}">
-                <a16:creationId xmlns:a16="http://schemas.microsoft.com/office/drawing/2014/main" id="{49911F56-A4AF-4A30-B9B3-5F5DDAF7D768}"/>
-              </a:ext>
-            </a:extLst>
-          </p:cNvPr>
-          <p:cNvPicPr>
-            <a:picLocks noChangeAspect="1" noChangeArrowheads="1"/>
-          </p:cNvPicPr>
-          <p:nvPr/>
-        </p:nvPicPr>
-        <p:blipFill>
-          <a:blip r:embed="rId2">
-            <a:extLst>
-              <a:ext uri="{28A0092B-C50C-407E-A947-70E740481C1C}">
-                <a14:useLocalDpi xmlns:a14="http://schemas.microsoft.com/office/drawing/2010/main" val="0"/>
-              </a:ext>
-            </a:extLst>
-          </a:blip>
-          <a:srcRect/>
-          <a:stretch>
-            <a:fillRect/>
-          </a:stretch>
-        </p:blipFill>
-        <p:spPr bwMode="auto">
-          <a:xfrm>
-            <a:off x="3859161" y="3779644"/>
-            <a:ext cx="1201741" cy="799704"/>
-          </a:xfrm>
-          <a:prstGeom prst="rect">
-            <a:avLst/>
-          </a:prstGeom>
-          <a:noFill/>
-          <a:extLst>
-            <a:ext uri="{909E8E84-426E-40DD-AFC4-6F175D3DCCD1}">
-              <a14:hiddenFill xmlns:a14="http://schemas.microsoft.com/office/drawing/2010/main">
-                <a:solidFill>
-                  <a:srgbClr val="FFFFFF"/>
-                </a:solidFill>
-              </a14:hiddenFill>
-            </a:ext>
-          </a:extLst>
-        </p:spPr>
-      </p:pic>
-    </p:spTree>
-    <p:extLst>
-      <p:ext uri="{BB962C8B-B14F-4D97-AF65-F5344CB8AC3E}">
-        <p14:creationId xmlns:p14="http://schemas.microsoft.com/office/powerpoint/2010/main" val="2815159533"/>
       </p:ext>
     </p:extLst>
   </p:cSld>

--- a/01_DeepLearning.pptx
+++ b/01_DeepLearning.pptx
@@ -5,23 +5,27 @@
     <p:sldMasterId id="2147483648" r:id="rId1"/>
   </p:sldMasterIdLst>
   <p:notesMasterIdLst>
-    <p:notesMasterId r:id="rId16"/>
+    <p:notesMasterId r:id="rId20"/>
   </p:notesMasterIdLst>
   <p:sldIdLst>
     <p:sldId id="256" r:id="rId2"/>
     <p:sldId id="270" r:id="rId3"/>
-    <p:sldId id="281" r:id="rId4"/>
-    <p:sldId id="271" r:id="rId5"/>
-    <p:sldId id="272" r:id="rId6"/>
-    <p:sldId id="273" r:id="rId7"/>
-    <p:sldId id="278" r:id="rId8"/>
-    <p:sldId id="279" r:id="rId9"/>
-    <p:sldId id="277" r:id="rId10"/>
-    <p:sldId id="274" r:id="rId11"/>
-    <p:sldId id="275" r:id="rId12"/>
-    <p:sldId id="276" r:id="rId13"/>
-    <p:sldId id="280" r:id="rId14"/>
-    <p:sldId id="259" r:id="rId15"/>
+    <p:sldId id="282" r:id="rId4"/>
+    <p:sldId id="283" r:id="rId5"/>
+    <p:sldId id="284" r:id="rId6"/>
+    <p:sldId id="285" r:id="rId7"/>
+    <p:sldId id="281" r:id="rId8"/>
+    <p:sldId id="271" r:id="rId9"/>
+    <p:sldId id="272" r:id="rId10"/>
+    <p:sldId id="273" r:id="rId11"/>
+    <p:sldId id="278" r:id="rId12"/>
+    <p:sldId id="279" r:id="rId13"/>
+    <p:sldId id="277" r:id="rId14"/>
+    <p:sldId id="274" r:id="rId15"/>
+    <p:sldId id="275" r:id="rId16"/>
+    <p:sldId id="276" r:id="rId17"/>
+    <p:sldId id="280" r:id="rId18"/>
+    <p:sldId id="259" r:id="rId19"/>
   </p:sldIdLst>
   <p:sldSz cx="9144000" cy="6858000" type="screen4x3"/>
   <p:notesSz cx="6858000" cy="9144000"/>
@@ -3638,6 +3642,2880 @@
         </p:nvSpPr>
         <p:spPr>
           <a:xfrm>
+            <a:off x="0" y="1"/>
+            <a:ext cx="9144000" cy="764704"/>
+          </a:xfrm>
+          <a:gradFill flip="none" rotWithShape="1">
+            <a:gsLst>
+              <a:gs pos="0">
+                <a:srgbClr val="C00000">
+                  <a:shade val="30000"/>
+                  <a:satMod val="115000"/>
+                </a:srgbClr>
+              </a:gs>
+              <a:gs pos="50000">
+                <a:srgbClr val="C00000">
+                  <a:shade val="67500"/>
+                  <a:satMod val="115000"/>
+                </a:srgbClr>
+              </a:gs>
+              <a:gs pos="100000">
+                <a:srgbClr val="C00000">
+                  <a:shade val="100000"/>
+                  <a:satMod val="115000"/>
+                </a:srgbClr>
+              </a:gs>
+            </a:gsLst>
+            <a:path path="circle">
+              <a:fillToRect t="100000" r="100000"/>
+            </a:path>
+            <a:tileRect l="-100000" b="-100000"/>
+          </a:gradFill>
+        </p:spPr>
+        <p:txBody>
+          <a:bodyPr>
+            <a:normAutofit/>
+          </a:bodyPr>
+          <a:lstStyle/>
+          <a:p>
+            <a:pPr algn="l"/>
+            <a:r>
+              <a:rPr lang="en-US" altLang="zh-TW" b="1" dirty="0">
+                <a:solidFill>
+                  <a:srgbClr val="FFFF00"/>
+                </a:solidFill>
+              </a:rPr>
+              <a:t>1 Deep Learning</a:t>
+            </a:r>
+            <a:endParaRPr lang="zh-TW" altLang="en-US" b="1" dirty="0">
+              <a:solidFill>
+                <a:srgbClr val="FFFF00"/>
+              </a:solidFill>
+            </a:endParaRPr>
+          </a:p>
+        </p:txBody>
+      </p:sp>
+      <p:sp>
+        <p:nvSpPr>
+          <p:cNvPr id="3" name="副標題 2"/>
+          <p:cNvSpPr>
+            <a:spLocks noGrp="1"/>
+          </p:cNvSpPr>
+          <p:nvPr>
+            <p:ph type="subTitle" idx="1"/>
+          </p:nvPr>
+        </p:nvSpPr>
+        <p:spPr>
+          <a:xfrm>
+            <a:off x="515866" y="1687265"/>
+            <a:ext cx="3902150" cy="3397919"/>
+          </a:xfrm>
+          <a:ln>
+            <a:solidFill>
+              <a:srgbClr val="C00000"/>
+            </a:solidFill>
+          </a:ln>
+        </p:spPr>
+        <p:txBody>
+          <a:bodyPr>
+            <a:noAutofit/>
+          </a:bodyPr>
+          <a:lstStyle/>
+          <a:p>
+            <a:pPr marL="342900" indent="-342900" algn="l">
+              <a:buClr>
+                <a:srgbClr val="0070C0"/>
+              </a:buClr>
+              <a:buSzPct val="80000"/>
+              <a:buFont typeface="Wingdings" pitchFamily="2" charset="2"/>
+              <a:buChar char="u"/>
+            </a:pPr>
+            <a:r>
+              <a:rPr lang="en-US" sz="1200" cap="all" dirty="0">
+                <a:solidFill>
+                  <a:schemeClr val="tx1"/>
+                </a:solidFill>
+              </a:rPr>
+              <a:t>PART 1: INTRO TO DEEP LEARNING</a:t>
+            </a:r>
+          </a:p>
+          <a:p>
+            <a:pPr marL="800100" lvl="1" indent="-342900" algn="l">
+              <a:buClr>
+                <a:srgbClr val="0070C0"/>
+              </a:buClr>
+              <a:buSzPct val="80000"/>
+              <a:buFont typeface="Wingdings" pitchFamily="2" charset="2"/>
+              <a:buChar char="u"/>
+            </a:pPr>
+            <a:r>
+              <a:rPr lang="en-US" sz="1200" dirty="0">
+                <a:solidFill>
+                  <a:schemeClr val="tx1"/>
+                </a:solidFill>
+              </a:rPr>
+              <a:t>Section 1: Artificial neural network basics</a:t>
+            </a:r>
+          </a:p>
+          <a:p>
+            <a:pPr marL="1257300" lvl="2" indent="-342900" algn="l">
+              <a:buClr>
+                <a:srgbClr val="0070C0"/>
+              </a:buClr>
+              <a:buSzPct val="80000"/>
+              <a:buFont typeface="Wingdings" pitchFamily="2" charset="2"/>
+              <a:buChar char="u"/>
+            </a:pPr>
+            <a:r>
+              <a:rPr lang="en-US" sz="1200" dirty="0">
+                <a:solidFill>
+                  <a:schemeClr val="tx1"/>
+                </a:solidFill>
+              </a:rPr>
+              <a:t>Intro to machine learning</a:t>
+            </a:r>
+          </a:p>
+          <a:p>
+            <a:pPr marL="1257300" lvl="2" indent="-342900" algn="l">
+              <a:buClr>
+                <a:srgbClr val="0070C0"/>
+              </a:buClr>
+              <a:buSzPct val="80000"/>
+              <a:buFont typeface="Wingdings" pitchFamily="2" charset="2"/>
+              <a:buChar char="u"/>
+            </a:pPr>
+            <a:r>
+              <a:rPr lang="en-US" sz="1200" dirty="0">
+                <a:solidFill>
+                  <a:schemeClr val="tx1"/>
+                </a:solidFill>
+              </a:rPr>
+              <a:t>Intro to deep Learning</a:t>
+            </a:r>
+          </a:p>
+          <a:p>
+            <a:pPr marL="1257300" lvl="2" indent="-342900" algn="l">
+              <a:buClr>
+                <a:srgbClr val="0070C0"/>
+              </a:buClr>
+              <a:buSzPct val="80000"/>
+              <a:buFont typeface="Wingdings" pitchFamily="2" charset="2"/>
+              <a:buChar char="u"/>
+            </a:pPr>
+            <a:r>
+              <a:rPr lang="en-US" sz="1200" dirty="0">
+                <a:solidFill>
+                  <a:schemeClr val="tx1"/>
+                </a:solidFill>
+              </a:rPr>
+              <a:t>Neural network architecture</a:t>
+            </a:r>
+          </a:p>
+          <a:p>
+            <a:pPr marL="1257300" lvl="2" indent="-342900" algn="l">
+              <a:buClr>
+                <a:srgbClr val="0070C0"/>
+              </a:buClr>
+              <a:buSzPct val="80000"/>
+              <a:buFont typeface="Wingdings" pitchFamily="2" charset="2"/>
+              <a:buChar char="u"/>
+            </a:pPr>
+            <a:r>
+              <a:rPr lang="en-US" sz="1200" dirty="0">
+                <a:solidFill>
+                  <a:schemeClr val="tx1"/>
+                </a:solidFill>
+              </a:rPr>
+              <a:t>Training neural networks</a:t>
+            </a:r>
+          </a:p>
+          <a:p>
+            <a:pPr marL="1257300" lvl="2" indent="-342900" algn="l">
+              <a:buClr>
+                <a:srgbClr val="0070C0"/>
+              </a:buClr>
+              <a:buSzPct val="80000"/>
+              <a:buFont typeface="Wingdings" pitchFamily="2" charset="2"/>
+              <a:buChar char="u"/>
+            </a:pPr>
+            <a:r>
+              <a:rPr lang="en-US" sz="1200" dirty="0">
+                <a:solidFill>
+                  <a:schemeClr val="tx1"/>
+                </a:solidFill>
+              </a:rPr>
+              <a:t>Loss and learning rate</a:t>
+            </a:r>
+          </a:p>
+          <a:p>
+            <a:pPr marL="800100" lvl="1" indent="-342900" algn="l">
+              <a:buClr>
+                <a:srgbClr val="0070C0"/>
+              </a:buClr>
+              <a:buSzPct val="80000"/>
+              <a:buFont typeface="Wingdings" pitchFamily="2" charset="2"/>
+              <a:buChar char="u"/>
+            </a:pPr>
+            <a:r>
+              <a:rPr lang="en-US" sz="1200" dirty="0">
+                <a:solidFill>
+                  <a:schemeClr val="tx1"/>
+                </a:solidFill>
+              </a:rPr>
+              <a:t>Section 2: Data topics for deep learning</a:t>
+            </a:r>
+          </a:p>
+          <a:p>
+            <a:pPr marL="1257300" lvl="2" indent="-342900" algn="l">
+              <a:buClr>
+                <a:srgbClr val="0070C0"/>
+              </a:buClr>
+              <a:buSzPct val="80000"/>
+              <a:buFont typeface="Wingdings" pitchFamily="2" charset="2"/>
+              <a:buChar char="u"/>
+            </a:pPr>
+            <a:r>
+              <a:rPr lang="en-US" sz="1200" dirty="0">
+                <a:solidFill>
+                  <a:schemeClr val="tx1"/>
+                </a:solidFill>
+              </a:rPr>
+              <a:t>Data sets for deep learning</a:t>
+            </a:r>
+          </a:p>
+          <a:p>
+            <a:pPr marL="1257300" lvl="2" indent="-342900" algn="l">
+              <a:buClr>
+                <a:srgbClr val="0070C0"/>
+              </a:buClr>
+              <a:buSzPct val="80000"/>
+              <a:buFont typeface="Wingdings" pitchFamily="2" charset="2"/>
+              <a:buChar char="u"/>
+            </a:pPr>
+            <a:r>
+              <a:rPr lang="en-US" sz="1200" dirty="0">
+                <a:solidFill>
+                  <a:schemeClr val="tx1"/>
+                </a:solidFill>
+              </a:rPr>
+              <a:t>Predicting with neural networks</a:t>
+            </a:r>
+          </a:p>
+          <a:p>
+            <a:pPr marL="1257300" lvl="2" indent="-342900" algn="l">
+              <a:buClr>
+                <a:srgbClr val="0070C0"/>
+              </a:buClr>
+              <a:buSzPct val="80000"/>
+              <a:buFont typeface="Wingdings" pitchFamily="2" charset="2"/>
+              <a:buChar char="u"/>
+            </a:pPr>
+            <a:r>
+              <a:rPr lang="en-US" sz="1200" dirty="0">
+                <a:solidFill>
+                  <a:schemeClr val="tx1"/>
+                </a:solidFill>
+              </a:rPr>
+              <a:t>Over and under fitting data</a:t>
+            </a:r>
+          </a:p>
+          <a:p>
+            <a:pPr marL="1257300" lvl="2" indent="-342900" algn="l">
+              <a:buClr>
+                <a:srgbClr val="0070C0"/>
+              </a:buClr>
+              <a:buSzPct val="80000"/>
+              <a:buFont typeface="Wingdings" pitchFamily="2" charset="2"/>
+              <a:buChar char="u"/>
+            </a:pPr>
+            <a:r>
+              <a:rPr lang="en-US" sz="1200" dirty="0">
+                <a:solidFill>
+                  <a:schemeClr val="tx1"/>
+                </a:solidFill>
+              </a:rPr>
+              <a:t>Supervised, unsupervised, and semi-supervised learning</a:t>
+            </a:r>
+          </a:p>
+          <a:p>
+            <a:pPr marL="1257300" lvl="2" indent="-342900" algn="l">
+              <a:buClr>
+                <a:srgbClr val="0070C0"/>
+              </a:buClr>
+              <a:buSzPct val="80000"/>
+              <a:buFont typeface="Wingdings" pitchFamily="2" charset="2"/>
+              <a:buChar char="u"/>
+            </a:pPr>
+            <a:r>
+              <a:rPr lang="en-US" sz="1200" dirty="0">
+                <a:solidFill>
+                  <a:schemeClr val="tx1"/>
+                </a:solidFill>
+              </a:rPr>
+              <a:t>Data augmentation</a:t>
+            </a:r>
+          </a:p>
+          <a:p>
+            <a:pPr marL="1257300" lvl="2" indent="-342900" algn="l">
+              <a:buClr>
+                <a:srgbClr val="0070C0"/>
+              </a:buClr>
+              <a:buSzPct val="80000"/>
+              <a:buFont typeface="Wingdings" pitchFamily="2" charset="2"/>
+              <a:buChar char="u"/>
+            </a:pPr>
+            <a:r>
+              <a:rPr lang="en-US" sz="1200" dirty="0">
+                <a:solidFill>
+                  <a:schemeClr val="tx1"/>
+                </a:solidFill>
+              </a:rPr>
+              <a:t>One-hot encoding</a:t>
+            </a:r>
+          </a:p>
+        </p:txBody>
+      </p:sp>
+      <p:sp>
+        <p:nvSpPr>
+          <p:cNvPr id="4" name="標題 1"/>
+          <p:cNvSpPr txBox="1">
+            <a:spLocks/>
+          </p:cNvSpPr>
+          <p:nvPr/>
+        </p:nvSpPr>
+        <p:spPr>
+          <a:xfrm>
+            <a:off x="0" y="764704"/>
+            <a:ext cx="9144000" cy="360040"/>
+          </a:xfrm>
+          <a:prstGeom prst="rect">
+            <a:avLst/>
+          </a:prstGeom>
+          <a:gradFill flip="none" rotWithShape="1">
+            <a:gsLst>
+              <a:gs pos="0">
+                <a:srgbClr val="00B0F0">
+                  <a:shade val="30000"/>
+                  <a:satMod val="115000"/>
+                </a:srgbClr>
+              </a:gs>
+              <a:gs pos="50000">
+                <a:srgbClr val="00B0F0">
+                  <a:shade val="67500"/>
+                  <a:satMod val="115000"/>
+                </a:srgbClr>
+              </a:gs>
+              <a:gs pos="100000">
+                <a:srgbClr val="00B0F0">
+                  <a:shade val="100000"/>
+                  <a:satMod val="115000"/>
+                </a:srgbClr>
+              </a:gs>
+            </a:gsLst>
+            <a:path path="circle">
+              <a:fillToRect t="100000" r="100000"/>
+            </a:path>
+            <a:tileRect l="-100000" b="-100000"/>
+          </a:gradFill>
+        </p:spPr>
+        <p:txBody>
+          <a:bodyPr vert="horz" lIns="91440" tIns="45720" rIns="91440" bIns="45720" rtlCol="0" anchor="ctr">
+            <a:normAutofit/>
+          </a:bodyPr>
+          <a:lstStyle/>
+          <a:p>
+            <a:pPr lvl="0">
+              <a:spcBef>
+                <a:spcPct val="0"/>
+              </a:spcBef>
+            </a:pPr>
+            <a:r>
+              <a:rPr lang="en-US" sz="1600" dirty="0">
+                <a:hlinkClick r:id="rId2"/>
+              </a:rPr>
+              <a:t>https://www.youtube.com/watch?v=gZmobeGL0Yg&amp;list=PLZbbT5o_s2xq7LwI2y8_QtvuXZedL6tQU</a:t>
+            </a:r>
+            <a:endParaRPr kumimoji="0" lang="zh-TW" altLang="en-US" sz="1600" b="0" i="0" u="none" strike="noStrike" kern="1200" cap="none" spc="0" normalizeH="0" baseline="0" noProof="0" dirty="0">
+              <a:ln>
+                <a:noFill/>
+              </a:ln>
+              <a:solidFill>
+                <a:schemeClr val="tx1"/>
+              </a:solidFill>
+              <a:effectLst/>
+              <a:uLnTx/>
+              <a:uFillTx/>
+              <a:latin typeface="+mj-lt"/>
+              <a:ea typeface="+mj-ea"/>
+              <a:cs typeface="+mj-cs"/>
+            </a:endParaRPr>
+          </a:p>
+        </p:txBody>
+      </p:sp>
+      <p:sp>
+        <p:nvSpPr>
+          <p:cNvPr id="5" name="日期版面配置區 4"/>
+          <p:cNvSpPr>
+            <a:spLocks noGrp="1"/>
+          </p:cNvSpPr>
+          <p:nvPr>
+            <p:ph type="dt" sz="half" idx="10"/>
+          </p:nvPr>
+        </p:nvSpPr>
+        <p:spPr/>
+        <p:txBody>
+          <a:bodyPr/>
+          <a:lstStyle/>
+          <a:p>
+            <a:fld id="{A4F910E6-8D00-4BAF-8C48-9688E0B449D3}" type="datetime1">
+              <a:rPr lang="zh-TW" altLang="en-US" smtClean="0"/>
+              <a:pPr/>
+              <a:t>2020/6/6</a:t>
+            </a:fld>
+            <a:endParaRPr lang="zh-TW" altLang="en-US"/>
+          </a:p>
+        </p:txBody>
+      </p:sp>
+      <p:sp>
+        <p:nvSpPr>
+          <p:cNvPr id="6" name="投影片編號版面配置區 5"/>
+          <p:cNvSpPr>
+            <a:spLocks noGrp="1"/>
+          </p:cNvSpPr>
+          <p:nvPr>
+            <p:ph type="sldNum" sz="quarter" idx="12"/>
+          </p:nvPr>
+        </p:nvSpPr>
+        <p:spPr/>
+        <p:txBody>
+          <a:bodyPr/>
+          <a:lstStyle/>
+          <a:p>
+            <a:fld id="{E4D7E63D-91F2-4366-A2C4-1B00C9E2590E}" type="slidenum">
+              <a:rPr lang="zh-TW" altLang="en-US" smtClean="0"/>
+              <a:pPr/>
+              <a:t>10</a:t>
+            </a:fld>
+            <a:endParaRPr lang="zh-TW" altLang="en-US"/>
+          </a:p>
+        </p:txBody>
+      </p:sp>
+      <p:sp>
+        <p:nvSpPr>
+          <p:cNvPr id="9" name="副標題 2">
+            <a:extLst>
+              <a:ext uri="{FF2B5EF4-FFF2-40B4-BE49-F238E27FC236}">
+                <a16:creationId xmlns:a16="http://schemas.microsoft.com/office/drawing/2014/main" id="{E78A9A09-DA56-4A14-8EAC-26060D0FF2E3}"/>
+              </a:ext>
+            </a:extLst>
+          </p:cNvPr>
+          <p:cNvSpPr txBox="1">
+            <a:spLocks/>
+          </p:cNvSpPr>
+          <p:nvPr/>
+        </p:nvSpPr>
+        <p:spPr>
+          <a:xfrm>
+            <a:off x="4572000" y="1718247"/>
+            <a:ext cx="4114800" cy="4045991"/>
+          </a:xfrm>
+          <a:prstGeom prst="rect">
+            <a:avLst/>
+          </a:prstGeom>
+          <a:ln>
+            <a:solidFill>
+              <a:srgbClr val="C00000"/>
+            </a:solidFill>
+          </a:ln>
+        </p:spPr>
+        <p:txBody>
+          <a:bodyPr vert="horz" lIns="91440" tIns="45720" rIns="91440" bIns="45720" rtlCol="0">
+            <a:noAutofit/>
+          </a:bodyPr>
+          <a:lstStyle>
+            <a:lvl1pPr marL="0" indent="0" algn="ctr" defTabSz="914400" rtl="0" eaLnBrk="1" latinLnBrk="0" hangingPunct="1">
+              <a:spcBef>
+                <a:spcPct val="20000"/>
+              </a:spcBef>
+              <a:buFont typeface="Arial" pitchFamily="34" charset="0"/>
+              <a:buNone/>
+              <a:defRPr sz="3200" kern="1200">
+                <a:solidFill>
+                  <a:schemeClr val="tx1">
+                    <a:tint val="75000"/>
+                  </a:schemeClr>
+                </a:solidFill>
+                <a:latin typeface="+mn-lt"/>
+                <a:ea typeface="+mn-ea"/>
+                <a:cs typeface="+mn-cs"/>
+              </a:defRPr>
+            </a:lvl1pPr>
+            <a:lvl2pPr marL="457200" indent="0" algn="ctr" defTabSz="914400" rtl="0" eaLnBrk="1" latinLnBrk="0" hangingPunct="1">
+              <a:spcBef>
+                <a:spcPct val="20000"/>
+              </a:spcBef>
+              <a:buFont typeface="Arial" pitchFamily="34" charset="0"/>
+              <a:buNone/>
+              <a:defRPr sz="2800" kern="1200">
+                <a:solidFill>
+                  <a:schemeClr val="tx1">
+                    <a:tint val="75000"/>
+                  </a:schemeClr>
+                </a:solidFill>
+                <a:latin typeface="+mn-lt"/>
+                <a:ea typeface="+mn-ea"/>
+                <a:cs typeface="+mn-cs"/>
+              </a:defRPr>
+            </a:lvl2pPr>
+            <a:lvl3pPr marL="914400" indent="0" algn="ctr" defTabSz="914400" rtl="0" eaLnBrk="1" latinLnBrk="0" hangingPunct="1">
+              <a:spcBef>
+                <a:spcPct val="20000"/>
+              </a:spcBef>
+              <a:buFont typeface="Arial" pitchFamily="34" charset="0"/>
+              <a:buNone/>
+              <a:defRPr sz="2400" kern="1200">
+                <a:solidFill>
+                  <a:schemeClr val="tx1">
+                    <a:tint val="75000"/>
+                  </a:schemeClr>
+                </a:solidFill>
+                <a:latin typeface="+mn-lt"/>
+                <a:ea typeface="+mn-ea"/>
+                <a:cs typeface="+mn-cs"/>
+              </a:defRPr>
+            </a:lvl3pPr>
+            <a:lvl4pPr marL="1371600" indent="0" algn="ctr" defTabSz="914400" rtl="0" eaLnBrk="1" latinLnBrk="0" hangingPunct="1">
+              <a:spcBef>
+                <a:spcPct val="20000"/>
+              </a:spcBef>
+              <a:buFont typeface="Arial" pitchFamily="34" charset="0"/>
+              <a:buNone/>
+              <a:defRPr sz="2000" kern="1200">
+                <a:solidFill>
+                  <a:schemeClr val="tx1">
+                    <a:tint val="75000"/>
+                  </a:schemeClr>
+                </a:solidFill>
+                <a:latin typeface="+mn-lt"/>
+                <a:ea typeface="+mn-ea"/>
+                <a:cs typeface="+mn-cs"/>
+              </a:defRPr>
+            </a:lvl4pPr>
+            <a:lvl5pPr marL="1828800" indent="0" algn="ctr" defTabSz="914400" rtl="0" eaLnBrk="1" latinLnBrk="0" hangingPunct="1">
+              <a:spcBef>
+                <a:spcPct val="20000"/>
+              </a:spcBef>
+              <a:buFont typeface="Arial" pitchFamily="34" charset="0"/>
+              <a:buNone/>
+              <a:defRPr sz="2000" kern="1200">
+                <a:solidFill>
+                  <a:schemeClr val="tx1">
+                    <a:tint val="75000"/>
+                  </a:schemeClr>
+                </a:solidFill>
+                <a:latin typeface="+mn-lt"/>
+                <a:ea typeface="+mn-ea"/>
+                <a:cs typeface="+mn-cs"/>
+              </a:defRPr>
+            </a:lvl5pPr>
+            <a:lvl6pPr marL="2286000" indent="0" algn="ctr" defTabSz="914400" rtl="0" eaLnBrk="1" latinLnBrk="0" hangingPunct="1">
+              <a:spcBef>
+                <a:spcPct val="20000"/>
+              </a:spcBef>
+              <a:buFont typeface="Arial" pitchFamily="34" charset="0"/>
+              <a:buNone/>
+              <a:defRPr sz="2000" kern="1200">
+                <a:solidFill>
+                  <a:schemeClr val="tx1">
+                    <a:tint val="75000"/>
+                  </a:schemeClr>
+                </a:solidFill>
+                <a:latin typeface="+mn-lt"/>
+                <a:ea typeface="+mn-ea"/>
+                <a:cs typeface="+mn-cs"/>
+              </a:defRPr>
+            </a:lvl6pPr>
+            <a:lvl7pPr marL="2743200" indent="0" algn="ctr" defTabSz="914400" rtl="0" eaLnBrk="1" latinLnBrk="0" hangingPunct="1">
+              <a:spcBef>
+                <a:spcPct val="20000"/>
+              </a:spcBef>
+              <a:buFont typeface="Arial" pitchFamily="34" charset="0"/>
+              <a:buNone/>
+              <a:defRPr sz="2000" kern="1200">
+                <a:solidFill>
+                  <a:schemeClr val="tx1">
+                    <a:tint val="75000"/>
+                  </a:schemeClr>
+                </a:solidFill>
+                <a:latin typeface="+mn-lt"/>
+                <a:ea typeface="+mn-ea"/>
+                <a:cs typeface="+mn-cs"/>
+              </a:defRPr>
+            </a:lvl7pPr>
+            <a:lvl8pPr marL="3200400" indent="0" algn="ctr" defTabSz="914400" rtl="0" eaLnBrk="1" latinLnBrk="0" hangingPunct="1">
+              <a:spcBef>
+                <a:spcPct val="20000"/>
+              </a:spcBef>
+              <a:buFont typeface="Arial" pitchFamily="34" charset="0"/>
+              <a:buNone/>
+              <a:defRPr sz="2000" kern="1200">
+                <a:solidFill>
+                  <a:schemeClr val="tx1">
+                    <a:tint val="75000"/>
+                  </a:schemeClr>
+                </a:solidFill>
+                <a:latin typeface="+mn-lt"/>
+                <a:ea typeface="+mn-ea"/>
+                <a:cs typeface="+mn-cs"/>
+              </a:defRPr>
+            </a:lvl8pPr>
+            <a:lvl9pPr marL="3657600" indent="0" algn="ctr" defTabSz="914400" rtl="0" eaLnBrk="1" latinLnBrk="0" hangingPunct="1">
+              <a:spcBef>
+                <a:spcPct val="20000"/>
+              </a:spcBef>
+              <a:buFont typeface="Arial" pitchFamily="34" charset="0"/>
+              <a:buNone/>
+              <a:defRPr sz="2000" kern="1200">
+                <a:solidFill>
+                  <a:schemeClr val="tx1">
+                    <a:tint val="75000"/>
+                  </a:schemeClr>
+                </a:solidFill>
+                <a:latin typeface="+mn-lt"/>
+                <a:ea typeface="+mn-ea"/>
+                <a:cs typeface="+mn-cs"/>
+              </a:defRPr>
+            </a:lvl9pPr>
+          </a:lstStyle>
+          <a:p>
+            <a:pPr marL="342900" indent="-342900" algn="l">
+              <a:buClr>
+                <a:srgbClr val="0070C0"/>
+              </a:buClr>
+              <a:buSzPct val="80000"/>
+              <a:buFont typeface="Wingdings" pitchFamily="2" charset="2"/>
+              <a:buChar char="u"/>
+            </a:pPr>
+            <a:r>
+              <a:rPr lang="en-US" sz="1200" cap="all" dirty="0">
+                <a:solidFill>
+                  <a:schemeClr val="tx1"/>
+                </a:solidFill>
+              </a:rPr>
+              <a:t>PART 2: INTERMEDIATE DEEP LEARNING TOPICS</a:t>
+            </a:r>
+          </a:p>
+          <a:p>
+            <a:pPr marL="800100" lvl="1" indent="-342900" algn="l">
+              <a:buClr>
+                <a:srgbClr val="0070C0"/>
+              </a:buClr>
+              <a:buSzPct val="80000"/>
+              <a:buFont typeface="Wingdings" pitchFamily="2" charset="2"/>
+              <a:buChar char="u"/>
+            </a:pPr>
+            <a:r>
+              <a:rPr lang="en-US" sz="1200" dirty="0">
+                <a:solidFill>
+                  <a:schemeClr val="tx1"/>
+                </a:solidFill>
+              </a:rPr>
+              <a:t>Section 1: Convolutional Neural Networks (CNNs)</a:t>
+            </a:r>
+          </a:p>
+          <a:p>
+            <a:pPr marL="1257300" lvl="2" indent="-342900" algn="l">
+              <a:buClr>
+                <a:srgbClr val="0070C0"/>
+              </a:buClr>
+              <a:buSzPct val="80000"/>
+              <a:buFont typeface="Wingdings" pitchFamily="2" charset="2"/>
+              <a:buChar char="u"/>
+            </a:pPr>
+            <a:r>
+              <a:rPr lang="en-US" sz="1200" dirty="0">
+                <a:solidFill>
+                  <a:schemeClr val="tx1"/>
+                </a:solidFill>
+              </a:rPr>
+              <a:t>What are CNNs?</a:t>
+            </a:r>
+          </a:p>
+          <a:p>
+            <a:pPr marL="1257300" lvl="2" indent="-342900" algn="l">
+              <a:buClr>
+                <a:srgbClr val="0070C0"/>
+              </a:buClr>
+              <a:buSzPct val="80000"/>
+              <a:buFont typeface="Wingdings" pitchFamily="2" charset="2"/>
+              <a:buChar char="u"/>
+            </a:pPr>
+            <a:r>
+              <a:rPr lang="en-US" sz="1200" dirty="0">
+                <a:solidFill>
+                  <a:schemeClr val="tx1"/>
+                </a:solidFill>
+              </a:rPr>
+              <a:t>Visualizing convolutional filters</a:t>
+            </a:r>
+          </a:p>
+          <a:p>
+            <a:pPr marL="1257300" lvl="2" indent="-342900" algn="l">
+              <a:buClr>
+                <a:srgbClr val="0070C0"/>
+              </a:buClr>
+              <a:buSzPct val="80000"/>
+              <a:buFont typeface="Wingdings" pitchFamily="2" charset="2"/>
+              <a:buChar char="u"/>
+            </a:pPr>
+            <a:r>
+              <a:rPr lang="en-US" sz="1200" dirty="0">
+                <a:solidFill>
+                  <a:schemeClr val="tx1"/>
+                </a:solidFill>
+              </a:rPr>
+              <a:t>Zero padding</a:t>
+            </a:r>
+          </a:p>
+          <a:p>
+            <a:pPr marL="1257300" lvl="2" indent="-342900" algn="l">
+              <a:buClr>
+                <a:srgbClr val="0070C0"/>
+              </a:buClr>
+              <a:buSzPct val="80000"/>
+              <a:buFont typeface="Wingdings" pitchFamily="2" charset="2"/>
+              <a:buChar char="u"/>
+            </a:pPr>
+            <a:r>
+              <a:rPr lang="en-US" sz="1200" dirty="0">
+                <a:solidFill>
+                  <a:schemeClr val="tx1"/>
+                </a:solidFill>
+              </a:rPr>
+              <a:t>Max pooling</a:t>
+            </a:r>
+          </a:p>
+          <a:p>
+            <a:pPr marL="800100" lvl="1" indent="-342900" algn="l">
+              <a:buClr>
+                <a:srgbClr val="0070C0"/>
+              </a:buClr>
+              <a:buSzPct val="80000"/>
+              <a:buFont typeface="Wingdings" pitchFamily="2" charset="2"/>
+              <a:buChar char="u"/>
+            </a:pPr>
+            <a:r>
+              <a:rPr lang="en-US" sz="1200" dirty="0">
+                <a:solidFill>
+                  <a:schemeClr val="tx1"/>
+                </a:solidFill>
+              </a:rPr>
+              <a:t>Section 2: Backpropagation</a:t>
+            </a:r>
+          </a:p>
+          <a:p>
+            <a:pPr marL="1257300" lvl="2" indent="-342900" algn="l">
+              <a:buClr>
+                <a:srgbClr val="0070C0"/>
+              </a:buClr>
+              <a:buSzPct val="80000"/>
+              <a:buFont typeface="Wingdings" pitchFamily="2" charset="2"/>
+              <a:buChar char="u"/>
+            </a:pPr>
+            <a:r>
+              <a:rPr lang="en-US" sz="1200" dirty="0">
+                <a:solidFill>
+                  <a:schemeClr val="tx1"/>
+                </a:solidFill>
+              </a:rPr>
+              <a:t>Backprop intuition</a:t>
+            </a:r>
+          </a:p>
+          <a:p>
+            <a:pPr marL="1257300" lvl="2" indent="-342900" algn="l">
+              <a:buClr>
+                <a:srgbClr val="0070C0"/>
+              </a:buClr>
+              <a:buSzPct val="80000"/>
+              <a:buFont typeface="Wingdings" pitchFamily="2" charset="2"/>
+              <a:buChar char="u"/>
+            </a:pPr>
+            <a:r>
+              <a:rPr lang="en-US" sz="1200" dirty="0">
+                <a:solidFill>
+                  <a:schemeClr val="tx1"/>
+                </a:solidFill>
+              </a:rPr>
+              <a:t>Mathematics of backprop</a:t>
+            </a:r>
+          </a:p>
+          <a:p>
+            <a:pPr marL="1257300" lvl="2" indent="-342900" algn="l">
+              <a:buClr>
+                <a:srgbClr val="0070C0"/>
+              </a:buClr>
+              <a:buSzPct val="80000"/>
+              <a:buFont typeface="Wingdings" pitchFamily="2" charset="2"/>
+              <a:buChar char="u"/>
+            </a:pPr>
+            <a:r>
+              <a:rPr lang="en-US" sz="1200" dirty="0">
+                <a:solidFill>
+                  <a:schemeClr val="tx1"/>
+                </a:solidFill>
+              </a:rPr>
+              <a:t>Vanishing and exploding gradient</a:t>
+            </a:r>
+          </a:p>
+          <a:p>
+            <a:pPr marL="1257300" lvl="2" indent="-342900" algn="l">
+              <a:buClr>
+                <a:srgbClr val="0070C0"/>
+              </a:buClr>
+              <a:buSzPct val="80000"/>
+              <a:buFont typeface="Wingdings" pitchFamily="2" charset="2"/>
+              <a:buChar char="u"/>
+            </a:pPr>
+            <a:r>
+              <a:rPr lang="en-US" sz="1200" dirty="0">
+                <a:solidFill>
+                  <a:schemeClr val="tx1"/>
+                </a:solidFill>
+              </a:rPr>
+              <a:t>Weight initialization</a:t>
+            </a:r>
+          </a:p>
+          <a:p>
+            <a:pPr marL="800100" lvl="1" indent="-342900" algn="l">
+              <a:buClr>
+                <a:srgbClr val="0070C0"/>
+              </a:buClr>
+              <a:buSzPct val="80000"/>
+              <a:buFont typeface="Wingdings" pitchFamily="2" charset="2"/>
+              <a:buChar char="u"/>
+            </a:pPr>
+            <a:r>
+              <a:rPr lang="en-US" sz="1200" dirty="0">
+                <a:solidFill>
+                  <a:schemeClr val="tx1"/>
+                </a:solidFill>
+              </a:rPr>
+              <a:t>Section 3: Additional deep learning concepts</a:t>
+            </a:r>
+          </a:p>
+          <a:p>
+            <a:pPr marL="1257300" lvl="2" indent="-342900" algn="l">
+              <a:buClr>
+                <a:srgbClr val="0070C0"/>
+              </a:buClr>
+              <a:buSzPct val="80000"/>
+              <a:buFont typeface="Wingdings" pitchFamily="2" charset="2"/>
+              <a:buChar char="u"/>
+            </a:pPr>
+            <a:r>
+              <a:rPr lang="en-US" sz="1200" dirty="0">
+                <a:solidFill>
+                  <a:schemeClr val="tx1"/>
+                </a:solidFill>
+              </a:rPr>
+              <a:t>Bias terms in neural networks</a:t>
+            </a:r>
+          </a:p>
+          <a:p>
+            <a:pPr marL="1257300" lvl="2" indent="-342900" algn="l">
+              <a:buClr>
+                <a:srgbClr val="0070C0"/>
+              </a:buClr>
+              <a:buSzPct val="80000"/>
+              <a:buFont typeface="Wingdings" pitchFamily="2" charset="2"/>
+              <a:buChar char="u"/>
+            </a:pPr>
+            <a:r>
+              <a:rPr lang="en-US" sz="1200" dirty="0">
+                <a:solidFill>
+                  <a:schemeClr val="tx1"/>
+                </a:solidFill>
+              </a:rPr>
+              <a:t>Learnable parameters</a:t>
+            </a:r>
+          </a:p>
+          <a:p>
+            <a:pPr marL="1257300" lvl="2" indent="-342900" algn="l">
+              <a:buClr>
+                <a:srgbClr val="0070C0"/>
+              </a:buClr>
+              <a:buSzPct val="80000"/>
+              <a:buFont typeface="Wingdings" pitchFamily="2" charset="2"/>
+              <a:buChar char="u"/>
+            </a:pPr>
+            <a:r>
+              <a:rPr lang="en-US" sz="1200" dirty="0">
+                <a:solidFill>
+                  <a:schemeClr val="tx1"/>
+                </a:solidFill>
+              </a:rPr>
+              <a:t>Regularization</a:t>
+            </a:r>
+          </a:p>
+          <a:p>
+            <a:pPr marL="1257300" lvl="2" indent="-342900" algn="l">
+              <a:buClr>
+                <a:srgbClr val="0070C0"/>
+              </a:buClr>
+              <a:buSzPct val="80000"/>
+              <a:buFont typeface="Wingdings" pitchFamily="2" charset="2"/>
+              <a:buChar char="u"/>
+            </a:pPr>
+            <a:r>
+              <a:rPr lang="en-US" sz="1200" dirty="0">
+                <a:solidFill>
+                  <a:schemeClr val="tx1"/>
+                </a:solidFill>
+              </a:rPr>
+              <a:t>Batches and batch size</a:t>
+            </a:r>
+          </a:p>
+          <a:p>
+            <a:pPr marL="1257300" lvl="2" indent="-342900" algn="l">
+              <a:buClr>
+                <a:srgbClr val="0070C0"/>
+              </a:buClr>
+              <a:buSzPct val="80000"/>
+              <a:buFont typeface="Wingdings" pitchFamily="2" charset="2"/>
+              <a:buChar char="u"/>
+            </a:pPr>
+            <a:r>
+              <a:rPr lang="en-US" sz="1200" dirty="0">
+                <a:solidFill>
+                  <a:schemeClr val="tx1"/>
+                </a:solidFill>
+              </a:rPr>
+              <a:t>Fine-tuning and transfer learning</a:t>
+            </a:r>
+          </a:p>
+          <a:p>
+            <a:pPr marL="1257300" lvl="2" indent="-342900" algn="l">
+              <a:buClr>
+                <a:srgbClr val="0070C0"/>
+              </a:buClr>
+              <a:buSzPct val="80000"/>
+              <a:buFont typeface="Wingdings" pitchFamily="2" charset="2"/>
+              <a:buChar char="u"/>
+            </a:pPr>
+            <a:r>
+              <a:rPr lang="en-US" sz="1200" dirty="0">
+                <a:solidFill>
+                  <a:schemeClr val="tx1"/>
+                </a:solidFill>
+              </a:rPr>
+              <a:t>Batch normalization</a:t>
+            </a:r>
+          </a:p>
+          <a:p>
+            <a:pPr marL="342900" indent="-342900" algn="l">
+              <a:buClr>
+                <a:srgbClr val="0070C0"/>
+              </a:buClr>
+              <a:buSzPct val="80000"/>
+              <a:buFont typeface="Wingdings" pitchFamily="2" charset="2"/>
+              <a:buChar char="u"/>
+            </a:pPr>
+            <a:endParaRPr lang="en-US" sz="1200" dirty="0">
+              <a:solidFill>
+                <a:schemeClr val="tx1"/>
+              </a:solidFill>
+            </a:endParaRPr>
+          </a:p>
+          <a:p>
+            <a:pPr marL="342900" indent="-342900" algn="l">
+              <a:buClr>
+                <a:srgbClr val="0070C0"/>
+              </a:buClr>
+              <a:buSzPct val="80000"/>
+              <a:buFont typeface="Wingdings" pitchFamily="2" charset="2"/>
+              <a:buChar char="u"/>
+            </a:pPr>
+            <a:endParaRPr lang="en-US" sz="1200" dirty="0">
+              <a:solidFill>
+                <a:schemeClr val="tx1"/>
+              </a:solidFill>
+            </a:endParaRPr>
+          </a:p>
+          <a:p>
+            <a:pPr marL="342900" indent="-342900" algn="l">
+              <a:buClr>
+                <a:srgbClr val="0070C0"/>
+              </a:buClr>
+              <a:buSzPct val="80000"/>
+              <a:buFont typeface="Wingdings" pitchFamily="2" charset="2"/>
+              <a:buChar char="u"/>
+            </a:pPr>
+            <a:endParaRPr lang="en-US" sz="1200" dirty="0">
+              <a:solidFill>
+                <a:schemeClr val="tx1"/>
+              </a:solidFill>
+            </a:endParaRPr>
+          </a:p>
+          <a:p>
+            <a:pPr marL="342900" indent="-342900" algn="l">
+              <a:buClr>
+                <a:srgbClr val="0070C0"/>
+              </a:buClr>
+              <a:buSzPct val="80000"/>
+              <a:buFont typeface="Wingdings" pitchFamily="2" charset="2"/>
+              <a:buChar char="u"/>
+            </a:pPr>
+            <a:endParaRPr lang="en-US" sz="1200" dirty="0">
+              <a:solidFill>
+                <a:schemeClr val="tx1"/>
+              </a:solidFill>
+            </a:endParaRPr>
+          </a:p>
+        </p:txBody>
+      </p:sp>
+      <p:sp>
+        <p:nvSpPr>
+          <p:cNvPr id="10" name="副標題 2">
+            <a:extLst>
+              <a:ext uri="{FF2B5EF4-FFF2-40B4-BE49-F238E27FC236}">
+                <a16:creationId xmlns:a16="http://schemas.microsoft.com/office/drawing/2014/main" id="{85E3A0F9-8A12-49C5-96C7-A2424A576F44}"/>
+              </a:ext>
+            </a:extLst>
+          </p:cNvPr>
+          <p:cNvSpPr txBox="1">
+            <a:spLocks/>
+          </p:cNvSpPr>
+          <p:nvPr/>
+        </p:nvSpPr>
+        <p:spPr>
+          <a:xfrm>
+            <a:off x="510362" y="1196753"/>
+            <a:ext cx="8176438" cy="396836"/>
+          </a:xfrm>
+          <a:prstGeom prst="rect">
+            <a:avLst/>
+          </a:prstGeom>
+          <a:ln>
+            <a:solidFill>
+              <a:srgbClr val="C00000"/>
+            </a:solidFill>
+          </a:ln>
+        </p:spPr>
+        <p:txBody>
+          <a:bodyPr vert="horz" lIns="91440" tIns="45720" rIns="91440" bIns="45720" rtlCol="0">
+            <a:noAutofit/>
+          </a:bodyPr>
+          <a:lstStyle>
+            <a:lvl1pPr marL="0" indent="0" algn="ctr" defTabSz="914400" rtl="0" eaLnBrk="1" latinLnBrk="0" hangingPunct="1">
+              <a:spcBef>
+                <a:spcPct val="20000"/>
+              </a:spcBef>
+              <a:buFont typeface="Arial" pitchFamily="34" charset="0"/>
+              <a:buNone/>
+              <a:defRPr sz="3200" kern="1200">
+                <a:solidFill>
+                  <a:schemeClr val="tx1">
+                    <a:tint val="75000"/>
+                  </a:schemeClr>
+                </a:solidFill>
+                <a:latin typeface="+mn-lt"/>
+                <a:ea typeface="+mn-ea"/>
+                <a:cs typeface="+mn-cs"/>
+              </a:defRPr>
+            </a:lvl1pPr>
+            <a:lvl2pPr marL="457200" indent="0" algn="ctr" defTabSz="914400" rtl="0" eaLnBrk="1" latinLnBrk="0" hangingPunct="1">
+              <a:spcBef>
+                <a:spcPct val="20000"/>
+              </a:spcBef>
+              <a:buFont typeface="Arial" pitchFamily="34" charset="0"/>
+              <a:buNone/>
+              <a:defRPr sz="2800" kern="1200">
+                <a:solidFill>
+                  <a:schemeClr val="tx1">
+                    <a:tint val="75000"/>
+                  </a:schemeClr>
+                </a:solidFill>
+                <a:latin typeface="+mn-lt"/>
+                <a:ea typeface="+mn-ea"/>
+                <a:cs typeface="+mn-cs"/>
+              </a:defRPr>
+            </a:lvl2pPr>
+            <a:lvl3pPr marL="914400" indent="0" algn="ctr" defTabSz="914400" rtl="0" eaLnBrk="1" latinLnBrk="0" hangingPunct="1">
+              <a:spcBef>
+                <a:spcPct val="20000"/>
+              </a:spcBef>
+              <a:buFont typeface="Arial" pitchFamily="34" charset="0"/>
+              <a:buNone/>
+              <a:defRPr sz="2400" kern="1200">
+                <a:solidFill>
+                  <a:schemeClr val="tx1">
+                    <a:tint val="75000"/>
+                  </a:schemeClr>
+                </a:solidFill>
+                <a:latin typeface="+mn-lt"/>
+                <a:ea typeface="+mn-ea"/>
+                <a:cs typeface="+mn-cs"/>
+              </a:defRPr>
+            </a:lvl3pPr>
+            <a:lvl4pPr marL="1371600" indent="0" algn="ctr" defTabSz="914400" rtl="0" eaLnBrk="1" latinLnBrk="0" hangingPunct="1">
+              <a:spcBef>
+                <a:spcPct val="20000"/>
+              </a:spcBef>
+              <a:buFont typeface="Arial" pitchFamily="34" charset="0"/>
+              <a:buNone/>
+              <a:defRPr sz="2000" kern="1200">
+                <a:solidFill>
+                  <a:schemeClr val="tx1">
+                    <a:tint val="75000"/>
+                  </a:schemeClr>
+                </a:solidFill>
+                <a:latin typeface="+mn-lt"/>
+                <a:ea typeface="+mn-ea"/>
+                <a:cs typeface="+mn-cs"/>
+              </a:defRPr>
+            </a:lvl4pPr>
+            <a:lvl5pPr marL="1828800" indent="0" algn="ctr" defTabSz="914400" rtl="0" eaLnBrk="1" latinLnBrk="0" hangingPunct="1">
+              <a:spcBef>
+                <a:spcPct val="20000"/>
+              </a:spcBef>
+              <a:buFont typeface="Arial" pitchFamily="34" charset="0"/>
+              <a:buNone/>
+              <a:defRPr sz="2000" kern="1200">
+                <a:solidFill>
+                  <a:schemeClr val="tx1">
+                    <a:tint val="75000"/>
+                  </a:schemeClr>
+                </a:solidFill>
+                <a:latin typeface="+mn-lt"/>
+                <a:ea typeface="+mn-ea"/>
+                <a:cs typeface="+mn-cs"/>
+              </a:defRPr>
+            </a:lvl5pPr>
+            <a:lvl6pPr marL="2286000" indent="0" algn="ctr" defTabSz="914400" rtl="0" eaLnBrk="1" latinLnBrk="0" hangingPunct="1">
+              <a:spcBef>
+                <a:spcPct val="20000"/>
+              </a:spcBef>
+              <a:buFont typeface="Arial" pitchFamily="34" charset="0"/>
+              <a:buNone/>
+              <a:defRPr sz="2000" kern="1200">
+                <a:solidFill>
+                  <a:schemeClr val="tx1">
+                    <a:tint val="75000"/>
+                  </a:schemeClr>
+                </a:solidFill>
+                <a:latin typeface="+mn-lt"/>
+                <a:ea typeface="+mn-ea"/>
+                <a:cs typeface="+mn-cs"/>
+              </a:defRPr>
+            </a:lvl6pPr>
+            <a:lvl7pPr marL="2743200" indent="0" algn="ctr" defTabSz="914400" rtl="0" eaLnBrk="1" latinLnBrk="0" hangingPunct="1">
+              <a:spcBef>
+                <a:spcPct val="20000"/>
+              </a:spcBef>
+              <a:buFont typeface="Arial" pitchFamily="34" charset="0"/>
+              <a:buNone/>
+              <a:defRPr sz="2000" kern="1200">
+                <a:solidFill>
+                  <a:schemeClr val="tx1">
+                    <a:tint val="75000"/>
+                  </a:schemeClr>
+                </a:solidFill>
+                <a:latin typeface="+mn-lt"/>
+                <a:ea typeface="+mn-ea"/>
+                <a:cs typeface="+mn-cs"/>
+              </a:defRPr>
+            </a:lvl7pPr>
+            <a:lvl8pPr marL="3200400" indent="0" algn="ctr" defTabSz="914400" rtl="0" eaLnBrk="1" latinLnBrk="0" hangingPunct="1">
+              <a:spcBef>
+                <a:spcPct val="20000"/>
+              </a:spcBef>
+              <a:buFont typeface="Arial" pitchFamily="34" charset="0"/>
+              <a:buNone/>
+              <a:defRPr sz="2000" kern="1200">
+                <a:solidFill>
+                  <a:schemeClr val="tx1">
+                    <a:tint val="75000"/>
+                  </a:schemeClr>
+                </a:solidFill>
+                <a:latin typeface="+mn-lt"/>
+                <a:ea typeface="+mn-ea"/>
+                <a:cs typeface="+mn-cs"/>
+              </a:defRPr>
+            </a:lvl8pPr>
+            <a:lvl9pPr marL="3657600" indent="0" algn="ctr" defTabSz="914400" rtl="0" eaLnBrk="1" latinLnBrk="0" hangingPunct="1">
+              <a:spcBef>
+                <a:spcPct val="20000"/>
+              </a:spcBef>
+              <a:buFont typeface="Arial" pitchFamily="34" charset="0"/>
+              <a:buNone/>
+              <a:defRPr sz="2000" kern="1200">
+                <a:solidFill>
+                  <a:schemeClr val="tx1">
+                    <a:tint val="75000"/>
+                  </a:schemeClr>
+                </a:solidFill>
+                <a:latin typeface="+mn-lt"/>
+                <a:ea typeface="+mn-ea"/>
+                <a:cs typeface="+mn-cs"/>
+              </a:defRPr>
+            </a:lvl9pPr>
+          </a:lstStyle>
+          <a:p>
+            <a:pPr marL="342900" indent="-342900" algn="l">
+              <a:buClr>
+                <a:srgbClr val="0070C0"/>
+              </a:buClr>
+              <a:buSzPct val="80000"/>
+              <a:buFont typeface="Wingdings" pitchFamily="2" charset="2"/>
+              <a:buChar char="u"/>
+            </a:pPr>
+            <a:r>
+              <a:rPr lang="en-US" sz="1800" b="1" dirty="0">
+                <a:solidFill>
+                  <a:schemeClr val="tx1"/>
+                </a:solidFill>
+              </a:rPr>
+              <a:t>Outline</a:t>
+            </a:r>
+          </a:p>
+        </p:txBody>
+      </p:sp>
+    </p:spTree>
+    <p:extLst>
+      <p:ext uri="{BB962C8B-B14F-4D97-AF65-F5344CB8AC3E}">
+        <p14:creationId xmlns:p14="http://schemas.microsoft.com/office/powerpoint/2010/main" val="2573101910"/>
+      </p:ext>
+    </p:extLst>
+  </p:cSld>
+  <p:clrMapOvr>
+    <a:masterClrMapping/>
+  </p:clrMapOvr>
+</p:sld>
+</file>
+
+<file path=ppt/slides/slide11.xml><?xml version="1.0" encoding="utf-8"?>
+<p:sld xmlns:a="http://schemas.openxmlformats.org/drawingml/2006/main" xmlns:r="http://schemas.openxmlformats.org/officeDocument/2006/relationships" xmlns:p="http://schemas.openxmlformats.org/presentationml/2006/main">
+  <p:cSld>
+    <p:spTree>
+      <p:nvGrpSpPr>
+        <p:cNvPr id="1" name=""/>
+        <p:cNvGrpSpPr/>
+        <p:nvPr/>
+      </p:nvGrpSpPr>
+      <p:grpSpPr>
+        <a:xfrm>
+          <a:off x="0" y="0"/>
+          <a:ext cx="0" cy="0"/>
+          <a:chOff x="0" y="0"/>
+          <a:chExt cx="0" cy="0"/>
+        </a:xfrm>
+      </p:grpSpPr>
+      <p:sp>
+        <p:nvSpPr>
+          <p:cNvPr id="2" name="標題 1"/>
+          <p:cNvSpPr>
+            <a:spLocks noGrp="1"/>
+          </p:cNvSpPr>
+          <p:nvPr>
+            <p:ph type="ctrTitle"/>
+          </p:nvPr>
+        </p:nvSpPr>
+        <p:spPr>
+          <a:xfrm>
+            <a:off x="0" y="1"/>
+            <a:ext cx="9144000" cy="764704"/>
+          </a:xfrm>
+          <a:gradFill flip="none" rotWithShape="1">
+            <a:gsLst>
+              <a:gs pos="0">
+                <a:srgbClr val="C00000">
+                  <a:shade val="30000"/>
+                  <a:satMod val="115000"/>
+                </a:srgbClr>
+              </a:gs>
+              <a:gs pos="50000">
+                <a:srgbClr val="C00000">
+                  <a:shade val="67500"/>
+                  <a:satMod val="115000"/>
+                </a:srgbClr>
+              </a:gs>
+              <a:gs pos="100000">
+                <a:srgbClr val="C00000">
+                  <a:shade val="100000"/>
+                  <a:satMod val="115000"/>
+                </a:srgbClr>
+              </a:gs>
+            </a:gsLst>
+            <a:path path="circle">
+              <a:fillToRect t="100000" r="100000"/>
+            </a:path>
+            <a:tileRect l="-100000" b="-100000"/>
+          </a:gradFill>
+        </p:spPr>
+        <p:txBody>
+          <a:bodyPr>
+            <a:normAutofit/>
+          </a:bodyPr>
+          <a:lstStyle/>
+          <a:p>
+            <a:pPr algn="l"/>
+            <a:r>
+              <a:rPr lang="en-US" altLang="zh-TW" b="1" dirty="0">
+                <a:solidFill>
+                  <a:srgbClr val="FFFF00"/>
+                </a:solidFill>
+              </a:rPr>
+              <a:t>1 Deep Learning</a:t>
+            </a:r>
+            <a:endParaRPr lang="zh-TW" altLang="en-US" b="1" dirty="0">
+              <a:solidFill>
+                <a:srgbClr val="FFFF00"/>
+              </a:solidFill>
+            </a:endParaRPr>
+          </a:p>
+        </p:txBody>
+      </p:sp>
+      <p:sp>
+        <p:nvSpPr>
+          <p:cNvPr id="4" name="標題 1"/>
+          <p:cNvSpPr txBox="1">
+            <a:spLocks/>
+          </p:cNvSpPr>
+          <p:nvPr/>
+        </p:nvSpPr>
+        <p:spPr>
+          <a:xfrm>
+            <a:off x="0" y="764704"/>
+            <a:ext cx="9144000" cy="360040"/>
+          </a:xfrm>
+          <a:prstGeom prst="rect">
+            <a:avLst/>
+          </a:prstGeom>
+          <a:gradFill flip="none" rotWithShape="1">
+            <a:gsLst>
+              <a:gs pos="0">
+                <a:srgbClr val="00B0F0">
+                  <a:shade val="30000"/>
+                  <a:satMod val="115000"/>
+                </a:srgbClr>
+              </a:gs>
+              <a:gs pos="50000">
+                <a:srgbClr val="00B0F0">
+                  <a:shade val="67500"/>
+                  <a:satMod val="115000"/>
+                </a:srgbClr>
+              </a:gs>
+              <a:gs pos="100000">
+                <a:srgbClr val="00B0F0">
+                  <a:shade val="100000"/>
+                  <a:satMod val="115000"/>
+                </a:srgbClr>
+              </a:gs>
+            </a:gsLst>
+            <a:path path="circle">
+              <a:fillToRect t="100000" r="100000"/>
+            </a:path>
+            <a:tileRect l="-100000" b="-100000"/>
+          </a:gradFill>
+        </p:spPr>
+        <p:txBody>
+          <a:bodyPr vert="horz" lIns="91440" tIns="45720" rIns="91440" bIns="45720" rtlCol="0" anchor="ctr">
+            <a:normAutofit/>
+          </a:bodyPr>
+          <a:lstStyle/>
+          <a:p>
+            <a:pPr lvl="0">
+              <a:spcBef>
+                <a:spcPct val="0"/>
+              </a:spcBef>
+            </a:pPr>
+            <a:r>
+              <a:rPr lang="en-US" sz="1600" dirty="0">
+                <a:hlinkClick r:id="rId2"/>
+              </a:rPr>
+              <a:t>https://www.youtube.com/watch?v=gZmobeGL0Yg&amp;list=PLZbbT5o_s2xq7LwI2y8_QtvuXZedL6tQU</a:t>
+            </a:r>
+            <a:endParaRPr kumimoji="0" lang="zh-TW" altLang="en-US" sz="1600" b="0" i="0" u="none" strike="noStrike" kern="1200" cap="none" spc="0" normalizeH="0" baseline="0" noProof="0" dirty="0">
+              <a:ln>
+                <a:noFill/>
+              </a:ln>
+              <a:solidFill>
+                <a:schemeClr val="tx1"/>
+              </a:solidFill>
+              <a:effectLst/>
+              <a:uLnTx/>
+              <a:uFillTx/>
+              <a:latin typeface="+mj-lt"/>
+              <a:ea typeface="+mj-ea"/>
+              <a:cs typeface="+mj-cs"/>
+            </a:endParaRPr>
+          </a:p>
+        </p:txBody>
+      </p:sp>
+      <p:sp>
+        <p:nvSpPr>
+          <p:cNvPr id="5" name="日期版面配置區 4"/>
+          <p:cNvSpPr>
+            <a:spLocks noGrp="1"/>
+          </p:cNvSpPr>
+          <p:nvPr>
+            <p:ph type="dt" sz="half" idx="10"/>
+          </p:nvPr>
+        </p:nvSpPr>
+        <p:spPr/>
+        <p:txBody>
+          <a:bodyPr/>
+          <a:lstStyle/>
+          <a:p>
+            <a:fld id="{A4F910E6-8D00-4BAF-8C48-9688E0B449D3}" type="datetime1">
+              <a:rPr lang="zh-TW" altLang="en-US" smtClean="0"/>
+              <a:pPr/>
+              <a:t>2020/6/6</a:t>
+            </a:fld>
+            <a:endParaRPr lang="zh-TW" altLang="en-US"/>
+          </a:p>
+        </p:txBody>
+      </p:sp>
+      <p:sp>
+        <p:nvSpPr>
+          <p:cNvPr id="6" name="投影片編號版面配置區 5"/>
+          <p:cNvSpPr>
+            <a:spLocks noGrp="1"/>
+          </p:cNvSpPr>
+          <p:nvPr>
+            <p:ph type="sldNum" sz="quarter" idx="12"/>
+          </p:nvPr>
+        </p:nvSpPr>
+        <p:spPr/>
+        <p:txBody>
+          <a:bodyPr/>
+          <a:lstStyle/>
+          <a:p>
+            <a:fld id="{E4D7E63D-91F2-4366-A2C4-1B00C9E2590E}" type="slidenum">
+              <a:rPr lang="zh-TW" altLang="en-US" smtClean="0"/>
+              <a:pPr/>
+              <a:t>11</a:t>
+            </a:fld>
+            <a:endParaRPr lang="zh-TW" altLang="en-US"/>
+          </a:p>
+        </p:txBody>
+      </p:sp>
+      <p:sp>
+        <p:nvSpPr>
+          <p:cNvPr id="10" name="副標題 2">
+            <a:extLst>
+              <a:ext uri="{FF2B5EF4-FFF2-40B4-BE49-F238E27FC236}">
+                <a16:creationId xmlns:a16="http://schemas.microsoft.com/office/drawing/2014/main" id="{85E3A0F9-8A12-49C5-96C7-A2424A576F44}"/>
+              </a:ext>
+            </a:extLst>
+          </p:cNvPr>
+          <p:cNvSpPr txBox="1">
+            <a:spLocks/>
+          </p:cNvSpPr>
+          <p:nvPr/>
+        </p:nvSpPr>
+        <p:spPr>
+          <a:xfrm>
+            <a:off x="510362" y="1196752"/>
+            <a:ext cx="8176438" cy="1656184"/>
+          </a:xfrm>
+          <a:prstGeom prst="rect">
+            <a:avLst/>
+          </a:prstGeom>
+          <a:ln>
+            <a:solidFill>
+              <a:srgbClr val="C00000"/>
+            </a:solidFill>
+          </a:ln>
+        </p:spPr>
+        <p:txBody>
+          <a:bodyPr vert="horz" lIns="91440" tIns="45720" rIns="91440" bIns="45720" rtlCol="0">
+            <a:noAutofit/>
+          </a:bodyPr>
+          <a:lstStyle>
+            <a:lvl1pPr marL="0" indent="0" algn="ctr" defTabSz="914400" rtl="0" eaLnBrk="1" latinLnBrk="0" hangingPunct="1">
+              <a:spcBef>
+                <a:spcPct val="20000"/>
+              </a:spcBef>
+              <a:buFont typeface="Arial" pitchFamily="34" charset="0"/>
+              <a:buNone/>
+              <a:defRPr sz="3200" kern="1200">
+                <a:solidFill>
+                  <a:schemeClr val="tx1">
+                    <a:tint val="75000"/>
+                  </a:schemeClr>
+                </a:solidFill>
+                <a:latin typeface="+mn-lt"/>
+                <a:ea typeface="+mn-ea"/>
+                <a:cs typeface="+mn-cs"/>
+              </a:defRPr>
+            </a:lvl1pPr>
+            <a:lvl2pPr marL="457200" indent="0" algn="ctr" defTabSz="914400" rtl="0" eaLnBrk="1" latinLnBrk="0" hangingPunct="1">
+              <a:spcBef>
+                <a:spcPct val="20000"/>
+              </a:spcBef>
+              <a:buFont typeface="Arial" pitchFamily="34" charset="0"/>
+              <a:buNone/>
+              <a:defRPr sz="2800" kern="1200">
+                <a:solidFill>
+                  <a:schemeClr val="tx1">
+                    <a:tint val="75000"/>
+                  </a:schemeClr>
+                </a:solidFill>
+                <a:latin typeface="+mn-lt"/>
+                <a:ea typeface="+mn-ea"/>
+                <a:cs typeface="+mn-cs"/>
+              </a:defRPr>
+            </a:lvl2pPr>
+            <a:lvl3pPr marL="914400" indent="0" algn="ctr" defTabSz="914400" rtl="0" eaLnBrk="1" latinLnBrk="0" hangingPunct="1">
+              <a:spcBef>
+                <a:spcPct val="20000"/>
+              </a:spcBef>
+              <a:buFont typeface="Arial" pitchFamily="34" charset="0"/>
+              <a:buNone/>
+              <a:defRPr sz="2400" kern="1200">
+                <a:solidFill>
+                  <a:schemeClr val="tx1">
+                    <a:tint val="75000"/>
+                  </a:schemeClr>
+                </a:solidFill>
+                <a:latin typeface="+mn-lt"/>
+                <a:ea typeface="+mn-ea"/>
+                <a:cs typeface="+mn-cs"/>
+              </a:defRPr>
+            </a:lvl3pPr>
+            <a:lvl4pPr marL="1371600" indent="0" algn="ctr" defTabSz="914400" rtl="0" eaLnBrk="1" latinLnBrk="0" hangingPunct="1">
+              <a:spcBef>
+                <a:spcPct val="20000"/>
+              </a:spcBef>
+              <a:buFont typeface="Arial" pitchFamily="34" charset="0"/>
+              <a:buNone/>
+              <a:defRPr sz="2000" kern="1200">
+                <a:solidFill>
+                  <a:schemeClr val="tx1">
+                    <a:tint val="75000"/>
+                  </a:schemeClr>
+                </a:solidFill>
+                <a:latin typeface="+mn-lt"/>
+                <a:ea typeface="+mn-ea"/>
+                <a:cs typeface="+mn-cs"/>
+              </a:defRPr>
+            </a:lvl4pPr>
+            <a:lvl5pPr marL="1828800" indent="0" algn="ctr" defTabSz="914400" rtl="0" eaLnBrk="1" latinLnBrk="0" hangingPunct="1">
+              <a:spcBef>
+                <a:spcPct val="20000"/>
+              </a:spcBef>
+              <a:buFont typeface="Arial" pitchFamily="34" charset="0"/>
+              <a:buNone/>
+              <a:defRPr sz="2000" kern="1200">
+                <a:solidFill>
+                  <a:schemeClr val="tx1">
+                    <a:tint val="75000"/>
+                  </a:schemeClr>
+                </a:solidFill>
+                <a:latin typeface="+mn-lt"/>
+                <a:ea typeface="+mn-ea"/>
+                <a:cs typeface="+mn-cs"/>
+              </a:defRPr>
+            </a:lvl5pPr>
+            <a:lvl6pPr marL="2286000" indent="0" algn="ctr" defTabSz="914400" rtl="0" eaLnBrk="1" latinLnBrk="0" hangingPunct="1">
+              <a:spcBef>
+                <a:spcPct val="20000"/>
+              </a:spcBef>
+              <a:buFont typeface="Arial" pitchFamily="34" charset="0"/>
+              <a:buNone/>
+              <a:defRPr sz="2000" kern="1200">
+                <a:solidFill>
+                  <a:schemeClr val="tx1">
+                    <a:tint val="75000"/>
+                  </a:schemeClr>
+                </a:solidFill>
+                <a:latin typeface="+mn-lt"/>
+                <a:ea typeface="+mn-ea"/>
+                <a:cs typeface="+mn-cs"/>
+              </a:defRPr>
+            </a:lvl6pPr>
+            <a:lvl7pPr marL="2743200" indent="0" algn="ctr" defTabSz="914400" rtl="0" eaLnBrk="1" latinLnBrk="0" hangingPunct="1">
+              <a:spcBef>
+                <a:spcPct val="20000"/>
+              </a:spcBef>
+              <a:buFont typeface="Arial" pitchFamily="34" charset="0"/>
+              <a:buNone/>
+              <a:defRPr sz="2000" kern="1200">
+                <a:solidFill>
+                  <a:schemeClr val="tx1">
+                    <a:tint val="75000"/>
+                  </a:schemeClr>
+                </a:solidFill>
+                <a:latin typeface="+mn-lt"/>
+                <a:ea typeface="+mn-ea"/>
+                <a:cs typeface="+mn-cs"/>
+              </a:defRPr>
+            </a:lvl7pPr>
+            <a:lvl8pPr marL="3200400" indent="0" algn="ctr" defTabSz="914400" rtl="0" eaLnBrk="1" latinLnBrk="0" hangingPunct="1">
+              <a:spcBef>
+                <a:spcPct val="20000"/>
+              </a:spcBef>
+              <a:buFont typeface="Arial" pitchFamily="34" charset="0"/>
+              <a:buNone/>
+              <a:defRPr sz="2000" kern="1200">
+                <a:solidFill>
+                  <a:schemeClr val="tx1">
+                    <a:tint val="75000"/>
+                  </a:schemeClr>
+                </a:solidFill>
+                <a:latin typeface="+mn-lt"/>
+                <a:ea typeface="+mn-ea"/>
+                <a:cs typeface="+mn-cs"/>
+              </a:defRPr>
+            </a:lvl8pPr>
+            <a:lvl9pPr marL="3657600" indent="0" algn="ctr" defTabSz="914400" rtl="0" eaLnBrk="1" latinLnBrk="0" hangingPunct="1">
+              <a:spcBef>
+                <a:spcPct val="20000"/>
+              </a:spcBef>
+              <a:buFont typeface="Arial" pitchFamily="34" charset="0"/>
+              <a:buNone/>
+              <a:defRPr sz="2000" kern="1200">
+                <a:solidFill>
+                  <a:schemeClr val="tx1">
+                    <a:tint val="75000"/>
+                  </a:schemeClr>
+                </a:solidFill>
+                <a:latin typeface="+mn-lt"/>
+                <a:ea typeface="+mn-ea"/>
+                <a:cs typeface="+mn-cs"/>
+              </a:defRPr>
+            </a:lvl9pPr>
+          </a:lstStyle>
+          <a:p>
+            <a:pPr marL="342900" indent="-342900" algn="l">
+              <a:buClr>
+                <a:srgbClr val="0070C0"/>
+              </a:buClr>
+              <a:buSzPct val="80000"/>
+              <a:buFont typeface="Wingdings" pitchFamily="2" charset="2"/>
+              <a:buChar char="u"/>
+            </a:pPr>
+            <a:r>
+              <a:rPr lang="en-US" sz="1800" b="1" dirty="0">
+                <a:solidFill>
+                  <a:schemeClr val="tx1"/>
+                </a:solidFill>
+              </a:rPr>
+              <a:t>What Is Machine Learning?</a:t>
+            </a:r>
+          </a:p>
+          <a:p>
+            <a:pPr marL="342900" indent="-342900" algn="l">
+              <a:buClr>
+                <a:srgbClr val="0070C0"/>
+              </a:buClr>
+              <a:buSzPct val="80000"/>
+              <a:buFont typeface="Wingdings" pitchFamily="2" charset="2"/>
+              <a:buChar char="u"/>
+            </a:pPr>
+            <a:r>
+              <a:rPr lang="en-US" sz="1800" dirty="0">
+                <a:solidFill>
+                  <a:schemeClr val="tx1"/>
+                </a:solidFill>
+              </a:rPr>
+              <a:t>Machine learning is the practice of using algorithms to analyze data, learn from that data, and then make a determination or prediction about new data.</a:t>
+            </a:r>
+          </a:p>
+          <a:p>
+            <a:pPr marL="342900" indent="-342900" algn="l">
+              <a:buClr>
+                <a:srgbClr val="0070C0"/>
+              </a:buClr>
+              <a:buSzPct val="80000"/>
+              <a:buFont typeface="Wingdings" pitchFamily="2" charset="2"/>
+              <a:buChar char="u"/>
+            </a:pPr>
+            <a:r>
+              <a:rPr lang="en-US" sz="1800" dirty="0">
+                <a:solidFill>
+                  <a:schemeClr val="tx1"/>
+                </a:solidFill>
+              </a:rPr>
+              <a:t>from the definition of machine learning that we just gave, the focus is on the </a:t>
+            </a:r>
+            <a:r>
+              <a:rPr lang="en-US" sz="1800" dirty="0">
+                <a:solidFill>
+                  <a:srgbClr val="C00000"/>
+                </a:solidFill>
+              </a:rPr>
+              <a:t>“learn from that data</a:t>
+            </a:r>
+            <a:r>
+              <a:rPr lang="en-US" sz="1800" dirty="0">
+                <a:solidFill>
+                  <a:schemeClr val="tx1"/>
+                </a:solidFill>
+              </a:rPr>
+              <a:t>” part of the definition.</a:t>
+            </a:r>
+          </a:p>
+        </p:txBody>
+      </p:sp>
+    </p:spTree>
+    <p:extLst>
+      <p:ext uri="{BB962C8B-B14F-4D97-AF65-F5344CB8AC3E}">
+        <p14:creationId xmlns:p14="http://schemas.microsoft.com/office/powerpoint/2010/main" val="1578316719"/>
+      </p:ext>
+    </p:extLst>
+  </p:cSld>
+  <p:clrMapOvr>
+    <a:masterClrMapping/>
+  </p:clrMapOvr>
+</p:sld>
+</file>
+
+<file path=ppt/slides/slide12.xml><?xml version="1.0" encoding="utf-8"?>
+<p:sld xmlns:a="http://schemas.openxmlformats.org/drawingml/2006/main" xmlns:r="http://schemas.openxmlformats.org/officeDocument/2006/relationships" xmlns:p="http://schemas.openxmlformats.org/presentationml/2006/main">
+  <p:cSld>
+    <p:spTree>
+      <p:nvGrpSpPr>
+        <p:cNvPr id="1" name=""/>
+        <p:cNvGrpSpPr/>
+        <p:nvPr/>
+      </p:nvGrpSpPr>
+      <p:grpSpPr>
+        <a:xfrm>
+          <a:off x="0" y="0"/>
+          <a:ext cx="0" cy="0"/>
+          <a:chOff x="0" y="0"/>
+          <a:chExt cx="0" cy="0"/>
+        </a:xfrm>
+      </p:grpSpPr>
+      <p:sp>
+        <p:nvSpPr>
+          <p:cNvPr id="2" name="標題 1"/>
+          <p:cNvSpPr>
+            <a:spLocks noGrp="1"/>
+          </p:cNvSpPr>
+          <p:nvPr>
+            <p:ph type="ctrTitle"/>
+          </p:nvPr>
+        </p:nvSpPr>
+        <p:spPr>
+          <a:xfrm>
+            <a:off x="0" y="1"/>
+            <a:ext cx="9144000" cy="764704"/>
+          </a:xfrm>
+          <a:gradFill flip="none" rotWithShape="1">
+            <a:gsLst>
+              <a:gs pos="0">
+                <a:srgbClr val="C00000">
+                  <a:shade val="30000"/>
+                  <a:satMod val="115000"/>
+                </a:srgbClr>
+              </a:gs>
+              <a:gs pos="50000">
+                <a:srgbClr val="C00000">
+                  <a:shade val="67500"/>
+                  <a:satMod val="115000"/>
+                </a:srgbClr>
+              </a:gs>
+              <a:gs pos="100000">
+                <a:srgbClr val="C00000">
+                  <a:shade val="100000"/>
+                  <a:satMod val="115000"/>
+                </a:srgbClr>
+              </a:gs>
+            </a:gsLst>
+            <a:path path="circle">
+              <a:fillToRect t="100000" r="100000"/>
+            </a:path>
+            <a:tileRect l="-100000" b="-100000"/>
+          </a:gradFill>
+        </p:spPr>
+        <p:txBody>
+          <a:bodyPr>
+            <a:normAutofit/>
+          </a:bodyPr>
+          <a:lstStyle/>
+          <a:p>
+            <a:pPr algn="l"/>
+            <a:r>
+              <a:rPr lang="en-US" altLang="zh-TW" b="1" dirty="0">
+                <a:solidFill>
+                  <a:srgbClr val="FFFF00"/>
+                </a:solidFill>
+              </a:rPr>
+              <a:t>1 Deep Learning</a:t>
+            </a:r>
+            <a:endParaRPr lang="zh-TW" altLang="en-US" b="1" dirty="0">
+              <a:solidFill>
+                <a:srgbClr val="FFFF00"/>
+              </a:solidFill>
+            </a:endParaRPr>
+          </a:p>
+        </p:txBody>
+      </p:sp>
+      <p:sp>
+        <p:nvSpPr>
+          <p:cNvPr id="4" name="標題 1"/>
+          <p:cNvSpPr txBox="1">
+            <a:spLocks/>
+          </p:cNvSpPr>
+          <p:nvPr/>
+        </p:nvSpPr>
+        <p:spPr>
+          <a:xfrm>
+            <a:off x="0" y="764704"/>
+            <a:ext cx="9144000" cy="360040"/>
+          </a:xfrm>
+          <a:prstGeom prst="rect">
+            <a:avLst/>
+          </a:prstGeom>
+          <a:gradFill flip="none" rotWithShape="1">
+            <a:gsLst>
+              <a:gs pos="0">
+                <a:srgbClr val="00B0F0">
+                  <a:shade val="30000"/>
+                  <a:satMod val="115000"/>
+                </a:srgbClr>
+              </a:gs>
+              <a:gs pos="50000">
+                <a:srgbClr val="00B0F0">
+                  <a:shade val="67500"/>
+                  <a:satMod val="115000"/>
+                </a:srgbClr>
+              </a:gs>
+              <a:gs pos="100000">
+                <a:srgbClr val="00B0F0">
+                  <a:shade val="100000"/>
+                  <a:satMod val="115000"/>
+                </a:srgbClr>
+              </a:gs>
+            </a:gsLst>
+            <a:path path="circle">
+              <a:fillToRect t="100000" r="100000"/>
+            </a:path>
+            <a:tileRect l="-100000" b="-100000"/>
+          </a:gradFill>
+        </p:spPr>
+        <p:txBody>
+          <a:bodyPr vert="horz" lIns="91440" tIns="45720" rIns="91440" bIns="45720" rtlCol="0" anchor="ctr">
+            <a:normAutofit/>
+          </a:bodyPr>
+          <a:lstStyle/>
+          <a:p>
+            <a:pPr lvl="0">
+              <a:spcBef>
+                <a:spcPct val="0"/>
+              </a:spcBef>
+            </a:pPr>
+            <a:r>
+              <a:rPr lang="en-US" sz="1600" dirty="0">
+                <a:hlinkClick r:id="rId2"/>
+              </a:rPr>
+              <a:t>https://www.youtube.com/watch?v=gZmobeGL0Yg&amp;list=PLZbbT5o_s2xq7LwI2y8_QtvuXZedL6tQU</a:t>
+            </a:r>
+            <a:endParaRPr kumimoji="0" lang="zh-TW" altLang="en-US" sz="1600" b="0" i="0" u="none" strike="noStrike" kern="1200" cap="none" spc="0" normalizeH="0" baseline="0" noProof="0" dirty="0">
+              <a:ln>
+                <a:noFill/>
+              </a:ln>
+              <a:solidFill>
+                <a:schemeClr val="tx1"/>
+              </a:solidFill>
+              <a:effectLst/>
+              <a:uLnTx/>
+              <a:uFillTx/>
+              <a:latin typeface="+mj-lt"/>
+              <a:ea typeface="+mj-ea"/>
+              <a:cs typeface="+mj-cs"/>
+            </a:endParaRPr>
+          </a:p>
+        </p:txBody>
+      </p:sp>
+      <p:sp>
+        <p:nvSpPr>
+          <p:cNvPr id="5" name="日期版面配置區 4"/>
+          <p:cNvSpPr>
+            <a:spLocks noGrp="1"/>
+          </p:cNvSpPr>
+          <p:nvPr>
+            <p:ph type="dt" sz="half" idx="10"/>
+          </p:nvPr>
+        </p:nvSpPr>
+        <p:spPr/>
+        <p:txBody>
+          <a:bodyPr/>
+          <a:lstStyle/>
+          <a:p>
+            <a:fld id="{A4F910E6-8D00-4BAF-8C48-9688E0B449D3}" type="datetime1">
+              <a:rPr lang="zh-TW" altLang="en-US" smtClean="0"/>
+              <a:pPr/>
+              <a:t>2020/6/6</a:t>
+            </a:fld>
+            <a:endParaRPr lang="zh-TW" altLang="en-US"/>
+          </a:p>
+        </p:txBody>
+      </p:sp>
+      <p:sp>
+        <p:nvSpPr>
+          <p:cNvPr id="6" name="投影片編號版面配置區 5"/>
+          <p:cNvSpPr>
+            <a:spLocks noGrp="1"/>
+          </p:cNvSpPr>
+          <p:nvPr>
+            <p:ph type="sldNum" sz="quarter" idx="12"/>
+          </p:nvPr>
+        </p:nvSpPr>
+        <p:spPr/>
+        <p:txBody>
+          <a:bodyPr/>
+          <a:lstStyle/>
+          <a:p>
+            <a:fld id="{E4D7E63D-91F2-4366-A2C4-1B00C9E2590E}" type="slidenum">
+              <a:rPr lang="zh-TW" altLang="en-US" smtClean="0"/>
+              <a:pPr/>
+              <a:t>12</a:t>
+            </a:fld>
+            <a:endParaRPr lang="zh-TW" altLang="en-US"/>
+          </a:p>
+        </p:txBody>
+      </p:sp>
+      <p:sp>
+        <p:nvSpPr>
+          <p:cNvPr id="10" name="副標題 2">
+            <a:extLst>
+              <a:ext uri="{FF2B5EF4-FFF2-40B4-BE49-F238E27FC236}">
+                <a16:creationId xmlns:a16="http://schemas.microsoft.com/office/drawing/2014/main" id="{85E3A0F9-8A12-49C5-96C7-A2424A576F44}"/>
+              </a:ext>
+            </a:extLst>
+          </p:cNvPr>
+          <p:cNvSpPr txBox="1">
+            <a:spLocks/>
+          </p:cNvSpPr>
+          <p:nvPr/>
+        </p:nvSpPr>
+        <p:spPr>
+          <a:xfrm>
+            <a:off x="510362" y="1196752"/>
+            <a:ext cx="8176438" cy="2520279"/>
+          </a:xfrm>
+          <a:prstGeom prst="rect">
+            <a:avLst/>
+          </a:prstGeom>
+          <a:ln>
+            <a:solidFill>
+              <a:srgbClr val="C00000"/>
+            </a:solidFill>
+          </a:ln>
+        </p:spPr>
+        <p:txBody>
+          <a:bodyPr vert="horz" lIns="91440" tIns="45720" rIns="91440" bIns="45720" rtlCol="0">
+            <a:noAutofit/>
+          </a:bodyPr>
+          <a:lstStyle>
+            <a:lvl1pPr marL="0" indent="0" algn="ctr" defTabSz="914400" rtl="0" eaLnBrk="1" latinLnBrk="0" hangingPunct="1">
+              <a:spcBef>
+                <a:spcPct val="20000"/>
+              </a:spcBef>
+              <a:buFont typeface="Arial" pitchFamily="34" charset="0"/>
+              <a:buNone/>
+              <a:defRPr sz="3200" kern="1200">
+                <a:solidFill>
+                  <a:schemeClr val="tx1">
+                    <a:tint val="75000"/>
+                  </a:schemeClr>
+                </a:solidFill>
+                <a:latin typeface="+mn-lt"/>
+                <a:ea typeface="+mn-ea"/>
+                <a:cs typeface="+mn-cs"/>
+              </a:defRPr>
+            </a:lvl1pPr>
+            <a:lvl2pPr marL="457200" indent="0" algn="ctr" defTabSz="914400" rtl="0" eaLnBrk="1" latinLnBrk="0" hangingPunct="1">
+              <a:spcBef>
+                <a:spcPct val="20000"/>
+              </a:spcBef>
+              <a:buFont typeface="Arial" pitchFamily="34" charset="0"/>
+              <a:buNone/>
+              <a:defRPr sz="2800" kern="1200">
+                <a:solidFill>
+                  <a:schemeClr val="tx1">
+                    <a:tint val="75000"/>
+                  </a:schemeClr>
+                </a:solidFill>
+                <a:latin typeface="+mn-lt"/>
+                <a:ea typeface="+mn-ea"/>
+                <a:cs typeface="+mn-cs"/>
+              </a:defRPr>
+            </a:lvl2pPr>
+            <a:lvl3pPr marL="914400" indent="0" algn="ctr" defTabSz="914400" rtl="0" eaLnBrk="1" latinLnBrk="0" hangingPunct="1">
+              <a:spcBef>
+                <a:spcPct val="20000"/>
+              </a:spcBef>
+              <a:buFont typeface="Arial" pitchFamily="34" charset="0"/>
+              <a:buNone/>
+              <a:defRPr sz="2400" kern="1200">
+                <a:solidFill>
+                  <a:schemeClr val="tx1">
+                    <a:tint val="75000"/>
+                  </a:schemeClr>
+                </a:solidFill>
+                <a:latin typeface="+mn-lt"/>
+                <a:ea typeface="+mn-ea"/>
+                <a:cs typeface="+mn-cs"/>
+              </a:defRPr>
+            </a:lvl3pPr>
+            <a:lvl4pPr marL="1371600" indent="0" algn="ctr" defTabSz="914400" rtl="0" eaLnBrk="1" latinLnBrk="0" hangingPunct="1">
+              <a:spcBef>
+                <a:spcPct val="20000"/>
+              </a:spcBef>
+              <a:buFont typeface="Arial" pitchFamily="34" charset="0"/>
+              <a:buNone/>
+              <a:defRPr sz="2000" kern="1200">
+                <a:solidFill>
+                  <a:schemeClr val="tx1">
+                    <a:tint val="75000"/>
+                  </a:schemeClr>
+                </a:solidFill>
+                <a:latin typeface="+mn-lt"/>
+                <a:ea typeface="+mn-ea"/>
+                <a:cs typeface="+mn-cs"/>
+              </a:defRPr>
+            </a:lvl4pPr>
+            <a:lvl5pPr marL="1828800" indent="0" algn="ctr" defTabSz="914400" rtl="0" eaLnBrk="1" latinLnBrk="0" hangingPunct="1">
+              <a:spcBef>
+                <a:spcPct val="20000"/>
+              </a:spcBef>
+              <a:buFont typeface="Arial" pitchFamily="34" charset="0"/>
+              <a:buNone/>
+              <a:defRPr sz="2000" kern="1200">
+                <a:solidFill>
+                  <a:schemeClr val="tx1">
+                    <a:tint val="75000"/>
+                  </a:schemeClr>
+                </a:solidFill>
+                <a:latin typeface="+mn-lt"/>
+                <a:ea typeface="+mn-ea"/>
+                <a:cs typeface="+mn-cs"/>
+              </a:defRPr>
+            </a:lvl5pPr>
+            <a:lvl6pPr marL="2286000" indent="0" algn="ctr" defTabSz="914400" rtl="0" eaLnBrk="1" latinLnBrk="0" hangingPunct="1">
+              <a:spcBef>
+                <a:spcPct val="20000"/>
+              </a:spcBef>
+              <a:buFont typeface="Arial" pitchFamily="34" charset="0"/>
+              <a:buNone/>
+              <a:defRPr sz="2000" kern="1200">
+                <a:solidFill>
+                  <a:schemeClr val="tx1">
+                    <a:tint val="75000"/>
+                  </a:schemeClr>
+                </a:solidFill>
+                <a:latin typeface="+mn-lt"/>
+                <a:ea typeface="+mn-ea"/>
+                <a:cs typeface="+mn-cs"/>
+              </a:defRPr>
+            </a:lvl6pPr>
+            <a:lvl7pPr marL="2743200" indent="0" algn="ctr" defTabSz="914400" rtl="0" eaLnBrk="1" latinLnBrk="0" hangingPunct="1">
+              <a:spcBef>
+                <a:spcPct val="20000"/>
+              </a:spcBef>
+              <a:buFont typeface="Arial" pitchFamily="34" charset="0"/>
+              <a:buNone/>
+              <a:defRPr sz="2000" kern="1200">
+                <a:solidFill>
+                  <a:schemeClr val="tx1">
+                    <a:tint val="75000"/>
+                  </a:schemeClr>
+                </a:solidFill>
+                <a:latin typeface="+mn-lt"/>
+                <a:ea typeface="+mn-ea"/>
+                <a:cs typeface="+mn-cs"/>
+              </a:defRPr>
+            </a:lvl7pPr>
+            <a:lvl8pPr marL="3200400" indent="0" algn="ctr" defTabSz="914400" rtl="0" eaLnBrk="1" latinLnBrk="0" hangingPunct="1">
+              <a:spcBef>
+                <a:spcPct val="20000"/>
+              </a:spcBef>
+              <a:buFont typeface="Arial" pitchFamily="34" charset="0"/>
+              <a:buNone/>
+              <a:defRPr sz="2000" kern="1200">
+                <a:solidFill>
+                  <a:schemeClr val="tx1">
+                    <a:tint val="75000"/>
+                  </a:schemeClr>
+                </a:solidFill>
+                <a:latin typeface="+mn-lt"/>
+                <a:ea typeface="+mn-ea"/>
+                <a:cs typeface="+mn-cs"/>
+              </a:defRPr>
+            </a:lvl8pPr>
+            <a:lvl9pPr marL="3657600" indent="0" algn="ctr" defTabSz="914400" rtl="0" eaLnBrk="1" latinLnBrk="0" hangingPunct="1">
+              <a:spcBef>
+                <a:spcPct val="20000"/>
+              </a:spcBef>
+              <a:buFont typeface="Arial" pitchFamily="34" charset="0"/>
+              <a:buNone/>
+              <a:defRPr sz="2000" kern="1200">
+                <a:solidFill>
+                  <a:schemeClr val="tx1">
+                    <a:tint val="75000"/>
+                  </a:schemeClr>
+                </a:solidFill>
+                <a:latin typeface="+mn-lt"/>
+                <a:ea typeface="+mn-ea"/>
+                <a:cs typeface="+mn-cs"/>
+              </a:defRPr>
+            </a:lvl9pPr>
+          </a:lstStyle>
+          <a:p>
+            <a:pPr marL="342900" indent="-342900" algn="l">
+              <a:buClr>
+                <a:srgbClr val="0070C0"/>
+              </a:buClr>
+              <a:buSzPct val="80000"/>
+              <a:buFont typeface="Wingdings" pitchFamily="2" charset="2"/>
+              <a:buChar char="u"/>
+            </a:pPr>
+            <a:r>
+              <a:rPr lang="en-US" sz="1800" b="1" dirty="0">
+                <a:solidFill>
+                  <a:schemeClr val="tx1"/>
+                </a:solidFill>
+              </a:rPr>
+              <a:t>Machine Learning Vs. Traditional Programming</a:t>
+            </a:r>
+          </a:p>
+          <a:p>
+            <a:pPr marL="342900" indent="-342900" algn="l">
+              <a:buClr>
+                <a:srgbClr val="0070C0"/>
+              </a:buClr>
+              <a:buSzPct val="80000"/>
+              <a:buFont typeface="Wingdings" pitchFamily="2" charset="2"/>
+              <a:buChar char="u"/>
+            </a:pPr>
+            <a:r>
+              <a:rPr lang="en-US" sz="1800" dirty="0">
+                <a:solidFill>
+                  <a:schemeClr val="tx1"/>
+                </a:solidFill>
+              </a:rPr>
+              <a:t>Example: Analyzing the sentiment (</a:t>
+            </a:r>
+            <a:r>
+              <a:rPr lang="en-US" sz="1800" dirty="0" err="1">
+                <a:solidFill>
+                  <a:schemeClr val="tx1"/>
+                </a:solidFill>
+              </a:rPr>
+              <a:t>sentire</a:t>
+            </a:r>
+            <a:r>
+              <a:rPr lang="en-US" sz="1800" dirty="0">
+                <a:solidFill>
+                  <a:schemeClr val="tx1"/>
+                </a:solidFill>
+              </a:rPr>
+              <a:t>: feeling, personal feeling) of a popular media outlet and classifying that sentiment as positive or negative.</a:t>
+            </a:r>
+          </a:p>
+          <a:p>
+            <a:pPr marL="342900" indent="-342900" algn="l">
+              <a:buClr>
+                <a:srgbClr val="0070C0"/>
+              </a:buClr>
+              <a:buSzPct val="80000"/>
+              <a:buFont typeface="Wingdings" pitchFamily="2" charset="2"/>
+              <a:buChar char="u"/>
+            </a:pPr>
+            <a:r>
+              <a:rPr lang="en-US" sz="1800" b="1" dirty="0">
+                <a:solidFill>
+                  <a:schemeClr val="tx1"/>
+                </a:solidFill>
+              </a:rPr>
+              <a:t>Traditional Programming Approach</a:t>
+            </a:r>
+          </a:p>
+          <a:p>
+            <a:pPr marL="342900" indent="-342900" algn="l">
+              <a:buClr>
+                <a:srgbClr val="0070C0"/>
+              </a:buClr>
+              <a:buSzPct val="80000"/>
+              <a:buFont typeface="Wingdings" pitchFamily="2" charset="2"/>
+              <a:buChar char="u"/>
+            </a:pPr>
+            <a:r>
+              <a:rPr lang="en-US" sz="1800" dirty="0">
+                <a:solidFill>
+                  <a:schemeClr val="tx1"/>
+                </a:solidFill>
+              </a:rPr>
+              <a:t>The algorithm may first look for particular words associated with a negative or positive sentiment.</a:t>
+            </a:r>
+          </a:p>
+          <a:p>
+            <a:pPr marL="342900" indent="-342900" algn="l">
+              <a:buClr>
+                <a:srgbClr val="0070C0"/>
+              </a:buClr>
+              <a:buSzPct val="80000"/>
+              <a:buFont typeface="Wingdings" pitchFamily="2" charset="2"/>
+              <a:buChar char="u"/>
+            </a:pPr>
+            <a:r>
+              <a:rPr lang="en-US" sz="1800" dirty="0">
+                <a:solidFill>
+                  <a:schemeClr val="tx1"/>
+                </a:solidFill>
+              </a:rPr>
+              <a:t>With conditional statements, the algorithm would classify articles as positive or negative based on the words that it knows are positive or negative.</a:t>
+            </a:r>
+          </a:p>
+          <a:p>
+            <a:pPr marL="342900" indent="-342900" algn="l">
+              <a:buClr>
+                <a:srgbClr val="0070C0"/>
+              </a:buClr>
+              <a:buSzPct val="80000"/>
+              <a:buFont typeface="Wingdings" pitchFamily="2" charset="2"/>
+              <a:buChar char="u"/>
+            </a:pPr>
+            <a:endParaRPr lang="en-US" sz="1800" b="1" dirty="0">
+              <a:solidFill>
+                <a:schemeClr val="tx1"/>
+              </a:solidFill>
+            </a:endParaRPr>
+          </a:p>
+        </p:txBody>
+      </p:sp>
+      <p:pic>
+        <p:nvPicPr>
+          <p:cNvPr id="11" name="Picture 10">
+            <a:extLst>
+              <a:ext uri="{FF2B5EF4-FFF2-40B4-BE49-F238E27FC236}">
+                <a16:creationId xmlns:a16="http://schemas.microsoft.com/office/drawing/2014/main" id="{93B432CF-A800-458E-82B1-040A46F741C0}"/>
+              </a:ext>
+            </a:extLst>
+          </p:cNvPr>
+          <p:cNvPicPr>
+            <a:picLocks noChangeAspect="1"/>
+          </p:cNvPicPr>
+          <p:nvPr/>
+        </p:nvPicPr>
+        <p:blipFill>
+          <a:blip r:embed="rId3"/>
+          <a:stretch>
+            <a:fillRect/>
+          </a:stretch>
+        </p:blipFill>
+        <p:spPr>
+          <a:xfrm>
+            <a:off x="2915816" y="3862596"/>
+            <a:ext cx="1866900" cy="2828925"/>
+          </a:xfrm>
+          <a:prstGeom prst="rect">
+            <a:avLst/>
+          </a:prstGeom>
+          <a:ln>
+            <a:solidFill>
+              <a:srgbClr val="C00000"/>
+            </a:solidFill>
+          </a:ln>
+        </p:spPr>
+      </p:pic>
+    </p:spTree>
+    <p:extLst>
+      <p:ext uri="{BB962C8B-B14F-4D97-AF65-F5344CB8AC3E}">
+        <p14:creationId xmlns:p14="http://schemas.microsoft.com/office/powerpoint/2010/main" val="4259278826"/>
+      </p:ext>
+    </p:extLst>
+  </p:cSld>
+  <p:clrMapOvr>
+    <a:masterClrMapping/>
+  </p:clrMapOvr>
+</p:sld>
+</file>
+
+<file path=ppt/slides/slide13.xml><?xml version="1.0" encoding="utf-8"?>
+<p:sld xmlns:a="http://schemas.openxmlformats.org/drawingml/2006/main" xmlns:r="http://schemas.openxmlformats.org/officeDocument/2006/relationships" xmlns:p="http://schemas.openxmlformats.org/presentationml/2006/main">
+  <p:cSld>
+    <p:spTree>
+      <p:nvGrpSpPr>
+        <p:cNvPr id="1" name=""/>
+        <p:cNvGrpSpPr/>
+        <p:nvPr/>
+      </p:nvGrpSpPr>
+      <p:grpSpPr>
+        <a:xfrm>
+          <a:off x="0" y="0"/>
+          <a:ext cx="0" cy="0"/>
+          <a:chOff x="0" y="0"/>
+          <a:chExt cx="0" cy="0"/>
+        </a:xfrm>
+      </p:grpSpPr>
+      <p:sp>
+        <p:nvSpPr>
+          <p:cNvPr id="2" name="標題 1"/>
+          <p:cNvSpPr>
+            <a:spLocks noGrp="1"/>
+          </p:cNvSpPr>
+          <p:nvPr>
+            <p:ph type="ctrTitle"/>
+          </p:nvPr>
+        </p:nvSpPr>
+        <p:spPr>
+          <a:xfrm>
+            <a:off x="0" y="1"/>
+            <a:ext cx="9144000" cy="764704"/>
+          </a:xfrm>
+          <a:gradFill flip="none" rotWithShape="1">
+            <a:gsLst>
+              <a:gs pos="0">
+                <a:srgbClr val="C00000">
+                  <a:shade val="30000"/>
+                  <a:satMod val="115000"/>
+                </a:srgbClr>
+              </a:gs>
+              <a:gs pos="50000">
+                <a:srgbClr val="C00000">
+                  <a:shade val="67500"/>
+                  <a:satMod val="115000"/>
+                </a:srgbClr>
+              </a:gs>
+              <a:gs pos="100000">
+                <a:srgbClr val="C00000">
+                  <a:shade val="100000"/>
+                  <a:satMod val="115000"/>
+                </a:srgbClr>
+              </a:gs>
+            </a:gsLst>
+            <a:path path="circle">
+              <a:fillToRect t="100000" r="100000"/>
+            </a:path>
+            <a:tileRect l="-100000" b="-100000"/>
+          </a:gradFill>
+        </p:spPr>
+        <p:txBody>
+          <a:bodyPr>
+            <a:normAutofit/>
+          </a:bodyPr>
+          <a:lstStyle/>
+          <a:p>
+            <a:pPr algn="l"/>
+            <a:r>
+              <a:rPr lang="en-US" altLang="zh-TW" b="1" dirty="0">
+                <a:solidFill>
+                  <a:srgbClr val="FFFF00"/>
+                </a:solidFill>
+              </a:rPr>
+              <a:t>1 Deep Learning</a:t>
+            </a:r>
+            <a:endParaRPr lang="zh-TW" altLang="en-US" b="1" dirty="0">
+              <a:solidFill>
+                <a:srgbClr val="FFFF00"/>
+              </a:solidFill>
+            </a:endParaRPr>
+          </a:p>
+        </p:txBody>
+      </p:sp>
+      <p:sp>
+        <p:nvSpPr>
+          <p:cNvPr id="4" name="標題 1"/>
+          <p:cNvSpPr txBox="1">
+            <a:spLocks/>
+          </p:cNvSpPr>
+          <p:nvPr/>
+        </p:nvSpPr>
+        <p:spPr>
+          <a:xfrm>
+            <a:off x="0" y="764704"/>
+            <a:ext cx="9144000" cy="360040"/>
+          </a:xfrm>
+          <a:prstGeom prst="rect">
+            <a:avLst/>
+          </a:prstGeom>
+          <a:gradFill flip="none" rotWithShape="1">
+            <a:gsLst>
+              <a:gs pos="0">
+                <a:srgbClr val="00B0F0">
+                  <a:shade val="30000"/>
+                  <a:satMod val="115000"/>
+                </a:srgbClr>
+              </a:gs>
+              <a:gs pos="50000">
+                <a:srgbClr val="00B0F0">
+                  <a:shade val="67500"/>
+                  <a:satMod val="115000"/>
+                </a:srgbClr>
+              </a:gs>
+              <a:gs pos="100000">
+                <a:srgbClr val="00B0F0">
+                  <a:shade val="100000"/>
+                  <a:satMod val="115000"/>
+                </a:srgbClr>
+              </a:gs>
+            </a:gsLst>
+            <a:path path="circle">
+              <a:fillToRect t="100000" r="100000"/>
+            </a:path>
+            <a:tileRect l="-100000" b="-100000"/>
+          </a:gradFill>
+        </p:spPr>
+        <p:txBody>
+          <a:bodyPr vert="horz" lIns="91440" tIns="45720" rIns="91440" bIns="45720" rtlCol="0" anchor="ctr">
+            <a:normAutofit/>
+          </a:bodyPr>
+          <a:lstStyle/>
+          <a:p>
+            <a:pPr lvl="0">
+              <a:spcBef>
+                <a:spcPct val="0"/>
+              </a:spcBef>
+            </a:pPr>
+            <a:r>
+              <a:rPr lang="en-US" sz="1600" dirty="0">
+                <a:hlinkClick r:id="rId2"/>
+              </a:rPr>
+              <a:t>https://www.youtube.com/watch?v=gZmobeGL0Yg&amp;list=PLZbbT5o_s2xq7LwI2y8_QtvuXZedL6tQU</a:t>
+            </a:r>
+            <a:endParaRPr kumimoji="0" lang="zh-TW" altLang="en-US" sz="1600" b="0" i="0" u="none" strike="noStrike" kern="1200" cap="none" spc="0" normalizeH="0" baseline="0" noProof="0" dirty="0">
+              <a:ln>
+                <a:noFill/>
+              </a:ln>
+              <a:solidFill>
+                <a:schemeClr val="tx1"/>
+              </a:solidFill>
+              <a:effectLst/>
+              <a:uLnTx/>
+              <a:uFillTx/>
+              <a:latin typeface="+mj-lt"/>
+              <a:ea typeface="+mj-ea"/>
+              <a:cs typeface="+mj-cs"/>
+            </a:endParaRPr>
+          </a:p>
+        </p:txBody>
+      </p:sp>
+      <p:sp>
+        <p:nvSpPr>
+          <p:cNvPr id="5" name="日期版面配置區 4"/>
+          <p:cNvSpPr>
+            <a:spLocks noGrp="1"/>
+          </p:cNvSpPr>
+          <p:nvPr>
+            <p:ph type="dt" sz="half" idx="10"/>
+          </p:nvPr>
+        </p:nvSpPr>
+        <p:spPr/>
+        <p:txBody>
+          <a:bodyPr/>
+          <a:lstStyle/>
+          <a:p>
+            <a:fld id="{A4F910E6-8D00-4BAF-8C48-9688E0B449D3}" type="datetime1">
+              <a:rPr lang="zh-TW" altLang="en-US" smtClean="0"/>
+              <a:pPr/>
+              <a:t>2020/6/6</a:t>
+            </a:fld>
+            <a:endParaRPr lang="zh-TW" altLang="en-US"/>
+          </a:p>
+        </p:txBody>
+      </p:sp>
+      <p:sp>
+        <p:nvSpPr>
+          <p:cNvPr id="6" name="投影片編號版面配置區 5"/>
+          <p:cNvSpPr>
+            <a:spLocks noGrp="1"/>
+          </p:cNvSpPr>
+          <p:nvPr>
+            <p:ph type="sldNum" sz="quarter" idx="12"/>
+          </p:nvPr>
+        </p:nvSpPr>
+        <p:spPr/>
+        <p:txBody>
+          <a:bodyPr/>
+          <a:lstStyle/>
+          <a:p>
+            <a:fld id="{E4D7E63D-91F2-4366-A2C4-1B00C9E2590E}" type="slidenum">
+              <a:rPr lang="zh-TW" altLang="en-US" smtClean="0"/>
+              <a:pPr/>
+              <a:t>13</a:t>
+            </a:fld>
+            <a:endParaRPr lang="zh-TW" altLang="en-US"/>
+          </a:p>
+        </p:txBody>
+      </p:sp>
+      <p:sp>
+        <p:nvSpPr>
+          <p:cNvPr id="10" name="副標題 2">
+            <a:extLst>
+              <a:ext uri="{FF2B5EF4-FFF2-40B4-BE49-F238E27FC236}">
+                <a16:creationId xmlns:a16="http://schemas.microsoft.com/office/drawing/2014/main" id="{85E3A0F9-8A12-49C5-96C7-A2424A576F44}"/>
+              </a:ext>
+            </a:extLst>
+          </p:cNvPr>
+          <p:cNvSpPr txBox="1">
+            <a:spLocks/>
+          </p:cNvSpPr>
+          <p:nvPr/>
+        </p:nvSpPr>
+        <p:spPr>
+          <a:xfrm>
+            <a:off x="510362" y="1196752"/>
+            <a:ext cx="8176438" cy="2808311"/>
+          </a:xfrm>
+          <a:prstGeom prst="rect">
+            <a:avLst/>
+          </a:prstGeom>
+          <a:ln>
+            <a:solidFill>
+              <a:srgbClr val="C00000"/>
+            </a:solidFill>
+          </a:ln>
+        </p:spPr>
+        <p:txBody>
+          <a:bodyPr vert="horz" lIns="91440" tIns="45720" rIns="91440" bIns="45720" rtlCol="0">
+            <a:noAutofit/>
+          </a:bodyPr>
+          <a:lstStyle>
+            <a:lvl1pPr marL="0" indent="0" algn="ctr" defTabSz="914400" rtl="0" eaLnBrk="1" latinLnBrk="0" hangingPunct="1">
+              <a:spcBef>
+                <a:spcPct val="20000"/>
+              </a:spcBef>
+              <a:buFont typeface="Arial" pitchFamily="34" charset="0"/>
+              <a:buNone/>
+              <a:defRPr sz="3200" kern="1200">
+                <a:solidFill>
+                  <a:schemeClr val="tx1">
+                    <a:tint val="75000"/>
+                  </a:schemeClr>
+                </a:solidFill>
+                <a:latin typeface="+mn-lt"/>
+                <a:ea typeface="+mn-ea"/>
+                <a:cs typeface="+mn-cs"/>
+              </a:defRPr>
+            </a:lvl1pPr>
+            <a:lvl2pPr marL="457200" indent="0" algn="ctr" defTabSz="914400" rtl="0" eaLnBrk="1" latinLnBrk="0" hangingPunct="1">
+              <a:spcBef>
+                <a:spcPct val="20000"/>
+              </a:spcBef>
+              <a:buFont typeface="Arial" pitchFamily="34" charset="0"/>
+              <a:buNone/>
+              <a:defRPr sz="2800" kern="1200">
+                <a:solidFill>
+                  <a:schemeClr val="tx1">
+                    <a:tint val="75000"/>
+                  </a:schemeClr>
+                </a:solidFill>
+                <a:latin typeface="+mn-lt"/>
+                <a:ea typeface="+mn-ea"/>
+                <a:cs typeface="+mn-cs"/>
+              </a:defRPr>
+            </a:lvl2pPr>
+            <a:lvl3pPr marL="914400" indent="0" algn="ctr" defTabSz="914400" rtl="0" eaLnBrk="1" latinLnBrk="0" hangingPunct="1">
+              <a:spcBef>
+                <a:spcPct val="20000"/>
+              </a:spcBef>
+              <a:buFont typeface="Arial" pitchFamily="34" charset="0"/>
+              <a:buNone/>
+              <a:defRPr sz="2400" kern="1200">
+                <a:solidFill>
+                  <a:schemeClr val="tx1">
+                    <a:tint val="75000"/>
+                  </a:schemeClr>
+                </a:solidFill>
+                <a:latin typeface="+mn-lt"/>
+                <a:ea typeface="+mn-ea"/>
+                <a:cs typeface="+mn-cs"/>
+              </a:defRPr>
+            </a:lvl3pPr>
+            <a:lvl4pPr marL="1371600" indent="0" algn="ctr" defTabSz="914400" rtl="0" eaLnBrk="1" latinLnBrk="0" hangingPunct="1">
+              <a:spcBef>
+                <a:spcPct val="20000"/>
+              </a:spcBef>
+              <a:buFont typeface="Arial" pitchFamily="34" charset="0"/>
+              <a:buNone/>
+              <a:defRPr sz="2000" kern="1200">
+                <a:solidFill>
+                  <a:schemeClr val="tx1">
+                    <a:tint val="75000"/>
+                  </a:schemeClr>
+                </a:solidFill>
+                <a:latin typeface="+mn-lt"/>
+                <a:ea typeface="+mn-ea"/>
+                <a:cs typeface="+mn-cs"/>
+              </a:defRPr>
+            </a:lvl4pPr>
+            <a:lvl5pPr marL="1828800" indent="0" algn="ctr" defTabSz="914400" rtl="0" eaLnBrk="1" latinLnBrk="0" hangingPunct="1">
+              <a:spcBef>
+                <a:spcPct val="20000"/>
+              </a:spcBef>
+              <a:buFont typeface="Arial" pitchFamily="34" charset="0"/>
+              <a:buNone/>
+              <a:defRPr sz="2000" kern="1200">
+                <a:solidFill>
+                  <a:schemeClr val="tx1">
+                    <a:tint val="75000"/>
+                  </a:schemeClr>
+                </a:solidFill>
+                <a:latin typeface="+mn-lt"/>
+                <a:ea typeface="+mn-ea"/>
+                <a:cs typeface="+mn-cs"/>
+              </a:defRPr>
+            </a:lvl5pPr>
+            <a:lvl6pPr marL="2286000" indent="0" algn="ctr" defTabSz="914400" rtl="0" eaLnBrk="1" latinLnBrk="0" hangingPunct="1">
+              <a:spcBef>
+                <a:spcPct val="20000"/>
+              </a:spcBef>
+              <a:buFont typeface="Arial" pitchFamily="34" charset="0"/>
+              <a:buNone/>
+              <a:defRPr sz="2000" kern="1200">
+                <a:solidFill>
+                  <a:schemeClr val="tx1">
+                    <a:tint val="75000"/>
+                  </a:schemeClr>
+                </a:solidFill>
+                <a:latin typeface="+mn-lt"/>
+                <a:ea typeface="+mn-ea"/>
+                <a:cs typeface="+mn-cs"/>
+              </a:defRPr>
+            </a:lvl6pPr>
+            <a:lvl7pPr marL="2743200" indent="0" algn="ctr" defTabSz="914400" rtl="0" eaLnBrk="1" latinLnBrk="0" hangingPunct="1">
+              <a:spcBef>
+                <a:spcPct val="20000"/>
+              </a:spcBef>
+              <a:buFont typeface="Arial" pitchFamily="34" charset="0"/>
+              <a:buNone/>
+              <a:defRPr sz="2000" kern="1200">
+                <a:solidFill>
+                  <a:schemeClr val="tx1">
+                    <a:tint val="75000"/>
+                  </a:schemeClr>
+                </a:solidFill>
+                <a:latin typeface="+mn-lt"/>
+                <a:ea typeface="+mn-ea"/>
+                <a:cs typeface="+mn-cs"/>
+              </a:defRPr>
+            </a:lvl7pPr>
+            <a:lvl8pPr marL="3200400" indent="0" algn="ctr" defTabSz="914400" rtl="0" eaLnBrk="1" latinLnBrk="0" hangingPunct="1">
+              <a:spcBef>
+                <a:spcPct val="20000"/>
+              </a:spcBef>
+              <a:buFont typeface="Arial" pitchFamily="34" charset="0"/>
+              <a:buNone/>
+              <a:defRPr sz="2000" kern="1200">
+                <a:solidFill>
+                  <a:schemeClr val="tx1">
+                    <a:tint val="75000"/>
+                  </a:schemeClr>
+                </a:solidFill>
+                <a:latin typeface="+mn-lt"/>
+                <a:ea typeface="+mn-ea"/>
+                <a:cs typeface="+mn-cs"/>
+              </a:defRPr>
+            </a:lvl8pPr>
+            <a:lvl9pPr marL="3657600" indent="0" algn="ctr" defTabSz="914400" rtl="0" eaLnBrk="1" latinLnBrk="0" hangingPunct="1">
+              <a:spcBef>
+                <a:spcPct val="20000"/>
+              </a:spcBef>
+              <a:buFont typeface="Arial" pitchFamily="34" charset="0"/>
+              <a:buNone/>
+              <a:defRPr sz="2000" kern="1200">
+                <a:solidFill>
+                  <a:schemeClr val="tx1">
+                    <a:tint val="75000"/>
+                  </a:schemeClr>
+                </a:solidFill>
+                <a:latin typeface="+mn-lt"/>
+                <a:ea typeface="+mn-ea"/>
+                <a:cs typeface="+mn-cs"/>
+              </a:defRPr>
+            </a:lvl9pPr>
+          </a:lstStyle>
+          <a:p>
+            <a:pPr marL="342900" indent="-342900" algn="l">
+              <a:buClr>
+                <a:srgbClr val="0070C0"/>
+              </a:buClr>
+              <a:buSzPct val="80000"/>
+              <a:buFont typeface="Wingdings" pitchFamily="2" charset="2"/>
+              <a:buChar char="u"/>
+            </a:pPr>
+            <a:r>
+              <a:rPr lang="en-US" sz="1800" b="1" dirty="0">
+                <a:solidFill>
+                  <a:schemeClr val="tx1"/>
+                </a:solidFill>
+              </a:rPr>
+              <a:t>Machine Learning Approach</a:t>
+            </a:r>
+          </a:p>
+          <a:p>
+            <a:pPr marL="342900" indent="-342900" algn="l">
+              <a:buClr>
+                <a:srgbClr val="0070C0"/>
+              </a:buClr>
+              <a:buSzPct val="80000"/>
+              <a:buFont typeface="Wingdings" pitchFamily="2" charset="2"/>
+              <a:buChar char="u"/>
+            </a:pPr>
+            <a:r>
+              <a:rPr lang="en-US" sz="1800" dirty="0">
+                <a:solidFill>
+                  <a:schemeClr val="tx1"/>
+                </a:solidFill>
+              </a:rPr>
+              <a:t>The algorithm analyzes given media data and learns the features that classify what a negative article looks like versus a positive article.</a:t>
+            </a:r>
+          </a:p>
+          <a:p>
+            <a:pPr marL="342900" indent="-342900" algn="l">
+              <a:buClr>
+                <a:srgbClr val="0070C0"/>
+              </a:buClr>
+              <a:buSzPct val="80000"/>
+              <a:buFont typeface="Wingdings" pitchFamily="2" charset="2"/>
+              <a:buChar char="u"/>
+            </a:pPr>
+            <a:r>
+              <a:rPr lang="en-US" sz="1800" dirty="0">
+                <a:solidFill>
+                  <a:schemeClr val="tx1"/>
+                </a:solidFill>
+              </a:rPr>
+              <a:t>With what it has learned, the algorithm can then classify new articles as positive or negative. </a:t>
+            </a:r>
+          </a:p>
+          <a:p>
+            <a:pPr marL="342900" indent="-342900" algn="l">
+              <a:buClr>
+                <a:srgbClr val="0070C0"/>
+              </a:buClr>
+              <a:buSzPct val="80000"/>
+              <a:buFont typeface="Wingdings" pitchFamily="2" charset="2"/>
+              <a:buChar char="u"/>
+            </a:pPr>
+            <a:r>
+              <a:rPr lang="en-US" sz="1800" dirty="0">
+                <a:solidFill>
+                  <a:schemeClr val="tx1"/>
+                </a:solidFill>
+              </a:rPr>
+              <a:t>As a machine learning programmer in this case, you won't be </a:t>
+            </a:r>
+            <a:r>
+              <a:rPr lang="en-US" sz="1800" b="1" dirty="0">
+                <a:solidFill>
+                  <a:srgbClr val="C00000"/>
+                </a:solidFill>
+              </a:rPr>
+              <a:t>explicitly specifying the words for the algorithm to recognize</a:t>
+            </a:r>
+            <a:r>
+              <a:rPr lang="en-US" sz="1800" dirty="0">
+                <a:solidFill>
+                  <a:schemeClr val="tx1"/>
+                </a:solidFill>
+              </a:rPr>
+              <a:t>. </a:t>
+            </a:r>
+          </a:p>
+          <a:p>
+            <a:pPr marL="342900" indent="-342900" algn="l">
+              <a:buClr>
+                <a:srgbClr val="0070C0"/>
+              </a:buClr>
+              <a:buSzPct val="80000"/>
+              <a:buFont typeface="Wingdings" pitchFamily="2" charset="2"/>
+              <a:buChar char="u"/>
+            </a:pPr>
+            <a:r>
+              <a:rPr lang="en-US" sz="1800" dirty="0">
+                <a:solidFill>
+                  <a:schemeClr val="tx1"/>
+                </a:solidFill>
+              </a:rPr>
+              <a:t>Instead, the algorithm will “learn” that certain words are positive or negative based on labels given to each article it examines.</a:t>
+            </a:r>
+          </a:p>
+        </p:txBody>
+      </p:sp>
+      <p:pic>
+        <p:nvPicPr>
+          <p:cNvPr id="12" name="Picture 11">
+            <a:extLst>
+              <a:ext uri="{FF2B5EF4-FFF2-40B4-BE49-F238E27FC236}">
+                <a16:creationId xmlns:a16="http://schemas.microsoft.com/office/drawing/2014/main" id="{85E7934E-FB54-4320-BA88-63C2A0395B83}"/>
+              </a:ext>
+            </a:extLst>
+          </p:cNvPr>
+          <p:cNvPicPr>
+            <a:picLocks noChangeAspect="1"/>
+          </p:cNvPicPr>
+          <p:nvPr/>
+        </p:nvPicPr>
+        <p:blipFill>
+          <a:blip r:embed="rId3"/>
+          <a:stretch>
+            <a:fillRect/>
+          </a:stretch>
+        </p:blipFill>
+        <p:spPr>
+          <a:xfrm>
+            <a:off x="2771800" y="4013238"/>
+            <a:ext cx="4215556" cy="2957078"/>
+          </a:xfrm>
+          <a:prstGeom prst="rect">
+            <a:avLst/>
+          </a:prstGeom>
+          <a:ln>
+            <a:solidFill>
+              <a:srgbClr val="C00000"/>
+            </a:solidFill>
+          </a:ln>
+        </p:spPr>
+      </p:pic>
+    </p:spTree>
+    <p:extLst>
+      <p:ext uri="{BB962C8B-B14F-4D97-AF65-F5344CB8AC3E}">
+        <p14:creationId xmlns:p14="http://schemas.microsoft.com/office/powerpoint/2010/main" val="3770322375"/>
+      </p:ext>
+    </p:extLst>
+  </p:cSld>
+  <p:clrMapOvr>
+    <a:masterClrMapping/>
+  </p:clrMapOvr>
+</p:sld>
+</file>
+
+<file path=ppt/slides/slide14.xml><?xml version="1.0" encoding="utf-8"?>
+<p:sld xmlns:a="http://schemas.openxmlformats.org/drawingml/2006/main" xmlns:r="http://schemas.openxmlformats.org/officeDocument/2006/relationships" xmlns:p="http://schemas.openxmlformats.org/presentationml/2006/main">
+  <p:cSld>
+    <p:spTree>
+      <p:nvGrpSpPr>
+        <p:cNvPr id="1" name=""/>
+        <p:cNvGrpSpPr/>
+        <p:nvPr/>
+      </p:nvGrpSpPr>
+      <p:grpSpPr>
+        <a:xfrm>
+          <a:off x="0" y="0"/>
+          <a:ext cx="0" cy="0"/>
+          <a:chOff x="0" y="0"/>
+          <a:chExt cx="0" cy="0"/>
+        </a:xfrm>
+      </p:grpSpPr>
+      <p:sp>
+        <p:nvSpPr>
+          <p:cNvPr id="2" name="標題 1"/>
+          <p:cNvSpPr>
+            <a:spLocks noGrp="1"/>
+          </p:cNvSpPr>
+          <p:nvPr>
+            <p:ph type="ctrTitle"/>
+          </p:nvPr>
+        </p:nvSpPr>
+        <p:spPr>
+          <a:xfrm>
             <a:off x="0" y="2175162"/>
             <a:ext cx="9144000" cy="1470025"/>
           </a:xfrm>
@@ -3709,7 +6587,7 @@
             <a:fld id="{E4D7E63D-91F2-4366-A2C4-1B00C9E2590E}" type="slidenum">
               <a:rPr lang="zh-TW" altLang="en-US" smtClean="0"/>
               <a:pPr/>
-              <a:t>10</a:t>
+              <a:t>14</a:t>
             </a:fld>
             <a:endParaRPr lang="zh-TW" altLang="en-US"/>
           </a:p>
@@ -3775,7 +6653,7 @@
 </p:sld>
 </file>
 
-<file path=ppt/slides/slide11.xml><?xml version="1.0" encoding="utf-8"?>
+<file path=ppt/slides/slide15.xml><?xml version="1.0" encoding="utf-8"?>
 <p:sld xmlns:a="http://schemas.openxmlformats.org/drawingml/2006/main" xmlns:r="http://schemas.openxmlformats.org/officeDocument/2006/relationships" xmlns:p="http://schemas.openxmlformats.org/presentationml/2006/main">
   <p:cSld>
     <p:spTree>
@@ -3976,7 +6854,7 @@
             <a:fld id="{E4D7E63D-91F2-4366-A2C4-1B00C9E2590E}" type="slidenum">
               <a:rPr lang="zh-TW" altLang="en-US" smtClean="0"/>
               <a:pPr/>
-              <a:t>11</a:t>
+              <a:t>15</a:t>
             </a:fld>
             <a:endParaRPr lang="zh-TW" altLang="en-US"/>
           </a:p>
@@ -4237,7 +7115,7 @@
 </p:sld>
 </file>
 
-<file path=ppt/slides/slide12.xml><?xml version="1.0" encoding="utf-8"?>
+<file path=ppt/slides/slide16.xml><?xml version="1.0" encoding="utf-8"?>
 <p:sld xmlns:a="http://schemas.openxmlformats.org/drawingml/2006/main" xmlns:r="http://schemas.openxmlformats.org/officeDocument/2006/relationships" xmlns:p="http://schemas.openxmlformats.org/presentationml/2006/main">
   <p:cSld>
     <p:spTree>
@@ -4438,7 +7316,7 @@
             <a:fld id="{E4D7E63D-91F2-4366-A2C4-1B00C9E2590E}" type="slidenum">
               <a:rPr lang="zh-TW" altLang="en-US" smtClean="0"/>
               <a:pPr/>
-              <a:t>12</a:t>
+              <a:t>16</a:t>
             </a:fld>
             <a:endParaRPr lang="zh-TW" altLang="en-US"/>
           </a:p>
@@ -4699,7 +7577,7 @@
 </p:sld>
 </file>
 
-<file path=ppt/slides/slide13.xml><?xml version="1.0" encoding="utf-8"?>
+<file path=ppt/slides/slide17.xml><?xml version="1.0" encoding="utf-8"?>
 <p:sld xmlns:a="http://schemas.openxmlformats.org/drawingml/2006/main" xmlns:r="http://schemas.openxmlformats.org/officeDocument/2006/relationships" xmlns:p="http://schemas.openxmlformats.org/presentationml/2006/main">
   <p:cSld>
     <p:spTree>
@@ -4900,7 +7778,7 @@
             <a:fld id="{E4D7E63D-91F2-4366-A2C4-1B00C9E2590E}" type="slidenum">
               <a:rPr lang="zh-TW" altLang="en-US" smtClean="0"/>
               <a:pPr/>
-              <a:t>13</a:t>
+              <a:t>17</a:t>
             </a:fld>
             <a:endParaRPr lang="zh-TW" altLang="en-US"/>
           </a:p>
@@ -5901,7 +8779,7 @@
 </p:sld>
 </file>
 
-<file path=ppt/slides/slide14.xml><?xml version="1.0" encoding="utf-8"?>
+<file path=ppt/slides/slide18.xml><?xml version="1.0" encoding="utf-8"?>
 <p:sld xmlns:a="http://schemas.openxmlformats.org/drawingml/2006/main" xmlns:r="http://schemas.openxmlformats.org/officeDocument/2006/relationships" xmlns:p="http://schemas.openxmlformats.org/presentationml/2006/main">
   <p:cSld>
     <p:spTree>
@@ -6024,7 +8902,7 @@
             <a:fld id="{E4D7E63D-91F2-4366-A2C4-1B00C9E2590E}" type="slidenum">
               <a:rPr lang="zh-TW" altLang="en-US" smtClean="0"/>
               <a:pPr/>
-              <a:t>14</a:t>
+              <a:t>18</a:t>
             </a:fld>
             <a:endParaRPr lang="zh-TW" altLang="en-US"/>
           </a:p>
@@ -6133,7 +9011,7 @@
         <p:spPr>
           <a:xfrm>
             <a:off x="467544" y="1268760"/>
-            <a:ext cx="8352928" cy="1152130"/>
+            <a:ext cx="8352928" cy="4104456"/>
           </a:xfrm>
           <a:ln>
             <a:solidFill>
@@ -6161,7 +9039,7 @@
                   <a:schemeClr val="tx1"/>
                 </a:solidFill>
               </a:rPr>
-              <a:t>Relation of Deep Learning:</a:t>
+              <a:t>Difference of Machine Learning and traditional Programming</a:t>
             </a:r>
           </a:p>
           <a:p>
@@ -6174,18 +9052,137 @@
               <a:buChar char="u"/>
             </a:pPr>
             <a:r>
-              <a:rPr lang="en-US" sz="1800" b="1" dirty="0">
-                <a:solidFill>
-                  <a:schemeClr val="tx1"/>
-                </a:solidFill>
-              </a:rPr>
-              <a:t>Relationship of Artificial Intelligence, Machine Learning, Deep Learning, Data Science, and Big Data.</a:t>
-            </a:r>
-            <a:endParaRPr lang="en-US" sz="1800" dirty="0">
-              <a:solidFill>
-                <a:schemeClr val="tx1"/>
-              </a:solidFill>
-            </a:endParaRPr>
+              <a:rPr lang="en-US" sz="1800" dirty="0">
+                <a:solidFill>
+                  <a:schemeClr val="tx1"/>
+                </a:solidFill>
+              </a:rPr>
+              <a:t>Example: Analyzing the sentiment (feeling) of a popular media outlet and classifying that sentiment as positive or negative</a:t>
+            </a:r>
+          </a:p>
+          <a:p>
+            <a:pPr marL="342900" indent="-342900" algn="l">
+              <a:buClr>
+                <a:srgbClr val="0070C0"/>
+              </a:buClr>
+              <a:buSzPct val="80000"/>
+              <a:buFont typeface="Wingdings" pitchFamily="2" charset="2"/>
+              <a:buChar char="u"/>
+            </a:pPr>
+            <a:r>
+              <a:rPr lang="en-US" sz="1800" dirty="0">
+                <a:solidFill>
+                  <a:schemeClr val="tx1"/>
+                </a:solidFill>
+              </a:rPr>
+              <a:t>Traditional programming approach</a:t>
+            </a:r>
+          </a:p>
+          <a:p>
+            <a:pPr marL="800100" lvl="1" indent="-342900" algn="l">
+              <a:buClr>
+                <a:srgbClr val="0070C0"/>
+              </a:buClr>
+              <a:buSzPct val="80000"/>
+              <a:buFont typeface="Wingdings" pitchFamily="2" charset="2"/>
+              <a:buChar char="u"/>
+            </a:pPr>
+            <a:r>
+              <a:rPr lang="en-US" sz="1800" dirty="0">
+                <a:solidFill>
+                  <a:schemeClr val="tx1"/>
+                </a:solidFill>
+              </a:rPr>
+              <a:t>The algorithm may first look for particular words associated with a negative or positive sentiment.</a:t>
+            </a:r>
+          </a:p>
+          <a:p>
+            <a:pPr marL="800100" lvl="1" indent="-342900" algn="l">
+              <a:buClr>
+                <a:srgbClr val="0070C0"/>
+              </a:buClr>
+              <a:buSzPct val="80000"/>
+              <a:buFont typeface="Wingdings" pitchFamily="2" charset="2"/>
+              <a:buChar char="u"/>
+            </a:pPr>
+            <a:r>
+              <a:rPr lang="en-US" sz="1800" dirty="0">
+                <a:solidFill>
+                  <a:schemeClr val="tx1"/>
+                </a:solidFill>
+              </a:rPr>
+              <a:t>With conditional statements, the algorithm would classify articles as positive or negative based on the words that it knows are positive or negative.</a:t>
+            </a:r>
+          </a:p>
+          <a:p>
+            <a:pPr marL="342900" indent="-342900" algn="l">
+              <a:buClr>
+                <a:srgbClr val="0070C0"/>
+              </a:buClr>
+              <a:buSzPct val="80000"/>
+              <a:buFont typeface="Wingdings" pitchFamily="2" charset="2"/>
+              <a:buChar char="u"/>
+            </a:pPr>
+            <a:r>
+              <a:rPr lang="en-US" sz="1800" dirty="0">
+                <a:solidFill>
+                  <a:schemeClr val="tx1"/>
+                </a:solidFill>
+              </a:rPr>
+              <a:t>Machine learning approach</a:t>
+            </a:r>
+          </a:p>
+          <a:p>
+            <a:pPr marL="800100" lvl="1" indent="-342900" algn="l">
+              <a:buClr>
+                <a:srgbClr val="0070C0"/>
+              </a:buClr>
+              <a:buSzPct val="80000"/>
+              <a:buFont typeface="Wingdings" pitchFamily="2" charset="2"/>
+              <a:buChar char="u"/>
+            </a:pPr>
+            <a:r>
+              <a:rPr lang="en-US" sz="1800" dirty="0">
+                <a:solidFill>
+                  <a:schemeClr val="tx1"/>
+                </a:solidFill>
+              </a:rPr>
+              <a:t>The algorithm would analyze large amounts of given media data and </a:t>
+            </a:r>
+            <a:r>
+              <a:rPr lang="en-US" sz="1800" i="1" dirty="0">
+                <a:solidFill>
+                  <a:schemeClr val="tx1"/>
+                </a:solidFill>
+              </a:rPr>
+              <a:t>learn</a:t>
+            </a:r>
+            <a:r>
+              <a:rPr lang="en-US" sz="1800" dirty="0">
+                <a:solidFill>
+                  <a:schemeClr val="tx1"/>
+                </a:solidFill>
+              </a:rPr>
+              <a:t> the features that classify what a negative article looks like versus a positive article.</a:t>
+            </a:r>
+          </a:p>
+          <a:p>
+            <a:pPr marL="800100" lvl="1" indent="-342900" algn="l">
+              <a:buClr>
+                <a:srgbClr val="0070C0"/>
+              </a:buClr>
+              <a:buSzPct val="80000"/>
+              <a:buFont typeface="Wingdings" pitchFamily="2" charset="2"/>
+              <a:buChar char="u"/>
+            </a:pPr>
+            <a:r>
+              <a:rPr lang="en-US" sz="1800" dirty="0">
+                <a:solidFill>
+                  <a:schemeClr val="tx1"/>
+                </a:solidFill>
+              </a:rPr>
+              <a:t>With what it's learned, the algorithm could then classify new articles as positive or negative</a:t>
+            </a:r>
           </a:p>
         </p:txBody>
       </p:sp>
@@ -6314,76 +9311,6 @@
           </a:p>
         </p:txBody>
       </p:sp>
-      <p:pic>
-        <p:nvPicPr>
-          <p:cNvPr id="7" name="Picture 6">
-            <a:extLst>
-              <a:ext uri="{FF2B5EF4-FFF2-40B4-BE49-F238E27FC236}">
-                <a16:creationId xmlns:a16="http://schemas.microsoft.com/office/drawing/2014/main" id="{E9D3F324-5445-454B-A942-163AEEBAF211}"/>
-              </a:ext>
-            </a:extLst>
-          </p:cNvPr>
-          <p:cNvPicPr>
-            <a:picLocks noChangeAspect="1"/>
-          </p:cNvPicPr>
-          <p:nvPr/>
-        </p:nvPicPr>
-        <p:blipFill>
-          <a:blip r:embed="rId3"/>
-          <a:stretch>
-            <a:fillRect/>
-          </a:stretch>
-        </p:blipFill>
-        <p:spPr>
-          <a:xfrm>
-            <a:off x="2195736" y="2743634"/>
-            <a:ext cx="3743325" cy="3152775"/>
-          </a:xfrm>
-          <a:prstGeom prst="rect">
-            <a:avLst/>
-          </a:prstGeom>
-          <a:ln>
-            <a:solidFill>
-              <a:srgbClr val="C00000"/>
-            </a:solidFill>
-          </a:ln>
-        </p:spPr>
-      </p:pic>
-      <p:pic>
-        <p:nvPicPr>
-          <p:cNvPr id="10" name="Picture 9">
-            <a:extLst>
-              <a:ext uri="{FF2B5EF4-FFF2-40B4-BE49-F238E27FC236}">
-                <a16:creationId xmlns:a16="http://schemas.microsoft.com/office/drawing/2014/main" id="{18AB228B-3B43-4A98-90DB-4E6140B230A8}"/>
-              </a:ext>
-            </a:extLst>
-          </p:cNvPr>
-          <p:cNvPicPr>
-            <a:picLocks noChangeAspect="1"/>
-          </p:cNvPicPr>
-          <p:nvPr/>
-        </p:nvPicPr>
-        <p:blipFill>
-          <a:blip r:embed="rId3"/>
-          <a:stretch>
-            <a:fillRect/>
-          </a:stretch>
-        </p:blipFill>
-        <p:spPr>
-          <a:xfrm>
-            <a:off x="3203848" y="2564906"/>
-            <a:ext cx="3743325" cy="3152775"/>
-          </a:xfrm>
-          <a:prstGeom prst="rect">
-            <a:avLst/>
-          </a:prstGeom>
-          <a:ln>
-            <a:solidFill>
-              <a:srgbClr val="C00000"/>
-            </a:solidFill>
-          </a:ln>
-        </p:spPr>
-      </p:pic>
     </p:spTree>
     <p:extLst>
       <p:ext uri="{BB962C8B-B14F-4D97-AF65-F5344CB8AC3E}">
@@ -6491,8 +9418,8 @@
         </p:nvSpPr>
         <p:spPr>
           <a:xfrm>
-            <a:off x="467544" y="1268759"/>
-            <a:ext cx="8352928" cy="3744417"/>
+            <a:off x="467544" y="1268760"/>
+            <a:ext cx="8352928" cy="1152130"/>
           </a:xfrm>
           <a:ln>
             <a:solidFill>
@@ -6520,21 +9447,8 @@
                   <a:schemeClr val="tx1"/>
                 </a:solidFill>
               </a:rPr>
-              <a:t>Install </a:t>
-            </a:r>
-            <a:r>
-              <a:rPr lang="en-US" sz="1800" b="1" dirty="0" err="1">
-                <a:solidFill>
-                  <a:schemeClr val="tx1"/>
-                </a:solidFill>
-              </a:rPr>
-              <a:t>Tensorflow</a:t>
-            </a:r>
-            <a:endParaRPr lang="en-US" sz="1800" b="1" dirty="0">
-              <a:solidFill>
-                <a:schemeClr val="tx1"/>
-              </a:solidFill>
-            </a:endParaRPr>
+              <a:t>Relation of Deep Learning:</a:t>
+            </a:r>
           </a:p>
           <a:p>
             <a:pPr marL="342900" indent="-342900" algn="l">
@@ -6546,444 +9460,12 @@
               <a:buChar char="u"/>
             </a:pPr>
             <a:r>
-              <a:rPr lang="en-US" sz="1800" dirty="0">
-                <a:solidFill>
-                  <a:srgbClr val="0000FF"/>
-                </a:solidFill>
-                <a:hlinkClick r:id="rId2">
-                  <a:extLst>
-                    <a:ext uri="{A12FA001-AC4F-418D-AE19-62706E023703}">
-                      <ahyp:hlinkClr xmlns:ahyp="http://schemas.microsoft.com/office/drawing/2018/hyperlinkcolor" val="tx"/>
-                    </a:ext>
-                  </a:extLst>
-                </a:hlinkClick>
-              </a:rPr>
-              <a:t>https://www.tutorialspoint.com/tensorflow/tensorflow_installation.htm</a:t>
-            </a:r>
-            <a:endParaRPr lang="en-US" sz="1800" b="1" dirty="0">
-              <a:solidFill>
-                <a:schemeClr val="tx1"/>
-              </a:solidFill>
-            </a:endParaRPr>
-          </a:p>
-          <a:p>
-            <a:pPr marL="342900" indent="-342900" algn="l">
-              <a:buClr>
-                <a:srgbClr val="0070C0"/>
-              </a:buClr>
-              <a:buSzPct val="80000"/>
-              <a:buFont typeface="Wingdings" pitchFamily="2" charset="2"/>
-              <a:buChar char="u"/>
-            </a:pPr>
-            <a:r>
-              <a:rPr lang="en-US" sz="1800" dirty="0">
-                <a:solidFill>
-                  <a:schemeClr val="tx1"/>
-                </a:solidFill>
-              </a:rPr>
-              <a:t>We need to create a totally clean </a:t>
-            </a:r>
-            <a:r>
-              <a:rPr lang="en-US" sz="1800" dirty="0" err="1">
-                <a:solidFill>
-                  <a:schemeClr val="tx1"/>
-                </a:solidFill>
-              </a:rPr>
-              <a:t>enviornemnt</a:t>
-            </a:r>
-            <a:r>
-              <a:rPr lang="en-US" sz="1800" dirty="0">
-                <a:solidFill>
-                  <a:schemeClr val="tx1"/>
-                </a:solidFill>
-              </a:rPr>
-              <a:t> for </a:t>
-            </a:r>
-            <a:r>
-              <a:rPr lang="en-US" sz="1800" dirty="0" err="1">
-                <a:solidFill>
-                  <a:schemeClr val="tx1"/>
-                </a:solidFill>
-              </a:rPr>
-              <a:t>tensorflow</a:t>
-            </a:r>
-            <a:r>
-              <a:rPr lang="en-US" sz="1800" dirty="0">
-                <a:solidFill>
-                  <a:schemeClr val="tx1"/>
-                </a:solidFill>
-              </a:rPr>
-              <a:t> and GPU.</a:t>
-            </a:r>
-          </a:p>
-          <a:p>
-            <a:pPr marL="342900" indent="-342900" algn="l">
-              <a:buClr>
-                <a:srgbClr val="0070C0"/>
-              </a:buClr>
-              <a:buSzPct val="80000"/>
-              <a:buFont typeface="Wingdings" pitchFamily="2" charset="2"/>
-              <a:buChar char="u"/>
-            </a:pPr>
-            <a:r>
-              <a:rPr lang="en-US" sz="1800" dirty="0">
-                <a:solidFill>
-                  <a:schemeClr val="tx1"/>
-                </a:solidFill>
-              </a:rPr>
-              <a:t>&gt; </a:t>
-            </a:r>
-            <a:r>
-              <a:rPr lang="en-US" sz="1800" dirty="0" err="1">
-                <a:solidFill>
-                  <a:schemeClr val="tx1"/>
-                </a:solidFill>
-              </a:rPr>
-              <a:t>conda</a:t>
-            </a:r>
-            <a:r>
-              <a:rPr lang="en-US" sz="1800" dirty="0">
-                <a:solidFill>
-                  <a:schemeClr val="tx1"/>
-                </a:solidFill>
-              </a:rPr>
-              <a:t> create --name </a:t>
-            </a:r>
-            <a:r>
-              <a:rPr lang="en-US" sz="1800" dirty="0" err="1">
-                <a:solidFill>
-                  <a:schemeClr val="tx1"/>
-                </a:solidFill>
-              </a:rPr>
-              <a:t>tf</a:t>
-            </a:r>
-            <a:r>
-              <a:rPr lang="en-US" sz="1800" dirty="0">
-                <a:solidFill>
-                  <a:schemeClr val="tx1"/>
-                </a:solidFill>
-              </a:rPr>
-              <a:t> python=3.7</a:t>
-            </a:r>
-          </a:p>
-          <a:p>
-            <a:pPr marL="342900" indent="-342900" algn="l">
-              <a:buClr>
-                <a:srgbClr val="0070C0"/>
-              </a:buClr>
-              <a:buSzPct val="80000"/>
-              <a:buFont typeface="Wingdings" pitchFamily="2" charset="2"/>
-              <a:buChar char="u"/>
-            </a:pPr>
-            <a:r>
-              <a:rPr lang="en-US" sz="1800" dirty="0">
-                <a:solidFill>
-                  <a:srgbClr val="C00000"/>
-                </a:solidFill>
-              </a:rPr>
-              <a:t>&gt; </a:t>
-            </a:r>
-            <a:r>
-              <a:rPr lang="en-US" sz="1800" dirty="0" err="1">
-                <a:solidFill>
-                  <a:srgbClr val="C00000"/>
-                </a:solidFill>
-              </a:rPr>
-              <a:t>cond</a:t>
-            </a:r>
-            <a:r>
-              <a:rPr lang="en-US" sz="1800" dirty="0">
-                <a:solidFill>
-                  <a:srgbClr val="C00000"/>
-                </a:solidFill>
-              </a:rPr>
-              <a:t> activate </a:t>
-            </a:r>
-            <a:r>
-              <a:rPr lang="en-US" sz="1800" dirty="0" err="1">
-                <a:solidFill>
-                  <a:srgbClr val="C00000"/>
-                </a:solidFill>
-              </a:rPr>
-              <a:t>tf</a:t>
-            </a:r>
-            <a:endParaRPr lang="en-US" sz="1800" dirty="0">
-              <a:solidFill>
-                <a:srgbClr val="C00000"/>
-              </a:solidFill>
-            </a:endParaRPr>
-          </a:p>
-          <a:p>
-            <a:pPr marL="342900" indent="-342900" algn="l">
-              <a:buClr>
-                <a:srgbClr val="0070C0"/>
-              </a:buClr>
-              <a:buSzPct val="80000"/>
-              <a:buFont typeface="Wingdings" pitchFamily="2" charset="2"/>
-              <a:buChar char="u"/>
-            </a:pPr>
-            <a:r>
-              <a:rPr lang="en-US" sz="1800" dirty="0">
-                <a:solidFill>
-                  <a:srgbClr val="C00000"/>
-                </a:solidFill>
-              </a:rPr>
-              <a:t>(</a:t>
-            </a:r>
-            <a:r>
-              <a:rPr lang="en-US" sz="1800" dirty="0" err="1">
-                <a:solidFill>
-                  <a:srgbClr val="C00000"/>
-                </a:solidFill>
-              </a:rPr>
-              <a:t>tf</a:t>
-            </a:r>
-            <a:r>
-              <a:rPr lang="en-US" sz="1800" dirty="0">
-                <a:solidFill>
-                  <a:srgbClr val="C00000"/>
-                </a:solidFill>
-              </a:rPr>
-              <a:t>) </a:t>
-            </a:r>
-            <a:r>
-              <a:rPr lang="en-US" sz="1800" dirty="0">
-                <a:solidFill>
-                  <a:schemeClr val="tx1"/>
-                </a:solidFill>
-              </a:rPr>
-              <a:t>&gt; </a:t>
-            </a:r>
-            <a:r>
-              <a:rPr lang="en-US" sz="1800" dirty="0">
-                <a:solidFill>
-                  <a:srgbClr val="C00000"/>
-                </a:solidFill>
-              </a:rPr>
-              <a:t>pip install </a:t>
-            </a:r>
-            <a:r>
-              <a:rPr lang="en-US" sz="1800" dirty="0" err="1">
-                <a:solidFill>
-                  <a:srgbClr val="C00000"/>
-                </a:solidFill>
-              </a:rPr>
-              <a:t>tensorflow</a:t>
-            </a:r>
-            <a:endParaRPr lang="en-US" sz="1800" dirty="0">
-              <a:solidFill>
-                <a:srgbClr val="C00000"/>
-              </a:solidFill>
-            </a:endParaRPr>
-          </a:p>
-          <a:p>
-            <a:pPr marL="342900" indent="-342900" algn="l">
-              <a:buClr>
-                <a:srgbClr val="0070C0"/>
-              </a:buClr>
-              <a:buSzPct val="80000"/>
-              <a:buFont typeface="Wingdings" pitchFamily="2" charset="2"/>
-              <a:buChar char="u"/>
-            </a:pPr>
-            <a:r>
-              <a:rPr lang="en-US" sz="1800" dirty="0">
-                <a:solidFill>
-                  <a:srgbClr val="C00000"/>
-                </a:solidFill>
-              </a:rPr>
-              <a:t>(</a:t>
-            </a:r>
-            <a:r>
-              <a:rPr lang="en-US" sz="1800" dirty="0" err="1">
-                <a:solidFill>
-                  <a:srgbClr val="C00000"/>
-                </a:solidFill>
-              </a:rPr>
-              <a:t>tf</a:t>
-            </a:r>
-            <a:r>
-              <a:rPr lang="en-US" sz="1800" dirty="0">
-                <a:solidFill>
-                  <a:srgbClr val="C00000"/>
-                </a:solidFill>
-              </a:rPr>
-              <a:t>) &gt; pip install scikit-learn   # for </a:t>
-            </a:r>
-            <a:r>
-              <a:rPr lang="en-US" sz="1800" dirty="0" err="1">
-                <a:solidFill>
-                  <a:srgbClr val="C00000"/>
-                </a:solidFill>
-              </a:rPr>
-              <a:t>sklearn</a:t>
-            </a:r>
-            <a:r>
-              <a:rPr lang="en-US" sz="1800" dirty="0">
-                <a:solidFill>
-                  <a:srgbClr val="C00000"/>
-                </a:solidFill>
-              </a:rPr>
-              <a:t> </a:t>
-            </a:r>
-          </a:p>
-          <a:p>
-            <a:pPr marL="342900" indent="-342900" algn="l">
-              <a:buClr>
-                <a:srgbClr val="0070C0"/>
-              </a:buClr>
-              <a:buSzPct val="80000"/>
-              <a:buFont typeface="Wingdings" pitchFamily="2" charset="2"/>
-              <a:buChar char="u"/>
-            </a:pPr>
-            <a:r>
-              <a:rPr lang="en-US" sz="1800" dirty="0">
-                <a:solidFill>
-                  <a:schemeClr val="tx1"/>
-                </a:solidFill>
-              </a:rPr>
-              <a:t>&gt; </a:t>
-            </a:r>
-            <a:r>
-              <a:rPr lang="en-US" sz="1800" dirty="0" err="1">
-                <a:solidFill>
-                  <a:schemeClr val="tx1"/>
-                </a:solidFill>
-              </a:rPr>
-              <a:t>conda</a:t>
-            </a:r>
-            <a:r>
-              <a:rPr lang="en-US" sz="1800" dirty="0">
-                <a:solidFill>
-                  <a:schemeClr val="tx1"/>
-                </a:solidFill>
-              </a:rPr>
-              <a:t> deactivate</a:t>
-            </a:r>
-          </a:p>
-          <a:p>
-            <a:pPr marL="342900" indent="-342900" algn="l">
-              <a:buClr>
-                <a:srgbClr val="0070C0"/>
-              </a:buClr>
-              <a:buSzPct val="80000"/>
-              <a:buFont typeface="Wingdings" pitchFamily="2" charset="2"/>
-              <a:buChar char="u"/>
-            </a:pPr>
-            <a:r>
-              <a:rPr lang="en-US" sz="1800" dirty="0">
-                <a:solidFill>
-                  <a:schemeClr val="tx1"/>
-                </a:solidFill>
-              </a:rPr>
-              <a:t>We will use the environment in this discussion.</a:t>
-            </a:r>
-          </a:p>
-          <a:p>
-            <a:pPr marL="342900" indent="-342900" algn="l">
-              <a:buClr>
-                <a:srgbClr val="0070C0"/>
-              </a:buClr>
-              <a:buSzPct val="80000"/>
-              <a:buFont typeface="Wingdings" pitchFamily="2" charset="2"/>
-              <a:buChar char="u"/>
-            </a:pPr>
-            <a:r>
-              <a:rPr lang="en-US" sz="1800" dirty="0">
-                <a:solidFill>
-                  <a:schemeClr val="tx1"/>
-                </a:solidFill>
-              </a:rPr>
-              <a:t>How to remove the </a:t>
-            </a:r>
-            <a:r>
-              <a:rPr lang="en-US" sz="1800" dirty="0" err="1">
-                <a:solidFill>
-                  <a:schemeClr val="tx1"/>
-                </a:solidFill>
-              </a:rPr>
-              <a:t>conda</a:t>
-            </a:r>
-            <a:r>
-              <a:rPr lang="en-US" sz="1800" dirty="0">
-                <a:solidFill>
-                  <a:schemeClr val="tx1"/>
-                </a:solidFill>
-              </a:rPr>
-              <a:t> </a:t>
-            </a:r>
-            <a:r>
-              <a:rPr lang="en-US" sz="1800" dirty="0" err="1">
-                <a:solidFill>
-                  <a:schemeClr val="tx1"/>
-                </a:solidFill>
-              </a:rPr>
-              <a:t>envoriment</a:t>
-            </a:r>
-            <a:r>
-              <a:rPr lang="en-US" sz="1800" dirty="0">
-                <a:solidFill>
-                  <a:schemeClr val="tx1"/>
-                </a:solidFill>
-              </a:rPr>
-              <a:t>? </a:t>
-            </a:r>
-          </a:p>
-          <a:p>
-            <a:pPr marL="342900" indent="-342900" algn="l">
-              <a:buClr>
-                <a:srgbClr val="0070C0"/>
-              </a:buClr>
-              <a:buSzPct val="80000"/>
-              <a:buFont typeface="Wingdings" pitchFamily="2" charset="2"/>
-              <a:buChar char="u"/>
-            </a:pPr>
-            <a:r>
-              <a:rPr lang="en-US" sz="1800" dirty="0">
-                <a:solidFill>
-                  <a:schemeClr val="tx1"/>
-                </a:solidFill>
-              </a:rPr>
-              <a:t>&gt; </a:t>
-            </a:r>
-            <a:r>
-              <a:rPr lang="en-US" sz="1800" dirty="0" err="1">
-                <a:solidFill>
-                  <a:schemeClr val="tx1"/>
-                </a:solidFill>
-              </a:rPr>
-              <a:t>conda</a:t>
-            </a:r>
-            <a:r>
-              <a:rPr lang="en-US" sz="1800" dirty="0">
-                <a:solidFill>
-                  <a:schemeClr val="tx1"/>
-                </a:solidFill>
-              </a:rPr>
-              <a:t> remove </a:t>
-            </a:r>
-            <a:r>
-              <a:rPr lang="en-US" sz="1800" dirty="0" err="1">
-                <a:solidFill>
-                  <a:schemeClr val="tx1"/>
-                </a:solidFill>
-              </a:rPr>
-              <a:t>tf</a:t>
-            </a:r>
-            <a:r>
-              <a:rPr lang="en-US" sz="1800" dirty="0">
-                <a:solidFill>
-                  <a:schemeClr val="tx1"/>
-                </a:solidFill>
-              </a:rPr>
-              <a:t>   # remove </a:t>
-            </a:r>
-            <a:r>
-              <a:rPr lang="en-US" sz="1800" dirty="0" err="1">
-                <a:solidFill>
-                  <a:schemeClr val="tx1"/>
-                </a:solidFill>
-              </a:rPr>
-              <a:t>environemt</a:t>
+              <a:rPr lang="en-US" sz="1800" b="1" dirty="0">
+                <a:solidFill>
+                  <a:schemeClr val="tx1"/>
+                </a:solidFill>
+              </a:rPr>
+              <a:t>Relationship of Artificial Intelligence, Machine Learning, Deep Learning, Data Science, and Big Data.</a:t>
             </a:r>
             <a:endParaRPr lang="en-US" sz="1800" dirty="0">
               <a:solidFill>
@@ -7049,7 +9531,7 @@
             </a:pPr>
             <a:r>
               <a:rPr lang="en-US" sz="1600" dirty="0">
-                <a:hlinkClick r:id="rId3"/>
+                <a:hlinkClick r:id="rId2"/>
               </a:rPr>
               <a:t>https://www.youtube.com/watch?v=GCFmqet--Lc&amp;list=PLZbbT5o_s2xrwRnXk_yCPtnqqo4_u2YGL&amp;index=2</a:t>
             </a:r>
@@ -7118,10 +9600,45 @@
           </a:p>
         </p:txBody>
       </p:sp>
+      <p:pic>
+        <p:nvPicPr>
+          <p:cNvPr id="9" name="Picture 8">
+            <a:extLst>
+              <a:ext uri="{FF2B5EF4-FFF2-40B4-BE49-F238E27FC236}">
+                <a16:creationId xmlns:a16="http://schemas.microsoft.com/office/drawing/2014/main" id="{6954C9C1-6E1A-4E7A-82E2-39A2D17D3F71}"/>
+              </a:ext>
+            </a:extLst>
+          </p:cNvPr>
+          <p:cNvPicPr>
+            <a:picLocks noChangeAspect="1"/>
+          </p:cNvPicPr>
+          <p:nvPr/>
+        </p:nvPicPr>
+        <p:blipFill>
+          <a:blip r:embed="rId3"/>
+          <a:stretch>
+            <a:fillRect/>
+          </a:stretch>
+        </p:blipFill>
+        <p:spPr>
+          <a:xfrm>
+            <a:off x="2195736" y="2743634"/>
+            <a:ext cx="3743325" cy="3152775"/>
+          </a:xfrm>
+          <a:prstGeom prst="rect">
+            <a:avLst/>
+          </a:prstGeom>
+          <a:ln>
+            <a:solidFill>
+              <a:srgbClr val="C00000"/>
+            </a:solidFill>
+          </a:ln>
+        </p:spPr>
+      </p:pic>
     </p:spTree>
     <p:extLst>
       <p:ext uri="{BB962C8B-B14F-4D97-AF65-F5344CB8AC3E}">
-        <p14:creationId xmlns:p14="http://schemas.microsoft.com/office/powerpoint/2010/main" val="2172485369"/>
+        <p14:creationId xmlns:p14="http://schemas.microsoft.com/office/powerpoint/2010/main" val="895719861"/>
       </p:ext>
     </p:extLst>
   </p:cSld>
@@ -7203,15 +9720,7 @@
                   <a:srgbClr val="FFFF00"/>
                 </a:solidFill>
               </a:rPr>
-              <a:t>2 Get Started with </a:t>
-            </a:r>
-            <a:r>
-              <a:rPr lang="en-US" altLang="zh-TW" b="1" dirty="0" err="1">
-                <a:solidFill>
-                  <a:srgbClr val="FFFF00"/>
-                </a:solidFill>
-              </a:rPr>
-              <a:t>Tensorflow</a:t>
+              <a:t>1 Deep Learning</a:t>
             </a:r>
             <a:endParaRPr lang="zh-TW" altLang="en-US" b="1" dirty="0">
               <a:solidFill>
@@ -7233,8 +9742,8 @@
         </p:nvSpPr>
         <p:spPr>
           <a:xfrm>
-            <a:off x="467544" y="1268759"/>
-            <a:ext cx="8352928" cy="1025415"/>
+            <a:off x="395536" y="1340768"/>
+            <a:ext cx="8352928" cy="4536504"/>
           </a:xfrm>
           <a:ln>
             <a:solidFill>
@@ -7262,19 +9771,8 @@
                   <a:schemeClr val="tx1"/>
                 </a:solidFill>
               </a:rPr>
-              <a:t>Install </a:t>
-            </a:r>
-            <a:r>
-              <a:rPr lang="en-US" sz="1800" b="1" dirty="0" err="1">
-                <a:solidFill>
-                  <a:schemeClr val="tx1"/>
-                </a:solidFill>
-              </a:rPr>
-              <a:t>Tensorflow</a:t>
-            </a:r>
-            <a:endParaRPr lang="en-US" sz="1800" dirty="0">
-              <a:hlinkClick r:id="rId2"/>
-            </a:endParaRPr>
+              <a:t>Deep Learning Definition:</a:t>
+            </a:r>
           </a:p>
           <a:p>
             <a:pPr marL="342900" indent="-342900" algn="l">
@@ -7287,49 +9785,183 @@
             </a:pPr>
             <a:r>
               <a:rPr lang="en-US" sz="1800" dirty="0">
-                <a:hlinkClick r:id="rId2"/>
-              </a:rPr>
-              <a:t>https://www.tutorialspoint.com/tensorflow/tensorflow_installation.htm</a:t>
-            </a:r>
-            <a:endParaRPr lang="en-US" sz="1800" b="1" dirty="0">
+                <a:solidFill>
+                  <a:schemeClr val="tx1"/>
+                </a:solidFill>
+              </a:rPr>
+              <a:t>Deep learning is a subfield of machine learning that uses algorithms inspired by the structure and function of the brain’s neural networks.</a:t>
+            </a:r>
+          </a:p>
+          <a:p>
+            <a:pPr marL="342900" indent="-342900" algn="l">
+              <a:buClr>
+                <a:srgbClr val="0070C0"/>
+              </a:buClr>
+              <a:buSzPct val="80000"/>
+              <a:buFont typeface="Wingdings" pitchFamily="2" charset="2"/>
+              <a:buChar char="u"/>
+            </a:pPr>
+            <a:r>
+              <a:rPr lang="en-US" sz="1800" dirty="0">
+                <a:solidFill>
+                  <a:schemeClr val="tx1"/>
+                </a:solidFill>
+              </a:rPr>
+              <a:t>As a subfield of machine learning (ML), deep learning (DL) also uses algorithms to analyze data, learn from that data, and then make a determination or prediction about new data.</a:t>
+            </a:r>
+          </a:p>
+          <a:p>
+            <a:pPr marL="342900" indent="-342900" algn="l">
+              <a:buClr>
+                <a:srgbClr val="0070C0"/>
+              </a:buClr>
+              <a:buSzPct val="80000"/>
+              <a:buFont typeface="Wingdings" pitchFamily="2" charset="2"/>
+              <a:buChar char="u"/>
+            </a:pPr>
+            <a:r>
+              <a:rPr lang="en-US" sz="1800" b="1" dirty="0">
+                <a:solidFill>
+                  <a:schemeClr val="tx1"/>
+                </a:solidFill>
+              </a:rPr>
+              <a:t>Deep Learning includes two types of leaning:</a:t>
+            </a:r>
+          </a:p>
+          <a:p>
+            <a:pPr marL="800100" lvl="1" indent="-342900" algn="l">
+              <a:buClr>
+                <a:srgbClr val="0070C0"/>
+              </a:buClr>
+              <a:buSzPct val="80000"/>
+              <a:buFont typeface="Wingdings" pitchFamily="2" charset="2"/>
+              <a:buChar char="u"/>
+            </a:pPr>
+            <a:r>
+              <a:rPr lang="en-US" sz="1800" b="1" dirty="0">
+                <a:solidFill>
+                  <a:schemeClr val="tx1"/>
+                </a:solidFill>
+              </a:rPr>
+              <a:t>Supervised learning</a:t>
+            </a:r>
+            <a:r>
+              <a:rPr lang="en-US" sz="1800" dirty="0">
+                <a:solidFill>
+                  <a:schemeClr val="tx1"/>
+                </a:solidFill>
+              </a:rPr>
+              <a:t> occurs when your deep learning model learns and makes inferences from data that has already been </a:t>
+            </a:r>
+            <a:r>
+              <a:rPr lang="en-US" sz="1800" i="1" dirty="0">
+                <a:solidFill>
+                  <a:schemeClr val="tx1"/>
+                </a:solidFill>
+              </a:rPr>
+              <a:t>labeled</a:t>
+            </a:r>
+            <a:r>
+              <a:rPr lang="en-US" sz="1800" dirty="0">
+                <a:solidFill>
+                  <a:schemeClr val="tx1"/>
+                </a:solidFill>
+              </a:rPr>
+              <a:t>.</a:t>
+            </a:r>
+          </a:p>
+          <a:p>
+            <a:pPr marL="800100" lvl="1" indent="-342900" algn="l">
+              <a:buClr>
+                <a:srgbClr val="0070C0"/>
+              </a:buClr>
+              <a:buSzPct val="80000"/>
+              <a:buFont typeface="Wingdings" pitchFamily="2" charset="2"/>
+              <a:buChar char="u"/>
+            </a:pPr>
+            <a:r>
+              <a:rPr lang="en-US" sz="1800" b="1" dirty="0">
+                <a:solidFill>
+                  <a:schemeClr val="tx1"/>
+                </a:solidFill>
+              </a:rPr>
+              <a:t>Unsupervised learning</a:t>
+            </a:r>
+            <a:r>
+              <a:rPr lang="en-US" sz="1800" dirty="0">
+                <a:solidFill>
+                  <a:schemeClr val="tx1"/>
+                </a:solidFill>
+              </a:rPr>
+              <a:t> occurs when the model learns and makes inferences from </a:t>
+            </a:r>
+            <a:r>
+              <a:rPr lang="en-US" sz="1800" i="1" dirty="0">
+                <a:solidFill>
+                  <a:schemeClr val="tx1"/>
+                </a:solidFill>
+              </a:rPr>
+              <a:t>unlabeled</a:t>
+            </a:r>
+            <a:r>
+              <a:rPr lang="en-US" sz="1800" dirty="0">
+                <a:solidFill>
+                  <a:schemeClr val="tx1"/>
+                </a:solidFill>
+              </a:rPr>
+              <a:t> data.</a:t>
+            </a:r>
+          </a:p>
+          <a:p>
+            <a:pPr marL="342900" indent="-342900" algn="l">
+              <a:buClr>
+                <a:srgbClr val="0070C0"/>
+              </a:buClr>
+              <a:buSzPct val="80000"/>
+              <a:buFont typeface="Wingdings" pitchFamily="2" charset="2"/>
+              <a:buChar char="u"/>
+            </a:pPr>
+            <a:r>
+              <a:rPr lang="en-US" sz="1800" dirty="0">
+                <a:solidFill>
+                  <a:schemeClr val="tx1"/>
+                </a:solidFill>
+              </a:rPr>
+              <a:t>The Labeled is for training and validated vs. Unlabeled is used for testing or prediction</a:t>
+            </a:r>
+          </a:p>
+          <a:p>
+            <a:pPr marL="800100" lvl="1" indent="-342900" algn="l">
+              <a:buClr>
+                <a:srgbClr val="0070C0"/>
+              </a:buClr>
+              <a:buSzPct val="80000"/>
+              <a:buFont typeface="Wingdings" pitchFamily="2" charset="2"/>
+              <a:buChar char="u"/>
+            </a:pPr>
+            <a:r>
+              <a:rPr lang="en-US" sz="1800" dirty="0">
+                <a:solidFill>
+                  <a:schemeClr val="tx1"/>
+                </a:solidFill>
+              </a:rPr>
+              <a:t>Example: Classify images of cats and dogs</a:t>
+            </a:r>
+          </a:p>
+          <a:p>
+            <a:pPr marL="342900" indent="-342900" algn="l">
+              <a:buClr>
+                <a:srgbClr val="0070C0"/>
+              </a:buClr>
+              <a:buSzPct val="80000"/>
+              <a:buFont typeface="Wingdings" pitchFamily="2" charset="2"/>
+              <a:buChar char="u"/>
+            </a:pPr>
+            <a:endParaRPr lang="en-US" sz="1800" dirty="0">
               <a:solidFill>
                 <a:schemeClr val="tx1"/>
               </a:solidFill>
             </a:endParaRPr>
-          </a:p>
-          <a:p>
-            <a:pPr marL="342900" indent="-342900" algn="l">
-              <a:buClr>
-                <a:srgbClr val="0070C0"/>
-              </a:buClr>
-              <a:buSzPct val="80000"/>
-              <a:buFont typeface="Wingdings" pitchFamily="2" charset="2"/>
-              <a:buChar char="u"/>
-            </a:pPr>
-            <a:r>
-              <a:rPr lang="en-US" sz="1800" dirty="0">
-                <a:solidFill>
-                  <a:schemeClr val="tx1"/>
-                </a:solidFill>
-              </a:rPr>
-              <a:t>&gt; </a:t>
-            </a:r>
-            <a:r>
-              <a:rPr lang="en-US" sz="1800" dirty="0" err="1">
-                <a:solidFill>
-                  <a:schemeClr val="tx1"/>
-                </a:solidFill>
-              </a:rPr>
-              <a:t>pyhton</a:t>
-            </a:r>
-            <a:r>
-              <a:rPr lang="en-US" sz="1800" dirty="0">
-                <a:solidFill>
-                  <a:schemeClr val="tx1"/>
-                </a:solidFill>
-              </a:rPr>
-              <a:t> 05_simple_sequential_model.py</a:t>
-            </a:r>
           </a:p>
         </p:txBody>
       </p:sp>
@@ -7389,7 +10021,7 @@
             </a:pPr>
             <a:r>
               <a:rPr lang="en-US" sz="1600" dirty="0">
-                <a:hlinkClick r:id="rId3"/>
+                <a:hlinkClick r:id="rId2"/>
               </a:rPr>
               <a:t>https://www.youtube.com/watch?v=GCFmqet--Lc&amp;list=PLZbbT5o_s2xrwRnXk_yCPtnqqo4_u2YGL&amp;index=2</a:t>
             </a:r>
@@ -7453,6 +10085,1933 @@
               <a:rPr lang="zh-TW" altLang="en-US" smtClean="0"/>
               <a:pPr/>
               <a:t>4</a:t>
+            </a:fld>
+            <a:endParaRPr lang="zh-TW" altLang="en-US"/>
+          </a:p>
+        </p:txBody>
+      </p:sp>
+    </p:spTree>
+    <p:extLst>
+      <p:ext uri="{BB962C8B-B14F-4D97-AF65-F5344CB8AC3E}">
+        <p14:creationId xmlns:p14="http://schemas.microsoft.com/office/powerpoint/2010/main" val="2080896639"/>
+      </p:ext>
+    </p:extLst>
+  </p:cSld>
+  <p:clrMapOvr>
+    <a:masterClrMapping/>
+  </p:clrMapOvr>
+</p:sld>
+</file>
+
+<file path=ppt/slides/slide5.xml><?xml version="1.0" encoding="utf-8"?>
+<p:sld xmlns:a="http://schemas.openxmlformats.org/drawingml/2006/main" xmlns:r="http://schemas.openxmlformats.org/officeDocument/2006/relationships" xmlns:p="http://schemas.openxmlformats.org/presentationml/2006/main">
+  <p:cSld>
+    <p:spTree>
+      <p:nvGrpSpPr>
+        <p:cNvPr id="1" name=""/>
+        <p:cNvGrpSpPr/>
+        <p:nvPr/>
+      </p:nvGrpSpPr>
+      <p:grpSpPr>
+        <a:xfrm>
+          <a:off x="0" y="0"/>
+          <a:ext cx="0" cy="0"/>
+          <a:chOff x="0" y="0"/>
+          <a:chExt cx="0" cy="0"/>
+        </a:xfrm>
+      </p:grpSpPr>
+      <p:sp>
+        <p:nvSpPr>
+          <p:cNvPr id="2" name="標題 1"/>
+          <p:cNvSpPr>
+            <a:spLocks noGrp="1"/>
+          </p:cNvSpPr>
+          <p:nvPr>
+            <p:ph type="ctrTitle"/>
+          </p:nvPr>
+        </p:nvSpPr>
+        <p:spPr>
+          <a:xfrm>
+            <a:off x="0" y="1"/>
+            <a:ext cx="9144000" cy="764704"/>
+          </a:xfrm>
+          <a:gradFill flip="none" rotWithShape="1">
+            <a:gsLst>
+              <a:gs pos="0">
+                <a:srgbClr val="C00000">
+                  <a:shade val="30000"/>
+                  <a:satMod val="115000"/>
+                </a:srgbClr>
+              </a:gs>
+              <a:gs pos="50000">
+                <a:srgbClr val="C00000">
+                  <a:shade val="67500"/>
+                  <a:satMod val="115000"/>
+                </a:srgbClr>
+              </a:gs>
+              <a:gs pos="100000">
+                <a:srgbClr val="C00000">
+                  <a:shade val="100000"/>
+                  <a:satMod val="115000"/>
+                </a:srgbClr>
+              </a:gs>
+            </a:gsLst>
+            <a:path path="circle">
+              <a:fillToRect t="100000" r="100000"/>
+            </a:path>
+            <a:tileRect l="-100000" b="-100000"/>
+          </a:gradFill>
+        </p:spPr>
+        <p:txBody>
+          <a:bodyPr>
+            <a:normAutofit/>
+          </a:bodyPr>
+          <a:lstStyle/>
+          <a:p>
+            <a:pPr algn="l"/>
+            <a:r>
+              <a:rPr lang="en-US" altLang="zh-TW" b="1" dirty="0">
+                <a:solidFill>
+                  <a:srgbClr val="FFFF00"/>
+                </a:solidFill>
+              </a:rPr>
+              <a:t>1 Deep Learning</a:t>
+            </a:r>
+            <a:endParaRPr lang="zh-TW" altLang="en-US" b="1" dirty="0">
+              <a:solidFill>
+                <a:srgbClr val="FFFF00"/>
+              </a:solidFill>
+            </a:endParaRPr>
+          </a:p>
+        </p:txBody>
+      </p:sp>
+      <p:sp>
+        <p:nvSpPr>
+          <p:cNvPr id="3" name="副標題 2"/>
+          <p:cNvSpPr>
+            <a:spLocks noGrp="1"/>
+          </p:cNvSpPr>
+          <p:nvPr>
+            <p:ph type="subTitle" idx="1"/>
+          </p:nvPr>
+        </p:nvSpPr>
+        <p:spPr>
+          <a:xfrm>
+            <a:off x="395536" y="1340768"/>
+            <a:ext cx="8352928" cy="2304256"/>
+          </a:xfrm>
+          <a:ln>
+            <a:solidFill>
+              <a:srgbClr val="C00000"/>
+            </a:solidFill>
+          </a:ln>
+        </p:spPr>
+        <p:txBody>
+          <a:bodyPr>
+            <a:noAutofit/>
+          </a:bodyPr>
+          <a:lstStyle/>
+          <a:p>
+            <a:pPr marL="342900" indent="-342900" algn="l">
+              <a:buClr>
+                <a:srgbClr val="0070C0"/>
+              </a:buClr>
+              <a:buSzPct val="80000"/>
+              <a:buFont typeface="Wingdings" pitchFamily="2" charset="2"/>
+              <a:buChar char="u"/>
+            </a:pPr>
+            <a:r>
+              <a:rPr lang="en-US" sz="1800" b="1" dirty="0">
+                <a:solidFill>
+                  <a:schemeClr val="tx1"/>
+                </a:solidFill>
+              </a:rPr>
+              <a:t>Artificial Neural Networks</a:t>
+            </a:r>
+          </a:p>
+          <a:p>
+            <a:pPr marL="342900" indent="-342900" algn="l">
+              <a:buClr>
+                <a:srgbClr val="0070C0"/>
+              </a:buClr>
+              <a:buSzPct val="80000"/>
+              <a:buFont typeface="Wingdings" pitchFamily="2" charset="2"/>
+              <a:buChar char="u"/>
+            </a:pPr>
+            <a:r>
+              <a:rPr lang="en-US" sz="1800" dirty="0">
+                <a:solidFill>
+                  <a:schemeClr val="tx1"/>
+                </a:solidFill>
+              </a:rPr>
+              <a:t>Artificial neural networks are deep learning models that are based on the structure of the brain's neural networks.</a:t>
+            </a:r>
+          </a:p>
+          <a:p>
+            <a:pPr marL="342900" indent="-342900" algn="l">
+              <a:buClr>
+                <a:srgbClr val="0070C0"/>
+              </a:buClr>
+              <a:buSzPct val="80000"/>
+              <a:buFont typeface="Wingdings" pitchFamily="2" charset="2"/>
+              <a:buChar char="u"/>
+            </a:pPr>
+            <a:r>
+              <a:rPr lang="en-US" sz="1800" dirty="0">
+                <a:solidFill>
+                  <a:schemeClr val="tx1"/>
+                </a:solidFill>
+              </a:rPr>
+              <a:t>Artificial neural networks are used interchangeably with the terms:</a:t>
+            </a:r>
+          </a:p>
+          <a:p>
+            <a:pPr marL="800100" lvl="1" indent="-342900" algn="l">
+              <a:buClr>
+                <a:srgbClr val="0070C0"/>
+              </a:buClr>
+              <a:buSzPct val="80000"/>
+              <a:buFont typeface="Wingdings" pitchFamily="2" charset="2"/>
+              <a:buChar char="u"/>
+            </a:pPr>
+            <a:r>
+              <a:rPr lang="en-US" sz="1800" dirty="0">
+                <a:solidFill>
+                  <a:schemeClr val="tx1"/>
+                </a:solidFill>
+              </a:rPr>
+              <a:t>neural net</a:t>
+            </a:r>
+          </a:p>
+          <a:p>
+            <a:pPr marL="800100" lvl="1" indent="-342900" algn="l">
+              <a:buClr>
+                <a:srgbClr val="0070C0"/>
+              </a:buClr>
+              <a:buSzPct val="80000"/>
+              <a:buFont typeface="Wingdings" pitchFamily="2" charset="2"/>
+              <a:buChar char="u"/>
+            </a:pPr>
+            <a:r>
+              <a:rPr lang="en-US" sz="1800" dirty="0">
+                <a:solidFill>
+                  <a:schemeClr val="tx1"/>
+                </a:solidFill>
+              </a:rPr>
+              <a:t>Net</a:t>
+            </a:r>
+          </a:p>
+          <a:p>
+            <a:pPr marL="800100" lvl="1" indent="-342900" algn="l">
+              <a:buClr>
+                <a:srgbClr val="0070C0"/>
+              </a:buClr>
+              <a:buSzPct val="80000"/>
+              <a:buFont typeface="Wingdings" pitchFamily="2" charset="2"/>
+              <a:buChar char="u"/>
+            </a:pPr>
+            <a:r>
+              <a:rPr lang="en-US" sz="1800" dirty="0">
+                <a:solidFill>
+                  <a:schemeClr val="tx1"/>
+                </a:solidFill>
+              </a:rPr>
+              <a:t>Model</a:t>
+            </a:r>
+            <a:endParaRPr lang="en-US" sz="1800" b="1" dirty="0">
+              <a:solidFill>
+                <a:schemeClr val="tx1"/>
+              </a:solidFill>
+            </a:endParaRPr>
+          </a:p>
+          <a:p>
+            <a:pPr marL="342900" indent="-342900" algn="l">
+              <a:buClr>
+                <a:srgbClr val="0070C0"/>
+              </a:buClr>
+              <a:buSzPct val="80000"/>
+              <a:buFont typeface="Wingdings" pitchFamily="2" charset="2"/>
+              <a:buChar char="u"/>
+            </a:pPr>
+            <a:endParaRPr lang="en-US" sz="1800" b="1" dirty="0">
+              <a:solidFill>
+                <a:schemeClr val="tx1"/>
+              </a:solidFill>
+            </a:endParaRPr>
+          </a:p>
+          <a:p>
+            <a:pPr marL="342900" indent="-342900" algn="l">
+              <a:buClr>
+                <a:srgbClr val="0070C0"/>
+              </a:buClr>
+              <a:buSzPct val="80000"/>
+              <a:buFont typeface="Wingdings" pitchFamily="2" charset="2"/>
+              <a:buChar char="u"/>
+            </a:pPr>
+            <a:endParaRPr lang="en-US" sz="1800" dirty="0">
+              <a:solidFill>
+                <a:schemeClr val="tx1"/>
+              </a:solidFill>
+            </a:endParaRPr>
+          </a:p>
+        </p:txBody>
+      </p:sp>
+      <p:sp>
+        <p:nvSpPr>
+          <p:cNvPr id="4" name="標題 1"/>
+          <p:cNvSpPr txBox="1">
+            <a:spLocks/>
+          </p:cNvSpPr>
+          <p:nvPr/>
+        </p:nvSpPr>
+        <p:spPr>
+          <a:xfrm>
+            <a:off x="0" y="764704"/>
+            <a:ext cx="9144000" cy="360040"/>
+          </a:xfrm>
+          <a:prstGeom prst="rect">
+            <a:avLst/>
+          </a:prstGeom>
+          <a:gradFill flip="none" rotWithShape="1">
+            <a:gsLst>
+              <a:gs pos="0">
+                <a:srgbClr val="00B0F0">
+                  <a:shade val="30000"/>
+                  <a:satMod val="115000"/>
+                </a:srgbClr>
+              </a:gs>
+              <a:gs pos="50000">
+                <a:srgbClr val="00B0F0">
+                  <a:shade val="67500"/>
+                  <a:satMod val="115000"/>
+                </a:srgbClr>
+              </a:gs>
+              <a:gs pos="100000">
+                <a:srgbClr val="00B0F0">
+                  <a:shade val="100000"/>
+                  <a:satMod val="115000"/>
+                </a:srgbClr>
+              </a:gs>
+            </a:gsLst>
+            <a:path path="circle">
+              <a:fillToRect t="100000" r="100000"/>
+            </a:path>
+            <a:tileRect l="-100000" b="-100000"/>
+          </a:gradFill>
+        </p:spPr>
+        <p:txBody>
+          <a:bodyPr vert="horz" lIns="91440" tIns="45720" rIns="91440" bIns="45720" rtlCol="0" anchor="ctr">
+            <a:normAutofit/>
+          </a:bodyPr>
+          <a:lstStyle/>
+          <a:p>
+            <a:pPr lvl="0">
+              <a:spcBef>
+                <a:spcPct val="0"/>
+              </a:spcBef>
+            </a:pPr>
+            <a:r>
+              <a:rPr lang="en-US" sz="1600" dirty="0">
+                <a:hlinkClick r:id="rId2"/>
+              </a:rPr>
+              <a:t>https://www.youtube.com/watch?v=GCFmqet--Lc&amp;list=PLZbbT5o_s2xrwRnXk_yCPtnqqo4_u2YGL&amp;index=2</a:t>
+            </a:r>
+            <a:endParaRPr kumimoji="0" lang="zh-TW" altLang="en-US" sz="1600" b="0" i="0" u="none" strike="noStrike" kern="1200" cap="none" spc="0" normalizeH="0" baseline="0" noProof="0" dirty="0">
+              <a:ln>
+                <a:noFill/>
+              </a:ln>
+              <a:solidFill>
+                <a:schemeClr val="tx1"/>
+              </a:solidFill>
+              <a:effectLst/>
+              <a:uLnTx/>
+              <a:uFillTx/>
+              <a:latin typeface="+mj-lt"/>
+              <a:ea typeface="+mj-ea"/>
+              <a:cs typeface="+mj-cs"/>
+            </a:endParaRPr>
+          </a:p>
+        </p:txBody>
+      </p:sp>
+      <p:sp>
+        <p:nvSpPr>
+          <p:cNvPr id="5" name="日期版面配置區 4"/>
+          <p:cNvSpPr>
+            <a:spLocks noGrp="1"/>
+          </p:cNvSpPr>
+          <p:nvPr>
+            <p:ph type="dt" sz="half" idx="10"/>
+          </p:nvPr>
+        </p:nvSpPr>
+        <p:spPr/>
+        <p:txBody>
+          <a:bodyPr/>
+          <a:lstStyle/>
+          <a:p>
+            <a:fld id="{A4F910E6-8D00-4BAF-8C48-9688E0B449D3}" type="datetime1">
+              <a:rPr lang="zh-TW" altLang="en-US" smtClean="0"/>
+              <a:pPr/>
+              <a:t>2020/6/6</a:t>
+            </a:fld>
+            <a:endParaRPr lang="zh-TW" altLang="en-US"/>
+          </a:p>
+        </p:txBody>
+      </p:sp>
+      <p:sp>
+        <p:nvSpPr>
+          <p:cNvPr id="6" name="投影片編號版面配置區 5"/>
+          <p:cNvSpPr>
+            <a:spLocks noGrp="1"/>
+          </p:cNvSpPr>
+          <p:nvPr>
+            <p:ph type="sldNum" sz="quarter" idx="12"/>
+          </p:nvPr>
+        </p:nvSpPr>
+        <p:spPr/>
+        <p:txBody>
+          <a:bodyPr/>
+          <a:lstStyle/>
+          <a:p>
+            <a:fld id="{E4D7E63D-91F2-4366-A2C4-1B00C9E2590E}" type="slidenum">
+              <a:rPr lang="zh-TW" altLang="en-US" smtClean="0"/>
+              <a:pPr/>
+              <a:t>5</a:t>
+            </a:fld>
+            <a:endParaRPr lang="zh-TW" altLang="en-US"/>
+          </a:p>
+        </p:txBody>
+      </p:sp>
+    </p:spTree>
+    <p:extLst>
+      <p:ext uri="{BB962C8B-B14F-4D97-AF65-F5344CB8AC3E}">
+        <p14:creationId xmlns:p14="http://schemas.microsoft.com/office/powerpoint/2010/main" val="187414922"/>
+      </p:ext>
+    </p:extLst>
+  </p:cSld>
+  <p:clrMapOvr>
+    <a:masterClrMapping/>
+  </p:clrMapOvr>
+</p:sld>
+</file>
+
+<file path=ppt/slides/slide6.xml><?xml version="1.0" encoding="utf-8"?>
+<p:sld xmlns:a="http://schemas.openxmlformats.org/drawingml/2006/main" xmlns:r="http://schemas.openxmlformats.org/officeDocument/2006/relationships" xmlns:p="http://schemas.openxmlformats.org/presentationml/2006/main">
+  <p:cSld>
+    <p:spTree>
+      <p:nvGrpSpPr>
+        <p:cNvPr id="1" name=""/>
+        <p:cNvGrpSpPr/>
+        <p:nvPr/>
+      </p:nvGrpSpPr>
+      <p:grpSpPr>
+        <a:xfrm>
+          <a:off x="0" y="0"/>
+          <a:ext cx="0" cy="0"/>
+          <a:chOff x="0" y="0"/>
+          <a:chExt cx="0" cy="0"/>
+        </a:xfrm>
+      </p:grpSpPr>
+      <p:sp>
+        <p:nvSpPr>
+          <p:cNvPr id="2" name="標題 1"/>
+          <p:cNvSpPr>
+            <a:spLocks noGrp="1"/>
+          </p:cNvSpPr>
+          <p:nvPr>
+            <p:ph type="ctrTitle"/>
+          </p:nvPr>
+        </p:nvSpPr>
+        <p:spPr>
+          <a:xfrm>
+            <a:off x="0" y="1"/>
+            <a:ext cx="9144000" cy="764704"/>
+          </a:xfrm>
+          <a:gradFill flip="none" rotWithShape="1">
+            <a:gsLst>
+              <a:gs pos="0">
+                <a:srgbClr val="C00000">
+                  <a:shade val="30000"/>
+                  <a:satMod val="115000"/>
+                </a:srgbClr>
+              </a:gs>
+              <a:gs pos="50000">
+                <a:srgbClr val="C00000">
+                  <a:shade val="67500"/>
+                  <a:satMod val="115000"/>
+                </a:srgbClr>
+              </a:gs>
+              <a:gs pos="100000">
+                <a:srgbClr val="C00000">
+                  <a:shade val="100000"/>
+                  <a:satMod val="115000"/>
+                </a:srgbClr>
+              </a:gs>
+            </a:gsLst>
+            <a:path path="circle">
+              <a:fillToRect t="100000" r="100000"/>
+            </a:path>
+            <a:tileRect l="-100000" b="-100000"/>
+          </a:gradFill>
+        </p:spPr>
+        <p:txBody>
+          <a:bodyPr>
+            <a:normAutofit/>
+          </a:bodyPr>
+          <a:lstStyle/>
+          <a:p>
+            <a:pPr algn="l"/>
+            <a:r>
+              <a:rPr lang="en-US" altLang="zh-TW" b="1" dirty="0">
+                <a:solidFill>
+                  <a:srgbClr val="FFFF00"/>
+                </a:solidFill>
+              </a:rPr>
+              <a:t>1 Deep Learning</a:t>
+            </a:r>
+            <a:endParaRPr lang="zh-TW" altLang="en-US" b="1" dirty="0">
+              <a:solidFill>
+                <a:srgbClr val="FFFF00"/>
+              </a:solidFill>
+            </a:endParaRPr>
+          </a:p>
+        </p:txBody>
+      </p:sp>
+      <p:sp>
+        <p:nvSpPr>
+          <p:cNvPr id="3" name="副標題 2"/>
+          <p:cNvSpPr>
+            <a:spLocks noGrp="1"/>
+          </p:cNvSpPr>
+          <p:nvPr>
+            <p:ph type="subTitle" idx="1"/>
+          </p:nvPr>
+        </p:nvSpPr>
+        <p:spPr>
+          <a:xfrm>
+            <a:off x="395536" y="1340768"/>
+            <a:ext cx="8352928" cy="4104456"/>
+          </a:xfrm>
+          <a:ln>
+            <a:solidFill>
+              <a:srgbClr val="C00000"/>
+            </a:solidFill>
+          </a:ln>
+        </p:spPr>
+        <p:txBody>
+          <a:bodyPr>
+            <a:noAutofit/>
+          </a:bodyPr>
+          <a:lstStyle/>
+          <a:p>
+            <a:pPr marL="342900" indent="-342900" algn="l">
+              <a:buClr>
+                <a:srgbClr val="0070C0"/>
+              </a:buClr>
+              <a:buSzPct val="80000"/>
+              <a:buFont typeface="Wingdings" pitchFamily="2" charset="2"/>
+              <a:buChar char="u"/>
+            </a:pPr>
+            <a:r>
+              <a:rPr lang="en-US" sz="1800" b="1" dirty="0">
+                <a:solidFill>
+                  <a:schemeClr val="tx1"/>
+                </a:solidFill>
+              </a:rPr>
+              <a:t>Artificial Neural Network</a:t>
+            </a:r>
+          </a:p>
+          <a:p>
+            <a:pPr marL="342900" indent="-342900" algn="l">
+              <a:buClr>
+                <a:srgbClr val="0070C0"/>
+              </a:buClr>
+              <a:buSzPct val="80000"/>
+              <a:buFont typeface="Wingdings" pitchFamily="2" charset="2"/>
+              <a:buChar char="u"/>
+            </a:pPr>
+            <a:r>
+              <a:rPr lang="en-US" sz="1800" dirty="0">
+                <a:solidFill>
+                  <a:schemeClr val="tx1"/>
+                </a:solidFill>
+              </a:rPr>
+              <a:t>Artificial neural networks are computing systems that are inspired by the brain’s neural networks.</a:t>
+            </a:r>
+          </a:p>
+          <a:p>
+            <a:pPr marL="800100" lvl="1" indent="-342900" algn="l">
+              <a:buClr>
+                <a:srgbClr val="0070C0"/>
+              </a:buClr>
+              <a:buSzPct val="80000"/>
+              <a:buFont typeface="Wingdings" pitchFamily="2" charset="2"/>
+              <a:buChar char="u"/>
+            </a:pPr>
+            <a:r>
+              <a:rPr lang="en-US" sz="1800" dirty="0">
+                <a:solidFill>
+                  <a:schemeClr val="tx1"/>
+                </a:solidFill>
+              </a:rPr>
+              <a:t>These networks are based on a collection of connected units called </a:t>
+            </a:r>
+            <a:r>
+              <a:rPr lang="en-US" sz="1800" b="1" dirty="0">
+                <a:solidFill>
+                  <a:schemeClr val="tx1"/>
+                </a:solidFill>
+              </a:rPr>
+              <a:t>artificial neurons</a:t>
+            </a:r>
+            <a:r>
+              <a:rPr lang="en-US" sz="1800" dirty="0">
+                <a:solidFill>
+                  <a:schemeClr val="tx1"/>
+                </a:solidFill>
+              </a:rPr>
+              <a:t>, or </a:t>
+            </a:r>
+            <a:r>
+              <a:rPr lang="en-US" sz="1800" b="1" dirty="0">
+                <a:solidFill>
+                  <a:schemeClr val="tx1"/>
+                </a:solidFill>
+              </a:rPr>
+              <a:t>neurons</a:t>
+            </a:r>
+            <a:r>
+              <a:rPr lang="en-US" sz="1800" dirty="0">
+                <a:solidFill>
+                  <a:schemeClr val="tx1"/>
+                </a:solidFill>
+              </a:rPr>
+              <a:t>.</a:t>
+            </a:r>
+          </a:p>
+          <a:p>
+            <a:pPr marL="800100" lvl="1" indent="-342900" algn="l">
+              <a:buClr>
+                <a:srgbClr val="0070C0"/>
+              </a:buClr>
+              <a:buSzPct val="80000"/>
+              <a:buFont typeface="Wingdings" pitchFamily="2" charset="2"/>
+              <a:buChar char="u"/>
+            </a:pPr>
+            <a:r>
+              <a:rPr lang="en-US" sz="1800" dirty="0">
+                <a:solidFill>
+                  <a:schemeClr val="tx1"/>
+                </a:solidFill>
+              </a:rPr>
+              <a:t>Each connection between neurons can transmit a signal from one neuron to another.</a:t>
+            </a:r>
+          </a:p>
+          <a:p>
+            <a:pPr marL="800100" lvl="1" indent="-342900" algn="l">
+              <a:buClr>
+                <a:srgbClr val="0070C0"/>
+              </a:buClr>
+              <a:buSzPct val="80000"/>
+              <a:buFont typeface="Wingdings" pitchFamily="2" charset="2"/>
+              <a:buChar char="u"/>
+            </a:pPr>
+            <a:r>
+              <a:rPr lang="en-US" sz="1800" dirty="0">
+                <a:solidFill>
+                  <a:schemeClr val="tx1"/>
+                </a:solidFill>
+              </a:rPr>
+              <a:t>The receiving neuron processes the signal and signals downstream neurons connected to it.</a:t>
+            </a:r>
+          </a:p>
+          <a:p>
+            <a:pPr marL="800100" lvl="1" indent="-342900" algn="l">
+              <a:buClr>
+                <a:srgbClr val="0070C0"/>
+              </a:buClr>
+              <a:buSzPct val="80000"/>
+              <a:buFont typeface="Wingdings" pitchFamily="2" charset="2"/>
+              <a:buChar char="u"/>
+            </a:pPr>
+            <a:r>
+              <a:rPr lang="en-US" sz="1800" dirty="0">
+                <a:solidFill>
+                  <a:schemeClr val="tx1"/>
+                </a:solidFill>
+              </a:rPr>
+              <a:t>Neurons are organized in layers.</a:t>
+            </a:r>
+          </a:p>
+          <a:p>
+            <a:pPr marL="1257300" lvl="2" indent="-342900" algn="l">
+              <a:buClr>
+                <a:srgbClr val="0070C0"/>
+              </a:buClr>
+              <a:buSzPct val="80000"/>
+              <a:buFont typeface="Wingdings" pitchFamily="2" charset="2"/>
+              <a:buChar char="u"/>
+            </a:pPr>
+            <a:r>
+              <a:rPr lang="en-US" sz="1800" dirty="0">
+                <a:solidFill>
+                  <a:schemeClr val="tx1"/>
+                </a:solidFill>
+              </a:rPr>
+              <a:t>Input layer</a:t>
+            </a:r>
+          </a:p>
+          <a:p>
+            <a:pPr marL="1257300" lvl="2" indent="-342900" algn="l">
+              <a:buClr>
+                <a:srgbClr val="0070C0"/>
+              </a:buClr>
+              <a:buSzPct val="80000"/>
+              <a:buFont typeface="Wingdings" pitchFamily="2" charset="2"/>
+              <a:buChar char="u"/>
+            </a:pPr>
+            <a:r>
+              <a:rPr lang="en-US" sz="1800" dirty="0">
+                <a:solidFill>
+                  <a:schemeClr val="tx1"/>
+                </a:solidFill>
+              </a:rPr>
+              <a:t>Hidden layers</a:t>
+            </a:r>
+          </a:p>
+          <a:p>
+            <a:pPr marL="1257300" lvl="2" indent="-342900" algn="l">
+              <a:buClr>
+                <a:srgbClr val="0070C0"/>
+              </a:buClr>
+              <a:buSzPct val="80000"/>
+              <a:buFont typeface="Wingdings" pitchFamily="2" charset="2"/>
+              <a:buChar char="u"/>
+            </a:pPr>
+            <a:r>
+              <a:rPr lang="en-US" sz="1800" dirty="0">
+                <a:solidFill>
+                  <a:schemeClr val="tx1"/>
+                </a:solidFill>
+              </a:rPr>
+              <a:t>Output layer</a:t>
+            </a:r>
+            <a:endParaRPr lang="en-US" sz="1800" b="1" dirty="0">
+              <a:solidFill>
+                <a:schemeClr val="tx1"/>
+              </a:solidFill>
+            </a:endParaRPr>
+          </a:p>
+          <a:p>
+            <a:pPr marL="342900" indent="-342900" algn="l">
+              <a:buClr>
+                <a:srgbClr val="0070C0"/>
+              </a:buClr>
+              <a:buSzPct val="80000"/>
+              <a:buFont typeface="Wingdings" pitchFamily="2" charset="2"/>
+              <a:buChar char="u"/>
+            </a:pPr>
+            <a:endParaRPr lang="en-US" sz="1800" dirty="0">
+              <a:solidFill>
+                <a:schemeClr val="tx1"/>
+              </a:solidFill>
+            </a:endParaRPr>
+          </a:p>
+        </p:txBody>
+      </p:sp>
+      <p:sp>
+        <p:nvSpPr>
+          <p:cNvPr id="4" name="標題 1"/>
+          <p:cNvSpPr txBox="1">
+            <a:spLocks/>
+          </p:cNvSpPr>
+          <p:nvPr/>
+        </p:nvSpPr>
+        <p:spPr>
+          <a:xfrm>
+            <a:off x="0" y="764704"/>
+            <a:ext cx="9144000" cy="360040"/>
+          </a:xfrm>
+          <a:prstGeom prst="rect">
+            <a:avLst/>
+          </a:prstGeom>
+          <a:gradFill flip="none" rotWithShape="1">
+            <a:gsLst>
+              <a:gs pos="0">
+                <a:srgbClr val="00B0F0">
+                  <a:shade val="30000"/>
+                  <a:satMod val="115000"/>
+                </a:srgbClr>
+              </a:gs>
+              <a:gs pos="50000">
+                <a:srgbClr val="00B0F0">
+                  <a:shade val="67500"/>
+                  <a:satMod val="115000"/>
+                </a:srgbClr>
+              </a:gs>
+              <a:gs pos="100000">
+                <a:srgbClr val="00B0F0">
+                  <a:shade val="100000"/>
+                  <a:satMod val="115000"/>
+                </a:srgbClr>
+              </a:gs>
+            </a:gsLst>
+            <a:path path="circle">
+              <a:fillToRect t="100000" r="100000"/>
+            </a:path>
+            <a:tileRect l="-100000" b="-100000"/>
+          </a:gradFill>
+        </p:spPr>
+        <p:txBody>
+          <a:bodyPr vert="horz" lIns="91440" tIns="45720" rIns="91440" bIns="45720" rtlCol="0" anchor="ctr">
+            <a:normAutofit/>
+          </a:bodyPr>
+          <a:lstStyle/>
+          <a:p>
+            <a:pPr lvl="0">
+              <a:spcBef>
+                <a:spcPct val="0"/>
+              </a:spcBef>
+            </a:pPr>
+            <a:r>
+              <a:rPr lang="en-US" sz="1600" dirty="0">
+                <a:hlinkClick r:id="rId2"/>
+              </a:rPr>
+              <a:t>https://www.youtube.com/watch?v=GCFmqet--Lc&amp;list=PLZbbT5o_s2xrwRnXk_yCPtnqqo4_u2YGL&amp;index=2</a:t>
+            </a:r>
+            <a:endParaRPr kumimoji="0" lang="zh-TW" altLang="en-US" sz="1600" b="0" i="0" u="none" strike="noStrike" kern="1200" cap="none" spc="0" normalizeH="0" baseline="0" noProof="0" dirty="0">
+              <a:ln>
+                <a:noFill/>
+              </a:ln>
+              <a:solidFill>
+                <a:schemeClr val="tx1"/>
+              </a:solidFill>
+              <a:effectLst/>
+              <a:uLnTx/>
+              <a:uFillTx/>
+              <a:latin typeface="+mj-lt"/>
+              <a:ea typeface="+mj-ea"/>
+              <a:cs typeface="+mj-cs"/>
+            </a:endParaRPr>
+          </a:p>
+        </p:txBody>
+      </p:sp>
+      <p:sp>
+        <p:nvSpPr>
+          <p:cNvPr id="5" name="日期版面配置區 4"/>
+          <p:cNvSpPr>
+            <a:spLocks noGrp="1"/>
+          </p:cNvSpPr>
+          <p:nvPr>
+            <p:ph type="dt" sz="half" idx="10"/>
+          </p:nvPr>
+        </p:nvSpPr>
+        <p:spPr/>
+        <p:txBody>
+          <a:bodyPr/>
+          <a:lstStyle/>
+          <a:p>
+            <a:fld id="{A4F910E6-8D00-4BAF-8C48-9688E0B449D3}" type="datetime1">
+              <a:rPr lang="zh-TW" altLang="en-US" smtClean="0"/>
+              <a:pPr/>
+              <a:t>2020/6/6</a:t>
+            </a:fld>
+            <a:endParaRPr lang="zh-TW" altLang="en-US"/>
+          </a:p>
+        </p:txBody>
+      </p:sp>
+      <p:sp>
+        <p:nvSpPr>
+          <p:cNvPr id="6" name="投影片編號版面配置區 5"/>
+          <p:cNvSpPr>
+            <a:spLocks noGrp="1"/>
+          </p:cNvSpPr>
+          <p:nvPr>
+            <p:ph type="sldNum" sz="quarter" idx="12"/>
+          </p:nvPr>
+        </p:nvSpPr>
+        <p:spPr/>
+        <p:txBody>
+          <a:bodyPr/>
+          <a:lstStyle/>
+          <a:p>
+            <a:fld id="{E4D7E63D-91F2-4366-A2C4-1B00C9E2590E}" type="slidenum">
+              <a:rPr lang="zh-TW" altLang="en-US" smtClean="0"/>
+              <a:pPr/>
+              <a:t>6</a:t>
+            </a:fld>
+            <a:endParaRPr lang="zh-TW" altLang="en-US"/>
+          </a:p>
+        </p:txBody>
+      </p:sp>
+    </p:spTree>
+    <p:extLst>
+      <p:ext uri="{BB962C8B-B14F-4D97-AF65-F5344CB8AC3E}">
+        <p14:creationId xmlns:p14="http://schemas.microsoft.com/office/powerpoint/2010/main" val="2988034995"/>
+      </p:ext>
+    </p:extLst>
+  </p:cSld>
+  <p:clrMapOvr>
+    <a:masterClrMapping/>
+  </p:clrMapOvr>
+</p:sld>
+</file>
+
+<file path=ppt/slides/slide7.xml><?xml version="1.0" encoding="utf-8"?>
+<p:sld xmlns:a="http://schemas.openxmlformats.org/drawingml/2006/main" xmlns:r="http://schemas.openxmlformats.org/officeDocument/2006/relationships" xmlns:p="http://schemas.openxmlformats.org/presentationml/2006/main">
+  <p:cSld>
+    <p:spTree>
+      <p:nvGrpSpPr>
+        <p:cNvPr id="1" name=""/>
+        <p:cNvGrpSpPr/>
+        <p:nvPr/>
+      </p:nvGrpSpPr>
+      <p:grpSpPr>
+        <a:xfrm>
+          <a:off x="0" y="0"/>
+          <a:ext cx="0" cy="0"/>
+          <a:chOff x="0" y="0"/>
+          <a:chExt cx="0" cy="0"/>
+        </a:xfrm>
+      </p:grpSpPr>
+      <p:sp>
+        <p:nvSpPr>
+          <p:cNvPr id="2" name="標題 1"/>
+          <p:cNvSpPr>
+            <a:spLocks noGrp="1"/>
+          </p:cNvSpPr>
+          <p:nvPr>
+            <p:ph type="ctrTitle"/>
+          </p:nvPr>
+        </p:nvSpPr>
+        <p:spPr>
+          <a:xfrm>
+            <a:off x="0" y="1"/>
+            <a:ext cx="9144000" cy="764704"/>
+          </a:xfrm>
+          <a:gradFill flip="none" rotWithShape="1">
+            <a:gsLst>
+              <a:gs pos="0">
+                <a:srgbClr val="C00000">
+                  <a:shade val="30000"/>
+                  <a:satMod val="115000"/>
+                </a:srgbClr>
+              </a:gs>
+              <a:gs pos="50000">
+                <a:srgbClr val="C00000">
+                  <a:shade val="67500"/>
+                  <a:satMod val="115000"/>
+                </a:srgbClr>
+              </a:gs>
+              <a:gs pos="100000">
+                <a:srgbClr val="C00000">
+                  <a:shade val="100000"/>
+                  <a:satMod val="115000"/>
+                </a:srgbClr>
+              </a:gs>
+            </a:gsLst>
+            <a:path path="circle">
+              <a:fillToRect t="100000" r="100000"/>
+            </a:path>
+            <a:tileRect l="-100000" b="-100000"/>
+          </a:gradFill>
+        </p:spPr>
+        <p:txBody>
+          <a:bodyPr>
+            <a:normAutofit/>
+          </a:bodyPr>
+          <a:lstStyle/>
+          <a:p>
+            <a:pPr algn="l"/>
+            <a:r>
+              <a:rPr lang="en-US" altLang="zh-TW" b="1" dirty="0">
+                <a:solidFill>
+                  <a:srgbClr val="FFFF00"/>
+                </a:solidFill>
+              </a:rPr>
+              <a:t>1 Deep Learning</a:t>
+            </a:r>
+            <a:endParaRPr lang="zh-TW" altLang="en-US" b="1" dirty="0">
+              <a:solidFill>
+                <a:srgbClr val="FFFF00"/>
+              </a:solidFill>
+            </a:endParaRPr>
+          </a:p>
+        </p:txBody>
+      </p:sp>
+      <p:sp>
+        <p:nvSpPr>
+          <p:cNvPr id="3" name="副標題 2"/>
+          <p:cNvSpPr>
+            <a:spLocks noGrp="1"/>
+          </p:cNvSpPr>
+          <p:nvPr>
+            <p:ph type="subTitle" idx="1"/>
+          </p:nvPr>
+        </p:nvSpPr>
+        <p:spPr>
+          <a:xfrm>
+            <a:off x="467544" y="1268759"/>
+            <a:ext cx="8352928" cy="3744417"/>
+          </a:xfrm>
+          <a:ln>
+            <a:solidFill>
+              <a:srgbClr val="C00000"/>
+            </a:solidFill>
+          </a:ln>
+        </p:spPr>
+        <p:txBody>
+          <a:bodyPr>
+            <a:noAutofit/>
+          </a:bodyPr>
+          <a:lstStyle/>
+          <a:p>
+            <a:pPr marL="342900" indent="-342900" algn="l">
+              <a:buClr>
+                <a:srgbClr val="0070C0"/>
+              </a:buClr>
+              <a:buSzPct val="80000"/>
+              <a:buFont typeface="Wingdings" pitchFamily="2" charset="2"/>
+              <a:buChar char="u"/>
+            </a:pPr>
+            <a:r>
+              <a:rPr lang="en-US" sz="1800" b="1" dirty="0">
+                <a:solidFill>
+                  <a:schemeClr val="tx1"/>
+                </a:solidFill>
+              </a:rPr>
+              <a:t>Install </a:t>
+            </a:r>
+            <a:r>
+              <a:rPr lang="en-US" sz="1800" b="1" dirty="0" err="1">
+                <a:solidFill>
+                  <a:schemeClr val="tx1"/>
+                </a:solidFill>
+              </a:rPr>
+              <a:t>Tensorflow</a:t>
+            </a:r>
+            <a:endParaRPr lang="en-US" sz="1800" b="1" dirty="0">
+              <a:solidFill>
+                <a:schemeClr val="tx1"/>
+              </a:solidFill>
+            </a:endParaRPr>
+          </a:p>
+          <a:p>
+            <a:pPr marL="342900" indent="-342900" algn="l">
+              <a:buClr>
+                <a:srgbClr val="0070C0"/>
+              </a:buClr>
+              <a:buSzPct val="80000"/>
+              <a:buFont typeface="Wingdings" pitchFamily="2" charset="2"/>
+              <a:buChar char="u"/>
+            </a:pPr>
+            <a:r>
+              <a:rPr lang="en-US" sz="1800" dirty="0">
+                <a:solidFill>
+                  <a:srgbClr val="0000FF"/>
+                </a:solidFill>
+                <a:hlinkClick r:id="rId2">
+                  <a:extLst>
+                    <a:ext uri="{A12FA001-AC4F-418D-AE19-62706E023703}">
+                      <ahyp:hlinkClr xmlns:ahyp="http://schemas.microsoft.com/office/drawing/2018/hyperlinkcolor" val="tx"/>
+                    </a:ext>
+                  </a:extLst>
+                </a:hlinkClick>
+              </a:rPr>
+              <a:t>https://www.tutorialspoint.com/tensorflow/tensorflow_installation.htm</a:t>
+            </a:r>
+            <a:endParaRPr lang="en-US" sz="1800" b="1" dirty="0">
+              <a:solidFill>
+                <a:schemeClr val="tx1"/>
+              </a:solidFill>
+            </a:endParaRPr>
+          </a:p>
+          <a:p>
+            <a:pPr marL="342900" indent="-342900" algn="l">
+              <a:buClr>
+                <a:srgbClr val="0070C0"/>
+              </a:buClr>
+              <a:buSzPct val="80000"/>
+              <a:buFont typeface="Wingdings" pitchFamily="2" charset="2"/>
+              <a:buChar char="u"/>
+            </a:pPr>
+            <a:r>
+              <a:rPr lang="en-US" sz="1800" dirty="0">
+                <a:solidFill>
+                  <a:schemeClr val="tx1"/>
+                </a:solidFill>
+              </a:rPr>
+              <a:t>We need to create a totally clean </a:t>
+            </a:r>
+            <a:r>
+              <a:rPr lang="en-US" sz="1800" dirty="0" err="1">
+                <a:solidFill>
+                  <a:schemeClr val="tx1"/>
+                </a:solidFill>
+              </a:rPr>
+              <a:t>enviornemnt</a:t>
+            </a:r>
+            <a:r>
+              <a:rPr lang="en-US" sz="1800" dirty="0">
+                <a:solidFill>
+                  <a:schemeClr val="tx1"/>
+                </a:solidFill>
+              </a:rPr>
+              <a:t> for </a:t>
+            </a:r>
+            <a:r>
+              <a:rPr lang="en-US" sz="1800" dirty="0" err="1">
+                <a:solidFill>
+                  <a:schemeClr val="tx1"/>
+                </a:solidFill>
+              </a:rPr>
+              <a:t>tensorflow</a:t>
+            </a:r>
+            <a:r>
+              <a:rPr lang="en-US" sz="1800" dirty="0">
+                <a:solidFill>
+                  <a:schemeClr val="tx1"/>
+                </a:solidFill>
+              </a:rPr>
+              <a:t> and GPU.</a:t>
+            </a:r>
+          </a:p>
+          <a:p>
+            <a:pPr marL="342900" indent="-342900" algn="l">
+              <a:buClr>
+                <a:srgbClr val="0070C0"/>
+              </a:buClr>
+              <a:buSzPct val="80000"/>
+              <a:buFont typeface="Wingdings" pitchFamily="2" charset="2"/>
+              <a:buChar char="u"/>
+            </a:pPr>
+            <a:r>
+              <a:rPr lang="en-US" sz="1800" dirty="0">
+                <a:solidFill>
+                  <a:schemeClr val="tx1"/>
+                </a:solidFill>
+              </a:rPr>
+              <a:t>&gt; </a:t>
+            </a:r>
+            <a:r>
+              <a:rPr lang="en-US" sz="1800" dirty="0" err="1">
+                <a:solidFill>
+                  <a:schemeClr val="tx1"/>
+                </a:solidFill>
+              </a:rPr>
+              <a:t>conda</a:t>
+            </a:r>
+            <a:r>
+              <a:rPr lang="en-US" sz="1800" dirty="0">
+                <a:solidFill>
+                  <a:schemeClr val="tx1"/>
+                </a:solidFill>
+              </a:rPr>
+              <a:t> create --name </a:t>
+            </a:r>
+            <a:r>
+              <a:rPr lang="en-US" sz="1800" dirty="0" err="1">
+                <a:solidFill>
+                  <a:schemeClr val="tx1"/>
+                </a:solidFill>
+              </a:rPr>
+              <a:t>tf</a:t>
+            </a:r>
+            <a:r>
+              <a:rPr lang="en-US" sz="1800" dirty="0">
+                <a:solidFill>
+                  <a:schemeClr val="tx1"/>
+                </a:solidFill>
+              </a:rPr>
+              <a:t> python=3.7</a:t>
+            </a:r>
+          </a:p>
+          <a:p>
+            <a:pPr marL="342900" indent="-342900" algn="l">
+              <a:buClr>
+                <a:srgbClr val="0070C0"/>
+              </a:buClr>
+              <a:buSzPct val="80000"/>
+              <a:buFont typeface="Wingdings" pitchFamily="2" charset="2"/>
+              <a:buChar char="u"/>
+            </a:pPr>
+            <a:r>
+              <a:rPr lang="en-US" sz="1800" dirty="0">
+                <a:solidFill>
+                  <a:srgbClr val="C00000"/>
+                </a:solidFill>
+              </a:rPr>
+              <a:t>&gt; </a:t>
+            </a:r>
+            <a:r>
+              <a:rPr lang="en-US" sz="1800" dirty="0" err="1">
+                <a:solidFill>
+                  <a:srgbClr val="C00000"/>
+                </a:solidFill>
+              </a:rPr>
+              <a:t>cond</a:t>
+            </a:r>
+            <a:r>
+              <a:rPr lang="en-US" sz="1800" dirty="0">
+                <a:solidFill>
+                  <a:srgbClr val="C00000"/>
+                </a:solidFill>
+              </a:rPr>
+              <a:t> activate </a:t>
+            </a:r>
+            <a:r>
+              <a:rPr lang="en-US" sz="1800" dirty="0" err="1">
+                <a:solidFill>
+                  <a:srgbClr val="C00000"/>
+                </a:solidFill>
+              </a:rPr>
+              <a:t>tf</a:t>
+            </a:r>
+            <a:endParaRPr lang="en-US" sz="1800" dirty="0">
+              <a:solidFill>
+                <a:srgbClr val="C00000"/>
+              </a:solidFill>
+            </a:endParaRPr>
+          </a:p>
+          <a:p>
+            <a:pPr marL="342900" indent="-342900" algn="l">
+              <a:buClr>
+                <a:srgbClr val="0070C0"/>
+              </a:buClr>
+              <a:buSzPct val="80000"/>
+              <a:buFont typeface="Wingdings" pitchFamily="2" charset="2"/>
+              <a:buChar char="u"/>
+            </a:pPr>
+            <a:r>
+              <a:rPr lang="en-US" sz="1800" dirty="0">
+                <a:solidFill>
+                  <a:srgbClr val="C00000"/>
+                </a:solidFill>
+              </a:rPr>
+              <a:t>(</a:t>
+            </a:r>
+            <a:r>
+              <a:rPr lang="en-US" sz="1800" dirty="0" err="1">
+                <a:solidFill>
+                  <a:srgbClr val="C00000"/>
+                </a:solidFill>
+              </a:rPr>
+              <a:t>tf</a:t>
+            </a:r>
+            <a:r>
+              <a:rPr lang="en-US" sz="1800" dirty="0">
+                <a:solidFill>
+                  <a:srgbClr val="C00000"/>
+                </a:solidFill>
+              </a:rPr>
+              <a:t>) </a:t>
+            </a:r>
+            <a:r>
+              <a:rPr lang="en-US" sz="1800" dirty="0">
+                <a:solidFill>
+                  <a:schemeClr val="tx1"/>
+                </a:solidFill>
+              </a:rPr>
+              <a:t>&gt; </a:t>
+            </a:r>
+            <a:r>
+              <a:rPr lang="en-US" sz="1800" dirty="0">
+                <a:solidFill>
+                  <a:srgbClr val="C00000"/>
+                </a:solidFill>
+              </a:rPr>
+              <a:t>pip install </a:t>
+            </a:r>
+            <a:r>
+              <a:rPr lang="en-US" sz="1800" dirty="0" err="1">
+                <a:solidFill>
+                  <a:srgbClr val="C00000"/>
+                </a:solidFill>
+              </a:rPr>
+              <a:t>tensorflow</a:t>
+            </a:r>
+            <a:endParaRPr lang="en-US" sz="1800" dirty="0">
+              <a:solidFill>
+                <a:srgbClr val="C00000"/>
+              </a:solidFill>
+            </a:endParaRPr>
+          </a:p>
+          <a:p>
+            <a:pPr marL="342900" indent="-342900" algn="l">
+              <a:buClr>
+                <a:srgbClr val="0070C0"/>
+              </a:buClr>
+              <a:buSzPct val="80000"/>
+              <a:buFont typeface="Wingdings" pitchFamily="2" charset="2"/>
+              <a:buChar char="u"/>
+            </a:pPr>
+            <a:r>
+              <a:rPr lang="en-US" sz="1800" dirty="0">
+                <a:solidFill>
+                  <a:srgbClr val="C00000"/>
+                </a:solidFill>
+              </a:rPr>
+              <a:t>(</a:t>
+            </a:r>
+            <a:r>
+              <a:rPr lang="en-US" sz="1800" dirty="0" err="1">
+                <a:solidFill>
+                  <a:srgbClr val="C00000"/>
+                </a:solidFill>
+              </a:rPr>
+              <a:t>tf</a:t>
+            </a:r>
+            <a:r>
+              <a:rPr lang="en-US" sz="1800" dirty="0">
+                <a:solidFill>
+                  <a:srgbClr val="C00000"/>
+                </a:solidFill>
+              </a:rPr>
+              <a:t>) &gt; pip install scikit-learn   # for </a:t>
+            </a:r>
+            <a:r>
+              <a:rPr lang="en-US" sz="1800" dirty="0" err="1">
+                <a:solidFill>
+                  <a:srgbClr val="C00000"/>
+                </a:solidFill>
+              </a:rPr>
+              <a:t>sklearn</a:t>
+            </a:r>
+            <a:r>
+              <a:rPr lang="en-US" sz="1800" dirty="0">
+                <a:solidFill>
+                  <a:srgbClr val="C00000"/>
+                </a:solidFill>
+              </a:rPr>
+              <a:t> </a:t>
+            </a:r>
+          </a:p>
+          <a:p>
+            <a:pPr marL="342900" indent="-342900" algn="l">
+              <a:buClr>
+                <a:srgbClr val="0070C0"/>
+              </a:buClr>
+              <a:buSzPct val="80000"/>
+              <a:buFont typeface="Wingdings" pitchFamily="2" charset="2"/>
+              <a:buChar char="u"/>
+            </a:pPr>
+            <a:r>
+              <a:rPr lang="en-US" sz="1800" dirty="0">
+                <a:solidFill>
+                  <a:schemeClr val="tx1"/>
+                </a:solidFill>
+              </a:rPr>
+              <a:t>&gt; </a:t>
+            </a:r>
+            <a:r>
+              <a:rPr lang="en-US" sz="1800" dirty="0" err="1">
+                <a:solidFill>
+                  <a:schemeClr val="tx1"/>
+                </a:solidFill>
+              </a:rPr>
+              <a:t>conda</a:t>
+            </a:r>
+            <a:r>
+              <a:rPr lang="en-US" sz="1800" dirty="0">
+                <a:solidFill>
+                  <a:schemeClr val="tx1"/>
+                </a:solidFill>
+              </a:rPr>
+              <a:t> deactivate</a:t>
+            </a:r>
+          </a:p>
+          <a:p>
+            <a:pPr marL="342900" indent="-342900" algn="l">
+              <a:buClr>
+                <a:srgbClr val="0070C0"/>
+              </a:buClr>
+              <a:buSzPct val="80000"/>
+              <a:buFont typeface="Wingdings" pitchFamily="2" charset="2"/>
+              <a:buChar char="u"/>
+            </a:pPr>
+            <a:r>
+              <a:rPr lang="en-US" sz="1800" dirty="0">
+                <a:solidFill>
+                  <a:schemeClr val="tx1"/>
+                </a:solidFill>
+              </a:rPr>
+              <a:t>We will use the environment in this discussion.</a:t>
+            </a:r>
+          </a:p>
+          <a:p>
+            <a:pPr marL="342900" indent="-342900" algn="l">
+              <a:buClr>
+                <a:srgbClr val="0070C0"/>
+              </a:buClr>
+              <a:buSzPct val="80000"/>
+              <a:buFont typeface="Wingdings" pitchFamily="2" charset="2"/>
+              <a:buChar char="u"/>
+            </a:pPr>
+            <a:r>
+              <a:rPr lang="en-US" sz="1800" dirty="0">
+                <a:solidFill>
+                  <a:schemeClr val="tx1"/>
+                </a:solidFill>
+              </a:rPr>
+              <a:t>How to remove the </a:t>
+            </a:r>
+            <a:r>
+              <a:rPr lang="en-US" sz="1800" dirty="0" err="1">
+                <a:solidFill>
+                  <a:schemeClr val="tx1"/>
+                </a:solidFill>
+              </a:rPr>
+              <a:t>conda</a:t>
+            </a:r>
+            <a:r>
+              <a:rPr lang="en-US" sz="1800" dirty="0">
+                <a:solidFill>
+                  <a:schemeClr val="tx1"/>
+                </a:solidFill>
+              </a:rPr>
+              <a:t> </a:t>
+            </a:r>
+            <a:r>
+              <a:rPr lang="en-US" sz="1800" dirty="0" err="1">
+                <a:solidFill>
+                  <a:schemeClr val="tx1"/>
+                </a:solidFill>
+              </a:rPr>
+              <a:t>envoriment</a:t>
+            </a:r>
+            <a:r>
+              <a:rPr lang="en-US" sz="1800" dirty="0">
+                <a:solidFill>
+                  <a:schemeClr val="tx1"/>
+                </a:solidFill>
+              </a:rPr>
+              <a:t>? </a:t>
+            </a:r>
+          </a:p>
+          <a:p>
+            <a:pPr marL="342900" indent="-342900" algn="l">
+              <a:buClr>
+                <a:srgbClr val="0070C0"/>
+              </a:buClr>
+              <a:buSzPct val="80000"/>
+              <a:buFont typeface="Wingdings" pitchFamily="2" charset="2"/>
+              <a:buChar char="u"/>
+            </a:pPr>
+            <a:r>
+              <a:rPr lang="en-US" sz="1800" dirty="0">
+                <a:solidFill>
+                  <a:schemeClr val="tx1"/>
+                </a:solidFill>
+              </a:rPr>
+              <a:t>&gt; </a:t>
+            </a:r>
+            <a:r>
+              <a:rPr lang="en-US" sz="1800" dirty="0" err="1">
+                <a:solidFill>
+                  <a:schemeClr val="tx1"/>
+                </a:solidFill>
+              </a:rPr>
+              <a:t>conda</a:t>
+            </a:r>
+            <a:r>
+              <a:rPr lang="en-US" sz="1800" dirty="0">
+                <a:solidFill>
+                  <a:schemeClr val="tx1"/>
+                </a:solidFill>
+              </a:rPr>
+              <a:t> remove </a:t>
+            </a:r>
+            <a:r>
+              <a:rPr lang="en-US" sz="1800" dirty="0" err="1">
+                <a:solidFill>
+                  <a:schemeClr val="tx1"/>
+                </a:solidFill>
+              </a:rPr>
+              <a:t>tf</a:t>
+            </a:r>
+            <a:r>
+              <a:rPr lang="en-US" sz="1800" dirty="0">
+                <a:solidFill>
+                  <a:schemeClr val="tx1"/>
+                </a:solidFill>
+              </a:rPr>
+              <a:t>   # remove </a:t>
+            </a:r>
+            <a:r>
+              <a:rPr lang="en-US" sz="1800" dirty="0" err="1">
+                <a:solidFill>
+                  <a:schemeClr val="tx1"/>
+                </a:solidFill>
+              </a:rPr>
+              <a:t>environemt</a:t>
+            </a:r>
+            <a:endParaRPr lang="en-US" sz="1800" dirty="0">
+              <a:solidFill>
+                <a:schemeClr val="tx1"/>
+              </a:solidFill>
+            </a:endParaRPr>
+          </a:p>
+        </p:txBody>
+      </p:sp>
+      <p:sp>
+        <p:nvSpPr>
+          <p:cNvPr id="4" name="標題 1"/>
+          <p:cNvSpPr txBox="1">
+            <a:spLocks/>
+          </p:cNvSpPr>
+          <p:nvPr/>
+        </p:nvSpPr>
+        <p:spPr>
+          <a:xfrm>
+            <a:off x="0" y="764704"/>
+            <a:ext cx="9144000" cy="360040"/>
+          </a:xfrm>
+          <a:prstGeom prst="rect">
+            <a:avLst/>
+          </a:prstGeom>
+          <a:gradFill flip="none" rotWithShape="1">
+            <a:gsLst>
+              <a:gs pos="0">
+                <a:srgbClr val="00B0F0">
+                  <a:shade val="30000"/>
+                  <a:satMod val="115000"/>
+                </a:srgbClr>
+              </a:gs>
+              <a:gs pos="50000">
+                <a:srgbClr val="00B0F0">
+                  <a:shade val="67500"/>
+                  <a:satMod val="115000"/>
+                </a:srgbClr>
+              </a:gs>
+              <a:gs pos="100000">
+                <a:srgbClr val="00B0F0">
+                  <a:shade val="100000"/>
+                  <a:satMod val="115000"/>
+                </a:srgbClr>
+              </a:gs>
+            </a:gsLst>
+            <a:path path="circle">
+              <a:fillToRect t="100000" r="100000"/>
+            </a:path>
+            <a:tileRect l="-100000" b="-100000"/>
+          </a:gradFill>
+        </p:spPr>
+        <p:txBody>
+          <a:bodyPr vert="horz" lIns="91440" tIns="45720" rIns="91440" bIns="45720" rtlCol="0" anchor="ctr">
+            <a:normAutofit/>
+          </a:bodyPr>
+          <a:lstStyle/>
+          <a:p>
+            <a:pPr lvl="0">
+              <a:spcBef>
+                <a:spcPct val="0"/>
+              </a:spcBef>
+            </a:pPr>
+            <a:r>
+              <a:rPr lang="en-US" sz="1600" dirty="0">
+                <a:hlinkClick r:id="rId3"/>
+              </a:rPr>
+              <a:t>https://www.youtube.com/watch?v=GCFmqet--Lc&amp;list=PLZbbT5o_s2xrwRnXk_yCPtnqqo4_u2YGL&amp;index=2</a:t>
+            </a:r>
+            <a:endParaRPr kumimoji="0" lang="zh-TW" altLang="en-US" sz="1600" b="0" i="0" u="none" strike="noStrike" kern="1200" cap="none" spc="0" normalizeH="0" baseline="0" noProof="0" dirty="0">
+              <a:ln>
+                <a:noFill/>
+              </a:ln>
+              <a:solidFill>
+                <a:schemeClr val="tx1"/>
+              </a:solidFill>
+              <a:effectLst/>
+              <a:uLnTx/>
+              <a:uFillTx/>
+              <a:latin typeface="+mj-lt"/>
+              <a:ea typeface="+mj-ea"/>
+              <a:cs typeface="+mj-cs"/>
+            </a:endParaRPr>
+          </a:p>
+        </p:txBody>
+      </p:sp>
+      <p:sp>
+        <p:nvSpPr>
+          <p:cNvPr id="5" name="日期版面配置區 4"/>
+          <p:cNvSpPr>
+            <a:spLocks noGrp="1"/>
+          </p:cNvSpPr>
+          <p:nvPr>
+            <p:ph type="dt" sz="half" idx="10"/>
+          </p:nvPr>
+        </p:nvSpPr>
+        <p:spPr/>
+        <p:txBody>
+          <a:bodyPr/>
+          <a:lstStyle/>
+          <a:p>
+            <a:fld id="{A4F910E6-8D00-4BAF-8C48-9688E0B449D3}" type="datetime1">
+              <a:rPr lang="zh-TW" altLang="en-US" smtClean="0"/>
+              <a:pPr/>
+              <a:t>2020/6/6</a:t>
+            </a:fld>
+            <a:endParaRPr lang="zh-TW" altLang="en-US"/>
+          </a:p>
+        </p:txBody>
+      </p:sp>
+      <p:sp>
+        <p:nvSpPr>
+          <p:cNvPr id="6" name="投影片編號版面配置區 5"/>
+          <p:cNvSpPr>
+            <a:spLocks noGrp="1"/>
+          </p:cNvSpPr>
+          <p:nvPr>
+            <p:ph type="sldNum" sz="quarter" idx="12"/>
+          </p:nvPr>
+        </p:nvSpPr>
+        <p:spPr/>
+        <p:txBody>
+          <a:bodyPr/>
+          <a:lstStyle/>
+          <a:p>
+            <a:fld id="{E4D7E63D-91F2-4366-A2C4-1B00C9E2590E}" type="slidenum">
+              <a:rPr lang="zh-TW" altLang="en-US" smtClean="0"/>
+              <a:pPr/>
+              <a:t>7</a:t>
+            </a:fld>
+            <a:endParaRPr lang="zh-TW" altLang="en-US"/>
+          </a:p>
+        </p:txBody>
+      </p:sp>
+    </p:spTree>
+    <p:extLst>
+      <p:ext uri="{BB962C8B-B14F-4D97-AF65-F5344CB8AC3E}">
+        <p14:creationId xmlns:p14="http://schemas.microsoft.com/office/powerpoint/2010/main" val="2172485369"/>
+      </p:ext>
+    </p:extLst>
+  </p:cSld>
+  <p:clrMapOvr>
+    <a:masterClrMapping/>
+  </p:clrMapOvr>
+</p:sld>
+</file>
+
+<file path=ppt/slides/slide8.xml><?xml version="1.0" encoding="utf-8"?>
+<p:sld xmlns:a="http://schemas.openxmlformats.org/drawingml/2006/main" xmlns:r="http://schemas.openxmlformats.org/officeDocument/2006/relationships" xmlns:p="http://schemas.openxmlformats.org/presentationml/2006/main">
+  <p:cSld>
+    <p:spTree>
+      <p:nvGrpSpPr>
+        <p:cNvPr id="1" name=""/>
+        <p:cNvGrpSpPr/>
+        <p:nvPr/>
+      </p:nvGrpSpPr>
+      <p:grpSpPr>
+        <a:xfrm>
+          <a:off x="0" y="0"/>
+          <a:ext cx="0" cy="0"/>
+          <a:chOff x="0" y="0"/>
+          <a:chExt cx="0" cy="0"/>
+        </a:xfrm>
+      </p:grpSpPr>
+      <p:sp>
+        <p:nvSpPr>
+          <p:cNvPr id="2" name="標題 1"/>
+          <p:cNvSpPr>
+            <a:spLocks noGrp="1"/>
+          </p:cNvSpPr>
+          <p:nvPr>
+            <p:ph type="ctrTitle"/>
+          </p:nvPr>
+        </p:nvSpPr>
+        <p:spPr>
+          <a:xfrm>
+            <a:off x="0" y="1"/>
+            <a:ext cx="9144000" cy="764704"/>
+          </a:xfrm>
+          <a:gradFill flip="none" rotWithShape="1">
+            <a:gsLst>
+              <a:gs pos="0">
+                <a:srgbClr val="C00000">
+                  <a:shade val="30000"/>
+                  <a:satMod val="115000"/>
+                </a:srgbClr>
+              </a:gs>
+              <a:gs pos="50000">
+                <a:srgbClr val="C00000">
+                  <a:shade val="67500"/>
+                  <a:satMod val="115000"/>
+                </a:srgbClr>
+              </a:gs>
+              <a:gs pos="100000">
+                <a:srgbClr val="C00000">
+                  <a:shade val="100000"/>
+                  <a:satMod val="115000"/>
+                </a:srgbClr>
+              </a:gs>
+            </a:gsLst>
+            <a:path path="circle">
+              <a:fillToRect t="100000" r="100000"/>
+            </a:path>
+            <a:tileRect l="-100000" b="-100000"/>
+          </a:gradFill>
+        </p:spPr>
+        <p:txBody>
+          <a:bodyPr>
+            <a:normAutofit/>
+          </a:bodyPr>
+          <a:lstStyle/>
+          <a:p>
+            <a:pPr algn="l"/>
+            <a:r>
+              <a:rPr lang="en-US" altLang="zh-TW" b="1" dirty="0">
+                <a:solidFill>
+                  <a:srgbClr val="FFFF00"/>
+                </a:solidFill>
+              </a:rPr>
+              <a:t>2 Get Started with </a:t>
+            </a:r>
+            <a:r>
+              <a:rPr lang="en-US" altLang="zh-TW" b="1" dirty="0" err="1">
+                <a:solidFill>
+                  <a:srgbClr val="FFFF00"/>
+                </a:solidFill>
+              </a:rPr>
+              <a:t>Tensorflow</a:t>
+            </a:r>
+            <a:endParaRPr lang="zh-TW" altLang="en-US" b="1" dirty="0">
+              <a:solidFill>
+                <a:srgbClr val="FFFF00"/>
+              </a:solidFill>
+            </a:endParaRPr>
+          </a:p>
+        </p:txBody>
+      </p:sp>
+      <p:sp>
+        <p:nvSpPr>
+          <p:cNvPr id="3" name="副標題 2"/>
+          <p:cNvSpPr>
+            <a:spLocks noGrp="1"/>
+          </p:cNvSpPr>
+          <p:nvPr>
+            <p:ph type="subTitle" idx="1"/>
+          </p:nvPr>
+        </p:nvSpPr>
+        <p:spPr>
+          <a:xfrm>
+            <a:off x="467544" y="1268759"/>
+            <a:ext cx="8352928" cy="1025415"/>
+          </a:xfrm>
+          <a:ln>
+            <a:solidFill>
+              <a:srgbClr val="C00000"/>
+            </a:solidFill>
+          </a:ln>
+        </p:spPr>
+        <p:txBody>
+          <a:bodyPr>
+            <a:noAutofit/>
+          </a:bodyPr>
+          <a:lstStyle/>
+          <a:p>
+            <a:pPr marL="342900" indent="-342900" algn="l">
+              <a:buClr>
+                <a:srgbClr val="0070C0"/>
+              </a:buClr>
+              <a:buSzPct val="80000"/>
+              <a:buFont typeface="Wingdings" pitchFamily="2" charset="2"/>
+              <a:buChar char="u"/>
+            </a:pPr>
+            <a:r>
+              <a:rPr lang="en-US" sz="1800" b="1" dirty="0">
+                <a:solidFill>
+                  <a:schemeClr val="tx1"/>
+                </a:solidFill>
+              </a:rPr>
+              <a:t>Install </a:t>
+            </a:r>
+            <a:r>
+              <a:rPr lang="en-US" sz="1800" b="1" dirty="0" err="1">
+                <a:solidFill>
+                  <a:schemeClr val="tx1"/>
+                </a:solidFill>
+              </a:rPr>
+              <a:t>Tensorflow</a:t>
+            </a:r>
+            <a:endParaRPr lang="en-US" sz="1800" dirty="0">
+              <a:hlinkClick r:id="rId2"/>
+            </a:endParaRPr>
+          </a:p>
+          <a:p>
+            <a:pPr marL="342900" indent="-342900" algn="l">
+              <a:buClr>
+                <a:srgbClr val="0070C0"/>
+              </a:buClr>
+              <a:buSzPct val="80000"/>
+              <a:buFont typeface="Wingdings" pitchFamily="2" charset="2"/>
+              <a:buChar char="u"/>
+            </a:pPr>
+            <a:r>
+              <a:rPr lang="en-US" sz="1800" dirty="0">
+                <a:hlinkClick r:id="rId2"/>
+              </a:rPr>
+              <a:t>https://www.tutorialspoint.com/tensorflow/tensorflow_installation.htm</a:t>
+            </a:r>
+            <a:endParaRPr lang="en-US" sz="1800" b="1" dirty="0">
+              <a:solidFill>
+                <a:schemeClr val="tx1"/>
+              </a:solidFill>
+            </a:endParaRPr>
+          </a:p>
+          <a:p>
+            <a:pPr marL="342900" indent="-342900" algn="l">
+              <a:buClr>
+                <a:srgbClr val="0070C0"/>
+              </a:buClr>
+              <a:buSzPct val="80000"/>
+              <a:buFont typeface="Wingdings" pitchFamily="2" charset="2"/>
+              <a:buChar char="u"/>
+            </a:pPr>
+            <a:r>
+              <a:rPr lang="en-US" sz="1800" dirty="0">
+                <a:solidFill>
+                  <a:schemeClr val="tx1"/>
+                </a:solidFill>
+              </a:rPr>
+              <a:t>&gt; </a:t>
+            </a:r>
+            <a:r>
+              <a:rPr lang="en-US" sz="1800" dirty="0" err="1">
+                <a:solidFill>
+                  <a:schemeClr val="tx1"/>
+                </a:solidFill>
+              </a:rPr>
+              <a:t>pyhton</a:t>
+            </a:r>
+            <a:r>
+              <a:rPr lang="en-US" sz="1800" dirty="0">
+                <a:solidFill>
+                  <a:schemeClr val="tx1"/>
+                </a:solidFill>
+              </a:rPr>
+              <a:t> 05_simple_sequential_model.py</a:t>
+            </a:r>
+          </a:p>
+        </p:txBody>
+      </p:sp>
+      <p:sp>
+        <p:nvSpPr>
+          <p:cNvPr id="4" name="標題 1"/>
+          <p:cNvSpPr txBox="1">
+            <a:spLocks/>
+          </p:cNvSpPr>
+          <p:nvPr/>
+        </p:nvSpPr>
+        <p:spPr>
+          <a:xfrm>
+            <a:off x="0" y="764704"/>
+            <a:ext cx="9144000" cy="360040"/>
+          </a:xfrm>
+          <a:prstGeom prst="rect">
+            <a:avLst/>
+          </a:prstGeom>
+          <a:gradFill flip="none" rotWithShape="1">
+            <a:gsLst>
+              <a:gs pos="0">
+                <a:srgbClr val="00B0F0">
+                  <a:shade val="30000"/>
+                  <a:satMod val="115000"/>
+                </a:srgbClr>
+              </a:gs>
+              <a:gs pos="50000">
+                <a:srgbClr val="00B0F0">
+                  <a:shade val="67500"/>
+                  <a:satMod val="115000"/>
+                </a:srgbClr>
+              </a:gs>
+              <a:gs pos="100000">
+                <a:srgbClr val="00B0F0">
+                  <a:shade val="100000"/>
+                  <a:satMod val="115000"/>
+                </a:srgbClr>
+              </a:gs>
+            </a:gsLst>
+            <a:path path="circle">
+              <a:fillToRect t="100000" r="100000"/>
+            </a:path>
+            <a:tileRect l="-100000" b="-100000"/>
+          </a:gradFill>
+        </p:spPr>
+        <p:txBody>
+          <a:bodyPr vert="horz" lIns="91440" tIns="45720" rIns="91440" bIns="45720" rtlCol="0" anchor="ctr">
+            <a:normAutofit/>
+          </a:bodyPr>
+          <a:lstStyle/>
+          <a:p>
+            <a:pPr lvl="0">
+              <a:spcBef>
+                <a:spcPct val="0"/>
+              </a:spcBef>
+            </a:pPr>
+            <a:r>
+              <a:rPr lang="en-US" sz="1600" dirty="0">
+                <a:hlinkClick r:id="rId3"/>
+              </a:rPr>
+              <a:t>https://www.youtube.com/watch?v=GCFmqet--Lc&amp;list=PLZbbT5o_s2xrwRnXk_yCPtnqqo4_u2YGL&amp;index=2</a:t>
+            </a:r>
+            <a:endParaRPr kumimoji="0" lang="zh-TW" altLang="en-US" sz="1600" b="0" i="0" u="none" strike="noStrike" kern="1200" cap="none" spc="0" normalizeH="0" baseline="0" noProof="0" dirty="0">
+              <a:ln>
+                <a:noFill/>
+              </a:ln>
+              <a:solidFill>
+                <a:schemeClr val="tx1"/>
+              </a:solidFill>
+              <a:effectLst/>
+              <a:uLnTx/>
+              <a:uFillTx/>
+              <a:latin typeface="+mj-lt"/>
+              <a:ea typeface="+mj-ea"/>
+              <a:cs typeface="+mj-cs"/>
+            </a:endParaRPr>
+          </a:p>
+        </p:txBody>
+      </p:sp>
+      <p:sp>
+        <p:nvSpPr>
+          <p:cNvPr id="5" name="日期版面配置區 4"/>
+          <p:cNvSpPr>
+            <a:spLocks noGrp="1"/>
+          </p:cNvSpPr>
+          <p:nvPr>
+            <p:ph type="dt" sz="half" idx="10"/>
+          </p:nvPr>
+        </p:nvSpPr>
+        <p:spPr/>
+        <p:txBody>
+          <a:bodyPr/>
+          <a:lstStyle/>
+          <a:p>
+            <a:fld id="{A4F910E6-8D00-4BAF-8C48-9688E0B449D3}" type="datetime1">
+              <a:rPr lang="zh-TW" altLang="en-US" smtClean="0"/>
+              <a:pPr/>
+              <a:t>2020/6/6</a:t>
+            </a:fld>
+            <a:endParaRPr lang="zh-TW" altLang="en-US"/>
+          </a:p>
+        </p:txBody>
+      </p:sp>
+      <p:sp>
+        <p:nvSpPr>
+          <p:cNvPr id="6" name="投影片編號版面配置區 5"/>
+          <p:cNvSpPr>
+            <a:spLocks noGrp="1"/>
+          </p:cNvSpPr>
+          <p:nvPr>
+            <p:ph type="sldNum" sz="quarter" idx="12"/>
+          </p:nvPr>
+        </p:nvSpPr>
+        <p:spPr/>
+        <p:txBody>
+          <a:bodyPr/>
+          <a:lstStyle/>
+          <a:p>
+            <a:fld id="{E4D7E63D-91F2-4366-A2C4-1B00C9E2590E}" type="slidenum">
+              <a:rPr lang="zh-TW" altLang="en-US" smtClean="0"/>
+              <a:pPr/>
+              <a:t>8</a:t>
             </a:fld>
             <a:endParaRPr lang="zh-TW" altLang="en-US"/>
           </a:p>
@@ -7655,7 +12214,7 @@
 </p:sld>
 </file>
 
-<file path=ppt/slides/slide5.xml><?xml version="1.0" encoding="utf-8"?>
+<file path=ppt/slides/slide9.xml><?xml version="1.0" encoding="utf-8"?>
 <p:sld xmlns:a="http://schemas.openxmlformats.org/drawingml/2006/main" xmlns:r="http://schemas.openxmlformats.org/officeDocument/2006/relationships" xmlns:p="http://schemas.openxmlformats.org/presentationml/2006/main">
   <p:cSld>
     <p:spTree>
@@ -7983,7 +12542,7 @@
             <a:fld id="{E4D7E63D-91F2-4366-A2C4-1B00C9E2590E}" type="slidenum">
               <a:rPr lang="zh-TW" altLang="en-US" smtClean="0"/>
               <a:pPr/>
-              <a:t>5</a:t>
+              <a:t>9</a:t>
             </a:fld>
             <a:endParaRPr lang="zh-TW" altLang="en-US"/>
           </a:p>
@@ -8045,2880 +12604,6 @@
     <p:extLst>
       <p:ext uri="{BB962C8B-B14F-4D97-AF65-F5344CB8AC3E}">
         <p14:creationId xmlns:p14="http://schemas.microsoft.com/office/powerpoint/2010/main" val="4141981204"/>
-      </p:ext>
-    </p:extLst>
-  </p:cSld>
-  <p:clrMapOvr>
-    <a:masterClrMapping/>
-  </p:clrMapOvr>
-</p:sld>
-</file>
-
-<file path=ppt/slides/slide6.xml><?xml version="1.0" encoding="utf-8"?>
-<p:sld xmlns:a="http://schemas.openxmlformats.org/drawingml/2006/main" xmlns:r="http://schemas.openxmlformats.org/officeDocument/2006/relationships" xmlns:p="http://schemas.openxmlformats.org/presentationml/2006/main">
-  <p:cSld>
-    <p:spTree>
-      <p:nvGrpSpPr>
-        <p:cNvPr id="1" name=""/>
-        <p:cNvGrpSpPr/>
-        <p:nvPr/>
-      </p:nvGrpSpPr>
-      <p:grpSpPr>
-        <a:xfrm>
-          <a:off x="0" y="0"/>
-          <a:ext cx="0" cy="0"/>
-          <a:chOff x="0" y="0"/>
-          <a:chExt cx="0" cy="0"/>
-        </a:xfrm>
-      </p:grpSpPr>
-      <p:sp>
-        <p:nvSpPr>
-          <p:cNvPr id="2" name="標題 1"/>
-          <p:cNvSpPr>
-            <a:spLocks noGrp="1"/>
-          </p:cNvSpPr>
-          <p:nvPr>
-            <p:ph type="ctrTitle"/>
-          </p:nvPr>
-        </p:nvSpPr>
-        <p:spPr>
-          <a:xfrm>
-            <a:off x="0" y="1"/>
-            <a:ext cx="9144000" cy="764704"/>
-          </a:xfrm>
-          <a:gradFill flip="none" rotWithShape="1">
-            <a:gsLst>
-              <a:gs pos="0">
-                <a:srgbClr val="C00000">
-                  <a:shade val="30000"/>
-                  <a:satMod val="115000"/>
-                </a:srgbClr>
-              </a:gs>
-              <a:gs pos="50000">
-                <a:srgbClr val="C00000">
-                  <a:shade val="67500"/>
-                  <a:satMod val="115000"/>
-                </a:srgbClr>
-              </a:gs>
-              <a:gs pos="100000">
-                <a:srgbClr val="C00000">
-                  <a:shade val="100000"/>
-                  <a:satMod val="115000"/>
-                </a:srgbClr>
-              </a:gs>
-            </a:gsLst>
-            <a:path path="circle">
-              <a:fillToRect t="100000" r="100000"/>
-            </a:path>
-            <a:tileRect l="-100000" b="-100000"/>
-          </a:gradFill>
-        </p:spPr>
-        <p:txBody>
-          <a:bodyPr>
-            <a:normAutofit/>
-          </a:bodyPr>
-          <a:lstStyle/>
-          <a:p>
-            <a:pPr algn="l"/>
-            <a:r>
-              <a:rPr lang="en-US" altLang="zh-TW" b="1" dirty="0">
-                <a:solidFill>
-                  <a:srgbClr val="FFFF00"/>
-                </a:solidFill>
-              </a:rPr>
-              <a:t>1 Deep Learning</a:t>
-            </a:r>
-            <a:endParaRPr lang="zh-TW" altLang="en-US" b="1" dirty="0">
-              <a:solidFill>
-                <a:srgbClr val="FFFF00"/>
-              </a:solidFill>
-            </a:endParaRPr>
-          </a:p>
-        </p:txBody>
-      </p:sp>
-      <p:sp>
-        <p:nvSpPr>
-          <p:cNvPr id="3" name="副標題 2"/>
-          <p:cNvSpPr>
-            <a:spLocks noGrp="1"/>
-          </p:cNvSpPr>
-          <p:nvPr>
-            <p:ph type="subTitle" idx="1"/>
-          </p:nvPr>
-        </p:nvSpPr>
-        <p:spPr>
-          <a:xfrm>
-            <a:off x="515866" y="1687265"/>
-            <a:ext cx="3902150" cy="3397919"/>
-          </a:xfrm>
-          <a:ln>
-            <a:solidFill>
-              <a:srgbClr val="C00000"/>
-            </a:solidFill>
-          </a:ln>
-        </p:spPr>
-        <p:txBody>
-          <a:bodyPr>
-            <a:noAutofit/>
-          </a:bodyPr>
-          <a:lstStyle/>
-          <a:p>
-            <a:pPr marL="342900" indent="-342900" algn="l">
-              <a:buClr>
-                <a:srgbClr val="0070C0"/>
-              </a:buClr>
-              <a:buSzPct val="80000"/>
-              <a:buFont typeface="Wingdings" pitchFamily="2" charset="2"/>
-              <a:buChar char="u"/>
-            </a:pPr>
-            <a:r>
-              <a:rPr lang="en-US" sz="1200" cap="all" dirty="0">
-                <a:solidFill>
-                  <a:schemeClr val="tx1"/>
-                </a:solidFill>
-              </a:rPr>
-              <a:t>PART 1: INTRO TO DEEP LEARNING</a:t>
-            </a:r>
-          </a:p>
-          <a:p>
-            <a:pPr marL="800100" lvl="1" indent="-342900" algn="l">
-              <a:buClr>
-                <a:srgbClr val="0070C0"/>
-              </a:buClr>
-              <a:buSzPct val="80000"/>
-              <a:buFont typeface="Wingdings" pitchFamily="2" charset="2"/>
-              <a:buChar char="u"/>
-            </a:pPr>
-            <a:r>
-              <a:rPr lang="en-US" sz="1200" dirty="0">
-                <a:solidFill>
-                  <a:schemeClr val="tx1"/>
-                </a:solidFill>
-              </a:rPr>
-              <a:t>Section 1: Artificial neural network basics</a:t>
-            </a:r>
-          </a:p>
-          <a:p>
-            <a:pPr marL="1257300" lvl="2" indent="-342900" algn="l">
-              <a:buClr>
-                <a:srgbClr val="0070C0"/>
-              </a:buClr>
-              <a:buSzPct val="80000"/>
-              <a:buFont typeface="Wingdings" pitchFamily="2" charset="2"/>
-              <a:buChar char="u"/>
-            </a:pPr>
-            <a:r>
-              <a:rPr lang="en-US" sz="1200" dirty="0">
-                <a:solidFill>
-                  <a:schemeClr val="tx1"/>
-                </a:solidFill>
-              </a:rPr>
-              <a:t>Intro to machine learning</a:t>
-            </a:r>
-          </a:p>
-          <a:p>
-            <a:pPr marL="1257300" lvl="2" indent="-342900" algn="l">
-              <a:buClr>
-                <a:srgbClr val="0070C0"/>
-              </a:buClr>
-              <a:buSzPct val="80000"/>
-              <a:buFont typeface="Wingdings" pitchFamily="2" charset="2"/>
-              <a:buChar char="u"/>
-            </a:pPr>
-            <a:r>
-              <a:rPr lang="en-US" sz="1200" dirty="0">
-                <a:solidFill>
-                  <a:schemeClr val="tx1"/>
-                </a:solidFill>
-              </a:rPr>
-              <a:t>Intro to deep Learning</a:t>
-            </a:r>
-          </a:p>
-          <a:p>
-            <a:pPr marL="1257300" lvl="2" indent="-342900" algn="l">
-              <a:buClr>
-                <a:srgbClr val="0070C0"/>
-              </a:buClr>
-              <a:buSzPct val="80000"/>
-              <a:buFont typeface="Wingdings" pitchFamily="2" charset="2"/>
-              <a:buChar char="u"/>
-            </a:pPr>
-            <a:r>
-              <a:rPr lang="en-US" sz="1200" dirty="0">
-                <a:solidFill>
-                  <a:schemeClr val="tx1"/>
-                </a:solidFill>
-              </a:rPr>
-              <a:t>Neural network architecture</a:t>
-            </a:r>
-          </a:p>
-          <a:p>
-            <a:pPr marL="1257300" lvl="2" indent="-342900" algn="l">
-              <a:buClr>
-                <a:srgbClr val="0070C0"/>
-              </a:buClr>
-              <a:buSzPct val="80000"/>
-              <a:buFont typeface="Wingdings" pitchFamily="2" charset="2"/>
-              <a:buChar char="u"/>
-            </a:pPr>
-            <a:r>
-              <a:rPr lang="en-US" sz="1200" dirty="0">
-                <a:solidFill>
-                  <a:schemeClr val="tx1"/>
-                </a:solidFill>
-              </a:rPr>
-              <a:t>Training neural networks</a:t>
-            </a:r>
-          </a:p>
-          <a:p>
-            <a:pPr marL="1257300" lvl="2" indent="-342900" algn="l">
-              <a:buClr>
-                <a:srgbClr val="0070C0"/>
-              </a:buClr>
-              <a:buSzPct val="80000"/>
-              <a:buFont typeface="Wingdings" pitchFamily="2" charset="2"/>
-              <a:buChar char="u"/>
-            </a:pPr>
-            <a:r>
-              <a:rPr lang="en-US" sz="1200" dirty="0">
-                <a:solidFill>
-                  <a:schemeClr val="tx1"/>
-                </a:solidFill>
-              </a:rPr>
-              <a:t>Loss and learning rate</a:t>
-            </a:r>
-          </a:p>
-          <a:p>
-            <a:pPr marL="800100" lvl="1" indent="-342900" algn="l">
-              <a:buClr>
-                <a:srgbClr val="0070C0"/>
-              </a:buClr>
-              <a:buSzPct val="80000"/>
-              <a:buFont typeface="Wingdings" pitchFamily="2" charset="2"/>
-              <a:buChar char="u"/>
-            </a:pPr>
-            <a:r>
-              <a:rPr lang="en-US" sz="1200" dirty="0">
-                <a:solidFill>
-                  <a:schemeClr val="tx1"/>
-                </a:solidFill>
-              </a:rPr>
-              <a:t>Section 2: Data topics for deep learning</a:t>
-            </a:r>
-          </a:p>
-          <a:p>
-            <a:pPr marL="1257300" lvl="2" indent="-342900" algn="l">
-              <a:buClr>
-                <a:srgbClr val="0070C0"/>
-              </a:buClr>
-              <a:buSzPct val="80000"/>
-              <a:buFont typeface="Wingdings" pitchFamily="2" charset="2"/>
-              <a:buChar char="u"/>
-            </a:pPr>
-            <a:r>
-              <a:rPr lang="en-US" sz="1200" dirty="0">
-                <a:solidFill>
-                  <a:schemeClr val="tx1"/>
-                </a:solidFill>
-              </a:rPr>
-              <a:t>Data sets for deep learning</a:t>
-            </a:r>
-          </a:p>
-          <a:p>
-            <a:pPr marL="1257300" lvl="2" indent="-342900" algn="l">
-              <a:buClr>
-                <a:srgbClr val="0070C0"/>
-              </a:buClr>
-              <a:buSzPct val="80000"/>
-              <a:buFont typeface="Wingdings" pitchFamily="2" charset="2"/>
-              <a:buChar char="u"/>
-            </a:pPr>
-            <a:r>
-              <a:rPr lang="en-US" sz="1200" dirty="0">
-                <a:solidFill>
-                  <a:schemeClr val="tx1"/>
-                </a:solidFill>
-              </a:rPr>
-              <a:t>Predicting with neural networks</a:t>
-            </a:r>
-          </a:p>
-          <a:p>
-            <a:pPr marL="1257300" lvl="2" indent="-342900" algn="l">
-              <a:buClr>
-                <a:srgbClr val="0070C0"/>
-              </a:buClr>
-              <a:buSzPct val="80000"/>
-              <a:buFont typeface="Wingdings" pitchFamily="2" charset="2"/>
-              <a:buChar char="u"/>
-            </a:pPr>
-            <a:r>
-              <a:rPr lang="en-US" sz="1200" dirty="0">
-                <a:solidFill>
-                  <a:schemeClr val="tx1"/>
-                </a:solidFill>
-              </a:rPr>
-              <a:t>Over and under fitting data</a:t>
-            </a:r>
-          </a:p>
-          <a:p>
-            <a:pPr marL="1257300" lvl="2" indent="-342900" algn="l">
-              <a:buClr>
-                <a:srgbClr val="0070C0"/>
-              </a:buClr>
-              <a:buSzPct val="80000"/>
-              <a:buFont typeface="Wingdings" pitchFamily="2" charset="2"/>
-              <a:buChar char="u"/>
-            </a:pPr>
-            <a:r>
-              <a:rPr lang="en-US" sz="1200" dirty="0">
-                <a:solidFill>
-                  <a:schemeClr val="tx1"/>
-                </a:solidFill>
-              </a:rPr>
-              <a:t>Supervised, unsupervised, and semi-supervised learning</a:t>
-            </a:r>
-          </a:p>
-          <a:p>
-            <a:pPr marL="1257300" lvl="2" indent="-342900" algn="l">
-              <a:buClr>
-                <a:srgbClr val="0070C0"/>
-              </a:buClr>
-              <a:buSzPct val="80000"/>
-              <a:buFont typeface="Wingdings" pitchFamily="2" charset="2"/>
-              <a:buChar char="u"/>
-            </a:pPr>
-            <a:r>
-              <a:rPr lang="en-US" sz="1200" dirty="0">
-                <a:solidFill>
-                  <a:schemeClr val="tx1"/>
-                </a:solidFill>
-              </a:rPr>
-              <a:t>Data augmentation</a:t>
-            </a:r>
-          </a:p>
-          <a:p>
-            <a:pPr marL="1257300" lvl="2" indent="-342900" algn="l">
-              <a:buClr>
-                <a:srgbClr val="0070C0"/>
-              </a:buClr>
-              <a:buSzPct val="80000"/>
-              <a:buFont typeface="Wingdings" pitchFamily="2" charset="2"/>
-              <a:buChar char="u"/>
-            </a:pPr>
-            <a:r>
-              <a:rPr lang="en-US" sz="1200" dirty="0">
-                <a:solidFill>
-                  <a:schemeClr val="tx1"/>
-                </a:solidFill>
-              </a:rPr>
-              <a:t>One-hot encoding</a:t>
-            </a:r>
-          </a:p>
-        </p:txBody>
-      </p:sp>
-      <p:sp>
-        <p:nvSpPr>
-          <p:cNvPr id="4" name="標題 1"/>
-          <p:cNvSpPr txBox="1">
-            <a:spLocks/>
-          </p:cNvSpPr>
-          <p:nvPr/>
-        </p:nvSpPr>
-        <p:spPr>
-          <a:xfrm>
-            <a:off x="0" y="764704"/>
-            <a:ext cx="9144000" cy="360040"/>
-          </a:xfrm>
-          <a:prstGeom prst="rect">
-            <a:avLst/>
-          </a:prstGeom>
-          <a:gradFill flip="none" rotWithShape="1">
-            <a:gsLst>
-              <a:gs pos="0">
-                <a:srgbClr val="00B0F0">
-                  <a:shade val="30000"/>
-                  <a:satMod val="115000"/>
-                </a:srgbClr>
-              </a:gs>
-              <a:gs pos="50000">
-                <a:srgbClr val="00B0F0">
-                  <a:shade val="67500"/>
-                  <a:satMod val="115000"/>
-                </a:srgbClr>
-              </a:gs>
-              <a:gs pos="100000">
-                <a:srgbClr val="00B0F0">
-                  <a:shade val="100000"/>
-                  <a:satMod val="115000"/>
-                </a:srgbClr>
-              </a:gs>
-            </a:gsLst>
-            <a:path path="circle">
-              <a:fillToRect t="100000" r="100000"/>
-            </a:path>
-            <a:tileRect l="-100000" b="-100000"/>
-          </a:gradFill>
-        </p:spPr>
-        <p:txBody>
-          <a:bodyPr vert="horz" lIns="91440" tIns="45720" rIns="91440" bIns="45720" rtlCol="0" anchor="ctr">
-            <a:normAutofit/>
-          </a:bodyPr>
-          <a:lstStyle/>
-          <a:p>
-            <a:pPr lvl="0">
-              <a:spcBef>
-                <a:spcPct val="0"/>
-              </a:spcBef>
-            </a:pPr>
-            <a:r>
-              <a:rPr lang="en-US" sz="1600" dirty="0">
-                <a:hlinkClick r:id="rId2"/>
-              </a:rPr>
-              <a:t>https://www.youtube.com/watch?v=gZmobeGL0Yg&amp;list=PLZbbT5o_s2xq7LwI2y8_QtvuXZedL6tQU</a:t>
-            </a:r>
-            <a:endParaRPr kumimoji="0" lang="zh-TW" altLang="en-US" sz="1600" b="0" i="0" u="none" strike="noStrike" kern="1200" cap="none" spc="0" normalizeH="0" baseline="0" noProof="0" dirty="0">
-              <a:ln>
-                <a:noFill/>
-              </a:ln>
-              <a:solidFill>
-                <a:schemeClr val="tx1"/>
-              </a:solidFill>
-              <a:effectLst/>
-              <a:uLnTx/>
-              <a:uFillTx/>
-              <a:latin typeface="+mj-lt"/>
-              <a:ea typeface="+mj-ea"/>
-              <a:cs typeface="+mj-cs"/>
-            </a:endParaRPr>
-          </a:p>
-        </p:txBody>
-      </p:sp>
-      <p:sp>
-        <p:nvSpPr>
-          <p:cNvPr id="5" name="日期版面配置區 4"/>
-          <p:cNvSpPr>
-            <a:spLocks noGrp="1"/>
-          </p:cNvSpPr>
-          <p:nvPr>
-            <p:ph type="dt" sz="half" idx="10"/>
-          </p:nvPr>
-        </p:nvSpPr>
-        <p:spPr/>
-        <p:txBody>
-          <a:bodyPr/>
-          <a:lstStyle/>
-          <a:p>
-            <a:fld id="{A4F910E6-8D00-4BAF-8C48-9688E0B449D3}" type="datetime1">
-              <a:rPr lang="zh-TW" altLang="en-US" smtClean="0"/>
-              <a:pPr/>
-              <a:t>2020/6/6</a:t>
-            </a:fld>
-            <a:endParaRPr lang="zh-TW" altLang="en-US"/>
-          </a:p>
-        </p:txBody>
-      </p:sp>
-      <p:sp>
-        <p:nvSpPr>
-          <p:cNvPr id="6" name="投影片編號版面配置區 5"/>
-          <p:cNvSpPr>
-            <a:spLocks noGrp="1"/>
-          </p:cNvSpPr>
-          <p:nvPr>
-            <p:ph type="sldNum" sz="quarter" idx="12"/>
-          </p:nvPr>
-        </p:nvSpPr>
-        <p:spPr/>
-        <p:txBody>
-          <a:bodyPr/>
-          <a:lstStyle/>
-          <a:p>
-            <a:fld id="{E4D7E63D-91F2-4366-A2C4-1B00C9E2590E}" type="slidenum">
-              <a:rPr lang="zh-TW" altLang="en-US" smtClean="0"/>
-              <a:pPr/>
-              <a:t>6</a:t>
-            </a:fld>
-            <a:endParaRPr lang="zh-TW" altLang="en-US"/>
-          </a:p>
-        </p:txBody>
-      </p:sp>
-      <p:sp>
-        <p:nvSpPr>
-          <p:cNvPr id="9" name="副標題 2">
-            <a:extLst>
-              <a:ext uri="{FF2B5EF4-FFF2-40B4-BE49-F238E27FC236}">
-                <a16:creationId xmlns:a16="http://schemas.microsoft.com/office/drawing/2014/main" id="{E78A9A09-DA56-4A14-8EAC-26060D0FF2E3}"/>
-              </a:ext>
-            </a:extLst>
-          </p:cNvPr>
-          <p:cNvSpPr txBox="1">
-            <a:spLocks/>
-          </p:cNvSpPr>
-          <p:nvPr/>
-        </p:nvSpPr>
-        <p:spPr>
-          <a:xfrm>
-            <a:off x="4572000" y="1718247"/>
-            <a:ext cx="4114800" cy="4045991"/>
-          </a:xfrm>
-          <a:prstGeom prst="rect">
-            <a:avLst/>
-          </a:prstGeom>
-          <a:ln>
-            <a:solidFill>
-              <a:srgbClr val="C00000"/>
-            </a:solidFill>
-          </a:ln>
-        </p:spPr>
-        <p:txBody>
-          <a:bodyPr vert="horz" lIns="91440" tIns="45720" rIns="91440" bIns="45720" rtlCol="0">
-            <a:noAutofit/>
-          </a:bodyPr>
-          <a:lstStyle>
-            <a:lvl1pPr marL="0" indent="0" algn="ctr" defTabSz="914400" rtl="0" eaLnBrk="1" latinLnBrk="0" hangingPunct="1">
-              <a:spcBef>
-                <a:spcPct val="20000"/>
-              </a:spcBef>
-              <a:buFont typeface="Arial" pitchFamily="34" charset="0"/>
-              <a:buNone/>
-              <a:defRPr sz="3200" kern="1200">
-                <a:solidFill>
-                  <a:schemeClr val="tx1">
-                    <a:tint val="75000"/>
-                  </a:schemeClr>
-                </a:solidFill>
-                <a:latin typeface="+mn-lt"/>
-                <a:ea typeface="+mn-ea"/>
-                <a:cs typeface="+mn-cs"/>
-              </a:defRPr>
-            </a:lvl1pPr>
-            <a:lvl2pPr marL="457200" indent="0" algn="ctr" defTabSz="914400" rtl="0" eaLnBrk="1" latinLnBrk="0" hangingPunct="1">
-              <a:spcBef>
-                <a:spcPct val="20000"/>
-              </a:spcBef>
-              <a:buFont typeface="Arial" pitchFamily="34" charset="0"/>
-              <a:buNone/>
-              <a:defRPr sz="2800" kern="1200">
-                <a:solidFill>
-                  <a:schemeClr val="tx1">
-                    <a:tint val="75000"/>
-                  </a:schemeClr>
-                </a:solidFill>
-                <a:latin typeface="+mn-lt"/>
-                <a:ea typeface="+mn-ea"/>
-                <a:cs typeface="+mn-cs"/>
-              </a:defRPr>
-            </a:lvl2pPr>
-            <a:lvl3pPr marL="914400" indent="0" algn="ctr" defTabSz="914400" rtl="0" eaLnBrk="1" latinLnBrk="0" hangingPunct="1">
-              <a:spcBef>
-                <a:spcPct val="20000"/>
-              </a:spcBef>
-              <a:buFont typeface="Arial" pitchFamily="34" charset="0"/>
-              <a:buNone/>
-              <a:defRPr sz="2400" kern="1200">
-                <a:solidFill>
-                  <a:schemeClr val="tx1">
-                    <a:tint val="75000"/>
-                  </a:schemeClr>
-                </a:solidFill>
-                <a:latin typeface="+mn-lt"/>
-                <a:ea typeface="+mn-ea"/>
-                <a:cs typeface="+mn-cs"/>
-              </a:defRPr>
-            </a:lvl3pPr>
-            <a:lvl4pPr marL="1371600" indent="0" algn="ctr" defTabSz="914400" rtl="0" eaLnBrk="1" latinLnBrk="0" hangingPunct="1">
-              <a:spcBef>
-                <a:spcPct val="20000"/>
-              </a:spcBef>
-              <a:buFont typeface="Arial" pitchFamily="34" charset="0"/>
-              <a:buNone/>
-              <a:defRPr sz="2000" kern="1200">
-                <a:solidFill>
-                  <a:schemeClr val="tx1">
-                    <a:tint val="75000"/>
-                  </a:schemeClr>
-                </a:solidFill>
-                <a:latin typeface="+mn-lt"/>
-                <a:ea typeface="+mn-ea"/>
-                <a:cs typeface="+mn-cs"/>
-              </a:defRPr>
-            </a:lvl4pPr>
-            <a:lvl5pPr marL="1828800" indent="0" algn="ctr" defTabSz="914400" rtl="0" eaLnBrk="1" latinLnBrk="0" hangingPunct="1">
-              <a:spcBef>
-                <a:spcPct val="20000"/>
-              </a:spcBef>
-              <a:buFont typeface="Arial" pitchFamily="34" charset="0"/>
-              <a:buNone/>
-              <a:defRPr sz="2000" kern="1200">
-                <a:solidFill>
-                  <a:schemeClr val="tx1">
-                    <a:tint val="75000"/>
-                  </a:schemeClr>
-                </a:solidFill>
-                <a:latin typeface="+mn-lt"/>
-                <a:ea typeface="+mn-ea"/>
-                <a:cs typeface="+mn-cs"/>
-              </a:defRPr>
-            </a:lvl5pPr>
-            <a:lvl6pPr marL="2286000" indent="0" algn="ctr" defTabSz="914400" rtl="0" eaLnBrk="1" latinLnBrk="0" hangingPunct="1">
-              <a:spcBef>
-                <a:spcPct val="20000"/>
-              </a:spcBef>
-              <a:buFont typeface="Arial" pitchFamily="34" charset="0"/>
-              <a:buNone/>
-              <a:defRPr sz="2000" kern="1200">
-                <a:solidFill>
-                  <a:schemeClr val="tx1">
-                    <a:tint val="75000"/>
-                  </a:schemeClr>
-                </a:solidFill>
-                <a:latin typeface="+mn-lt"/>
-                <a:ea typeface="+mn-ea"/>
-                <a:cs typeface="+mn-cs"/>
-              </a:defRPr>
-            </a:lvl6pPr>
-            <a:lvl7pPr marL="2743200" indent="0" algn="ctr" defTabSz="914400" rtl="0" eaLnBrk="1" latinLnBrk="0" hangingPunct="1">
-              <a:spcBef>
-                <a:spcPct val="20000"/>
-              </a:spcBef>
-              <a:buFont typeface="Arial" pitchFamily="34" charset="0"/>
-              <a:buNone/>
-              <a:defRPr sz="2000" kern="1200">
-                <a:solidFill>
-                  <a:schemeClr val="tx1">
-                    <a:tint val="75000"/>
-                  </a:schemeClr>
-                </a:solidFill>
-                <a:latin typeface="+mn-lt"/>
-                <a:ea typeface="+mn-ea"/>
-                <a:cs typeface="+mn-cs"/>
-              </a:defRPr>
-            </a:lvl7pPr>
-            <a:lvl8pPr marL="3200400" indent="0" algn="ctr" defTabSz="914400" rtl="0" eaLnBrk="1" latinLnBrk="0" hangingPunct="1">
-              <a:spcBef>
-                <a:spcPct val="20000"/>
-              </a:spcBef>
-              <a:buFont typeface="Arial" pitchFamily="34" charset="0"/>
-              <a:buNone/>
-              <a:defRPr sz="2000" kern="1200">
-                <a:solidFill>
-                  <a:schemeClr val="tx1">
-                    <a:tint val="75000"/>
-                  </a:schemeClr>
-                </a:solidFill>
-                <a:latin typeface="+mn-lt"/>
-                <a:ea typeface="+mn-ea"/>
-                <a:cs typeface="+mn-cs"/>
-              </a:defRPr>
-            </a:lvl8pPr>
-            <a:lvl9pPr marL="3657600" indent="0" algn="ctr" defTabSz="914400" rtl="0" eaLnBrk="1" latinLnBrk="0" hangingPunct="1">
-              <a:spcBef>
-                <a:spcPct val="20000"/>
-              </a:spcBef>
-              <a:buFont typeface="Arial" pitchFamily="34" charset="0"/>
-              <a:buNone/>
-              <a:defRPr sz="2000" kern="1200">
-                <a:solidFill>
-                  <a:schemeClr val="tx1">
-                    <a:tint val="75000"/>
-                  </a:schemeClr>
-                </a:solidFill>
-                <a:latin typeface="+mn-lt"/>
-                <a:ea typeface="+mn-ea"/>
-                <a:cs typeface="+mn-cs"/>
-              </a:defRPr>
-            </a:lvl9pPr>
-          </a:lstStyle>
-          <a:p>
-            <a:pPr marL="342900" indent="-342900" algn="l">
-              <a:buClr>
-                <a:srgbClr val="0070C0"/>
-              </a:buClr>
-              <a:buSzPct val="80000"/>
-              <a:buFont typeface="Wingdings" pitchFamily="2" charset="2"/>
-              <a:buChar char="u"/>
-            </a:pPr>
-            <a:r>
-              <a:rPr lang="en-US" sz="1200" cap="all" dirty="0">
-                <a:solidFill>
-                  <a:schemeClr val="tx1"/>
-                </a:solidFill>
-              </a:rPr>
-              <a:t>PART 2: INTERMEDIATE DEEP LEARNING TOPICS</a:t>
-            </a:r>
-          </a:p>
-          <a:p>
-            <a:pPr marL="800100" lvl="1" indent="-342900" algn="l">
-              <a:buClr>
-                <a:srgbClr val="0070C0"/>
-              </a:buClr>
-              <a:buSzPct val="80000"/>
-              <a:buFont typeface="Wingdings" pitchFamily="2" charset="2"/>
-              <a:buChar char="u"/>
-            </a:pPr>
-            <a:r>
-              <a:rPr lang="en-US" sz="1200" dirty="0">
-                <a:solidFill>
-                  <a:schemeClr val="tx1"/>
-                </a:solidFill>
-              </a:rPr>
-              <a:t>Section 1: Convolutional Neural Networks (CNNs)</a:t>
-            </a:r>
-          </a:p>
-          <a:p>
-            <a:pPr marL="1257300" lvl="2" indent="-342900" algn="l">
-              <a:buClr>
-                <a:srgbClr val="0070C0"/>
-              </a:buClr>
-              <a:buSzPct val="80000"/>
-              <a:buFont typeface="Wingdings" pitchFamily="2" charset="2"/>
-              <a:buChar char="u"/>
-            </a:pPr>
-            <a:r>
-              <a:rPr lang="en-US" sz="1200" dirty="0">
-                <a:solidFill>
-                  <a:schemeClr val="tx1"/>
-                </a:solidFill>
-              </a:rPr>
-              <a:t>What are CNNs?</a:t>
-            </a:r>
-          </a:p>
-          <a:p>
-            <a:pPr marL="1257300" lvl="2" indent="-342900" algn="l">
-              <a:buClr>
-                <a:srgbClr val="0070C0"/>
-              </a:buClr>
-              <a:buSzPct val="80000"/>
-              <a:buFont typeface="Wingdings" pitchFamily="2" charset="2"/>
-              <a:buChar char="u"/>
-            </a:pPr>
-            <a:r>
-              <a:rPr lang="en-US" sz="1200" dirty="0">
-                <a:solidFill>
-                  <a:schemeClr val="tx1"/>
-                </a:solidFill>
-              </a:rPr>
-              <a:t>Visualizing convolutional filters</a:t>
-            </a:r>
-          </a:p>
-          <a:p>
-            <a:pPr marL="1257300" lvl="2" indent="-342900" algn="l">
-              <a:buClr>
-                <a:srgbClr val="0070C0"/>
-              </a:buClr>
-              <a:buSzPct val="80000"/>
-              <a:buFont typeface="Wingdings" pitchFamily="2" charset="2"/>
-              <a:buChar char="u"/>
-            </a:pPr>
-            <a:r>
-              <a:rPr lang="en-US" sz="1200" dirty="0">
-                <a:solidFill>
-                  <a:schemeClr val="tx1"/>
-                </a:solidFill>
-              </a:rPr>
-              <a:t>Zero padding</a:t>
-            </a:r>
-          </a:p>
-          <a:p>
-            <a:pPr marL="1257300" lvl="2" indent="-342900" algn="l">
-              <a:buClr>
-                <a:srgbClr val="0070C0"/>
-              </a:buClr>
-              <a:buSzPct val="80000"/>
-              <a:buFont typeface="Wingdings" pitchFamily="2" charset="2"/>
-              <a:buChar char="u"/>
-            </a:pPr>
-            <a:r>
-              <a:rPr lang="en-US" sz="1200" dirty="0">
-                <a:solidFill>
-                  <a:schemeClr val="tx1"/>
-                </a:solidFill>
-              </a:rPr>
-              <a:t>Max pooling</a:t>
-            </a:r>
-          </a:p>
-          <a:p>
-            <a:pPr marL="800100" lvl="1" indent="-342900" algn="l">
-              <a:buClr>
-                <a:srgbClr val="0070C0"/>
-              </a:buClr>
-              <a:buSzPct val="80000"/>
-              <a:buFont typeface="Wingdings" pitchFamily="2" charset="2"/>
-              <a:buChar char="u"/>
-            </a:pPr>
-            <a:r>
-              <a:rPr lang="en-US" sz="1200" dirty="0">
-                <a:solidFill>
-                  <a:schemeClr val="tx1"/>
-                </a:solidFill>
-              </a:rPr>
-              <a:t>Section 2: Backpropagation</a:t>
-            </a:r>
-          </a:p>
-          <a:p>
-            <a:pPr marL="1257300" lvl="2" indent="-342900" algn="l">
-              <a:buClr>
-                <a:srgbClr val="0070C0"/>
-              </a:buClr>
-              <a:buSzPct val="80000"/>
-              <a:buFont typeface="Wingdings" pitchFamily="2" charset="2"/>
-              <a:buChar char="u"/>
-            </a:pPr>
-            <a:r>
-              <a:rPr lang="en-US" sz="1200" dirty="0">
-                <a:solidFill>
-                  <a:schemeClr val="tx1"/>
-                </a:solidFill>
-              </a:rPr>
-              <a:t>Backprop intuition</a:t>
-            </a:r>
-          </a:p>
-          <a:p>
-            <a:pPr marL="1257300" lvl="2" indent="-342900" algn="l">
-              <a:buClr>
-                <a:srgbClr val="0070C0"/>
-              </a:buClr>
-              <a:buSzPct val="80000"/>
-              <a:buFont typeface="Wingdings" pitchFamily="2" charset="2"/>
-              <a:buChar char="u"/>
-            </a:pPr>
-            <a:r>
-              <a:rPr lang="en-US" sz="1200" dirty="0">
-                <a:solidFill>
-                  <a:schemeClr val="tx1"/>
-                </a:solidFill>
-              </a:rPr>
-              <a:t>Mathematics of backprop</a:t>
-            </a:r>
-          </a:p>
-          <a:p>
-            <a:pPr marL="1257300" lvl="2" indent="-342900" algn="l">
-              <a:buClr>
-                <a:srgbClr val="0070C0"/>
-              </a:buClr>
-              <a:buSzPct val="80000"/>
-              <a:buFont typeface="Wingdings" pitchFamily="2" charset="2"/>
-              <a:buChar char="u"/>
-            </a:pPr>
-            <a:r>
-              <a:rPr lang="en-US" sz="1200" dirty="0">
-                <a:solidFill>
-                  <a:schemeClr val="tx1"/>
-                </a:solidFill>
-              </a:rPr>
-              <a:t>Vanishing and exploding gradient</a:t>
-            </a:r>
-          </a:p>
-          <a:p>
-            <a:pPr marL="1257300" lvl="2" indent="-342900" algn="l">
-              <a:buClr>
-                <a:srgbClr val="0070C0"/>
-              </a:buClr>
-              <a:buSzPct val="80000"/>
-              <a:buFont typeface="Wingdings" pitchFamily="2" charset="2"/>
-              <a:buChar char="u"/>
-            </a:pPr>
-            <a:r>
-              <a:rPr lang="en-US" sz="1200" dirty="0">
-                <a:solidFill>
-                  <a:schemeClr val="tx1"/>
-                </a:solidFill>
-              </a:rPr>
-              <a:t>Weight initialization</a:t>
-            </a:r>
-          </a:p>
-          <a:p>
-            <a:pPr marL="800100" lvl="1" indent="-342900" algn="l">
-              <a:buClr>
-                <a:srgbClr val="0070C0"/>
-              </a:buClr>
-              <a:buSzPct val="80000"/>
-              <a:buFont typeface="Wingdings" pitchFamily="2" charset="2"/>
-              <a:buChar char="u"/>
-            </a:pPr>
-            <a:r>
-              <a:rPr lang="en-US" sz="1200" dirty="0">
-                <a:solidFill>
-                  <a:schemeClr val="tx1"/>
-                </a:solidFill>
-              </a:rPr>
-              <a:t>Section 3: Additional deep learning concepts</a:t>
-            </a:r>
-          </a:p>
-          <a:p>
-            <a:pPr marL="1257300" lvl="2" indent="-342900" algn="l">
-              <a:buClr>
-                <a:srgbClr val="0070C0"/>
-              </a:buClr>
-              <a:buSzPct val="80000"/>
-              <a:buFont typeface="Wingdings" pitchFamily="2" charset="2"/>
-              <a:buChar char="u"/>
-            </a:pPr>
-            <a:r>
-              <a:rPr lang="en-US" sz="1200" dirty="0">
-                <a:solidFill>
-                  <a:schemeClr val="tx1"/>
-                </a:solidFill>
-              </a:rPr>
-              <a:t>Bias terms in neural networks</a:t>
-            </a:r>
-          </a:p>
-          <a:p>
-            <a:pPr marL="1257300" lvl="2" indent="-342900" algn="l">
-              <a:buClr>
-                <a:srgbClr val="0070C0"/>
-              </a:buClr>
-              <a:buSzPct val="80000"/>
-              <a:buFont typeface="Wingdings" pitchFamily="2" charset="2"/>
-              <a:buChar char="u"/>
-            </a:pPr>
-            <a:r>
-              <a:rPr lang="en-US" sz="1200" dirty="0">
-                <a:solidFill>
-                  <a:schemeClr val="tx1"/>
-                </a:solidFill>
-              </a:rPr>
-              <a:t>Learnable parameters</a:t>
-            </a:r>
-          </a:p>
-          <a:p>
-            <a:pPr marL="1257300" lvl="2" indent="-342900" algn="l">
-              <a:buClr>
-                <a:srgbClr val="0070C0"/>
-              </a:buClr>
-              <a:buSzPct val="80000"/>
-              <a:buFont typeface="Wingdings" pitchFamily="2" charset="2"/>
-              <a:buChar char="u"/>
-            </a:pPr>
-            <a:r>
-              <a:rPr lang="en-US" sz="1200" dirty="0">
-                <a:solidFill>
-                  <a:schemeClr val="tx1"/>
-                </a:solidFill>
-              </a:rPr>
-              <a:t>Regularization</a:t>
-            </a:r>
-          </a:p>
-          <a:p>
-            <a:pPr marL="1257300" lvl="2" indent="-342900" algn="l">
-              <a:buClr>
-                <a:srgbClr val="0070C0"/>
-              </a:buClr>
-              <a:buSzPct val="80000"/>
-              <a:buFont typeface="Wingdings" pitchFamily="2" charset="2"/>
-              <a:buChar char="u"/>
-            </a:pPr>
-            <a:r>
-              <a:rPr lang="en-US" sz="1200" dirty="0">
-                <a:solidFill>
-                  <a:schemeClr val="tx1"/>
-                </a:solidFill>
-              </a:rPr>
-              <a:t>Batches and batch size</a:t>
-            </a:r>
-          </a:p>
-          <a:p>
-            <a:pPr marL="1257300" lvl="2" indent="-342900" algn="l">
-              <a:buClr>
-                <a:srgbClr val="0070C0"/>
-              </a:buClr>
-              <a:buSzPct val="80000"/>
-              <a:buFont typeface="Wingdings" pitchFamily="2" charset="2"/>
-              <a:buChar char="u"/>
-            </a:pPr>
-            <a:r>
-              <a:rPr lang="en-US" sz="1200" dirty="0">
-                <a:solidFill>
-                  <a:schemeClr val="tx1"/>
-                </a:solidFill>
-              </a:rPr>
-              <a:t>Fine-tuning and transfer learning</a:t>
-            </a:r>
-          </a:p>
-          <a:p>
-            <a:pPr marL="1257300" lvl="2" indent="-342900" algn="l">
-              <a:buClr>
-                <a:srgbClr val="0070C0"/>
-              </a:buClr>
-              <a:buSzPct val="80000"/>
-              <a:buFont typeface="Wingdings" pitchFamily="2" charset="2"/>
-              <a:buChar char="u"/>
-            </a:pPr>
-            <a:r>
-              <a:rPr lang="en-US" sz="1200" dirty="0">
-                <a:solidFill>
-                  <a:schemeClr val="tx1"/>
-                </a:solidFill>
-              </a:rPr>
-              <a:t>Batch normalization</a:t>
-            </a:r>
-          </a:p>
-          <a:p>
-            <a:pPr marL="342900" indent="-342900" algn="l">
-              <a:buClr>
-                <a:srgbClr val="0070C0"/>
-              </a:buClr>
-              <a:buSzPct val="80000"/>
-              <a:buFont typeface="Wingdings" pitchFamily="2" charset="2"/>
-              <a:buChar char="u"/>
-            </a:pPr>
-            <a:endParaRPr lang="en-US" sz="1200" dirty="0">
-              <a:solidFill>
-                <a:schemeClr val="tx1"/>
-              </a:solidFill>
-            </a:endParaRPr>
-          </a:p>
-          <a:p>
-            <a:pPr marL="342900" indent="-342900" algn="l">
-              <a:buClr>
-                <a:srgbClr val="0070C0"/>
-              </a:buClr>
-              <a:buSzPct val="80000"/>
-              <a:buFont typeface="Wingdings" pitchFamily="2" charset="2"/>
-              <a:buChar char="u"/>
-            </a:pPr>
-            <a:endParaRPr lang="en-US" sz="1200" dirty="0">
-              <a:solidFill>
-                <a:schemeClr val="tx1"/>
-              </a:solidFill>
-            </a:endParaRPr>
-          </a:p>
-          <a:p>
-            <a:pPr marL="342900" indent="-342900" algn="l">
-              <a:buClr>
-                <a:srgbClr val="0070C0"/>
-              </a:buClr>
-              <a:buSzPct val="80000"/>
-              <a:buFont typeface="Wingdings" pitchFamily="2" charset="2"/>
-              <a:buChar char="u"/>
-            </a:pPr>
-            <a:endParaRPr lang="en-US" sz="1200" dirty="0">
-              <a:solidFill>
-                <a:schemeClr val="tx1"/>
-              </a:solidFill>
-            </a:endParaRPr>
-          </a:p>
-          <a:p>
-            <a:pPr marL="342900" indent="-342900" algn="l">
-              <a:buClr>
-                <a:srgbClr val="0070C0"/>
-              </a:buClr>
-              <a:buSzPct val="80000"/>
-              <a:buFont typeface="Wingdings" pitchFamily="2" charset="2"/>
-              <a:buChar char="u"/>
-            </a:pPr>
-            <a:endParaRPr lang="en-US" sz="1200" dirty="0">
-              <a:solidFill>
-                <a:schemeClr val="tx1"/>
-              </a:solidFill>
-            </a:endParaRPr>
-          </a:p>
-        </p:txBody>
-      </p:sp>
-      <p:sp>
-        <p:nvSpPr>
-          <p:cNvPr id="10" name="副標題 2">
-            <a:extLst>
-              <a:ext uri="{FF2B5EF4-FFF2-40B4-BE49-F238E27FC236}">
-                <a16:creationId xmlns:a16="http://schemas.microsoft.com/office/drawing/2014/main" id="{85E3A0F9-8A12-49C5-96C7-A2424A576F44}"/>
-              </a:ext>
-            </a:extLst>
-          </p:cNvPr>
-          <p:cNvSpPr txBox="1">
-            <a:spLocks/>
-          </p:cNvSpPr>
-          <p:nvPr/>
-        </p:nvSpPr>
-        <p:spPr>
-          <a:xfrm>
-            <a:off x="510362" y="1196753"/>
-            <a:ext cx="8176438" cy="396836"/>
-          </a:xfrm>
-          <a:prstGeom prst="rect">
-            <a:avLst/>
-          </a:prstGeom>
-          <a:ln>
-            <a:solidFill>
-              <a:srgbClr val="C00000"/>
-            </a:solidFill>
-          </a:ln>
-        </p:spPr>
-        <p:txBody>
-          <a:bodyPr vert="horz" lIns="91440" tIns="45720" rIns="91440" bIns="45720" rtlCol="0">
-            <a:noAutofit/>
-          </a:bodyPr>
-          <a:lstStyle>
-            <a:lvl1pPr marL="0" indent="0" algn="ctr" defTabSz="914400" rtl="0" eaLnBrk="1" latinLnBrk="0" hangingPunct="1">
-              <a:spcBef>
-                <a:spcPct val="20000"/>
-              </a:spcBef>
-              <a:buFont typeface="Arial" pitchFamily="34" charset="0"/>
-              <a:buNone/>
-              <a:defRPr sz="3200" kern="1200">
-                <a:solidFill>
-                  <a:schemeClr val="tx1">
-                    <a:tint val="75000"/>
-                  </a:schemeClr>
-                </a:solidFill>
-                <a:latin typeface="+mn-lt"/>
-                <a:ea typeface="+mn-ea"/>
-                <a:cs typeface="+mn-cs"/>
-              </a:defRPr>
-            </a:lvl1pPr>
-            <a:lvl2pPr marL="457200" indent="0" algn="ctr" defTabSz="914400" rtl="0" eaLnBrk="1" latinLnBrk="0" hangingPunct="1">
-              <a:spcBef>
-                <a:spcPct val="20000"/>
-              </a:spcBef>
-              <a:buFont typeface="Arial" pitchFamily="34" charset="0"/>
-              <a:buNone/>
-              <a:defRPr sz="2800" kern="1200">
-                <a:solidFill>
-                  <a:schemeClr val="tx1">
-                    <a:tint val="75000"/>
-                  </a:schemeClr>
-                </a:solidFill>
-                <a:latin typeface="+mn-lt"/>
-                <a:ea typeface="+mn-ea"/>
-                <a:cs typeface="+mn-cs"/>
-              </a:defRPr>
-            </a:lvl2pPr>
-            <a:lvl3pPr marL="914400" indent="0" algn="ctr" defTabSz="914400" rtl="0" eaLnBrk="1" latinLnBrk="0" hangingPunct="1">
-              <a:spcBef>
-                <a:spcPct val="20000"/>
-              </a:spcBef>
-              <a:buFont typeface="Arial" pitchFamily="34" charset="0"/>
-              <a:buNone/>
-              <a:defRPr sz="2400" kern="1200">
-                <a:solidFill>
-                  <a:schemeClr val="tx1">
-                    <a:tint val="75000"/>
-                  </a:schemeClr>
-                </a:solidFill>
-                <a:latin typeface="+mn-lt"/>
-                <a:ea typeface="+mn-ea"/>
-                <a:cs typeface="+mn-cs"/>
-              </a:defRPr>
-            </a:lvl3pPr>
-            <a:lvl4pPr marL="1371600" indent="0" algn="ctr" defTabSz="914400" rtl="0" eaLnBrk="1" latinLnBrk="0" hangingPunct="1">
-              <a:spcBef>
-                <a:spcPct val="20000"/>
-              </a:spcBef>
-              <a:buFont typeface="Arial" pitchFamily="34" charset="0"/>
-              <a:buNone/>
-              <a:defRPr sz="2000" kern="1200">
-                <a:solidFill>
-                  <a:schemeClr val="tx1">
-                    <a:tint val="75000"/>
-                  </a:schemeClr>
-                </a:solidFill>
-                <a:latin typeface="+mn-lt"/>
-                <a:ea typeface="+mn-ea"/>
-                <a:cs typeface="+mn-cs"/>
-              </a:defRPr>
-            </a:lvl4pPr>
-            <a:lvl5pPr marL="1828800" indent="0" algn="ctr" defTabSz="914400" rtl="0" eaLnBrk="1" latinLnBrk="0" hangingPunct="1">
-              <a:spcBef>
-                <a:spcPct val="20000"/>
-              </a:spcBef>
-              <a:buFont typeface="Arial" pitchFamily="34" charset="0"/>
-              <a:buNone/>
-              <a:defRPr sz="2000" kern="1200">
-                <a:solidFill>
-                  <a:schemeClr val="tx1">
-                    <a:tint val="75000"/>
-                  </a:schemeClr>
-                </a:solidFill>
-                <a:latin typeface="+mn-lt"/>
-                <a:ea typeface="+mn-ea"/>
-                <a:cs typeface="+mn-cs"/>
-              </a:defRPr>
-            </a:lvl5pPr>
-            <a:lvl6pPr marL="2286000" indent="0" algn="ctr" defTabSz="914400" rtl="0" eaLnBrk="1" latinLnBrk="0" hangingPunct="1">
-              <a:spcBef>
-                <a:spcPct val="20000"/>
-              </a:spcBef>
-              <a:buFont typeface="Arial" pitchFamily="34" charset="0"/>
-              <a:buNone/>
-              <a:defRPr sz="2000" kern="1200">
-                <a:solidFill>
-                  <a:schemeClr val="tx1">
-                    <a:tint val="75000"/>
-                  </a:schemeClr>
-                </a:solidFill>
-                <a:latin typeface="+mn-lt"/>
-                <a:ea typeface="+mn-ea"/>
-                <a:cs typeface="+mn-cs"/>
-              </a:defRPr>
-            </a:lvl6pPr>
-            <a:lvl7pPr marL="2743200" indent="0" algn="ctr" defTabSz="914400" rtl="0" eaLnBrk="1" latinLnBrk="0" hangingPunct="1">
-              <a:spcBef>
-                <a:spcPct val="20000"/>
-              </a:spcBef>
-              <a:buFont typeface="Arial" pitchFamily="34" charset="0"/>
-              <a:buNone/>
-              <a:defRPr sz="2000" kern="1200">
-                <a:solidFill>
-                  <a:schemeClr val="tx1">
-                    <a:tint val="75000"/>
-                  </a:schemeClr>
-                </a:solidFill>
-                <a:latin typeface="+mn-lt"/>
-                <a:ea typeface="+mn-ea"/>
-                <a:cs typeface="+mn-cs"/>
-              </a:defRPr>
-            </a:lvl7pPr>
-            <a:lvl8pPr marL="3200400" indent="0" algn="ctr" defTabSz="914400" rtl="0" eaLnBrk="1" latinLnBrk="0" hangingPunct="1">
-              <a:spcBef>
-                <a:spcPct val="20000"/>
-              </a:spcBef>
-              <a:buFont typeface="Arial" pitchFamily="34" charset="0"/>
-              <a:buNone/>
-              <a:defRPr sz="2000" kern="1200">
-                <a:solidFill>
-                  <a:schemeClr val="tx1">
-                    <a:tint val="75000"/>
-                  </a:schemeClr>
-                </a:solidFill>
-                <a:latin typeface="+mn-lt"/>
-                <a:ea typeface="+mn-ea"/>
-                <a:cs typeface="+mn-cs"/>
-              </a:defRPr>
-            </a:lvl8pPr>
-            <a:lvl9pPr marL="3657600" indent="0" algn="ctr" defTabSz="914400" rtl="0" eaLnBrk="1" latinLnBrk="0" hangingPunct="1">
-              <a:spcBef>
-                <a:spcPct val="20000"/>
-              </a:spcBef>
-              <a:buFont typeface="Arial" pitchFamily="34" charset="0"/>
-              <a:buNone/>
-              <a:defRPr sz="2000" kern="1200">
-                <a:solidFill>
-                  <a:schemeClr val="tx1">
-                    <a:tint val="75000"/>
-                  </a:schemeClr>
-                </a:solidFill>
-                <a:latin typeface="+mn-lt"/>
-                <a:ea typeface="+mn-ea"/>
-                <a:cs typeface="+mn-cs"/>
-              </a:defRPr>
-            </a:lvl9pPr>
-          </a:lstStyle>
-          <a:p>
-            <a:pPr marL="342900" indent="-342900" algn="l">
-              <a:buClr>
-                <a:srgbClr val="0070C0"/>
-              </a:buClr>
-              <a:buSzPct val="80000"/>
-              <a:buFont typeface="Wingdings" pitchFamily="2" charset="2"/>
-              <a:buChar char="u"/>
-            </a:pPr>
-            <a:r>
-              <a:rPr lang="en-US" sz="1800" b="1" dirty="0">
-                <a:solidFill>
-                  <a:schemeClr val="tx1"/>
-                </a:solidFill>
-              </a:rPr>
-              <a:t>Outline</a:t>
-            </a:r>
-          </a:p>
-        </p:txBody>
-      </p:sp>
-    </p:spTree>
-    <p:extLst>
-      <p:ext uri="{BB962C8B-B14F-4D97-AF65-F5344CB8AC3E}">
-        <p14:creationId xmlns:p14="http://schemas.microsoft.com/office/powerpoint/2010/main" val="2573101910"/>
-      </p:ext>
-    </p:extLst>
-  </p:cSld>
-  <p:clrMapOvr>
-    <a:masterClrMapping/>
-  </p:clrMapOvr>
-</p:sld>
-</file>
-
-<file path=ppt/slides/slide7.xml><?xml version="1.0" encoding="utf-8"?>
-<p:sld xmlns:a="http://schemas.openxmlformats.org/drawingml/2006/main" xmlns:r="http://schemas.openxmlformats.org/officeDocument/2006/relationships" xmlns:p="http://schemas.openxmlformats.org/presentationml/2006/main">
-  <p:cSld>
-    <p:spTree>
-      <p:nvGrpSpPr>
-        <p:cNvPr id="1" name=""/>
-        <p:cNvGrpSpPr/>
-        <p:nvPr/>
-      </p:nvGrpSpPr>
-      <p:grpSpPr>
-        <a:xfrm>
-          <a:off x="0" y="0"/>
-          <a:ext cx="0" cy="0"/>
-          <a:chOff x="0" y="0"/>
-          <a:chExt cx="0" cy="0"/>
-        </a:xfrm>
-      </p:grpSpPr>
-      <p:sp>
-        <p:nvSpPr>
-          <p:cNvPr id="2" name="標題 1"/>
-          <p:cNvSpPr>
-            <a:spLocks noGrp="1"/>
-          </p:cNvSpPr>
-          <p:nvPr>
-            <p:ph type="ctrTitle"/>
-          </p:nvPr>
-        </p:nvSpPr>
-        <p:spPr>
-          <a:xfrm>
-            <a:off x="0" y="1"/>
-            <a:ext cx="9144000" cy="764704"/>
-          </a:xfrm>
-          <a:gradFill flip="none" rotWithShape="1">
-            <a:gsLst>
-              <a:gs pos="0">
-                <a:srgbClr val="C00000">
-                  <a:shade val="30000"/>
-                  <a:satMod val="115000"/>
-                </a:srgbClr>
-              </a:gs>
-              <a:gs pos="50000">
-                <a:srgbClr val="C00000">
-                  <a:shade val="67500"/>
-                  <a:satMod val="115000"/>
-                </a:srgbClr>
-              </a:gs>
-              <a:gs pos="100000">
-                <a:srgbClr val="C00000">
-                  <a:shade val="100000"/>
-                  <a:satMod val="115000"/>
-                </a:srgbClr>
-              </a:gs>
-            </a:gsLst>
-            <a:path path="circle">
-              <a:fillToRect t="100000" r="100000"/>
-            </a:path>
-            <a:tileRect l="-100000" b="-100000"/>
-          </a:gradFill>
-        </p:spPr>
-        <p:txBody>
-          <a:bodyPr>
-            <a:normAutofit/>
-          </a:bodyPr>
-          <a:lstStyle/>
-          <a:p>
-            <a:pPr algn="l"/>
-            <a:r>
-              <a:rPr lang="en-US" altLang="zh-TW" b="1" dirty="0">
-                <a:solidFill>
-                  <a:srgbClr val="FFFF00"/>
-                </a:solidFill>
-              </a:rPr>
-              <a:t>1 Deep Learning</a:t>
-            </a:r>
-            <a:endParaRPr lang="zh-TW" altLang="en-US" b="1" dirty="0">
-              <a:solidFill>
-                <a:srgbClr val="FFFF00"/>
-              </a:solidFill>
-            </a:endParaRPr>
-          </a:p>
-        </p:txBody>
-      </p:sp>
-      <p:sp>
-        <p:nvSpPr>
-          <p:cNvPr id="4" name="標題 1"/>
-          <p:cNvSpPr txBox="1">
-            <a:spLocks/>
-          </p:cNvSpPr>
-          <p:nvPr/>
-        </p:nvSpPr>
-        <p:spPr>
-          <a:xfrm>
-            <a:off x="0" y="764704"/>
-            <a:ext cx="9144000" cy="360040"/>
-          </a:xfrm>
-          <a:prstGeom prst="rect">
-            <a:avLst/>
-          </a:prstGeom>
-          <a:gradFill flip="none" rotWithShape="1">
-            <a:gsLst>
-              <a:gs pos="0">
-                <a:srgbClr val="00B0F0">
-                  <a:shade val="30000"/>
-                  <a:satMod val="115000"/>
-                </a:srgbClr>
-              </a:gs>
-              <a:gs pos="50000">
-                <a:srgbClr val="00B0F0">
-                  <a:shade val="67500"/>
-                  <a:satMod val="115000"/>
-                </a:srgbClr>
-              </a:gs>
-              <a:gs pos="100000">
-                <a:srgbClr val="00B0F0">
-                  <a:shade val="100000"/>
-                  <a:satMod val="115000"/>
-                </a:srgbClr>
-              </a:gs>
-            </a:gsLst>
-            <a:path path="circle">
-              <a:fillToRect t="100000" r="100000"/>
-            </a:path>
-            <a:tileRect l="-100000" b="-100000"/>
-          </a:gradFill>
-        </p:spPr>
-        <p:txBody>
-          <a:bodyPr vert="horz" lIns="91440" tIns="45720" rIns="91440" bIns="45720" rtlCol="0" anchor="ctr">
-            <a:normAutofit/>
-          </a:bodyPr>
-          <a:lstStyle/>
-          <a:p>
-            <a:pPr lvl="0">
-              <a:spcBef>
-                <a:spcPct val="0"/>
-              </a:spcBef>
-            </a:pPr>
-            <a:r>
-              <a:rPr lang="en-US" sz="1600" dirty="0">
-                <a:hlinkClick r:id="rId2"/>
-              </a:rPr>
-              <a:t>https://www.youtube.com/watch?v=gZmobeGL0Yg&amp;list=PLZbbT5o_s2xq7LwI2y8_QtvuXZedL6tQU</a:t>
-            </a:r>
-            <a:endParaRPr kumimoji="0" lang="zh-TW" altLang="en-US" sz="1600" b="0" i="0" u="none" strike="noStrike" kern="1200" cap="none" spc="0" normalizeH="0" baseline="0" noProof="0" dirty="0">
-              <a:ln>
-                <a:noFill/>
-              </a:ln>
-              <a:solidFill>
-                <a:schemeClr val="tx1"/>
-              </a:solidFill>
-              <a:effectLst/>
-              <a:uLnTx/>
-              <a:uFillTx/>
-              <a:latin typeface="+mj-lt"/>
-              <a:ea typeface="+mj-ea"/>
-              <a:cs typeface="+mj-cs"/>
-            </a:endParaRPr>
-          </a:p>
-        </p:txBody>
-      </p:sp>
-      <p:sp>
-        <p:nvSpPr>
-          <p:cNvPr id="5" name="日期版面配置區 4"/>
-          <p:cNvSpPr>
-            <a:spLocks noGrp="1"/>
-          </p:cNvSpPr>
-          <p:nvPr>
-            <p:ph type="dt" sz="half" idx="10"/>
-          </p:nvPr>
-        </p:nvSpPr>
-        <p:spPr/>
-        <p:txBody>
-          <a:bodyPr/>
-          <a:lstStyle/>
-          <a:p>
-            <a:fld id="{A4F910E6-8D00-4BAF-8C48-9688E0B449D3}" type="datetime1">
-              <a:rPr lang="zh-TW" altLang="en-US" smtClean="0"/>
-              <a:pPr/>
-              <a:t>2020/6/6</a:t>
-            </a:fld>
-            <a:endParaRPr lang="zh-TW" altLang="en-US"/>
-          </a:p>
-        </p:txBody>
-      </p:sp>
-      <p:sp>
-        <p:nvSpPr>
-          <p:cNvPr id="6" name="投影片編號版面配置區 5"/>
-          <p:cNvSpPr>
-            <a:spLocks noGrp="1"/>
-          </p:cNvSpPr>
-          <p:nvPr>
-            <p:ph type="sldNum" sz="quarter" idx="12"/>
-          </p:nvPr>
-        </p:nvSpPr>
-        <p:spPr/>
-        <p:txBody>
-          <a:bodyPr/>
-          <a:lstStyle/>
-          <a:p>
-            <a:fld id="{E4D7E63D-91F2-4366-A2C4-1B00C9E2590E}" type="slidenum">
-              <a:rPr lang="zh-TW" altLang="en-US" smtClean="0"/>
-              <a:pPr/>
-              <a:t>7</a:t>
-            </a:fld>
-            <a:endParaRPr lang="zh-TW" altLang="en-US"/>
-          </a:p>
-        </p:txBody>
-      </p:sp>
-      <p:sp>
-        <p:nvSpPr>
-          <p:cNvPr id="10" name="副標題 2">
-            <a:extLst>
-              <a:ext uri="{FF2B5EF4-FFF2-40B4-BE49-F238E27FC236}">
-                <a16:creationId xmlns:a16="http://schemas.microsoft.com/office/drawing/2014/main" id="{85E3A0F9-8A12-49C5-96C7-A2424A576F44}"/>
-              </a:ext>
-            </a:extLst>
-          </p:cNvPr>
-          <p:cNvSpPr txBox="1">
-            <a:spLocks/>
-          </p:cNvSpPr>
-          <p:nvPr/>
-        </p:nvSpPr>
-        <p:spPr>
-          <a:xfrm>
-            <a:off x="510362" y="1196752"/>
-            <a:ext cx="8176438" cy="1656184"/>
-          </a:xfrm>
-          <a:prstGeom prst="rect">
-            <a:avLst/>
-          </a:prstGeom>
-          <a:ln>
-            <a:solidFill>
-              <a:srgbClr val="C00000"/>
-            </a:solidFill>
-          </a:ln>
-        </p:spPr>
-        <p:txBody>
-          <a:bodyPr vert="horz" lIns="91440" tIns="45720" rIns="91440" bIns="45720" rtlCol="0">
-            <a:noAutofit/>
-          </a:bodyPr>
-          <a:lstStyle>
-            <a:lvl1pPr marL="0" indent="0" algn="ctr" defTabSz="914400" rtl="0" eaLnBrk="1" latinLnBrk="0" hangingPunct="1">
-              <a:spcBef>
-                <a:spcPct val="20000"/>
-              </a:spcBef>
-              <a:buFont typeface="Arial" pitchFamily="34" charset="0"/>
-              <a:buNone/>
-              <a:defRPr sz="3200" kern="1200">
-                <a:solidFill>
-                  <a:schemeClr val="tx1">
-                    <a:tint val="75000"/>
-                  </a:schemeClr>
-                </a:solidFill>
-                <a:latin typeface="+mn-lt"/>
-                <a:ea typeface="+mn-ea"/>
-                <a:cs typeface="+mn-cs"/>
-              </a:defRPr>
-            </a:lvl1pPr>
-            <a:lvl2pPr marL="457200" indent="0" algn="ctr" defTabSz="914400" rtl="0" eaLnBrk="1" latinLnBrk="0" hangingPunct="1">
-              <a:spcBef>
-                <a:spcPct val="20000"/>
-              </a:spcBef>
-              <a:buFont typeface="Arial" pitchFamily="34" charset="0"/>
-              <a:buNone/>
-              <a:defRPr sz="2800" kern="1200">
-                <a:solidFill>
-                  <a:schemeClr val="tx1">
-                    <a:tint val="75000"/>
-                  </a:schemeClr>
-                </a:solidFill>
-                <a:latin typeface="+mn-lt"/>
-                <a:ea typeface="+mn-ea"/>
-                <a:cs typeface="+mn-cs"/>
-              </a:defRPr>
-            </a:lvl2pPr>
-            <a:lvl3pPr marL="914400" indent="0" algn="ctr" defTabSz="914400" rtl="0" eaLnBrk="1" latinLnBrk="0" hangingPunct="1">
-              <a:spcBef>
-                <a:spcPct val="20000"/>
-              </a:spcBef>
-              <a:buFont typeface="Arial" pitchFamily="34" charset="0"/>
-              <a:buNone/>
-              <a:defRPr sz="2400" kern="1200">
-                <a:solidFill>
-                  <a:schemeClr val="tx1">
-                    <a:tint val="75000"/>
-                  </a:schemeClr>
-                </a:solidFill>
-                <a:latin typeface="+mn-lt"/>
-                <a:ea typeface="+mn-ea"/>
-                <a:cs typeface="+mn-cs"/>
-              </a:defRPr>
-            </a:lvl3pPr>
-            <a:lvl4pPr marL="1371600" indent="0" algn="ctr" defTabSz="914400" rtl="0" eaLnBrk="1" latinLnBrk="0" hangingPunct="1">
-              <a:spcBef>
-                <a:spcPct val="20000"/>
-              </a:spcBef>
-              <a:buFont typeface="Arial" pitchFamily="34" charset="0"/>
-              <a:buNone/>
-              <a:defRPr sz="2000" kern="1200">
-                <a:solidFill>
-                  <a:schemeClr val="tx1">
-                    <a:tint val="75000"/>
-                  </a:schemeClr>
-                </a:solidFill>
-                <a:latin typeface="+mn-lt"/>
-                <a:ea typeface="+mn-ea"/>
-                <a:cs typeface="+mn-cs"/>
-              </a:defRPr>
-            </a:lvl4pPr>
-            <a:lvl5pPr marL="1828800" indent="0" algn="ctr" defTabSz="914400" rtl="0" eaLnBrk="1" latinLnBrk="0" hangingPunct="1">
-              <a:spcBef>
-                <a:spcPct val="20000"/>
-              </a:spcBef>
-              <a:buFont typeface="Arial" pitchFamily="34" charset="0"/>
-              <a:buNone/>
-              <a:defRPr sz="2000" kern="1200">
-                <a:solidFill>
-                  <a:schemeClr val="tx1">
-                    <a:tint val="75000"/>
-                  </a:schemeClr>
-                </a:solidFill>
-                <a:latin typeface="+mn-lt"/>
-                <a:ea typeface="+mn-ea"/>
-                <a:cs typeface="+mn-cs"/>
-              </a:defRPr>
-            </a:lvl5pPr>
-            <a:lvl6pPr marL="2286000" indent="0" algn="ctr" defTabSz="914400" rtl="0" eaLnBrk="1" latinLnBrk="0" hangingPunct="1">
-              <a:spcBef>
-                <a:spcPct val="20000"/>
-              </a:spcBef>
-              <a:buFont typeface="Arial" pitchFamily="34" charset="0"/>
-              <a:buNone/>
-              <a:defRPr sz="2000" kern="1200">
-                <a:solidFill>
-                  <a:schemeClr val="tx1">
-                    <a:tint val="75000"/>
-                  </a:schemeClr>
-                </a:solidFill>
-                <a:latin typeface="+mn-lt"/>
-                <a:ea typeface="+mn-ea"/>
-                <a:cs typeface="+mn-cs"/>
-              </a:defRPr>
-            </a:lvl6pPr>
-            <a:lvl7pPr marL="2743200" indent="0" algn="ctr" defTabSz="914400" rtl="0" eaLnBrk="1" latinLnBrk="0" hangingPunct="1">
-              <a:spcBef>
-                <a:spcPct val="20000"/>
-              </a:spcBef>
-              <a:buFont typeface="Arial" pitchFamily="34" charset="0"/>
-              <a:buNone/>
-              <a:defRPr sz="2000" kern="1200">
-                <a:solidFill>
-                  <a:schemeClr val="tx1">
-                    <a:tint val="75000"/>
-                  </a:schemeClr>
-                </a:solidFill>
-                <a:latin typeface="+mn-lt"/>
-                <a:ea typeface="+mn-ea"/>
-                <a:cs typeface="+mn-cs"/>
-              </a:defRPr>
-            </a:lvl7pPr>
-            <a:lvl8pPr marL="3200400" indent="0" algn="ctr" defTabSz="914400" rtl="0" eaLnBrk="1" latinLnBrk="0" hangingPunct="1">
-              <a:spcBef>
-                <a:spcPct val="20000"/>
-              </a:spcBef>
-              <a:buFont typeface="Arial" pitchFamily="34" charset="0"/>
-              <a:buNone/>
-              <a:defRPr sz="2000" kern="1200">
-                <a:solidFill>
-                  <a:schemeClr val="tx1">
-                    <a:tint val="75000"/>
-                  </a:schemeClr>
-                </a:solidFill>
-                <a:latin typeface="+mn-lt"/>
-                <a:ea typeface="+mn-ea"/>
-                <a:cs typeface="+mn-cs"/>
-              </a:defRPr>
-            </a:lvl8pPr>
-            <a:lvl9pPr marL="3657600" indent="0" algn="ctr" defTabSz="914400" rtl="0" eaLnBrk="1" latinLnBrk="0" hangingPunct="1">
-              <a:spcBef>
-                <a:spcPct val="20000"/>
-              </a:spcBef>
-              <a:buFont typeface="Arial" pitchFamily="34" charset="0"/>
-              <a:buNone/>
-              <a:defRPr sz="2000" kern="1200">
-                <a:solidFill>
-                  <a:schemeClr val="tx1">
-                    <a:tint val="75000"/>
-                  </a:schemeClr>
-                </a:solidFill>
-                <a:latin typeface="+mn-lt"/>
-                <a:ea typeface="+mn-ea"/>
-                <a:cs typeface="+mn-cs"/>
-              </a:defRPr>
-            </a:lvl9pPr>
-          </a:lstStyle>
-          <a:p>
-            <a:pPr marL="342900" indent="-342900" algn="l">
-              <a:buClr>
-                <a:srgbClr val="0070C0"/>
-              </a:buClr>
-              <a:buSzPct val="80000"/>
-              <a:buFont typeface="Wingdings" pitchFamily="2" charset="2"/>
-              <a:buChar char="u"/>
-            </a:pPr>
-            <a:r>
-              <a:rPr lang="en-US" sz="1800" b="1" dirty="0">
-                <a:solidFill>
-                  <a:schemeClr val="tx1"/>
-                </a:solidFill>
-              </a:rPr>
-              <a:t>What Is Machine Learning?</a:t>
-            </a:r>
-          </a:p>
-          <a:p>
-            <a:pPr marL="342900" indent="-342900" algn="l">
-              <a:buClr>
-                <a:srgbClr val="0070C0"/>
-              </a:buClr>
-              <a:buSzPct val="80000"/>
-              <a:buFont typeface="Wingdings" pitchFamily="2" charset="2"/>
-              <a:buChar char="u"/>
-            </a:pPr>
-            <a:r>
-              <a:rPr lang="en-US" sz="1800" dirty="0">
-                <a:solidFill>
-                  <a:schemeClr val="tx1"/>
-                </a:solidFill>
-              </a:rPr>
-              <a:t>Machine learning is the practice of using algorithms to analyze data, learn from that data, and then make a determination or prediction about new data.</a:t>
-            </a:r>
-          </a:p>
-          <a:p>
-            <a:pPr marL="342900" indent="-342900" algn="l">
-              <a:buClr>
-                <a:srgbClr val="0070C0"/>
-              </a:buClr>
-              <a:buSzPct val="80000"/>
-              <a:buFont typeface="Wingdings" pitchFamily="2" charset="2"/>
-              <a:buChar char="u"/>
-            </a:pPr>
-            <a:r>
-              <a:rPr lang="en-US" sz="1800" dirty="0">
-                <a:solidFill>
-                  <a:schemeClr val="tx1"/>
-                </a:solidFill>
-              </a:rPr>
-              <a:t>from the definition of machine learning that we just gave, the focus is on the </a:t>
-            </a:r>
-            <a:r>
-              <a:rPr lang="en-US" sz="1800" dirty="0">
-                <a:solidFill>
-                  <a:srgbClr val="C00000"/>
-                </a:solidFill>
-              </a:rPr>
-              <a:t>“learn from that data</a:t>
-            </a:r>
-            <a:r>
-              <a:rPr lang="en-US" sz="1800" dirty="0">
-                <a:solidFill>
-                  <a:schemeClr val="tx1"/>
-                </a:solidFill>
-              </a:rPr>
-              <a:t>” part of the definition.</a:t>
-            </a:r>
-          </a:p>
-        </p:txBody>
-      </p:sp>
-    </p:spTree>
-    <p:extLst>
-      <p:ext uri="{BB962C8B-B14F-4D97-AF65-F5344CB8AC3E}">
-        <p14:creationId xmlns:p14="http://schemas.microsoft.com/office/powerpoint/2010/main" val="1578316719"/>
-      </p:ext>
-    </p:extLst>
-  </p:cSld>
-  <p:clrMapOvr>
-    <a:masterClrMapping/>
-  </p:clrMapOvr>
-</p:sld>
-</file>
-
-<file path=ppt/slides/slide8.xml><?xml version="1.0" encoding="utf-8"?>
-<p:sld xmlns:a="http://schemas.openxmlformats.org/drawingml/2006/main" xmlns:r="http://schemas.openxmlformats.org/officeDocument/2006/relationships" xmlns:p="http://schemas.openxmlformats.org/presentationml/2006/main">
-  <p:cSld>
-    <p:spTree>
-      <p:nvGrpSpPr>
-        <p:cNvPr id="1" name=""/>
-        <p:cNvGrpSpPr/>
-        <p:nvPr/>
-      </p:nvGrpSpPr>
-      <p:grpSpPr>
-        <a:xfrm>
-          <a:off x="0" y="0"/>
-          <a:ext cx="0" cy="0"/>
-          <a:chOff x="0" y="0"/>
-          <a:chExt cx="0" cy="0"/>
-        </a:xfrm>
-      </p:grpSpPr>
-      <p:sp>
-        <p:nvSpPr>
-          <p:cNvPr id="2" name="標題 1"/>
-          <p:cNvSpPr>
-            <a:spLocks noGrp="1"/>
-          </p:cNvSpPr>
-          <p:nvPr>
-            <p:ph type="ctrTitle"/>
-          </p:nvPr>
-        </p:nvSpPr>
-        <p:spPr>
-          <a:xfrm>
-            <a:off x="0" y="1"/>
-            <a:ext cx="9144000" cy="764704"/>
-          </a:xfrm>
-          <a:gradFill flip="none" rotWithShape="1">
-            <a:gsLst>
-              <a:gs pos="0">
-                <a:srgbClr val="C00000">
-                  <a:shade val="30000"/>
-                  <a:satMod val="115000"/>
-                </a:srgbClr>
-              </a:gs>
-              <a:gs pos="50000">
-                <a:srgbClr val="C00000">
-                  <a:shade val="67500"/>
-                  <a:satMod val="115000"/>
-                </a:srgbClr>
-              </a:gs>
-              <a:gs pos="100000">
-                <a:srgbClr val="C00000">
-                  <a:shade val="100000"/>
-                  <a:satMod val="115000"/>
-                </a:srgbClr>
-              </a:gs>
-            </a:gsLst>
-            <a:path path="circle">
-              <a:fillToRect t="100000" r="100000"/>
-            </a:path>
-            <a:tileRect l="-100000" b="-100000"/>
-          </a:gradFill>
-        </p:spPr>
-        <p:txBody>
-          <a:bodyPr>
-            <a:normAutofit/>
-          </a:bodyPr>
-          <a:lstStyle/>
-          <a:p>
-            <a:pPr algn="l"/>
-            <a:r>
-              <a:rPr lang="en-US" altLang="zh-TW" b="1" dirty="0">
-                <a:solidFill>
-                  <a:srgbClr val="FFFF00"/>
-                </a:solidFill>
-              </a:rPr>
-              <a:t>1 Deep Learning</a:t>
-            </a:r>
-            <a:endParaRPr lang="zh-TW" altLang="en-US" b="1" dirty="0">
-              <a:solidFill>
-                <a:srgbClr val="FFFF00"/>
-              </a:solidFill>
-            </a:endParaRPr>
-          </a:p>
-        </p:txBody>
-      </p:sp>
-      <p:sp>
-        <p:nvSpPr>
-          <p:cNvPr id="4" name="標題 1"/>
-          <p:cNvSpPr txBox="1">
-            <a:spLocks/>
-          </p:cNvSpPr>
-          <p:nvPr/>
-        </p:nvSpPr>
-        <p:spPr>
-          <a:xfrm>
-            <a:off x="0" y="764704"/>
-            <a:ext cx="9144000" cy="360040"/>
-          </a:xfrm>
-          <a:prstGeom prst="rect">
-            <a:avLst/>
-          </a:prstGeom>
-          <a:gradFill flip="none" rotWithShape="1">
-            <a:gsLst>
-              <a:gs pos="0">
-                <a:srgbClr val="00B0F0">
-                  <a:shade val="30000"/>
-                  <a:satMod val="115000"/>
-                </a:srgbClr>
-              </a:gs>
-              <a:gs pos="50000">
-                <a:srgbClr val="00B0F0">
-                  <a:shade val="67500"/>
-                  <a:satMod val="115000"/>
-                </a:srgbClr>
-              </a:gs>
-              <a:gs pos="100000">
-                <a:srgbClr val="00B0F0">
-                  <a:shade val="100000"/>
-                  <a:satMod val="115000"/>
-                </a:srgbClr>
-              </a:gs>
-            </a:gsLst>
-            <a:path path="circle">
-              <a:fillToRect t="100000" r="100000"/>
-            </a:path>
-            <a:tileRect l="-100000" b="-100000"/>
-          </a:gradFill>
-        </p:spPr>
-        <p:txBody>
-          <a:bodyPr vert="horz" lIns="91440" tIns="45720" rIns="91440" bIns="45720" rtlCol="0" anchor="ctr">
-            <a:normAutofit/>
-          </a:bodyPr>
-          <a:lstStyle/>
-          <a:p>
-            <a:pPr lvl="0">
-              <a:spcBef>
-                <a:spcPct val="0"/>
-              </a:spcBef>
-            </a:pPr>
-            <a:r>
-              <a:rPr lang="en-US" sz="1600" dirty="0">
-                <a:hlinkClick r:id="rId2"/>
-              </a:rPr>
-              <a:t>https://www.youtube.com/watch?v=gZmobeGL0Yg&amp;list=PLZbbT5o_s2xq7LwI2y8_QtvuXZedL6tQU</a:t>
-            </a:r>
-            <a:endParaRPr kumimoji="0" lang="zh-TW" altLang="en-US" sz="1600" b="0" i="0" u="none" strike="noStrike" kern="1200" cap="none" spc="0" normalizeH="0" baseline="0" noProof="0" dirty="0">
-              <a:ln>
-                <a:noFill/>
-              </a:ln>
-              <a:solidFill>
-                <a:schemeClr val="tx1"/>
-              </a:solidFill>
-              <a:effectLst/>
-              <a:uLnTx/>
-              <a:uFillTx/>
-              <a:latin typeface="+mj-lt"/>
-              <a:ea typeface="+mj-ea"/>
-              <a:cs typeface="+mj-cs"/>
-            </a:endParaRPr>
-          </a:p>
-        </p:txBody>
-      </p:sp>
-      <p:sp>
-        <p:nvSpPr>
-          <p:cNvPr id="5" name="日期版面配置區 4"/>
-          <p:cNvSpPr>
-            <a:spLocks noGrp="1"/>
-          </p:cNvSpPr>
-          <p:nvPr>
-            <p:ph type="dt" sz="half" idx="10"/>
-          </p:nvPr>
-        </p:nvSpPr>
-        <p:spPr/>
-        <p:txBody>
-          <a:bodyPr/>
-          <a:lstStyle/>
-          <a:p>
-            <a:fld id="{A4F910E6-8D00-4BAF-8C48-9688E0B449D3}" type="datetime1">
-              <a:rPr lang="zh-TW" altLang="en-US" smtClean="0"/>
-              <a:pPr/>
-              <a:t>2020/6/6</a:t>
-            </a:fld>
-            <a:endParaRPr lang="zh-TW" altLang="en-US"/>
-          </a:p>
-        </p:txBody>
-      </p:sp>
-      <p:sp>
-        <p:nvSpPr>
-          <p:cNvPr id="6" name="投影片編號版面配置區 5"/>
-          <p:cNvSpPr>
-            <a:spLocks noGrp="1"/>
-          </p:cNvSpPr>
-          <p:nvPr>
-            <p:ph type="sldNum" sz="quarter" idx="12"/>
-          </p:nvPr>
-        </p:nvSpPr>
-        <p:spPr/>
-        <p:txBody>
-          <a:bodyPr/>
-          <a:lstStyle/>
-          <a:p>
-            <a:fld id="{E4D7E63D-91F2-4366-A2C4-1B00C9E2590E}" type="slidenum">
-              <a:rPr lang="zh-TW" altLang="en-US" smtClean="0"/>
-              <a:pPr/>
-              <a:t>8</a:t>
-            </a:fld>
-            <a:endParaRPr lang="zh-TW" altLang="en-US"/>
-          </a:p>
-        </p:txBody>
-      </p:sp>
-      <p:sp>
-        <p:nvSpPr>
-          <p:cNvPr id="10" name="副標題 2">
-            <a:extLst>
-              <a:ext uri="{FF2B5EF4-FFF2-40B4-BE49-F238E27FC236}">
-                <a16:creationId xmlns:a16="http://schemas.microsoft.com/office/drawing/2014/main" id="{85E3A0F9-8A12-49C5-96C7-A2424A576F44}"/>
-              </a:ext>
-            </a:extLst>
-          </p:cNvPr>
-          <p:cNvSpPr txBox="1">
-            <a:spLocks/>
-          </p:cNvSpPr>
-          <p:nvPr/>
-        </p:nvSpPr>
-        <p:spPr>
-          <a:xfrm>
-            <a:off x="510362" y="1196752"/>
-            <a:ext cx="8176438" cy="2520279"/>
-          </a:xfrm>
-          <a:prstGeom prst="rect">
-            <a:avLst/>
-          </a:prstGeom>
-          <a:ln>
-            <a:solidFill>
-              <a:srgbClr val="C00000"/>
-            </a:solidFill>
-          </a:ln>
-        </p:spPr>
-        <p:txBody>
-          <a:bodyPr vert="horz" lIns="91440" tIns="45720" rIns="91440" bIns="45720" rtlCol="0">
-            <a:noAutofit/>
-          </a:bodyPr>
-          <a:lstStyle>
-            <a:lvl1pPr marL="0" indent="0" algn="ctr" defTabSz="914400" rtl="0" eaLnBrk="1" latinLnBrk="0" hangingPunct="1">
-              <a:spcBef>
-                <a:spcPct val="20000"/>
-              </a:spcBef>
-              <a:buFont typeface="Arial" pitchFamily="34" charset="0"/>
-              <a:buNone/>
-              <a:defRPr sz="3200" kern="1200">
-                <a:solidFill>
-                  <a:schemeClr val="tx1">
-                    <a:tint val="75000"/>
-                  </a:schemeClr>
-                </a:solidFill>
-                <a:latin typeface="+mn-lt"/>
-                <a:ea typeface="+mn-ea"/>
-                <a:cs typeface="+mn-cs"/>
-              </a:defRPr>
-            </a:lvl1pPr>
-            <a:lvl2pPr marL="457200" indent="0" algn="ctr" defTabSz="914400" rtl="0" eaLnBrk="1" latinLnBrk="0" hangingPunct="1">
-              <a:spcBef>
-                <a:spcPct val="20000"/>
-              </a:spcBef>
-              <a:buFont typeface="Arial" pitchFamily="34" charset="0"/>
-              <a:buNone/>
-              <a:defRPr sz="2800" kern="1200">
-                <a:solidFill>
-                  <a:schemeClr val="tx1">
-                    <a:tint val="75000"/>
-                  </a:schemeClr>
-                </a:solidFill>
-                <a:latin typeface="+mn-lt"/>
-                <a:ea typeface="+mn-ea"/>
-                <a:cs typeface="+mn-cs"/>
-              </a:defRPr>
-            </a:lvl2pPr>
-            <a:lvl3pPr marL="914400" indent="0" algn="ctr" defTabSz="914400" rtl="0" eaLnBrk="1" latinLnBrk="0" hangingPunct="1">
-              <a:spcBef>
-                <a:spcPct val="20000"/>
-              </a:spcBef>
-              <a:buFont typeface="Arial" pitchFamily="34" charset="0"/>
-              <a:buNone/>
-              <a:defRPr sz="2400" kern="1200">
-                <a:solidFill>
-                  <a:schemeClr val="tx1">
-                    <a:tint val="75000"/>
-                  </a:schemeClr>
-                </a:solidFill>
-                <a:latin typeface="+mn-lt"/>
-                <a:ea typeface="+mn-ea"/>
-                <a:cs typeface="+mn-cs"/>
-              </a:defRPr>
-            </a:lvl3pPr>
-            <a:lvl4pPr marL="1371600" indent="0" algn="ctr" defTabSz="914400" rtl="0" eaLnBrk="1" latinLnBrk="0" hangingPunct="1">
-              <a:spcBef>
-                <a:spcPct val="20000"/>
-              </a:spcBef>
-              <a:buFont typeface="Arial" pitchFamily="34" charset="0"/>
-              <a:buNone/>
-              <a:defRPr sz="2000" kern="1200">
-                <a:solidFill>
-                  <a:schemeClr val="tx1">
-                    <a:tint val="75000"/>
-                  </a:schemeClr>
-                </a:solidFill>
-                <a:latin typeface="+mn-lt"/>
-                <a:ea typeface="+mn-ea"/>
-                <a:cs typeface="+mn-cs"/>
-              </a:defRPr>
-            </a:lvl4pPr>
-            <a:lvl5pPr marL="1828800" indent="0" algn="ctr" defTabSz="914400" rtl="0" eaLnBrk="1" latinLnBrk="0" hangingPunct="1">
-              <a:spcBef>
-                <a:spcPct val="20000"/>
-              </a:spcBef>
-              <a:buFont typeface="Arial" pitchFamily="34" charset="0"/>
-              <a:buNone/>
-              <a:defRPr sz="2000" kern="1200">
-                <a:solidFill>
-                  <a:schemeClr val="tx1">
-                    <a:tint val="75000"/>
-                  </a:schemeClr>
-                </a:solidFill>
-                <a:latin typeface="+mn-lt"/>
-                <a:ea typeface="+mn-ea"/>
-                <a:cs typeface="+mn-cs"/>
-              </a:defRPr>
-            </a:lvl5pPr>
-            <a:lvl6pPr marL="2286000" indent="0" algn="ctr" defTabSz="914400" rtl="0" eaLnBrk="1" latinLnBrk="0" hangingPunct="1">
-              <a:spcBef>
-                <a:spcPct val="20000"/>
-              </a:spcBef>
-              <a:buFont typeface="Arial" pitchFamily="34" charset="0"/>
-              <a:buNone/>
-              <a:defRPr sz="2000" kern="1200">
-                <a:solidFill>
-                  <a:schemeClr val="tx1">
-                    <a:tint val="75000"/>
-                  </a:schemeClr>
-                </a:solidFill>
-                <a:latin typeface="+mn-lt"/>
-                <a:ea typeface="+mn-ea"/>
-                <a:cs typeface="+mn-cs"/>
-              </a:defRPr>
-            </a:lvl6pPr>
-            <a:lvl7pPr marL="2743200" indent="0" algn="ctr" defTabSz="914400" rtl="0" eaLnBrk="1" latinLnBrk="0" hangingPunct="1">
-              <a:spcBef>
-                <a:spcPct val="20000"/>
-              </a:spcBef>
-              <a:buFont typeface="Arial" pitchFamily="34" charset="0"/>
-              <a:buNone/>
-              <a:defRPr sz="2000" kern="1200">
-                <a:solidFill>
-                  <a:schemeClr val="tx1">
-                    <a:tint val="75000"/>
-                  </a:schemeClr>
-                </a:solidFill>
-                <a:latin typeface="+mn-lt"/>
-                <a:ea typeface="+mn-ea"/>
-                <a:cs typeface="+mn-cs"/>
-              </a:defRPr>
-            </a:lvl7pPr>
-            <a:lvl8pPr marL="3200400" indent="0" algn="ctr" defTabSz="914400" rtl="0" eaLnBrk="1" latinLnBrk="0" hangingPunct="1">
-              <a:spcBef>
-                <a:spcPct val="20000"/>
-              </a:spcBef>
-              <a:buFont typeface="Arial" pitchFamily="34" charset="0"/>
-              <a:buNone/>
-              <a:defRPr sz="2000" kern="1200">
-                <a:solidFill>
-                  <a:schemeClr val="tx1">
-                    <a:tint val="75000"/>
-                  </a:schemeClr>
-                </a:solidFill>
-                <a:latin typeface="+mn-lt"/>
-                <a:ea typeface="+mn-ea"/>
-                <a:cs typeface="+mn-cs"/>
-              </a:defRPr>
-            </a:lvl8pPr>
-            <a:lvl9pPr marL="3657600" indent="0" algn="ctr" defTabSz="914400" rtl="0" eaLnBrk="1" latinLnBrk="0" hangingPunct="1">
-              <a:spcBef>
-                <a:spcPct val="20000"/>
-              </a:spcBef>
-              <a:buFont typeface="Arial" pitchFamily="34" charset="0"/>
-              <a:buNone/>
-              <a:defRPr sz="2000" kern="1200">
-                <a:solidFill>
-                  <a:schemeClr val="tx1">
-                    <a:tint val="75000"/>
-                  </a:schemeClr>
-                </a:solidFill>
-                <a:latin typeface="+mn-lt"/>
-                <a:ea typeface="+mn-ea"/>
-                <a:cs typeface="+mn-cs"/>
-              </a:defRPr>
-            </a:lvl9pPr>
-          </a:lstStyle>
-          <a:p>
-            <a:pPr marL="342900" indent="-342900" algn="l">
-              <a:buClr>
-                <a:srgbClr val="0070C0"/>
-              </a:buClr>
-              <a:buSzPct val="80000"/>
-              <a:buFont typeface="Wingdings" pitchFamily="2" charset="2"/>
-              <a:buChar char="u"/>
-            </a:pPr>
-            <a:r>
-              <a:rPr lang="en-US" sz="1800" b="1" dirty="0">
-                <a:solidFill>
-                  <a:schemeClr val="tx1"/>
-                </a:solidFill>
-              </a:rPr>
-              <a:t>Machine Learning Vs. Traditional Programming</a:t>
-            </a:r>
-          </a:p>
-          <a:p>
-            <a:pPr marL="342900" indent="-342900" algn="l">
-              <a:buClr>
-                <a:srgbClr val="0070C0"/>
-              </a:buClr>
-              <a:buSzPct val="80000"/>
-              <a:buFont typeface="Wingdings" pitchFamily="2" charset="2"/>
-              <a:buChar char="u"/>
-            </a:pPr>
-            <a:r>
-              <a:rPr lang="en-US" sz="1800" dirty="0">
-                <a:solidFill>
-                  <a:schemeClr val="tx1"/>
-                </a:solidFill>
-              </a:rPr>
-              <a:t>Example: Analyzing the sentiment (</a:t>
-            </a:r>
-            <a:r>
-              <a:rPr lang="en-US" sz="1800" dirty="0" err="1">
-                <a:solidFill>
-                  <a:schemeClr val="tx1"/>
-                </a:solidFill>
-              </a:rPr>
-              <a:t>sentire</a:t>
-            </a:r>
-            <a:r>
-              <a:rPr lang="en-US" sz="1800" dirty="0">
-                <a:solidFill>
-                  <a:schemeClr val="tx1"/>
-                </a:solidFill>
-              </a:rPr>
-              <a:t>: feeling, personal feeling) of a popular media outlet and classifying that sentiment as positive or negative.</a:t>
-            </a:r>
-          </a:p>
-          <a:p>
-            <a:pPr marL="342900" indent="-342900" algn="l">
-              <a:buClr>
-                <a:srgbClr val="0070C0"/>
-              </a:buClr>
-              <a:buSzPct val="80000"/>
-              <a:buFont typeface="Wingdings" pitchFamily="2" charset="2"/>
-              <a:buChar char="u"/>
-            </a:pPr>
-            <a:r>
-              <a:rPr lang="en-US" sz="1800" b="1" dirty="0">
-                <a:solidFill>
-                  <a:schemeClr val="tx1"/>
-                </a:solidFill>
-              </a:rPr>
-              <a:t>Traditional Programming Approach</a:t>
-            </a:r>
-          </a:p>
-          <a:p>
-            <a:pPr marL="342900" indent="-342900" algn="l">
-              <a:buClr>
-                <a:srgbClr val="0070C0"/>
-              </a:buClr>
-              <a:buSzPct val="80000"/>
-              <a:buFont typeface="Wingdings" pitchFamily="2" charset="2"/>
-              <a:buChar char="u"/>
-            </a:pPr>
-            <a:r>
-              <a:rPr lang="en-US" sz="1800" dirty="0">
-                <a:solidFill>
-                  <a:schemeClr val="tx1"/>
-                </a:solidFill>
-              </a:rPr>
-              <a:t>The algorithm may first look for particular words associated with a negative or positive sentiment.</a:t>
-            </a:r>
-          </a:p>
-          <a:p>
-            <a:pPr marL="342900" indent="-342900" algn="l">
-              <a:buClr>
-                <a:srgbClr val="0070C0"/>
-              </a:buClr>
-              <a:buSzPct val="80000"/>
-              <a:buFont typeface="Wingdings" pitchFamily="2" charset="2"/>
-              <a:buChar char="u"/>
-            </a:pPr>
-            <a:r>
-              <a:rPr lang="en-US" sz="1800" dirty="0">
-                <a:solidFill>
-                  <a:schemeClr val="tx1"/>
-                </a:solidFill>
-              </a:rPr>
-              <a:t>With conditional statements, the algorithm would classify articles as positive or negative based on the words that it knows are positive or negative.</a:t>
-            </a:r>
-          </a:p>
-          <a:p>
-            <a:pPr marL="342900" indent="-342900" algn="l">
-              <a:buClr>
-                <a:srgbClr val="0070C0"/>
-              </a:buClr>
-              <a:buSzPct val="80000"/>
-              <a:buFont typeface="Wingdings" pitchFamily="2" charset="2"/>
-              <a:buChar char="u"/>
-            </a:pPr>
-            <a:endParaRPr lang="en-US" sz="1800" b="1" dirty="0">
-              <a:solidFill>
-                <a:schemeClr val="tx1"/>
-              </a:solidFill>
-            </a:endParaRPr>
-          </a:p>
-        </p:txBody>
-      </p:sp>
-      <p:pic>
-        <p:nvPicPr>
-          <p:cNvPr id="11" name="Picture 10">
-            <a:extLst>
-              <a:ext uri="{FF2B5EF4-FFF2-40B4-BE49-F238E27FC236}">
-                <a16:creationId xmlns:a16="http://schemas.microsoft.com/office/drawing/2014/main" id="{93B432CF-A800-458E-82B1-040A46F741C0}"/>
-              </a:ext>
-            </a:extLst>
-          </p:cNvPr>
-          <p:cNvPicPr>
-            <a:picLocks noChangeAspect="1"/>
-          </p:cNvPicPr>
-          <p:nvPr/>
-        </p:nvPicPr>
-        <p:blipFill>
-          <a:blip r:embed="rId3"/>
-          <a:stretch>
-            <a:fillRect/>
-          </a:stretch>
-        </p:blipFill>
-        <p:spPr>
-          <a:xfrm>
-            <a:off x="2915816" y="3862596"/>
-            <a:ext cx="1866900" cy="2828925"/>
-          </a:xfrm>
-          <a:prstGeom prst="rect">
-            <a:avLst/>
-          </a:prstGeom>
-          <a:ln>
-            <a:solidFill>
-              <a:srgbClr val="C00000"/>
-            </a:solidFill>
-          </a:ln>
-        </p:spPr>
-      </p:pic>
-    </p:spTree>
-    <p:extLst>
-      <p:ext uri="{BB962C8B-B14F-4D97-AF65-F5344CB8AC3E}">
-        <p14:creationId xmlns:p14="http://schemas.microsoft.com/office/powerpoint/2010/main" val="4259278826"/>
-      </p:ext>
-    </p:extLst>
-  </p:cSld>
-  <p:clrMapOvr>
-    <a:masterClrMapping/>
-  </p:clrMapOvr>
-</p:sld>
-</file>
-
-<file path=ppt/slides/slide9.xml><?xml version="1.0" encoding="utf-8"?>
-<p:sld xmlns:a="http://schemas.openxmlformats.org/drawingml/2006/main" xmlns:r="http://schemas.openxmlformats.org/officeDocument/2006/relationships" xmlns:p="http://schemas.openxmlformats.org/presentationml/2006/main">
-  <p:cSld>
-    <p:spTree>
-      <p:nvGrpSpPr>
-        <p:cNvPr id="1" name=""/>
-        <p:cNvGrpSpPr/>
-        <p:nvPr/>
-      </p:nvGrpSpPr>
-      <p:grpSpPr>
-        <a:xfrm>
-          <a:off x="0" y="0"/>
-          <a:ext cx="0" cy="0"/>
-          <a:chOff x="0" y="0"/>
-          <a:chExt cx="0" cy="0"/>
-        </a:xfrm>
-      </p:grpSpPr>
-      <p:sp>
-        <p:nvSpPr>
-          <p:cNvPr id="2" name="標題 1"/>
-          <p:cNvSpPr>
-            <a:spLocks noGrp="1"/>
-          </p:cNvSpPr>
-          <p:nvPr>
-            <p:ph type="ctrTitle"/>
-          </p:nvPr>
-        </p:nvSpPr>
-        <p:spPr>
-          <a:xfrm>
-            <a:off x="0" y="1"/>
-            <a:ext cx="9144000" cy="764704"/>
-          </a:xfrm>
-          <a:gradFill flip="none" rotWithShape="1">
-            <a:gsLst>
-              <a:gs pos="0">
-                <a:srgbClr val="C00000">
-                  <a:shade val="30000"/>
-                  <a:satMod val="115000"/>
-                </a:srgbClr>
-              </a:gs>
-              <a:gs pos="50000">
-                <a:srgbClr val="C00000">
-                  <a:shade val="67500"/>
-                  <a:satMod val="115000"/>
-                </a:srgbClr>
-              </a:gs>
-              <a:gs pos="100000">
-                <a:srgbClr val="C00000">
-                  <a:shade val="100000"/>
-                  <a:satMod val="115000"/>
-                </a:srgbClr>
-              </a:gs>
-            </a:gsLst>
-            <a:path path="circle">
-              <a:fillToRect t="100000" r="100000"/>
-            </a:path>
-            <a:tileRect l="-100000" b="-100000"/>
-          </a:gradFill>
-        </p:spPr>
-        <p:txBody>
-          <a:bodyPr>
-            <a:normAutofit/>
-          </a:bodyPr>
-          <a:lstStyle/>
-          <a:p>
-            <a:pPr algn="l"/>
-            <a:r>
-              <a:rPr lang="en-US" altLang="zh-TW" b="1" dirty="0">
-                <a:solidFill>
-                  <a:srgbClr val="FFFF00"/>
-                </a:solidFill>
-              </a:rPr>
-              <a:t>1 Deep Learning</a:t>
-            </a:r>
-            <a:endParaRPr lang="zh-TW" altLang="en-US" b="1" dirty="0">
-              <a:solidFill>
-                <a:srgbClr val="FFFF00"/>
-              </a:solidFill>
-            </a:endParaRPr>
-          </a:p>
-        </p:txBody>
-      </p:sp>
-      <p:sp>
-        <p:nvSpPr>
-          <p:cNvPr id="4" name="標題 1"/>
-          <p:cNvSpPr txBox="1">
-            <a:spLocks/>
-          </p:cNvSpPr>
-          <p:nvPr/>
-        </p:nvSpPr>
-        <p:spPr>
-          <a:xfrm>
-            <a:off x="0" y="764704"/>
-            <a:ext cx="9144000" cy="360040"/>
-          </a:xfrm>
-          <a:prstGeom prst="rect">
-            <a:avLst/>
-          </a:prstGeom>
-          <a:gradFill flip="none" rotWithShape="1">
-            <a:gsLst>
-              <a:gs pos="0">
-                <a:srgbClr val="00B0F0">
-                  <a:shade val="30000"/>
-                  <a:satMod val="115000"/>
-                </a:srgbClr>
-              </a:gs>
-              <a:gs pos="50000">
-                <a:srgbClr val="00B0F0">
-                  <a:shade val="67500"/>
-                  <a:satMod val="115000"/>
-                </a:srgbClr>
-              </a:gs>
-              <a:gs pos="100000">
-                <a:srgbClr val="00B0F0">
-                  <a:shade val="100000"/>
-                  <a:satMod val="115000"/>
-                </a:srgbClr>
-              </a:gs>
-            </a:gsLst>
-            <a:path path="circle">
-              <a:fillToRect t="100000" r="100000"/>
-            </a:path>
-            <a:tileRect l="-100000" b="-100000"/>
-          </a:gradFill>
-        </p:spPr>
-        <p:txBody>
-          <a:bodyPr vert="horz" lIns="91440" tIns="45720" rIns="91440" bIns="45720" rtlCol="0" anchor="ctr">
-            <a:normAutofit/>
-          </a:bodyPr>
-          <a:lstStyle/>
-          <a:p>
-            <a:pPr lvl="0">
-              <a:spcBef>
-                <a:spcPct val="0"/>
-              </a:spcBef>
-            </a:pPr>
-            <a:r>
-              <a:rPr lang="en-US" sz="1600" dirty="0">
-                <a:hlinkClick r:id="rId2"/>
-              </a:rPr>
-              <a:t>https://www.youtube.com/watch?v=gZmobeGL0Yg&amp;list=PLZbbT5o_s2xq7LwI2y8_QtvuXZedL6tQU</a:t>
-            </a:r>
-            <a:endParaRPr kumimoji="0" lang="zh-TW" altLang="en-US" sz="1600" b="0" i="0" u="none" strike="noStrike" kern="1200" cap="none" spc="0" normalizeH="0" baseline="0" noProof="0" dirty="0">
-              <a:ln>
-                <a:noFill/>
-              </a:ln>
-              <a:solidFill>
-                <a:schemeClr val="tx1"/>
-              </a:solidFill>
-              <a:effectLst/>
-              <a:uLnTx/>
-              <a:uFillTx/>
-              <a:latin typeface="+mj-lt"/>
-              <a:ea typeface="+mj-ea"/>
-              <a:cs typeface="+mj-cs"/>
-            </a:endParaRPr>
-          </a:p>
-        </p:txBody>
-      </p:sp>
-      <p:sp>
-        <p:nvSpPr>
-          <p:cNvPr id="5" name="日期版面配置區 4"/>
-          <p:cNvSpPr>
-            <a:spLocks noGrp="1"/>
-          </p:cNvSpPr>
-          <p:nvPr>
-            <p:ph type="dt" sz="half" idx="10"/>
-          </p:nvPr>
-        </p:nvSpPr>
-        <p:spPr/>
-        <p:txBody>
-          <a:bodyPr/>
-          <a:lstStyle/>
-          <a:p>
-            <a:fld id="{A4F910E6-8D00-4BAF-8C48-9688E0B449D3}" type="datetime1">
-              <a:rPr lang="zh-TW" altLang="en-US" smtClean="0"/>
-              <a:pPr/>
-              <a:t>2020/6/6</a:t>
-            </a:fld>
-            <a:endParaRPr lang="zh-TW" altLang="en-US"/>
-          </a:p>
-        </p:txBody>
-      </p:sp>
-      <p:sp>
-        <p:nvSpPr>
-          <p:cNvPr id="6" name="投影片編號版面配置區 5"/>
-          <p:cNvSpPr>
-            <a:spLocks noGrp="1"/>
-          </p:cNvSpPr>
-          <p:nvPr>
-            <p:ph type="sldNum" sz="quarter" idx="12"/>
-          </p:nvPr>
-        </p:nvSpPr>
-        <p:spPr/>
-        <p:txBody>
-          <a:bodyPr/>
-          <a:lstStyle/>
-          <a:p>
-            <a:fld id="{E4D7E63D-91F2-4366-A2C4-1B00C9E2590E}" type="slidenum">
-              <a:rPr lang="zh-TW" altLang="en-US" smtClean="0"/>
-              <a:pPr/>
-              <a:t>9</a:t>
-            </a:fld>
-            <a:endParaRPr lang="zh-TW" altLang="en-US"/>
-          </a:p>
-        </p:txBody>
-      </p:sp>
-      <p:sp>
-        <p:nvSpPr>
-          <p:cNvPr id="10" name="副標題 2">
-            <a:extLst>
-              <a:ext uri="{FF2B5EF4-FFF2-40B4-BE49-F238E27FC236}">
-                <a16:creationId xmlns:a16="http://schemas.microsoft.com/office/drawing/2014/main" id="{85E3A0F9-8A12-49C5-96C7-A2424A576F44}"/>
-              </a:ext>
-            </a:extLst>
-          </p:cNvPr>
-          <p:cNvSpPr txBox="1">
-            <a:spLocks/>
-          </p:cNvSpPr>
-          <p:nvPr/>
-        </p:nvSpPr>
-        <p:spPr>
-          <a:xfrm>
-            <a:off x="510362" y="1196752"/>
-            <a:ext cx="8176438" cy="2808311"/>
-          </a:xfrm>
-          <a:prstGeom prst="rect">
-            <a:avLst/>
-          </a:prstGeom>
-          <a:ln>
-            <a:solidFill>
-              <a:srgbClr val="C00000"/>
-            </a:solidFill>
-          </a:ln>
-        </p:spPr>
-        <p:txBody>
-          <a:bodyPr vert="horz" lIns="91440" tIns="45720" rIns="91440" bIns="45720" rtlCol="0">
-            <a:noAutofit/>
-          </a:bodyPr>
-          <a:lstStyle>
-            <a:lvl1pPr marL="0" indent="0" algn="ctr" defTabSz="914400" rtl="0" eaLnBrk="1" latinLnBrk="0" hangingPunct="1">
-              <a:spcBef>
-                <a:spcPct val="20000"/>
-              </a:spcBef>
-              <a:buFont typeface="Arial" pitchFamily="34" charset="0"/>
-              <a:buNone/>
-              <a:defRPr sz="3200" kern="1200">
-                <a:solidFill>
-                  <a:schemeClr val="tx1">
-                    <a:tint val="75000"/>
-                  </a:schemeClr>
-                </a:solidFill>
-                <a:latin typeface="+mn-lt"/>
-                <a:ea typeface="+mn-ea"/>
-                <a:cs typeface="+mn-cs"/>
-              </a:defRPr>
-            </a:lvl1pPr>
-            <a:lvl2pPr marL="457200" indent="0" algn="ctr" defTabSz="914400" rtl="0" eaLnBrk="1" latinLnBrk="0" hangingPunct="1">
-              <a:spcBef>
-                <a:spcPct val="20000"/>
-              </a:spcBef>
-              <a:buFont typeface="Arial" pitchFamily="34" charset="0"/>
-              <a:buNone/>
-              <a:defRPr sz="2800" kern="1200">
-                <a:solidFill>
-                  <a:schemeClr val="tx1">
-                    <a:tint val="75000"/>
-                  </a:schemeClr>
-                </a:solidFill>
-                <a:latin typeface="+mn-lt"/>
-                <a:ea typeface="+mn-ea"/>
-                <a:cs typeface="+mn-cs"/>
-              </a:defRPr>
-            </a:lvl2pPr>
-            <a:lvl3pPr marL="914400" indent="0" algn="ctr" defTabSz="914400" rtl="0" eaLnBrk="1" latinLnBrk="0" hangingPunct="1">
-              <a:spcBef>
-                <a:spcPct val="20000"/>
-              </a:spcBef>
-              <a:buFont typeface="Arial" pitchFamily="34" charset="0"/>
-              <a:buNone/>
-              <a:defRPr sz="2400" kern="1200">
-                <a:solidFill>
-                  <a:schemeClr val="tx1">
-                    <a:tint val="75000"/>
-                  </a:schemeClr>
-                </a:solidFill>
-                <a:latin typeface="+mn-lt"/>
-                <a:ea typeface="+mn-ea"/>
-                <a:cs typeface="+mn-cs"/>
-              </a:defRPr>
-            </a:lvl3pPr>
-            <a:lvl4pPr marL="1371600" indent="0" algn="ctr" defTabSz="914400" rtl="0" eaLnBrk="1" latinLnBrk="0" hangingPunct="1">
-              <a:spcBef>
-                <a:spcPct val="20000"/>
-              </a:spcBef>
-              <a:buFont typeface="Arial" pitchFamily="34" charset="0"/>
-              <a:buNone/>
-              <a:defRPr sz="2000" kern="1200">
-                <a:solidFill>
-                  <a:schemeClr val="tx1">
-                    <a:tint val="75000"/>
-                  </a:schemeClr>
-                </a:solidFill>
-                <a:latin typeface="+mn-lt"/>
-                <a:ea typeface="+mn-ea"/>
-                <a:cs typeface="+mn-cs"/>
-              </a:defRPr>
-            </a:lvl4pPr>
-            <a:lvl5pPr marL="1828800" indent="0" algn="ctr" defTabSz="914400" rtl="0" eaLnBrk="1" latinLnBrk="0" hangingPunct="1">
-              <a:spcBef>
-                <a:spcPct val="20000"/>
-              </a:spcBef>
-              <a:buFont typeface="Arial" pitchFamily="34" charset="0"/>
-              <a:buNone/>
-              <a:defRPr sz="2000" kern="1200">
-                <a:solidFill>
-                  <a:schemeClr val="tx1">
-                    <a:tint val="75000"/>
-                  </a:schemeClr>
-                </a:solidFill>
-                <a:latin typeface="+mn-lt"/>
-                <a:ea typeface="+mn-ea"/>
-                <a:cs typeface="+mn-cs"/>
-              </a:defRPr>
-            </a:lvl5pPr>
-            <a:lvl6pPr marL="2286000" indent="0" algn="ctr" defTabSz="914400" rtl="0" eaLnBrk="1" latinLnBrk="0" hangingPunct="1">
-              <a:spcBef>
-                <a:spcPct val="20000"/>
-              </a:spcBef>
-              <a:buFont typeface="Arial" pitchFamily="34" charset="0"/>
-              <a:buNone/>
-              <a:defRPr sz="2000" kern="1200">
-                <a:solidFill>
-                  <a:schemeClr val="tx1">
-                    <a:tint val="75000"/>
-                  </a:schemeClr>
-                </a:solidFill>
-                <a:latin typeface="+mn-lt"/>
-                <a:ea typeface="+mn-ea"/>
-                <a:cs typeface="+mn-cs"/>
-              </a:defRPr>
-            </a:lvl6pPr>
-            <a:lvl7pPr marL="2743200" indent="0" algn="ctr" defTabSz="914400" rtl="0" eaLnBrk="1" latinLnBrk="0" hangingPunct="1">
-              <a:spcBef>
-                <a:spcPct val="20000"/>
-              </a:spcBef>
-              <a:buFont typeface="Arial" pitchFamily="34" charset="0"/>
-              <a:buNone/>
-              <a:defRPr sz="2000" kern="1200">
-                <a:solidFill>
-                  <a:schemeClr val="tx1">
-                    <a:tint val="75000"/>
-                  </a:schemeClr>
-                </a:solidFill>
-                <a:latin typeface="+mn-lt"/>
-                <a:ea typeface="+mn-ea"/>
-                <a:cs typeface="+mn-cs"/>
-              </a:defRPr>
-            </a:lvl7pPr>
-            <a:lvl8pPr marL="3200400" indent="0" algn="ctr" defTabSz="914400" rtl="0" eaLnBrk="1" latinLnBrk="0" hangingPunct="1">
-              <a:spcBef>
-                <a:spcPct val="20000"/>
-              </a:spcBef>
-              <a:buFont typeface="Arial" pitchFamily="34" charset="0"/>
-              <a:buNone/>
-              <a:defRPr sz="2000" kern="1200">
-                <a:solidFill>
-                  <a:schemeClr val="tx1">
-                    <a:tint val="75000"/>
-                  </a:schemeClr>
-                </a:solidFill>
-                <a:latin typeface="+mn-lt"/>
-                <a:ea typeface="+mn-ea"/>
-                <a:cs typeface="+mn-cs"/>
-              </a:defRPr>
-            </a:lvl8pPr>
-            <a:lvl9pPr marL="3657600" indent="0" algn="ctr" defTabSz="914400" rtl="0" eaLnBrk="1" latinLnBrk="0" hangingPunct="1">
-              <a:spcBef>
-                <a:spcPct val="20000"/>
-              </a:spcBef>
-              <a:buFont typeface="Arial" pitchFamily="34" charset="0"/>
-              <a:buNone/>
-              <a:defRPr sz="2000" kern="1200">
-                <a:solidFill>
-                  <a:schemeClr val="tx1">
-                    <a:tint val="75000"/>
-                  </a:schemeClr>
-                </a:solidFill>
-                <a:latin typeface="+mn-lt"/>
-                <a:ea typeface="+mn-ea"/>
-                <a:cs typeface="+mn-cs"/>
-              </a:defRPr>
-            </a:lvl9pPr>
-          </a:lstStyle>
-          <a:p>
-            <a:pPr marL="342900" indent="-342900" algn="l">
-              <a:buClr>
-                <a:srgbClr val="0070C0"/>
-              </a:buClr>
-              <a:buSzPct val="80000"/>
-              <a:buFont typeface="Wingdings" pitchFamily="2" charset="2"/>
-              <a:buChar char="u"/>
-            </a:pPr>
-            <a:r>
-              <a:rPr lang="en-US" sz="1800" b="1" dirty="0">
-                <a:solidFill>
-                  <a:schemeClr val="tx1"/>
-                </a:solidFill>
-              </a:rPr>
-              <a:t>Machine Learning Approach</a:t>
-            </a:r>
-          </a:p>
-          <a:p>
-            <a:pPr marL="342900" indent="-342900" algn="l">
-              <a:buClr>
-                <a:srgbClr val="0070C0"/>
-              </a:buClr>
-              <a:buSzPct val="80000"/>
-              <a:buFont typeface="Wingdings" pitchFamily="2" charset="2"/>
-              <a:buChar char="u"/>
-            </a:pPr>
-            <a:r>
-              <a:rPr lang="en-US" sz="1800" dirty="0">
-                <a:solidFill>
-                  <a:schemeClr val="tx1"/>
-                </a:solidFill>
-              </a:rPr>
-              <a:t>The algorithm analyzes given media data and learns the features that classify what a negative article looks like versus a positive article.</a:t>
-            </a:r>
-          </a:p>
-          <a:p>
-            <a:pPr marL="342900" indent="-342900" algn="l">
-              <a:buClr>
-                <a:srgbClr val="0070C0"/>
-              </a:buClr>
-              <a:buSzPct val="80000"/>
-              <a:buFont typeface="Wingdings" pitchFamily="2" charset="2"/>
-              <a:buChar char="u"/>
-            </a:pPr>
-            <a:r>
-              <a:rPr lang="en-US" sz="1800" dirty="0">
-                <a:solidFill>
-                  <a:schemeClr val="tx1"/>
-                </a:solidFill>
-              </a:rPr>
-              <a:t>With what it has learned, the algorithm can then classify new articles as positive or negative. </a:t>
-            </a:r>
-          </a:p>
-          <a:p>
-            <a:pPr marL="342900" indent="-342900" algn="l">
-              <a:buClr>
-                <a:srgbClr val="0070C0"/>
-              </a:buClr>
-              <a:buSzPct val="80000"/>
-              <a:buFont typeface="Wingdings" pitchFamily="2" charset="2"/>
-              <a:buChar char="u"/>
-            </a:pPr>
-            <a:r>
-              <a:rPr lang="en-US" sz="1800" dirty="0">
-                <a:solidFill>
-                  <a:schemeClr val="tx1"/>
-                </a:solidFill>
-              </a:rPr>
-              <a:t>As a machine learning programmer in this case, you won't be </a:t>
-            </a:r>
-            <a:r>
-              <a:rPr lang="en-US" sz="1800" b="1" dirty="0">
-                <a:solidFill>
-                  <a:srgbClr val="C00000"/>
-                </a:solidFill>
-              </a:rPr>
-              <a:t>explicitly specifying the words for the algorithm to recognize</a:t>
-            </a:r>
-            <a:r>
-              <a:rPr lang="en-US" sz="1800" dirty="0">
-                <a:solidFill>
-                  <a:schemeClr val="tx1"/>
-                </a:solidFill>
-              </a:rPr>
-              <a:t>. </a:t>
-            </a:r>
-          </a:p>
-          <a:p>
-            <a:pPr marL="342900" indent="-342900" algn="l">
-              <a:buClr>
-                <a:srgbClr val="0070C0"/>
-              </a:buClr>
-              <a:buSzPct val="80000"/>
-              <a:buFont typeface="Wingdings" pitchFamily="2" charset="2"/>
-              <a:buChar char="u"/>
-            </a:pPr>
-            <a:r>
-              <a:rPr lang="en-US" sz="1800" dirty="0">
-                <a:solidFill>
-                  <a:schemeClr val="tx1"/>
-                </a:solidFill>
-              </a:rPr>
-              <a:t>Instead, the algorithm will “learn” that certain words are positive or negative based on labels given to each article it examines.</a:t>
-            </a:r>
-          </a:p>
-        </p:txBody>
-      </p:sp>
-      <p:pic>
-        <p:nvPicPr>
-          <p:cNvPr id="12" name="Picture 11">
-            <a:extLst>
-              <a:ext uri="{FF2B5EF4-FFF2-40B4-BE49-F238E27FC236}">
-                <a16:creationId xmlns:a16="http://schemas.microsoft.com/office/drawing/2014/main" id="{85E7934E-FB54-4320-BA88-63C2A0395B83}"/>
-              </a:ext>
-            </a:extLst>
-          </p:cNvPr>
-          <p:cNvPicPr>
-            <a:picLocks noChangeAspect="1"/>
-          </p:cNvPicPr>
-          <p:nvPr/>
-        </p:nvPicPr>
-        <p:blipFill>
-          <a:blip r:embed="rId3"/>
-          <a:stretch>
-            <a:fillRect/>
-          </a:stretch>
-        </p:blipFill>
-        <p:spPr>
-          <a:xfrm>
-            <a:off x="2771800" y="4013238"/>
-            <a:ext cx="4215556" cy="2957078"/>
-          </a:xfrm>
-          <a:prstGeom prst="rect">
-            <a:avLst/>
-          </a:prstGeom>
-          <a:ln>
-            <a:solidFill>
-              <a:srgbClr val="C00000"/>
-            </a:solidFill>
-          </a:ln>
-        </p:spPr>
-      </p:pic>
-    </p:spTree>
-    <p:extLst>
-      <p:ext uri="{BB962C8B-B14F-4D97-AF65-F5344CB8AC3E}">
-        <p14:creationId xmlns:p14="http://schemas.microsoft.com/office/powerpoint/2010/main" val="3770322375"/>
       </p:ext>
     </p:extLst>
   </p:cSld>
